--- a/images/flowchart/block_scheme.pptx
+++ b/images/flowchart/block_scheme.pptx
@@ -17,8 +17,8 @@
     <p:sldId id="271" r:id="rId8"/>
     <p:sldId id="272" r:id="rId9"/>
     <p:sldId id="275" r:id="rId10"/>
-    <p:sldId id="274" r:id="rId11"/>
-    <p:sldId id="273" r:id="rId12"/>
+    <p:sldId id="273" r:id="rId11"/>
+    <p:sldId id="274" r:id="rId12"/>
   </p:sldIdLst>
   <p:sldSz cx="9144000" cy="6858000" type="screen4x3"/>
   <p:notesSz cx="6858000" cy="9144000"/>
@@ -222,7 +222,7 @@
           <a:p>
             <a:fld id="{2F6F1BCE-1FE9-4644-9CDB-12C2BD4EE37B}" type="datetimeFigureOut">
               <a:rPr lang="de-DE" smtClean="0"/>
-              <a:t>10.09.2024</a:t>
+              <a:t>11.09.2024</a:t>
             </a:fld>
             <a:endParaRPr lang="de-DE"/>
           </a:p>
@@ -647,7 +647,7 @@
     </p:spTree>
     <p:extLst>
       <p:ext uri="{BB962C8B-B14F-4D97-AF65-F5344CB8AC3E}">
-        <p14:creationId xmlns:p14="http://schemas.microsoft.com/office/powerpoint/2010/main" val="1472829004"/>
+        <p14:creationId xmlns:p14="http://schemas.microsoft.com/office/powerpoint/2010/main" val="3457892585"/>
       </p:ext>
     </p:extLst>
   </p:cSld>
@@ -731,7 +731,7 @@
     </p:spTree>
     <p:extLst>
       <p:ext uri="{BB962C8B-B14F-4D97-AF65-F5344CB8AC3E}">
-        <p14:creationId xmlns:p14="http://schemas.microsoft.com/office/powerpoint/2010/main" val="3457892585"/>
+        <p14:creationId xmlns:p14="http://schemas.microsoft.com/office/powerpoint/2010/main" val="1472829004"/>
       </p:ext>
     </p:extLst>
   </p:cSld>
@@ -1592,7 +1592,7 @@
           <a:p>
             <a:fld id="{68096437-929F-41B4-A44E-96A3364BC2EF}" type="datetimeFigureOut">
               <a:rPr lang="de-DE" smtClean="0"/>
-              <a:t>10.09.2024</a:t>
+              <a:t>11.09.2024</a:t>
             </a:fld>
             <a:endParaRPr lang="de-DE"/>
           </a:p>
@@ -1760,7 +1760,7 @@
           <a:p>
             <a:fld id="{68096437-929F-41B4-A44E-96A3364BC2EF}" type="datetimeFigureOut">
               <a:rPr lang="de-DE" smtClean="0"/>
-              <a:t>10.09.2024</a:t>
+              <a:t>11.09.2024</a:t>
             </a:fld>
             <a:endParaRPr lang="de-DE"/>
           </a:p>
@@ -1938,7 +1938,7 @@
           <a:p>
             <a:fld id="{68096437-929F-41B4-A44E-96A3364BC2EF}" type="datetimeFigureOut">
               <a:rPr lang="de-DE" smtClean="0"/>
-              <a:t>10.09.2024</a:t>
+              <a:t>11.09.2024</a:t>
             </a:fld>
             <a:endParaRPr lang="de-DE"/>
           </a:p>
@@ -2106,7 +2106,7 @@
           <a:p>
             <a:fld id="{68096437-929F-41B4-A44E-96A3364BC2EF}" type="datetimeFigureOut">
               <a:rPr lang="de-DE" smtClean="0"/>
-              <a:t>10.09.2024</a:t>
+              <a:t>11.09.2024</a:t>
             </a:fld>
             <a:endParaRPr lang="de-DE"/>
           </a:p>
@@ -2351,7 +2351,7 @@
           <a:p>
             <a:fld id="{68096437-929F-41B4-A44E-96A3364BC2EF}" type="datetimeFigureOut">
               <a:rPr lang="de-DE" smtClean="0"/>
-              <a:t>10.09.2024</a:t>
+              <a:t>11.09.2024</a:t>
             </a:fld>
             <a:endParaRPr lang="de-DE"/>
           </a:p>
@@ -2636,7 +2636,7 @@
           <a:p>
             <a:fld id="{68096437-929F-41B4-A44E-96A3364BC2EF}" type="datetimeFigureOut">
               <a:rPr lang="de-DE" smtClean="0"/>
-              <a:t>10.09.2024</a:t>
+              <a:t>11.09.2024</a:t>
             </a:fld>
             <a:endParaRPr lang="de-DE"/>
           </a:p>
@@ -3055,7 +3055,7 @@
           <a:p>
             <a:fld id="{68096437-929F-41B4-A44E-96A3364BC2EF}" type="datetimeFigureOut">
               <a:rPr lang="de-DE" smtClean="0"/>
-              <a:t>10.09.2024</a:t>
+              <a:t>11.09.2024</a:t>
             </a:fld>
             <a:endParaRPr lang="de-DE"/>
           </a:p>
@@ -3172,7 +3172,7 @@
           <a:p>
             <a:fld id="{68096437-929F-41B4-A44E-96A3364BC2EF}" type="datetimeFigureOut">
               <a:rPr lang="de-DE" smtClean="0"/>
-              <a:t>10.09.2024</a:t>
+              <a:t>11.09.2024</a:t>
             </a:fld>
             <a:endParaRPr lang="de-DE"/>
           </a:p>
@@ -3267,7 +3267,7 @@
           <a:p>
             <a:fld id="{68096437-929F-41B4-A44E-96A3364BC2EF}" type="datetimeFigureOut">
               <a:rPr lang="de-DE" smtClean="0"/>
-              <a:t>10.09.2024</a:t>
+              <a:t>11.09.2024</a:t>
             </a:fld>
             <a:endParaRPr lang="de-DE"/>
           </a:p>
@@ -3542,7 +3542,7 @@
           <a:p>
             <a:fld id="{68096437-929F-41B4-A44E-96A3364BC2EF}" type="datetimeFigureOut">
               <a:rPr lang="de-DE" smtClean="0"/>
-              <a:t>10.09.2024</a:t>
+              <a:t>11.09.2024</a:t>
             </a:fld>
             <a:endParaRPr lang="de-DE"/>
           </a:p>
@@ -3794,7 +3794,7 @@
           <a:p>
             <a:fld id="{68096437-929F-41B4-A44E-96A3364BC2EF}" type="datetimeFigureOut">
               <a:rPr lang="de-DE" smtClean="0"/>
-              <a:t>10.09.2024</a:t>
+              <a:t>11.09.2024</a:t>
             </a:fld>
             <a:endParaRPr lang="de-DE"/>
           </a:p>
@@ -4005,7 +4005,7 @@
           <a:p>
             <a:fld id="{68096437-929F-41B4-A44E-96A3364BC2EF}" type="datetimeFigureOut">
               <a:rPr lang="de-DE" smtClean="0"/>
-              <a:t>10.09.2024</a:t>
+              <a:t>11.09.2024</a:t>
             </a:fld>
             <a:endParaRPr lang="de-DE"/>
           </a:p>
@@ -10519,8 +10519,8 @@
         </p:nvSpPr>
         <p:spPr>
           <a:xfrm>
-            <a:off x="5336109" y="2083137"/>
-            <a:ext cx="4647653" cy="3118871"/>
+            <a:off x="5336110" y="2083137"/>
+            <a:ext cx="4603240" cy="3118871"/>
           </a:xfrm>
           <a:prstGeom prst="flowChartProcess">
             <a:avLst/>
@@ -10557,6 +10557,60 @@
           <a:p>
             <a:pPr algn="ctr"/>
             <a:endParaRPr lang="de-DE" sz="1350" dirty="0"/>
+          </a:p>
+        </p:txBody>
+      </p:sp>
+      <p:sp>
+        <p:nvSpPr>
+          <p:cNvPr id="54" name="Flussdiagramm: Prozess 63">
+            <a:extLst>
+              <a:ext uri="{FF2B5EF4-FFF2-40B4-BE49-F238E27FC236}">
+                <a16:creationId xmlns:a16="http://schemas.microsoft.com/office/drawing/2014/main" id="{3F560DBF-6BA0-4F1F-A470-9ECCD15E87FC}"/>
+              </a:ext>
+            </a:extLst>
+          </p:cNvPr>
+          <p:cNvSpPr/>
+          <p:nvPr/>
+        </p:nvSpPr>
+        <p:spPr>
+          <a:xfrm>
+            <a:off x="5336111" y="3251769"/>
+            <a:ext cx="2700480" cy="800525"/>
+          </a:xfrm>
+          <a:prstGeom prst="flowChartProcess">
+            <a:avLst/>
+          </a:prstGeom>
+          <a:solidFill>
+            <a:srgbClr val="FF66FF">
+              <a:alpha val="40000"/>
+            </a:srgbClr>
+          </a:solidFill>
+          <a:ln>
+            <a:noFill/>
+          </a:ln>
+        </p:spPr>
+        <p:style>
+          <a:lnRef idx="2">
+            <a:schemeClr val="accent1">
+              <a:shade val="50000"/>
+            </a:schemeClr>
+          </a:lnRef>
+          <a:fillRef idx="1">
+            <a:schemeClr val="accent1"/>
+          </a:fillRef>
+          <a:effectRef idx="0">
+            <a:schemeClr val="accent1"/>
+          </a:effectRef>
+          <a:fontRef idx="minor">
+            <a:schemeClr val="lt1"/>
+          </a:fontRef>
+        </p:style>
+        <p:txBody>
+          <a:bodyPr rtlCol="0" anchor="ctr"/>
+          <a:lstStyle/>
+          <a:p>
+            <a:pPr algn="ctr"/>
+            <a:endParaRPr lang="de-DE" dirty="0"/>
           </a:p>
         </p:txBody>
       </p:sp>
@@ -10574,8 +10628,8 @@
         </p:nvSpPr>
         <p:spPr>
           <a:xfrm>
-            <a:off x="7560791" y="2087137"/>
-            <a:ext cx="2411809" cy="1241155"/>
+            <a:off x="7560793" y="2087138"/>
+            <a:ext cx="1264900" cy="940070"/>
           </a:xfrm>
           <a:prstGeom prst="flowChartProcess">
             <a:avLst/>
@@ -11358,7 +11412,21 @@
                 <a:latin typeface="Futura"/>
                 <a:cs typeface="Times New Roman" panose="02020603050405020304" pitchFamily="18" charset="0"/>
               </a:rPr>
-              <a:t>Virtual Support Vector Machine </a:t>
+              <a:t>Virtual Support Vector Machine + </a:t>
+            </a:r>
+            <a:r>
+              <a:rPr lang="en-US" sz="1700" b="1" dirty="0">
+                <a:latin typeface="Futura"/>
+                <a:cs typeface="Times New Roman" panose="02020603050405020304" pitchFamily="18" charset="0"/>
+              </a:rPr>
+              <a:t>SEMI</a:t>
+            </a:r>
+            <a:r>
+              <a:rPr lang="en-US" sz="1700" dirty="0">
+                <a:latin typeface="Futura"/>
+                <a:cs typeface="Times New Roman" panose="02020603050405020304" pitchFamily="18" charset="0"/>
+              </a:rPr>
+              <a:t> </a:t>
             </a:r>
             <a:endParaRPr lang="de-DE" sz="1700" dirty="0">
               <a:latin typeface="Futura"/>
@@ -11587,6 +11655,4028 @@
             </p:nvSpPr>
             <p:spPr>
               <a:xfrm>
+                <a:off x="7647309" y="857680"/>
+                <a:ext cx="1080000" cy="963027"/>
+              </a:xfrm>
+              <a:prstGeom prst="can">
+                <a:avLst/>
+              </a:prstGeom>
+              <a:solidFill>
+                <a:schemeClr val="bg1">
+                  <a:lumMod val="95000"/>
+                </a:schemeClr>
+              </a:solidFill>
+              <a:ln w="12700">
+                <a:solidFill>
+                  <a:schemeClr val="tx1"/>
+                </a:solidFill>
+              </a:ln>
+            </p:spPr>
+            <p:style>
+              <a:lnRef idx="2">
+                <a:schemeClr val="accent1">
+                  <a:shade val="50000"/>
+                </a:schemeClr>
+              </a:lnRef>
+              <a:fillRef idx="1">
+                <a:schemeClr val="accent1"/>
+              </a:fillRef>
+              <a:effectRef idx="0">
+                <a:schemeClr val="accent1"/>
+              </a:effectRef>
+              <a:fontRef idx="minor">
+                <a:schemeClr val="lt1"/>
+              </a:fontRef>
+            </p:style>
+            <p:txBody>
+              <a:bodyPr rtlCol="0" anchor="ctr"/>
+              <a:lstStyle/>
+              <a:p>
+                <a:pPr algn="ctr"/>
+                <a:r>
+                  <a:rPr lang="en-US" sz="1050" dirty="0">
+                    <a:solidFill>
+                      <a:schemeClr val="tx1"/>
+                    </a:solidFill>
+                    <a:latin typeface="Futura"/>
+                    <a:cs typeface="Times New Roman" panose="02020603050405020304" pitchFamily="18" charset="0"/>
+                  </a:rPr>
+                  <a:t>pool of unlabeled samples </a:t>
+                </a:r>
+                <a14:m>
+                  <m:oMath xmlns:m="http://schemas.openxmlformats.org/officeDocument/2006/math">
+                    <m:acc>
+                      <m:accPr>
+                        <m:chr m:val="̃"/>
+                        <m:ctrlPr>
+                          <a:rPr lang="en-US" sz="1050" i="1">
+                            <a:solidFill>
+                              <a:schemeClr val="tx1"/>
+                            </a:solidFill>
+                            <a:latin typeface="Cambria Math" panose="02040503050406030204" pitchFamily="18" charset="0"/>
+                            <a:cs typeface="Times New Roman" panose="02020603050405020304" pitchFamily="18" charset="0"/>
+                          </a:rPr>
+                        </m:ctrlPr>
+                      </m:accPr>
+                      <m:e>
+                        <m:r>
+                          <a:rPr lang="en-US" sz="1050" i="1">
+                            <a:solidFill>
+                              <a:schemeClr val="tx1"/>
+                            </a:solidFill>
+                            <a:latin typeface="Cambria Math" panose="02040503050406030204" pitchFamily="18" charset="0"/>
+                            <a:cs typeface="Times New Roman" panose="02020603050405020304" pitchFamily="18" charset="0"/>
+                          </a:rPr>
+                          <m:t>𝑈</m:t>
+                        </m:r>
+                      </m:e>
+                    </m:acc>
+                  </m:oMath>
+                </a14:m>
+                <a:endParaRPr lang="en-US" sz="1050" dirty="0">
+                  <a:solidFill>
+                    <a:schemeClr val="tx1"/>
+                  </a:solidFill>
+                  <a:latin typeface="Futura"/>
+                  <a:cs typeface="Times New Roman" panose="02020603050405020304" pitchFamily="18" charset="0"/>
+                </a:endParaRPr>
+              </a:p>
+            </p:txBody>
+          </p:sp>
+        </mc:Choice>
+        <mc:Fallback>
+          <p:sp>
+            <p:nvSpPr>
+              <p:cNvPr id="103" name="Zylinder 102">
+                <a:extLst>
+                  <a:ext uri="{FF2B5EF4-FFF2-40B4-BE49-F238E27FC236}">
+                    <a16:creationId xmlns:a16="http://schemas.microsoft.com/office/drawing/2014/main" id="{FB57FE56-DDB0-4D71-9998-2808DD09E0E0}"/>
+                  </a:ext>
+                </a:extLst>
+              </p:cNvPr>
+              <p:cNvSpPr>
+                <a:spLocks noRot="1" noChangeAspect="1" noMove="1" noResize="1" noEditPoints="1" noAdjustHandles="1" noChangeArrowheads="1" noChangeShapeType="1" noTextEdit="1"/>
+              </p:cNvSpPr>
+              <p:nvPr/>
+            </p:nvSpPr>
+            <p:spPr>
+              <a:xfrm>
+                <a:off x="7647309" y="857680"/>
+                <a:ext cx="1080000" cy="963027"/>
+              </a:xfrm>
+              <a:prstGeom prst="can">
+                <a:avLst/>
+              </a:prstGeom>
+              <a:blipFill>
+                <a:blip r:embed="rId6"/>
+                <a:stretch>
+                  <a:fillRect r="-5556"/>
+                </a:stretch>
+              </a:blipFill>
+              <a:ln w="12700">
+                <a:solidFill>
+                  <a:schemeClr val="tx1"/>
+                </a:solidFill>
+              </a:ln>
+            </p:spPr>
+            <p:txBody>
+              <a:bodyPr/>
+              <a:lstStyle/>
+              <a:p>
+                <a:r>
+                  <a:rPr lang="en-GB">
+                    <a:noFill/>
+                  </a:rPr>
+                  <a:t> </a:t>
+                </a:r>
+              </a:p>
+            </p:txBody>
+          </p:sp>
+        </mc:Fallback>
+      </mc:AlternateContent>
+      <p:sp>
+        <p:nvSpPr>
+          <p:cNvPr id="209" name="Textfeld 64">
+            <a:extLst>
+              <a:ext uri="{FF2B5EF4-FFF2-40B4-BE49-F238E27FC236}">
+                <a16:creationId xmlns:a16="http://schemas.microsoft.com/office/drawing/2014/main" id="{90BE4522-8B58-4A93-B1B1-B95C41BD39B6}"/>
+              </a:ext>
+            </a:extLst>
+          </p:cNvPr>
+          <p:cNvSpPr txBox="1"/>
+          <p:nvPr/>
+        </p:nvSpPr>
+        <p:spPr>
+          <a:xfrm>
+            <a:off x="8848338" y="2067472"/>
+            <a:ext cx="1230742" cy="253916"/>
+          </a:xfrm>
+          <a:prstGeom prst="rect">
+            <a:avLst/>
+          </a:prstGeom>
+          <a:noFill/>
+        </p:spPr>
+        <p:txBody>
+          <a:bodyPr wrap="square" rtlCol="0">
+            <a:spAutoFit/>
+          </a:bodyPr>
+          <a:lstStyle/>
+          <a:p>
+            <a:r>
+              <a:rPr lang="en-US" sz="1050" b="1" dirty="0">
+                <a:solidFill>
+                  <a:schemeClr val="tx1">
+                    <a:lumMod val="75000"/>
+                    <a:lumOff val="25000"/>
+                  </a:schemeClr>
+                </a:solidFill>
+                <a:latin typeface="Futura"/>
+                <a:cs typeface="Times New Roman" panose="02020603050405020304" pitchFamily="18" charset="0"/>
+              </a:rPr>
+              <a:t>active learning</a:t>
+            </a:r>
+          </a:p>
+        </p:txBody>
+      </p:sp>
+      <p:cxnSp>
+        <p:nvCxnSpPr>
+          <p:cNvPr id="234" name="Gewinkelte Verbindung 27">
+            <a:extLst>
+              <a:ext uri="{FF2B5EF4-FFF2-40B4-BE49-F238E27FC236}">
+                <a16:creationId xmlns:a16="http://schemas.microsoft.com/office/drawing/2014/main" id="{65FF37ED-D4BD-441C-8BB5-6E2BDEE63AF7}"/>
+              </a:ext>
+            </a:extLst>
+          </p:cNvPr>
+          <p:cNvCxnSpPr>
+            <a:cxnSpLocks/>
+            <a:endCxn id="88" idx="1"/>
+          </p:cNvCxnSpPr>
+          <p:nvPr/>
+        </p:nvCxnSpPr>
+        <p:spPr>
+          <a:xfrm rot="5400000">
+            <a:off x="-912017" y="3004185"/>
+            <a:ext cx="2773759" cy="417412"/>
+          </a:xfrm>
+          <a:prstGeom prst="bentConnector4">
+            <a:avLst>
+              <a:gd name="adj1" fmla="val 5421"/>
+              <a:gd name="adj2" fmla="val 143812"/>
+            </a:avLst>
+          </a:prstGeom>
+          <a:ln w="12700">
+            <a:solidFill>
+              <a:schemeClr val="tx1"/>
+            </a:solidFill>
+            <a:tailEnd type="triangle"/>
+          </a:ln>
+        </p:spPr>
+        <p:style>
+          <a:lnRef idx="1">
+            <a:schemeClr val="accent1"/>
+          </a:lnRef>
+          <a:fillRef idx="0">
+            <a:schemeClr val="accent1"/>
+          </a:fillRef>
+          <a:effectRef idx="0">
+            <a:schemeClr val="accent1"/>
+          </a:effectRef>
+          <a:fontRef idx="minor">
+            <a:schemeClr val="tx1"/>
+          </a:fontRef>
+        </p:style>
+      </p:cxnSp>
+      <p:cxnSp>
+        <p:nvCxnSpPr>
+          <p:cNvPr id="364" name="Gerade Verbindung mit Pfeil 98">
+            <a:extLst>
+              <a:ext uri="{FF2B5EF4-FFF2-40B4-BE49-F238E27FC236}">
+                <a16:creationId xmlns:a16="http://schemas.microsoft.com/office/drawing/2014/main" id="{3EA6BF85-25D4-4C10-B8DB-668CEC8831A0}"/>
+              </a:ext>
+            </a:extLst>
+          </p:cNvPr>
+          <p:cNvCxnSpPr>
+            <a:cxnSpLocks/>
+            <a:stCxn id="85" idx="2"/>
+            <a:endCxn id="8" idx="0"/>
+          </p:cNvCxnSpPr>
+          <p:nvPr/>
+        </p:nvCxnSpPr>
+        <p:spPr>
+          <a:xfrm>
+            <a:off x="9116517" y="4928659"/>
+            <a:ext cx="0" cy="518814"/>
+          </a:xfrm>
+          <a:prstGeom prst="straightConnector1">
+            <a:avLst/>
+          </a:prstGeom>
+          <a:ln w="12700">
+            <a:solidFill>
+              <a:schemeClr val="tx1"/>
+            </a:solidFill>
+            <a:tailEnd type="triangle"/>
+          </a:ln>
+        </p:spPr>
+        <p:style>
+          <a:lnRef idx="1">
+            <a:schemeClr val="accent1"/>
+          </a:lnRef>
+          <a:fillRef idx="0">
+            <a:schemeClr val="accent1"/>
+          </a:fillRef>
+          <a:effectRef idx="0">
+            <a:schemeClr val="accent1"/>
+          </a:effectRef>
+          <a:fontRef idx="minor">
+            <a:schemeClr val="tx1"/>
+          </a:fontRef>
+        </p:style>
+      </p:cxnSp>
+      <p:cxnSp>
+        <p:nvCxnSpPr>
+          <p:cNvPr id="149" name="Gerade Verbindung mit Pfeil 42">
+            <a:extLst>
+              <a:ext uri="{FF2B5EF4-FFF2-40B4-BE49-F238E27FC236}">
+                <a16:creationId xmlns:a16="http://schemas.microsoft.com/office/drawing/2014/main" id="{7DAD0877-0710-4853-89F9-273CEE2FABE2}"/>
+              </a:ext>
+            </a:extLst>
+          </p:cNvPr>
+          <p:cNvCxnSpPr>
+            <a:cxnSpLocks/>
+            <a:stCxn id="90" idx="0"/>
+            <a:endCxn id="103" idx="3"/>
+          </p:cNvCxnSpPr>
+          <p:nvPr/>
+        </p:nvCxnSpPr>
+        <p:spPr>
+          <a:xfrm flipV="1">
+            <a:off x="8187309" y="1820707"/>
+            <a:ext cx="0" cy="386495"/>
+          </a:xfrm>
+          <a:prstGeom prst="straightConnector1">
+            <a:avLst/>
+          </a:prstGeom>
+          <a:ln w="12700">
+            <a:solidFill>
+              <a:schemeClr val="tx1"/>
+            </a:solidFill>
+            <a:headEnd type="triangle"/>
+            <a:tailEnd type="none"/>
+          </a:ln>
+        </p:spPr>
+        <p:style>
+          <a:lnRef idx="1">
+            <a:schemeClr val="accent1"/>
+          </a:lnRef>
+          <a:fillRef idx="0">
+            <a:schemeClr val="accent1"/>
+          </a:fillRef>
+          <a:effectRef idx="0">
+            <a:schemeClr val="accent1"/>
+          </a:effectRef>
+          <a:fontRef idx="minor">
+            <a:schemeClr val="tx1"/>
+          </a:fontRef>
+        </p:style>
+      </p:cxnSp>
+      <mc:AlternateContent xmlns:mc="http://schemas.openxmlformats.org/markup-compatibility/2006" xmlns:a14="http://schemas.microsoft.com/office/drawing/2010/main">
+        <mc:Choice Requires="a14">
+          <p:sp>
+            <p:nvSpPr>
+              <p:cNvPr id="165" name="Textfeld 60">
+                <a:extLst>
+                  <a:ext uri="{FF2B5EF4-FFF2-40B4-BE49-F238E27FC236}">
+                    <a16:creationId xmlns:a16="http://schemas.microsoft.com/office/drawing/2014/main" id="{64CAEF2F-7591-49CE-8AD8-ABE8B25A1418}"/>
+                  </a:ext>
+                </a:extLst>
+              </p:cNvPr>
+              <p:cNvSpPr txBox="1"/>
+              <p:nvPr/>
+            </p:nvSpPr>
+            <p:spPr>
+              <a:xfrm>
+                <a:off x="6457043" y="2492143"/>
+                <a:ext cx="1085368" cy="261610"/>
+              </a:xfrm>
+              <a:prstGeom prst="rect">
+                <a:avLst/>
+              </a:prstGeom>
+              <a:noFill/>
+            </p:spPr>
+            <p:txBody>
+              <a:bodyPr wrap="square" rtlCol="0">
+                <a:spAutoFit/>
+              </a:bodyPr>
+              <a:lstStyle/>
+              <a:p>
+                <a:pPr/>
+                <a14:m>
+                  <m:oMathPara xmlns:m="http://schemas.openxmlformats.org/officeDocument/2006/math">
+                    <m:oMathParaPr>
+                      <m:jc m:val="centerGroup"/>
+                    </m:oMathParaPr>
+                    <m:oMath xmlns:m="http://schemas.openxmlformats.org/officeDocument/2006/math">
+                      <m:sSub>
+                        <m:sSubPr>
+                          <m:ctrlPr>
+                            <a:rPr lang="de-DE" sz="1100" i="1">
+                              <a:solidFill>
+                                <a:prstClr val="black"/>
+                              </a:solidFill>
+                              <a:latin typeface="Cambria Math" panose="02040503050406030204" pitchFamily="18" charset="0"/>
+                            </a:rPr>
+                          </m:ctrlPr>
+                        </m:sSubPr>
+                        <m:e>
+                          <m:r>
+                            <a:rPr lang="it-IT" sz="1100" b="0" i="1" smtClean="0">
+                              <a:solidFill>
+                                <a:prstClr val="black"/>
+                              </a:solidFill>
+                              <a:latin typeface="Cambria Math" panose="02040503050406030204" pitchFamily="18" charset="0"/>
+                            </a:rPr>
+                            <m:t>𝑈</m:t>
+                          </m:r>
+                        </m:e>
+                        <m:sub>
+                          <m:r>
+                            <a:rPr lang="it-IT" sz="1100" i="1">
+                              <a:solidFill>
+                                <a:prstClr val="black"/>
+                              </a:solidFill>
+                              <a:latin typeface="Cambria Math" panose="02040503050406030204" pitchFamily="18" charset="0"/>
+                            </a:rPr>
+                            <m:t>𝑚𝑜𝑠𝑡</m:t>
+                          </m:r>
+                          <m:r>
+                            <a:rPr lang="it-IT" sz="1100" i="1">
+                              <a:solidFill>
+                                <a:prstClr val="black"/>
+                              </a:solidFill>
+                              <a:latin typeface="Cambria Math" panose="02040503050406030204" pitchFamily="18" charset="0"/>
+                            </a:rPr>
+                            <m:t>−</m:t>
+                          </m:r>
+                          <m:r>
+                            <a:rPr lang="it-IT" sz="1100" i="1">
+                              <a:solidFill>
+                                <a:prstClr val="black"/>
+                              </a:solidFill>
+                              <a:latin typeface="Cambria Math" panose="02040503050406030204" pitchFamily="18" charset="0"/>
+                            </a:rPr>
+                            <m:t>𝑢𝑛𝑐𝑒𝑟𝑡𝑎𝑖𝑛</m:t>
+                          </m:r>
+                        </m:sub>
+                      </m:sSub>
+                    </m:oMath>
+                  </m:oMathPara>
+                </a14:m>
+                <a:endParaRPr lang="de-DE" sz="1350" dirty="0">
+                  <a:latin typeface="Futura"/>
+                </a:endParaRPr>
+              </a:p>
+            </p:txBody>
+          </p:sp>
+        </mc:Choice>
+        <mc:Fallback xmlns="">
+          <p:sp>
+            <p:nvSpPr>
+              <p:cNvPr id="165" name="Textfeld 60">
+                <a:extLst>
+                  <a:ext uri="{FF2B5EF4-FFF2-40B4-BE49-F238E27FC236}">
+                    <a16:creationId xmlns:a16="http://schemas.microsoft.com/office/drawing/2014/main" id="{64CAEF2F-7591-49CE-8AD8-ABE8B25A1418}"/>
+                  </a:ext>
+                </a:extLst>
+              </p:cNvPr>
+              <p:cNvSpPr txBox="1">
+                <a:spLocks noRot="1" noChangeAspect="1" noMove="1" noResize="1" noEditPoints="1" noAdjustHandles="1" noChangeArrowheads="1" noChangeShapeType="1" noTextEdit="1"/>
+              </p:cNvSpPr>
+              <p:nvPr/>
+            </p:nvSpPr>
+            <p:spPr>
+              <a:xfrm>
+                <a:off x="6457043" y="2492143"/>
+                <a:ext cx="1085368" cy="261610"/>
+              </a:xfrm>
+              <a:prstGeom prst="rect">
+                <a:avLst/>
+              </a:prstGeom>
+              <a:blipFill>
+                <a:blip r:embed="rId7"/>
+                <a:stretch>
+                  <a:fillRect/>
+                </a:stretch>
+              </a:blipFill>
+            </p:spPr>
+            <p:txBody>
+              <a:bodyPr/>
+              <a:lstStyle/>
+              <a:p>
+                <a:r>
+                  <a:rPr lang="en-GB">
+                    <a:noFill/>
+                  </a:rPr>
+                  <a:t> </a:t>
+                </a:r>
+              </a:p>
+            </p:txBody>
+          </p:sp>
+        </mc:Fallback>
+      </mc:AlternateContent>
+      <p:cxnSp>
+        <p:nvCxnSpPr>
+          <p:cNvPr id="109" name="Gerade Verbindung mit Pfeil 69">
+            <a:extLst>
+              <a:ext uri="{FF2B5EF4-FFF2-40B4-BE49-F238E27FC236}">
+                <a16:creationId xmlns:a16="http://schemas.microsoft.com/office/drawing/2014/main" id="{1699A4F2-6735-41BD-B99E-135F28B94023}"/>
+              </a:ext>
+            </a:extLst>
+          </p:cNvPr>
+          <p:cNvCxnSpPr>
+            <a:cxnSpLocks/>
+          </p:cNvCxnSpPr>
+          <p:nvPr/>
+        </p:nvCxnSpPr>
+        <p:spPr>
+          <a:xfrm flipV="1">
+            <a:off x="7599851" y="4727118"/>
+            <a:ext cx="1057666" cy="2608"/>
+          </a:xfrm>
+          <a:prstGeom prst="straightConnector1">
+            <a:avLst/>
+          </a:prstGeom>
+          <a:ln w="12700">
+            <a:solidFill>
+              <a:schemeClr val="tx1"/>
+            </a:solidFill>
+            <a:tailEnd type="triangle"/>
+          </a:ln>
+        </p:spPr>
+        <p:style>
+          <a:lnRef idx="1">
+            <a:schemeClr val="accent1"/>
+          </a:lnRef>
+          <a:fillRef idx="0">
+            <a:schemeClr val="accent1"/>
+          </a:fillRef>
+          <a:effectRef idx="0">
+            <a:schemeClr val="accent1"/>
+          </a:effectRef>
+          <a:fontRef idx="minor">
+            <a:schemeClr val="tx1"/>
+          </a:fontRef>
+        </p:style>
+      </p:cxnSp>
+      <p:cxnSp>
+        <p:nvCxnSpPr>
+          <p:cNvPr id="113" name="Gewinkelte Verbindung 40">
+            <a:extLst>
+              <a:ext uri="{FF2B5EF4-FFF2-40B4-BE49-F238E27FC236}">
+                <a16:creationId xmlns:a16="http://schemas.microsoft.com/office/drawing/2014/main" id="{F1A3E4B9-D271-4C99-95D5-7909449FDA90}"/>
+              </a:ext>
+            </a:extLst>
+          </p:cNvPr>
+          <p:cNvCxnSpPr>
+            <a:cxnSpLocks/>
+            <a:stCxn id="60" idx="3"/>
+            <a:endCxn id="85" idx="0"/>
+          </p:cNvCxnSpPr>
+          <p:nvPr/>
+        </p:nvCxnSpPr>
+        <p:spPr>
+          <a:xfrm>
+            <a:off x="3815788" y="3573758"/>
+            <a:ext cx="5300729" cy="706503"/>
+          </a:xfrm>
+          <a:prstGeom prst="bentConnector2">
+            <a:avLst/>
+          </a:prstGeom>
+          <a:ln w="12700">
+            <a:solidFill>
+              <a:schemeClr val="tx1"/>
+            </a:solidFill>
+            <a:tailEnd type="triangle"/>
+          </a:ln>
+        </p:spPr>
+        <p:style>
+          <a:lnRef idx="1">
+            <a:schemeClr val="accent1"/>
+          </a:lnRef>
+          <a:fillRef idx="0">
+            <a:schemeClr val="accent1"/>
+          </a:fillRef>
+          <a:effectRef idx="0">
+            <a:schemeClr val="accent1"/>
+          </a:effectRef>
+          <a:fontRef idx="minor">
+            <a:schemeClr val="tx1"/>
+          </a:fontRef>
+        </p:style>
+      </p:cxnSp>
+      <p:sp>
+        <p:nvSpPr>
+          <p:cNvPr id="123" name="Flussdiagramm: Prozess 21">
+            <a:extLst>
+              <a:ext uri="{FF2B5EF4-FFF2-40B4-BE49-F238E27FC236}">
+                <a16:creationId xmlns:a16="http://schemas.microsoft.com/office/drawing/2014/main" id="{2A706D72-0E57-490A-AF66-DB01038BAA16}"/>
+              </a:ext>
+            </a:extLst>
+          </p:cNvPr>
+          <p:cNvSpPr/>
+          <p:nvPr/>
+        </p:nvSpPr>
+        <p:spPr>
+          <a:xfrm>
+            <a:off x="5336110" y="4166400"/>
+            <a:ext cx="2819174" cy="1035609"/>
+          </a:xfrm>
+          <a:prstGeom prst="flowChartProcess">
+            <a:avLst/>
+          </a:prstGeom>
+          <a:solidFill>
+            <a:srgbClr val="0070C0">
+              <a:alpha val="40000"/>
+            </a:srgbClr>
+          </a:solidFill>
+          <a:ln>
+            <a:noFill/>
+          </a:ln>
+        </p:spPr>
+        <p:style>
+          <a:lnRef idx="2">
+            <a:schemeClr val="accent1">
+              <a:shade val="50000"/>
+            </a:schemeClr>
+          </a:lnRef>
+          <a:fillRef idx="1">
+            <a:schemeClr val="accent1"/>
+          </a:fillRef>
+          <a:effectRef idx="0">
+            <a:schemeClr val="accent1"/>
+          </a:effectRef>
+          <a:fontRef idx="minor">
+            <a:schemeClr val="lt1"/>
+          </a:fontRef>
+        </p:style>
+        <p:txBody>
+          <a:bodyPr rtlCol="0" anchor="ctr"/>
+          <a:lstStyle/>
+          <a:p>
+            <a:pPr algn="ctr"/>
+            <a:endParaRPr lang="de-DE" sz="1350"/>
+          </a:p>
+        </p:txBody>
+      </p:sp>
+      <p:cxnSp>
+        <p:nvCxnSpPr>
+          <p:cNvPr id="126" name="Gerade Verbindung mit Pfeil 69">
+            <a:extLst>
+              <a:ext uri="{FF2B5EF4-FFF2-40B4-BE49-F238E27FC236}">
+                <a16:creationId xmlns:a16="http://schemas.microsoft.com/office/drawing/2014/main" id="{DF0EDA5A-BD1A-4DFA-BC63-56A50EC0A540}"/>
+              </a:ext>
+            </a:extLst>
+          </p:cNvPr>
+          <p:cNvCxnSpPr>
+            <a:cxnSpLocks/>
+            <a:stCxn id="82" idx="3"/>
+            <a:endCxn id="81" idx="1"/>
+          </p:cNvCxnSpPr>
+          <p:nvPr/>
+        </p:nvCxnSpPr>
+        <p:spPr>
+          <a:xfrm flipV="1">
+            <a:off x="6438823" y="4599772"/>
+            <a:ext cx="246790" cy="2802"/>
+          </a:xfrm>
+          <a:prstGeom prst="straightConnector1">
+            <a:avLst/>
+          </a:prstGeom>
+          <a:ln w="12700">
+            <a:solidFill>
+              <a:schemeClr val="tx1"/>
+            </a:solidFill>
+            <a:tailEnd type="triangle"/>
+          </a:ln>
+        </p:spPr>
+        <p:style>
+          <a:lnRef idx="1">
+            <a:schemeClr val="accent1"/>
+          </a:lnRef>
+          <a:fillRef idx="0">
+            <a:schemeClr val="accent1"/>
+          </a:fillRef>
+          <a:effectRef idx="0">
+            <a:schemeClr val="accent1"/>
+          </a:effectRef>
+          <a:fontRef idx="minor">
+            <a:schemeClr val="tx1"/>
+          </a:fontRef>
+        </p:style>
+      </p:cxnSp>
+      <mc:AlternateContent xmlns:mc="http://schemas.openxmlformats.org/markup-compatibility/2006" xmlns:a14="http://schemas.microsoft.com/office/drawing/2010/main">
+        <mc:Choice Requires="a14">
+          <p:sp>
+            <p:nvSpPr>
+              <p:cNvPr id="128" name="Textfeld 18">
+                <a:extLst>
+                  <a:ext uri="{FF2B5EF4-FFF2-40B4-BE49-F238E27FC236}">
+                    <a16:creationId xmlns:a16="http://schemas.microsoft.com/office/drawing/2014/main" id="{0E369AFF-F5F6-4635-A774-A326CF31B49B}"/>
+                  </a:ext>
+                </a:extLst>
+              </p:cNvPr>
+              <p:cNvSpPr txBox="1"/>
+              <p:nvPr/>
+            </p:nvSpPr>
+            <p:spPr>
+              <a:xfrm>
+                <a:off x="7527540" y="4704295"/>
+                <a:ext cx="509050" cy="266163"/>
+              </a:xfrm>
+              <a:prstGeom prst="rect">
+                <a:avLst/>
+              </a:prstGeom>
+              <a:noFill/>
+            </p:spPr>
+            <p:txBody>
+              <a:bodyPr wrap="square" rtlCol="0">
+                <a:spAutoFit/>
+              </a:bodyPr>
+              <a:lstStyle/>
+              <a:p>
+                <a:pPr/>
+                <a14:m>
+                  <m:oMathPara xmlns:m="http://schemas.openxmlformats.org/officeDocument/2006/math">
+                    <m:oMathParaPr>
+                      <m:jc m:val="centerGroup"/>
+                    </m:oMathParaPr>
+                    <m:oMath xmlns:m="http://schemas.openxmlformats.org/officeDocument/2006/math">
+                      <m:sSup>
+                        <m:sSupPr>
+                          <m:ctrlPr>
+                            <a:rPr lang="de-DE" sz="1100" i="1">
+                              <a:latin typeface="Cambria Math" panose="02040503050406030204" pitchFamily="18" charset="0"/>
+                            </a:rPr>
+                          </m:ctrlPr>
+                        </m:sSupPr>
+                        <m:e>
+                          <m:acc>
+                            <m:accPr>
+                              <m:chr m:val="̂"/>
+                              <m:ctrlPr>
+                                <a:rPr lang="de-DE" sz="1100" i="1">
+                                  <a:latin typeface="Cambria Math" panose="02040503050406030204" pitchFamily="18" charset="0"/>
+                                </a:rPr>
+                              </m:ctrlPr>
+                            </m:accPr>
+                            <m:e>
+                              <m:r>
+                                <a:rPr lang="de-DE" sz="1100" i="1">
+                                  <a:latin typeface="Cambria Math" panose="02040503050406030204" pitchFamily="18" charset="0"/>
+                                </a:rPr>
+                                <m:t>𝑉</m:t>
+                              </m:r>
+                            </m:e>
+                          </m:acc>
+                        </m:e>
+                        <m:sup>
+                          <m:r>
+                            <a:rPr lang="de-DE" sz="1100" i="1">
+                              <a:latin typeface="Cambria Math" panose="02040503050406030204" pitchFamily="18" charset="0"/>
+                            </a:rPr>
+                            <m:t>𝑆𝑉</m:t>
+                          </m:r>
+                        </m:sup>
+                      </m:sSup>
+                    </m:oMath>
+                  </m:oMathPara>
+                </a14:m>
+                <a:endParaRPr lang="de-DE" sz="1350" dirty="0">
+                  <a:latin typeface="Futura"/>
+                </a:endParaRPr>
+              </a:p>
+            </p:txBody>
+          </p:sp>
+        </mc:Choice>
+        <mc:Fallback xmlns="">
+          <p:sp>
+            <p:nvSpPr>
+              <p:cNvPr id="128" name="Textfeld 18">
+                <a:extLst>
+                  <a:ext uri="{FF2B5EF4-FFF2-40B4-BE49-F238E27FC236}">
+                    <a16:creationId xmlns:a16="http://schemas.microsoft.com/office/drawing/2014/main" id="{0E369AFF-F5F6-4635-A774-A326CF31B49B}"/>
+                  </a:ext>
+                </a:extLst>
+              </p:cNvPr>
+              <p:cNvSpPr txBox="1">
+                <a:spLocks noRot="1" noChangeAspect="1" noMove="1" noResize="1" noEditPoints="1" noAdjustHandles="1" noChangeArrowheads="1" noChangeShapeType="1" noTextEdit="1"/>
+              </p:cNvSpPr>
+              <p:nvPr/>
+            </p:nvSpPr>
+            <p:spPr>
+              <a:xfrm>
+                <a:off x="7527540" y="4704295"/>
+                <a:ext cx="509050" cy="266163"/>
+              </a:xfrm>
+              <a:prstGeom prst="rect">
+                <a:avLst/>
+              </a:prstGeom>
+              <a:blipFill>
+                <a:blip r:embed="rId9"/>
+                <a:stretch>
+                  <a:fillRect/>
+                </a:stretch>
+              </a:blipFill>
+            </p:spPr>
+            <p:txBody>
+              <a:bodyPr/>
+              <a:lstStyle/>
+              <a:p>
+                <a:r>
+                  <a:rPr lang="en-GB">
+                    <a:noFill/>
+                  </a:rPr>
+                  <a:t> </a:t>
+                </a:r>
+              </a:p>
+            </p:txBody>
+          </p:sp>
+        </mc:Fallback>
+      </mc:AlternateContent>
+      <mc:AlternateContent xmlns:mc="http://schemas.openxmlformats.org/markup-compatibility/2006">
+        <mc:Choice xmlns:a14="http://schemas.microsoft.com/office/drawing/2010/main" Requires="a14">
+          <p:sp>
+            <p:nvSpPr>
+              <p:cNvPr id="162" name="Textfeld 60">
+                <a:extLst>
+                  <a:ext uri="{FF2B5EF4-FFF2-40B4-BE49-F238E27FC236}">
+                    <a16:creationId xmlns:a16="http://schemas.microsoft.com/office/drawing/2014/main" id="{15E12CA4-1E56-4785-ADE0-337000A006EF}"/>
+                  </a:ext>
+                </a:extLst>
+              </p:cNvPr>
+              <p:cNvSpPr txBox="1"/>
+              <p:nvPr/>
+            </p:nvSpPr>
+            <p:spPr>
+              <a:xfrm>
+                <a:off x="4872625" y="1587528"/>
+                <a:ext cx="1081130" cy="261610"/>
+              </a:xfrm>
+              <a:prstGeom prst="rect">
+                <a:avLst/>
+              </a:prstGeom>
+              <a:noFill/>
+            </p:spPr>
+            <p:txBody>
+              <a:bodyPr wrap="none" rtlCol="0">
+                <a:spAutoFit/>
+              </a:bodyPr>
+              <a:lstStyle/>
+              <a:p>
+                <a:pPr/>
+                <a14:m>
+                  <m:oMathPara xmlns:m="http://schemas.openxmlformats.org/officeDocument/2006/math">
+                    <m:oMathParaPr>
+                      <m:jc m:val="centerGroup"/>
+                    </m:oMathParaPr>
+                    <m:oMath xmlns:m="http://schemas.openxmlformats.org/officeDocument/2006/math">
+                      <m:sSub>
+                        <m:sSubPr>
+                          <m:ctrlPr>
+                            <a:rPr lang="de-DE" sz="1100" i="1" smtClean="0">
+                              <a:latin typeface="Cambria Math" panose="02040503050406030204" pitchFamily="18" charset="0"/>
+                            </a:rPr>
+                          </m:ctrlPr>
+                        </m:sSubPr>
+                        <m:e>
+                          <m:r>
+                            <a:rPr lang="en-US" sz="1100" i="1">
+                              <a:latin typeface="Cambria Math" panose="02040503050406030204" pitchFamily="18" charset="0"/>
+                            </a:rPr>
+                            <m:t>𝑈</m:t>
+                          </m:r>
+                        </m:e>
+                        <m:sub>
+                          <m:r>
+                            <a:rPr lang="it-IT" sz="1100" b="0" i="1" smtClean="0">
+                              <a:latin typeface="Cambria Math" panose="02040503050406030204" pitchFamily="18" charset="0"/>
+                            </a:rPr>
+                            <m:t>𝑎𝑐𝑡𝑖𝑣𝑒</m:t>
+                          </m:r>
+                          <m:r>
+                            <a:rPr lang="en-US" sz="1100" i="1">
+                              <a:latin typeface="Cambria Math" panose="02040503050406030204" pitchFamily="18" charset="0"/>
+                            </a:rPr>
+                            <m:t>−</m:t>
+                          </m:r>
+                          <m:r>
+                            <a:rPr lang="en-US" sz="1100" i="1">
+                              <a:latin typeface="Cambria Math" panose="02040503050406030204" pitchFamily="18" charset="0"/>
+                            </a:rPr>
+                            <m:t>𝑙𝑎𝑏𝑒𝑙𝑒𝑑</m:t>
+                          </m:r>
+                        </m:sub>
+                      </m:sSub>
+                    </m:oMath>
+                  </m:oMathPara>
+                </a14:m>
+                <a:endParaRPr lang="de-DE" dirty="0"/>
+              </a:p>
+            </p:txBody>
+          </p:sp>
+        </mc:Choice>
+        <mc:Fallback>
+          <p:sp>
+            <p:nvSpPr>
+              <p:cNvPr id="162" name="Textfeld 60">
+                <a:extLst>
+                  <a:ext uri="{FF2B5EF4-FFF2-40B4-BE49-F238E27FC236}">
+                    <a16:creationId xmlns:a16="http://schemas.microsoft.com/office/drawing/2014/main" id="{15E12CA4-1E56-4785-ADE0-337000A006EF}"/>
+                  </a:ext>
+                </a:extLst>
+              </p:cNvPr>
+              <p:cNvSpPr txBox="1">
+                <a:spLocks noRot="1" noChangeAspect="1" noMove="1" noResize="1" noEditPoints="1" noAdjustHandles="1" noChangeArrowheads="1" noChangeShapeType="1" noTextEdit="1"/>
+              </p:cNvSpPr>
+              <p:nvPr/>
+            </p:nvSpPr>
+            <p:spPr>
+              <a:xfrm>
+                <a:off x="4872625" y="1587528"/>
+                <a:ext cx="1081130" cy="261610"/>
+              </a:xfrm>
+              <a:prstGeom prst="rect">
+                <a:avLst/>
+              </a:prstGeom>
+              <a:blipFill>
+                <a:blip r:embed="rId10"/>
+                <a:stretch>
+                  <a:fillRect/>
+                </a:stretch>
+              </a:blipFill>
+            </p:spPr>
+            <p:txBody>
+              <a:bodyPr/>
+              <a:lstStyle/>
+              <a:p>
+                <a:r>
+                  <a:rPr lang="en-GB">
+                    <a:noFill/>
+                  </a:rPr>
+                  <a:t> </a:t>
+                </a:r>
+              </a:p>
+            </p:txBody>
+          </p:sp>
+        </mc:Fallback>
+      </mc:AlternateContent>
+      <mc:AlternateContent xmlns:mc="http://schemas.openxmlformats.org/markup-compatibility/2006" xmlns:a14="http://schemas.microsoft.com/office/drawing/2010/main">
+        <mc:Choice Requires="a14">
+          <p:sp>
+            <p:nvSpPr>
+              <p:cNvPr id="163" name="Textfeld 61">
+                <a:extLst>
+                  <a:ext uri="{FF2B5EF4-FFF2-40B4-BE49-F238E27FC236}">
+                    <a16:creationId xmlns:a16="http://schemas.microsoft.com/office/drawing/2014/main" id="{A5A2CF92-B1E6-4500-B95C-130908AA7127}"/>
+                  </a:ext>
+                </a:extLst>
+              </p:cNvPr>
+              <p:cNvSpPr txBox="1"/>
+              <p:nvPr/>
+            </p:nvSpPr>
+            <p:spPr>
+              <a:xfrm>
+                <a:off x="7570288" y="4453112"/>
+                <a:ext cx="1081130" cy="266163"/>
+              </a:xfrm>
+              <a:prstGeom prst="rect">
+                <a:avLst/>
+              </a:prstGeom>
+              <a:noFill/>
+            </p:spPr>
+            <p:txBody>
+              <a:bodyPr wrap="none" rtlCol="0">
+                <a:spAutoFit/>
+              </a:bodyPr>
+              <a:lstStyle/>
+              <a:p>
+                <a:pPr/>
+                <a14:m>
+                  <m:oMathPara xmlns:m="http://schemas.openxmlformats.org/officeDocument/2006/math">
+                    <m:oMathParaPr>
+                      <m:jc m:val="centerGroup"/>
+                    </m:oMathParaPr>
+                    <m:oMath xmlns:m="http://schemas.openxmlformats.org/officeDocument/2006/math">
+                      <m:sSub>
+                        <m:sSubPr>
+                          <m:ctrlPr>
+                            <a:rPr lang="de-DE" sz="1100" i="1" smtClean="0">
+                              <a:latin typeface="Cambria Math" panose="02040503050406030204" pitchFamily="18" charset="0"/>
+                            </a:rPr>
+                          </m:ctrlPr>
+                        </m:sSubPr>
+                        <m:e>
+                          <m:acc>
+                            <m:accPr>
+                              <m:chr m:val="̂"/>
+                              <m:ctrlPr>
+                                <a:rPr lang="de-DE" sz="1100" i="1">
+                                  <a:latin typeface="Cambria Math" panose="02040503050406030204" pitchFamily="18" charset="0"/>
+                                </a:rPr>
+                              </m:ctrlPr>
+                            </m:accPr>
+                            <m:e>
+                              <m:r>
+                                <a:rPr lang="en-US" sz="1100" i="1">
+                                  <a:latin typeface="Cambria Math" panose="02040503050406030204" pitchFamily="18" charset="0"/>
+                                </a:rPr>
+                                <m:t>𝑈</m:t>
+                              </m:r>
+                            </m:e>
+                          </m:acc>
+                        </m:e>
+                        <m:sub>
+                          <m:r>
+                            <a:rPr lang="it-IT" sz="1100" b="0" i="1" smtClean="0">
+                              <a:latin typeface="Cambria Math" panose="02040503050406030204" pitchFamily="18" charset="0"/>
+                            </a:rPr>
+                            <m:t>𝑎𝑐𝑡𝑖𝑣𝑒</m:t>
+                          </m:r>
+                          <m:r>
+                            <a:rPr lang="en-US" sz="1100" i="1">
+                              <a:latin typeface="Cambria Math" panose="02040503050406030204" pitchFamily="18" charset="0"/>
+                            </a:rPr>
+                            <m:t>−</m:t>
+                          </m:r>
+                          <m:r>
+                            <a:rPr lang="en-US" sz="1100" i="1">
+                              <a:latin typeface="Cambria Math" panose="02040503050406030204" pitchFamily="18" charset="0"/>
+                            </a:rPr>
+                            <m:t>𝑙𝑎𝑏𝑒𝑙𝑒𝑑</m:t>
+                          </m:r>
+                        </m:sub>
+                      </m:sSub>
+                    </m:oMath>
+                  </m:oMathPara>
+                </a14:m>
+                <a:endParaRPr lang="de-DE" dirty="0"/>
+              </a:p>
+            </p:txBody>
+          </p:sp>
+        </mc:Choice>
+        <mc:Fallback xmlns="">
+          <p:sp>
+            <p:nvSpPr>
+              <p:cNvPr id="163" name="Textfeld 61">
+                <a:extLst>
+                  <a:ext uri="{FF2B5EF4-FFF2-40B4-BE49-F238E27FC236}">
+                    <a16:creationId xmlns:a16="http://schemas.microsoft.com/office/drawing/2014/main" id="{A5A2CF92-B1E6-4500-B95C-130908AA7127}"/>
+                  </a:ext>
+                </a:extLst>
+              </p:cNvPr>
+              <p:cNvSpPr txBox="1">
+                <a:spLocks noRot="1" noChangeAspect="1" noMove="1" noResize="1" noEditPoints="1" noAdjustHandles="1" noChangeArrowheads="1" noChangeShapeType="1" noTextEdit="1"/>
+              </p:cNvSpPr>
+              <p:nvPr/>
+            </p:nvSpPr>
+            <p:spPr>
+              <a:xfrm>
+                <a:off x="7570288" y="4453112"/>
+                <a:ext cx="1081130" cy="266163"/>
+              </a:xfrm>
+              <a:prstGeom prst="rect">
+                <a:avLst/>
+              </a:prstGeom>
+              <a:blipFill>
+                <a:blip r:embed="rId11"/>
+                <a:stretch>
+                  <a:fillRect/>
+                </a:stretch>
+              </a:blipFill>
+            </p:spPr>
+            <p:txBody>
+              <a:bodyPr/>
+              <a:lstStyle/>
+              <a:p>
+                <a:r>
+                  <a:rPr lang="en-GB">
+                    <a:noFill/>
+                  </a:rPr>
+                  <a:t> </a:t>
+                </a:r>
+              </a:p>
+            </p:txBody>
+          </p:sp>
+        </mc:Fallback>
+      </mc:AlternateContent>
+      <p:cxnSp>
+        <p:nvCxnSpPr>
+          <p:cNvPr id="164" name="Gerade Verbindung mit Pfeil 69">
+            <a:extLst>
+              <a:ext uri="{FF2B5EF4-FFF2-40B4-BE49-F238E27FC236}">
+                <a16:creationId xmlns:a16="http://schemas.microsoft.com/office/drawing/2014/main" id="{9325F958-8528-413A-839A-DEAB16A1AAB1}"/>
+              </a:ext>
+            </a:extLst>
+          </p:cNvPr>
+          <p:cNvCxnSpPr>
+            <a:cxnSpLocks/>
+          </p:cNvCxnSpPr>
+          <p:nvPr/>
+        </p:nvCxnSpPr>
+        <p:spPr>
+          <a:xfrm flipV="1">
+            <a:off x="7599851" y="4454634"/>
+            <a:ext cx="1057666" cy="11661"/>
+          </a:xfrm>
+          <a:prstGeom prst="straightConnector1">
+            <a:avLst/>
+          </a:prstGeom>
+          <a:ln w="12700">
+            <a:solidFill>
+              <a:schemeClr val="tx1"/>
+            </a:solidFill>
+            <a:tailEnd type="triangle"/>
+          </a:ln>
+        </p:spPr>
+        <p:style>
+          <a:lnRef idx="1">
+            <a:schemeClr val="accent1"/>
+          </a:lnRef>
+          <a:fillRef idx="0">
+            <a:schemeClr val="accent1"/>
+          </a:fillRef>
+          <a:effectRef idx="0">
+            <a:schemeClr val="accent1"/>
+          </a:effectRef>
+          <a:fontRef idx="minor">
+            <a:schemeClr val="tx1"/>
+          </a:fontRef>
+        </p:style>
+      </p:cxnSp>
+      <p:sp>
+        <p:nvSpPr>
+          <p:cNvPr id="46" name="Arc 45">
+            <a:extLst>
+              <a:ext uri="{FF2B5EF4-FFF2-40B4-BE49-F238E27FC236}">
+                <a16:creationId xmlns:a16="http://schemas.microsoft.com/office/drawing/2014/main" id="{C61D3993-8E5A-49D2-84F5-901C40777D9F}"/>
+              </a:ext>
+            </a:extLst>
+          </p:cNvPr>
+          <p:cNvSpPr/>
+          <p:nvPr/>
+        </p:nvSpPr>
+        <p:spPr>
+          <a:xfrm rot="5923218">
+            <a:off x="9139953" y="2528162"/>
+            <a:ext cx="451253" cy="434736"/>
+          </a:xfrm>
+          <a:prstGeom prst="arc">
+            <a:avLst>
+              <a:gd name="adj1" fmla="val 17479207"/>
+              <a:gd name="adj2" fmla="val 14120949"/>
+            </a:avLst>
+          </a:prstGeom>
+          <a:ln>
+            <a:solidFill>
+              <a:schemeClr val="tx1"/>
+            </a:solidFill>
+            <a:headEnd type="triangle"/>
+            <a:tailEnd type="none"/>
+          </a:ln>
+        </p:spPr>
+        <p:style>
+          <a:lnRef idx="1">
+            <a:schemeClr val="accent1"/>
+          </a:lnRef>
+          <a:fillRef idx="0">
+            <a:schemeClr val="accent1"/>
+          </a:fillRef>
+          <a:effectRef idx="0">
+            <a:schemeClr val="accent1"/>
+          </a:effectRef>
+          <a:fontRef idx="minor">
+            <a:schemeClr val="tx1"/>
+          </a:fontRef>
+        </p:style>
+        <p:txBody>
+          <a:bodyPr rtlCol="0" anchor="ctr"/>
+          <a:lstStyle/>
+          <a:p>
+            <a:pPr algn="ctr"/>
+            <a:endParaRPr lang="en-GB" dirty="0"/>
+          </a:p>
+        </p:txBody>
+      </p:sp>
+      <p:sp>
+        <p:nvSpPr>
+          <p:cNvPr id="57" name="Textfeld 64">
+            <a:extLst>
+              <a:ext uri="{FF2B5EF4-FFF2-40B4-BE49-F238E27FC236}">
+                <a16:creationId xmlns:a16="http://schemas.microsoft.com/office/drawing/2014/main" id="{9ACE706D-9352-4E0B-9AFE-759057AF1533}"/>
+              </a:ext>
+            </a:extLst>
+          </p:cNvPr>
+          <p:cNvSpPr txBox="1"/>
+          <p:nvPr/>
+        </p:nvSpPr>
+        <p:spPr>
+          <a:xfrm>
+            <a:off x="9230792" y="2613625"/>
+            <a:ext cx="702572" cy="261610"/>
+          </a:xfrm>
+          <a:prstGeom prst="rect">
+            <a:avLst/>
+          </a:prstGeom>
+          <a:noFill/>
+        </p:spPr>
+        <p:txBody>
+          <a:bodyPr wrap="square" rtlCol="0">
+            <a:spAutoFit/>
+          </a:bodyPr>
+          <a:lstStyle/>
+          <a:p>
+            <a:r>
+              <a:rPr lang="en-US" sz="1100" dirty="0">
+                <a:solidFill>
+                  <a:schemeClr val="tx1">
+                    <a:lumMod val="75000"/>
+                    <a:lumOff val="25000"/>
+                  </a:schemeClr>
+                </a:solidFill>
+                <a:latin typeface="Futura"/>
+                <a:cs typeface="Times New Roman" panose="02020603050405020304" pitchFamily="18" charset="0"/>
+              </a:rPr>
+              <a:t>iterate</a:t>
+            </a:r>
+          </a:p>
+        </p:txBody>
+      </p:sp>
+      <p:sp>
+        <p:nvSpPr>
+          <p:cNvPr id="60" name="Rectangle: Rounded Corners 59">
+            <a:extLst>
+              <a:ext uri="{FF2B5EF4-FFF2-40B4-BE49-F238E27FC236}">
+                <a16:creationId xmlns:a16="http://schemas.microsoft.com/office/drawing/2014/main" id="{B8E6F992-3A89-4772-B622-529C7EAC4F94}"/>
+              </a:ext>
+            </a:extLst>
+          </p:cNvPr>
+          <p:cNvSpPr/>
+          <p:nvPr/>
+        </p:nvSpPr>
+        <p:spPr>
+          <a:xfrm>
+            <a:off x="2897788" y="3249559"/>
+            <a:ext cx="918000" cy="648398"/>
+          </a:xfrm>
+          <a:prstGeom prst="roundRect">
+            <a:avLst>
+              <a:gd name="adj" fmla="val 10145"/>
+            </a:avLst>
+          </a:prstGeom>
+          <a:solidFill>
+            <a:schemeClr val="bg1"/>
+          </a:solidFill>
+          <a:ln w="12700">
+            <a:solidFill>
+              <a:schemeClr val="tx1"/>
+            </a:solidFill>
+          </a:ln>
+        </p:spPr>
+        <p:style>
+          <a:lnRef idx="2">
+            <a:schemeClr val="accent1">
+              <a:shade val="50000"/>
+            </a:schemeClr>
+          </a:lnRef>
+          <a:fillRef idx="1">
+            <a:schemeClr val="accent1"/>
+          </a:fillRef>
+          <a:effectRef idx="0">
+            <a:schemeClr val="accent1"/>
+          </a:effectRef>
+          <a:fontRef idx="minor">
+            <a:schemeClr val="lt1"/>
+          </a:fontRef>
+        </p:style>
+        <p:txBody>
+          <a:bodyPr rtlCol="0" anchor="ctr"/>
+          <a:lstStyle/>
+          <a:p>
+            <a:pPr algn="ctr"/>
+            <a:r>
+              <a:rPr lang="en-US" sz="1050" dirty="0">
+                <a:solidFill>
+                  <a:schemeClr val="tx1"/>
+                </a:solidFill>
+                <a:latin typeface="Futura"/>
+                <a:cs typeface="Times New Roman" panose="02020603050405020304" pitchFamily="18" charset="0"/>
+              </a:rPr>
+              <a:t>extract</a:t>
+            </a:r>
+          </a:p>
+          <a:p>
+            <a:pPr algn="ctr"/>
+            <a:r>
+              <a:rPr lang="en-US" sz="1050" dirty="0">
+                <a:solidFill>
+                  <a:schemeClr val="tx1"/>
+                </a:solidFill>
+                <a:latin typeface="Futura"/>
+                <a:cs typeface="Times New Roman" panose="02020603050405020304" pitchFamily="18" charset="0"/>
+              </a:rPr>
+              <a:t>SVs</a:t>
+            </a:r>
+          </a:p>
+        </p:txBody>
+      </p:sp>
+      <p:sp>
+        <p:nvSpPr>
+          <p:cNvPr id="76" name="Rectangle: Rounded Corners 75">
+            <a:extLst>
+              <a:ext uri="{FF2B5EF4-FFF2-40B4-BE49-F238E27FC236}">
+                <a16:creationId xmlns:a16="http://schemas.microsoft.com/office/drawing/2014/main" id="{0E31BFAC-1EB7-48BE-9FC9-BE5FABF90D86}"/>
+              </a:ext>
+            </a:extLst>
+          </p:cNvPr>
+          <p:cNvSpPr/>
+          <p:nvPr/>
+        </p:nvSpPr>
+        <p:spPr>
+          <a:xfrm>
+            <a:off x="271081" y="2203201"/>
+            <a:ext cx="1338051" cy="648398"/>
+          </a:xfrm>
+          <a:prstGeom prst="roundRect">
+            <a:avLst>
+              <a:gd name="adj" fmla="val 10145"/>
+            </a:avLst>
+          </a:prstGeom>
+          <a:solidFill>
+            <a:schemeClr val="bg1"/>
+          </a:solidFill>
+          <a:ln w="12700">
+            <a:solidFill>
+              <a:schemeClr val="tx1"/>
+            </a:solidFill>
+          </a:ln>
+        </p:spPr>
+        <p:style>
+          <a:lnRef idx="2">
+            <a:schemeClr val="accent1">
+              <a:shade val="50000"/>
+            </a:schemeClr>
+          </a:lnRef>
+          <a:fillRef idx="1">
+            <a:schemeClr val="accent1"/>
+          </a:fillRef>
+          <a:effectRef idx="0">
+            <a:schemeClr val="accent1"/>
+          </a:effectRef>
+          <a:fontRef idx="minor">
+            <a:schemeClr val="lt1"/>
+          </a:fontRef>
+        </p:style>
+        <p:txBody>
+          <a:bodyPr rtlCol="0" anchor="ctr"/>
+          <a:lstStyle/>
+          <a:p>
+            <a:pPr lvl="0" algn="ctr"/>
+            <a:r>
+              <a:rPr lang="en-US" sz="1050" dirty="0">
+                <a:solidFill>
+                  <a:prstClr val="black"/>
+                </a:solidFill>
+                <a:latin typeface="Futura"/>
+                <a:cs typeface="Times New Roman" panose="02020603050405020304" pitchFamily="18" charset="0"/>
+              </a:rPr>
+              <a:t>segmentation with initial parameterization</a:t>
+            </a:r>
+          </a:p>
+        </p:txBody>
+      </p:sp>
+      <p:sp>
+        <p:nvSpPr>
+          <p:cNvPr id="77" name="Rectangle: Rounded Corners 76">
+            <a:extLst>
+              <a:ext uri="{FF2B5EF4-FFF2-40B4-BE49-F238E27FC236}">
+                <a16:creationId xmlns:a16="http://schemas.microsoft.com/office/drawing/2014/main" id="{5B27D1EB-F03A-4359-A1A9-CCE5A0A5DF48}"/>
+              </a:ext>
+            </a:extLst>
+          </p:cNvPr>
+          <p:cNvSpPr/>
+          <p:nvPr/>
+        </p:nvSpPr>
+        <p:spPr>
+          <a:xfrm>
+            <a:off x="1797790" y="2203201"/>
+            <a:ext cx="918102" cy="648398"/>
+          </a:xfrm>
+          <a:prstGeom prst="roundRect">
+            <a:avLst>
+              <a:gd name="adj" fmla="val 10145"/>
+            </a:avLst>
+          </a:prstGeom>
+          <a:solidFill>
+            <a:schemeClr val="bg1"/>
+          </a:solidFill>
+          <a:ln w="12700">
+            <a:solidFill>
+              <a:schemeClr val="tx1"/>
+            </a:solidFill>
+          </a:ln>
+        </p:spPr>
+        <p:style>
+          <a:lnRef idx="2">
+            <a:schemeClr val="accent1">
+              <a:shade val="50000"/>
+            </a:schemeClr>
+          </a:lnRef>
+          <a:fillRef idx="1">
+            <a:schemeClr val="accent1"/>
+          </a:fillRef>
+          <a:effectRef idx="0">
+            <a:schemeClr val="accent1"/>
+          </a:effectRef>
+          <a:fontRef idx="minor">
+            <a:schemeClr val="lt1"/>
+          </a:fontRef>
+        </p:style>
+        <p:txBody>
+          <a:bodyPr rtlCol="0" anchor="ctr"/>
+          <a:lstStyle/>
+          <a:p>
+            <a:pPr algn="ctr"/>
+            <a:r>
+              <a:rPr lang="en-US" sz="1050" dirty="0">
+                <a:solidFill>
+                  <a:schemeClr val="tx1"/>
+                </a:solidFill>
+                <a:latin typeface="Futura"/>
+                <a:cs typeface="Times New Roman" panose="02020603050405020304" pitchFamily="18" charset="0"/>
+              </a:rPr>
+              <a:t>compute</a:t>
+            </a:r>
+          </a:p>
+          <a:p>
+            <a:pPr algn="ctr"/>
+            <a:r>
+              <a:rPr lang="en-US" sz="1050" dirty="0">
+                <a:solidFill>
+                  <a:schemeClr val="tx1"/>
+                </a:solidFill>
+                <a:latin typeface="Futura"/>
+                <a:cs typeface="Times New Roman" panose="02020603050405020304" pitchFamily="18" charset="0"/>
+              </a:rPr>
+              <a:t>object </a:t>
+            </a:r>
+          </a:p>
+          <a:p>
+            <a:pPr algn="ctr"/>
+            <a:r>
+              <a:rPr lang="en-US" sz="1050" dirty="0">
+                <a:solidFill>
+                  <a:schemeClr val="tx1"/>
+                </a:solidFill>
+                <a:latin typeface="Futura"/>
+                <a:cs typeface="Times New Roman" panose="02020603050405020304" pitchFamily="18" charset="0"/>
+              </a:rPr>
+              <a:t>features</a:t>
+            </a:r>
+          </a:p>
+        </p:txBody>
+      </p:sp>
+      <p:sp>
+        <p:nvSpPr>
+          <p:cNvPr id="79" name="Rectangle: Rounded Corners 78">
+            <a:extLst>
+              <a:ext uri="{FF2B5EF4-FFF2-40B4-BE49-F238E27FC236}">
+                <a16:creationId xmlns:a16="http://schemas.microsoft.com/office/drawing/2014/main" id="{4EC7B095-A5D7-4114-B67B-5CF8AA896EC9}"/>
+              </a:ext>
+            </a:extLst>
+          </p:cNvPr>
+          <p:cNvSpPr/>
+          <p:nvPr/>
+        </p:nvSpPr>
+        <p:spPr>
+          <a:xfrm>
+            <a:off x="2897788" y="2203201"/>
+            <a:ext cx="918000" cy="648398"/>
+          </a:xfrm>
+          <a:prstGeom prst="roundRect">
+            <a:avLst>
+              <a:gd name="adj" fmla="val 10145"/>
+            </a:avLst>
+          </a:prstGeom>
+          <a:solidFill>
+            <a:schemeClr val="bg1"/>
+          </a:solidFill>
+          <a:ln w="12700">
+            <a:solidFill>
+              <a:schemeClr val="tx1"/>
+            </a:solidFill>
+          </a:ln>
+        </p:spPr>
+        <p:style>
+          <a:lnRef idx="2">
+            <a:schemeClr val="accent1">
+              <a:shade val="50000"/>
+            </a:schemeClr>
+          </a:lnRef>
+          <a:fillRef idx="1">
+            <a:schemeClr val="accent1"/>
+          </a:fillRef>
+          <a:effectRef idx="0">
+            <a:schemeClr val="accent1"/>
+          </a:effectRef>
+          <a:fontRef idx="minor">
+            <a:schemeClr val="lt1"/>
+          </a:fontRef>
+        </p:style>
+        <p:txBody>
+          <a:bodyPr rtlCol="0" anchor="ctr"/>
+          <a:lstStyle/>
+          <a:p>
+            <a:pPr algn="ctr"/>
+            <a:r>
+              <a:rPr lang="en-US" sz="1050" dirty="0">
+                <a:solidFill>
+                  <a:schemeClr val="tx1"/>
+                </a:solidFill>
+                <a:latin typeface="Futura"/>
+                <a:cs typeface="Times New Roman" panose="02020603050405020304" pitchFamily="18" charset="0"/>
+              </a:rPr>
+              <a:t>learn SVM model</a:t>
+            </a:r>
+          </a:p>
+        </p:txBody>
+      </p:sp>
+      <p:sp>
+        <p:nvSpPr>
+          <p:cNvPr id="80" name="Rectangle: Rounded Corners 79">
+            <a:extLst>
+              <a:ext uri="{FF2B5EF4-FFF2-40B4-BE49-F238E27FC236}">
+                <a16:creationId xmlns:a16="http://schemas.microsoft.com/office/drawing/2014/main" id="{9CAC7904-D838-4A96-AA28-10F624B9D83D}"/>
+              </a:ext>
+            </a:extLst>
+          </p:cNvPr>
+          <p:cNvSpPr/>
+          <p:nvPr/>
+        </p:nvSpPr>
+        <p:spPr>
+          <a:xfrm>
+            <a:off x="5440009" y="2208269"/>
+            <a:ext cx="998814" cy="648398"/>
+          </a:xfrm>
+          <a:prstGeom prst="roundRect">
+            <a:avLst>
+              <a:gd name="adj" fmla="val 10145"/>
+            </a:avLst>
+          </a:prstGeom>
+          <a:solidFill>
+            <a:schemeClr val="bg1"/>
+          </a:solidFill>
+          <a:ln w="12700">
+            <a:solidFill>
+              <a:schemeClr val="tx1"/>
+            </a:solidFill>
+          </a:ln>
+        </p:spPr>
+        <p:style>
+          <a:lnRef idx="2">
+            <a:schemeClr val="accent1">
+              <a:shade val="50000"/>
+            </a:schemeClr>
+          </a:lnRef>
+          <a:fillRef idx="1">
+            <a:schemeClr val="accent1"/>
+          </a:fillRef>
+          <a:effectRef idx="0">
+            <a:schemeClr val="accent1"/>
+          </a:effectRef>
+          <a:fontRef idx="minor">
+            <a:schemeClr val="lt1"/>
+          </a:fontRef>
+        </p:style>
+        <p:txBody>
+          <a:bodyPr rtlCol="0" anchor="ctr"/>
+          <a:lstStyle/>
+          <a:p>
+            <a:pPr algn="ctr"/>
+            <a:r>
+              <a:rPr lang="en-US" sz="1050" dirty="0">
+                <a:solidFill>
+                  <a:schemeClr val="tx1"/>
+                </a:solidFill>
+                <a:latin typeface="Futura"/>
+                <a:cs typeface="Times New Roman" panose="02020603050405020304" pitchFamily="18" charset="0"/>
+              </a:rPr>
+              <a:t>labeling</a:t>
+            </a:r>
+          </a:p>
+          <a:p>
+            <a:pPr algn="ctr"/>
+            <a:r>
+              <a:rPr lang="en-US" sz="1050" dirty="0">
+                <a:solidFill>
+                  <a:schemeClr val="tx1"/>
+                </a:solidFill>
+                <a:latin typeface="Futura"/>
+                <a:cs typeface="Times New Roman" panose="02020603050405020304" pitchFamily="18" charset="0"/>
+              </a:rPr>
+              <a:t>candidates</a:t>
+            </a:r>
+          </a:p>
+        </p:txBody>
+      </p:sp>
+      <p:sp>
+        <p:nvSpPr>
+          <p:cNvPr id="81" name="Rectangle: Rounded Corners 80">
+            <a:extLst>
+              <a:ext uri="{FF2B5EF4-FFF2-40B4-BE49-F238E27FC236}">
+                <a16:creationId xmlns:a16="http://schemas.microsoft.com/office/drawing/2014/main" id="{B517FE34-3B32-4303-B7D8-190BE8598D89}"/>
+              </a:ext>
+            </a:extLst>
+          </p:cNvPr>
+          <p:cNvSpPr/>
+          <p:nvPr/>
+        </p:nvSpPr>
+        <p:spPr>
+          <a:xfrm>
+            <a:off x="6685613" y="4275573"/>
+            <a:ext cx="918000" cy="648398"/>
+          </a:xfrm>
+          <a:prstGeom prst="roundRect">
+            <a:avLst>
+              <a:gd name="adj" fmla="val 10145"/>
+            </a:avLst>
+          </a:prstGeom>
+          <a:solidFill>
+            <a:schemeClr val="bg1"/>
+          </a:solidFill>
+          <a:ln w="12700">
+            <a:solidFill>
+              <a:schemeClr val="tx1"/>
+            </a:solidFill>
+          </a:ln>
+        </p:spPr>
+        <p:style>
+          <a:lnRef idx="2">
+            <a:schemeClr val="accent1">
+              <a:shade val="50000"/>
+            </a:schemeClr>
+          </a:lnRef>
+          <a:fillRef idx="1">
+            <a:schemeClr val="accent1"/>
+          </a:fillRef>
+          <a:effectRef idx="0">
+            <a:schemeClr val="accent1"/>
+          </a:effectRef>
+          <a:fontRef idx="minor">
+            <a:schemeClr val="lt1"/>
+          </a:fontRef>
+        </p:style>
+        <p:txBody>
+          <a:bodyPr rtlCol="0" anchor="ctr"/>
+          <a:lstStyle/>
+          <a:p>
+            <a:pPr algn="ctr"/>
+            <a:r>
+              <a:rPr lang="en-US" sz="1050" dirty="0">
+                <a:solidFill>
+                  <a:schemeClr val="tx1"/>
+                </a:solidFill>
+                <a:latin typeface="Futura"/>
+                <a:cs typeface="Times New Roman" panose="02020603050405020304" pitchFamily="18" charset="0"/>
+              </a:rPr>
+              <a:t>margin sampling constraint</a:t>
+            </a:r>
+          </a:p>
+        </p:txBody>
+      </p:sp>
+      <p:sp>
+        <p:nvSpPr>
+          <p:cNvPr id="82" name="Rectangle: Rounded Corners 81">
+            <a:extLst>
+              <a:ext uri="{FF2B5EF4-FFF2-40B4-BE49-F238E27FC236}">
+                <a16:creationId xmlns:a16="http://schemas.microsoft.com/office/drawing/2014/main" id="{BDC66D7A-4848-4F88-86AF-D3BB749F6643}"/>
+              </a:ext>
+            </a:extLst>
+          </p:cNvPr>
+          <p:cNvSpPr/>
+          <p:nvPr/>
+        </p:nvSpPr>
+        <p:spPr>
+          <a:xfrm>
+            <a:off x="5468689" y="4278375"/>
+            <a:ext cx="970134" cy="648398"/>
+          </a:xfrm>
+          <a:prstGeom prst="roundRect">
+            <a:avLst>
+              <a:gd name="adj" fmla="val 10145"/>
+            </a:avLst>
+          </a:prstGeom>
+          <a:solidFill>
+            <a:schemeClr val="bg1"/>
+          </a:solidFill>
+          <a:ln w="12700">
+            <a:solidFill>
+              <a:schemeClr val="tx1"/>
+            </a:solidFill>
+          </a:ln>
+        </p:spPr>
+        <p:style>
+          <a:lnRef idx="2">
+            <a:schemeClr val="accent1">
+              <a:shade val="50000"/>
+            </a:schemeClr>
+          </a:lnRef>
+          <a:fillRef idx="1">
+            <a:schemeClr val="accent1"/>
+          </a:fillRef>
+          <a:effectRef idx="0">
+            <a:schemeClr val="accent1"/>
+          </a:effectRef>
+          <a:fontRef idx="minor">
+            <a:schemeClr val="lt1"/>
+          </a:fontRef>
+        </p:style>
+        <p:txBody>
+          <a:bodyPr rtlCol="0" anchor="ctr"/>
+          <a:lstStyle/>
+          <a:p>
+            <a:pPr algn="ctr"/>
+            <a:r>
+              <a:rPr lang="en-US" sz="1050" dirty="0">
+                <a:solidFill>
+                  <a:schemeClr val="tx1"/>
+                </a:solidFill>
+                <a:latin typeface="Futura"/>
+                <a:cs typeface="Times New Roman" panose="02020603050405020304" pitchFamily="18" charset="0"/>
+              </a:rPr>
+              <a:t>similarity constraint</a:t>
+            </a:r>
+          </a:p>
+        </p:txBody>
+      </p:sp>
+      <p:sp>
+        <p:nvSpPr>
+          <p:cNvPr id="83" name="Rectangle: Rounded Corners 82">
+            <a:extLst>
+              <a:ext uri="{FF2B5EF4-FFF2-40B4-BE49-F238E27FC236}">
+                <a16:creationId xmlns:a16="http://schemas.microsoft.com/office/drawing/2014/main" id="{C9DE8912-A3A9-401B-BEF7-86203DBB672F}"/>
+              </a:ext>
+            </a:extLst>
+          </p:cNvPr>
+          <p:cNvSpPr/>
+          <p:nvPr/>
+        </p:nvSpPr>
+        <p:spPr>
+          <a:xfrm>
+            <a:off x="4029829" y="4280206"/>
+            <a:ext cx="918102" cy="648398"/>
+          </a:xfrm>
+          <a:prstGeom prst="roundRect">
+            <a:avLst>
+              <a:gd name="adj" fmla="val 10145"/>
+            </a:avLst>
+          </a:prstGeom>
+          <a:solidFill>
+            <a:schemeClr val="bg1"/>
+          </a:solidFill>
+          <a:ln w="12700">
+            <a:solidFill>
+              <a:schemeClr val="tx1"/>
+            </a:solidFill>
+          </a:ln>
+        </p:spPr>
+        <p:style>
+          <a:lnRef idx="2">
+            <a:schemeClr val="accent1">
+              <a:shade val="50000"/>
+            </a:schemeClr>
+          </a:lnRef>
+          <a:fillRef idx="1">
+            <a:schemeClr val="accent1"/>
+          </a:fillRef>
+          <a:effectRef idx="0">
+            <a:schemeClr val="accent1"/>
+          </a:effectRef>
+          <a:fontRef idx="minor">
+            <a:schemeClr val="lt1"/>
+          </a:fontRef>
+        </p:style>
+        <p:txBody>
+          <a:bodyPr rtlCol="0" anchor="ctr"/>
+          <a:lstStyle/>
+          <a:p>
+            <a:pPr algn="ctr"/>
+            <a:r>
+              <a:rPr lang="en-US" sz="1050" dirty="0">
+                <a:solidFill>
+                  <a:schemeClr val="tx1"/>
+                </a:solidFill>
+                <a:latin typeface="Futura"/>
+                <a:cs typeface="Times New Roman" panose="02020603050405020304" pitchFamily="18" charset="0"/>
+              </a:rPr>
+              <a:t>compute</a:t>
+            </a:r>
+          </a:p>
+          <a:p>
+            <a:pPr algn="ctr"/>
+            <a:r>
+              <a:rPr lang="en-US" sz="1050" dirty="0">
+                <a:solidFill>
+                  <a:schemeClr val="tx1"/>
+                </a:solidFill>
+                <a:latin typeface="Futura"/>
+                <a:cs typeface="Times New Roman" panose="02020603050405020304" pitchFamily="18" charset="0"/>
+              </a:rPr>
+              <a:t>object</a:t>
+            </a:r>
+          </a:p>
+          <a:p>
+            <a:pPr algn="ctr"/>
+            <a:r>
+              <a:rPr lang="en-US" sz="1050" dirty="0">
+                <a:solidFill>
+                  <a:schemeClr val="tx1"/>
+                </a:solidFill>
+                <a:latin typeface="Futura"/>
+                <a:cs typeface="Times New Roman" panose="02020603050405020304" pitchFamily="18" charset="0"/>
+              </a:rPr>
+              <a:t>features</a:t>
+            </a:r>
+            <a:endParaRPr lang="en-US" sz="1050" dirty="0">
+              <a:solidFill>
+                <a:prstClr val="black"/>
+              </a:solidFill>
+              <a:latin typeface="Futura"/>
+              <a:cs typeface="Times New Roman" panose="02020603050405020304" pitchFamily="18" charset="0"/>
+            </a:endParaRPr>
+          </a:p>
+        </p:txBody>
+      </p:sp>
+      <p:sp>
+        <p:nvSpPr>
+          <p:cNvPr id="84" name="Rectangle: Rounded Corners 83">
+            <a:extLst>
+              <a:ext uri="{FF2B5EF4-FFF2-40B4-BE49-F238E27FC236}">
+                <a16:creationId xmlns:a16="http://schemas.microsoft.com/office/drawing/2014/main" id="{CD4AFA70-7C34-466E-A6B6-FE37BD14106C}"/>
+              </a:ext>
+            </a:extLst>
+          </p:cNvPr>
+          <p:cNvSpPr/>
+          <p:nvPr/>
+        </p:nvSpPr>
+        <p:spPr>
+          <a:xfrm>
+            <a:off x="2897788" y="4279225"/>
+            <a:ext cx="918000" cy="648398"/>
+          </a:xfrm>
+          <a:prstGeom prst="roundRect">
+            <a:avLst>
+              <a:gd name="adj" fmla="val 10145"/>
+            </a:avLst>
+          </a:prstGeom>
+          <a:solidFill>
+            <a:schemeClr val="bg1"/>
+          </a:solidFill>
+          <a:ln w="12700">
+            <a:solidFill>
+              <a:schemeClr val="tx1"/>
+            </a:solidFill>
+          </a:ln>
+        </p:spPr>
+        <p:style>
+          <a:lnRef idx="2">
+            <a:schemeClr val="accent1">
+              <a:shade val="50000"/>
+            </a:schemeClr>
+          </a:lnRef>
+          <a:fillRef idx="1">
+            <a:schemeClr val="accent1"/>
+          </a:fillRef>
+          <a:effectRef idx="0">
+            <a:schemeClr val="accent1"/>
+          </a:effectRef>
+          <a:fontRef idx="minor">
+            <a:schemeClr val="lt1"/>
+          </a:fontRef>
+        </p:style>
+        <p:txBody>
+          <a:bodyPr rtlCol="0" anchor="ctr"/>
+          <a:lstStyle/>
+          <a:p>
+            <a:pPr algn="ctr"/>
+            <a:r>
+              <a:rPr lang="en-US" sz="1050" dirty="0">
+                <a:solidFill>
+                  <a:schemeClr val="tx1"/>
+                </a:solidFill>
+                <a:latin typeface="Futura"/>
+                <a:cs typeface="Times New Roman" panose="02020603050405020304" pitchFamily="18" charset="0"/>
+              </a:rPr>
+              <a:t>identify virtual samples</a:t>
+            </a:r>
+          </a:p>
+        </p:txBody>
+      </p:sp>
+      <p:sp>
+        <p:nvSpPr>
+          <p:cNvPr id="85" name="Rectangle: Rounded Corners 84">
+            <a:extLst>
+              <a:ext uri="{FF2B5EF4-FFF2-40B4-BE49-F238E27FC236}">
+                <a16:creationId xmlns:a16="http://schemas.microsoft.com/office/drawing/2014/main" id="{6BACD199-755C-4E22-BA48-BA95491363B8}"/>
+              </a:ext>
+            </a:extLst>
+          </p:cNvPr>
+          <p:cNvSpPr/>
+          <p:nvPr/>
+        </p:nvSpPr>
+        <p:spPr>
+          <a:xfrm>
+            <a:off x="8657517" y="4280261"/>
+            <a:ext cx="918000" cy="648398"/>
+          </a:xfrm>
+          <a:prstGeom prst="roundRect">
+            <a:avLst>
+              <a:gd name="adj" fmla="val 10145"/>
+            </a:avLst>
+          </a:prstGeom>
+          <a:solidFill>
+            <a:schemeClr val="bg1"/>
+          </a:solidFill>
+          <a:ln w="12700">
+            <a:solidFill>
+              <a:schemeClr val="tx1"/>
+            </a:solidFill>
+          </a:ln>
+        </p:spPr>
+        <p:style>
+          <a:lnRef idx="2">
+            <a:schemeClr val="accent1">
+              <a:shade val="50000"/>
+            </a:schemeClr>
+          </a:lnRef>
+          <a:fillRef idx="1">
+            <a:schemeClr val="accent1"/>
+          </a:fillRef>
+          <a:effectRef idx="0">
+            <a:schemeClr val="accent1"/>
+          </a:effectRef>
+          <a:fontRef idx="minor">
+            <a:schemeClr val="lt1"/>
+          </a:fontRef>
+        </p:style>
+        <p:txBody>
+          <a:bodyPr rtlCol="0" anchor="ctr"/>
+          <a:lstStyle/>
+          <a:p>
+            <a:pPr algn="ctr"/>
+            <a:r>
+              <a:rPr lang="en-US" sz="1050" dirty="0">
+                <a:solidFill>
+                  <a:schemeClr val="tx1"/>
+                </a:solidFill>
+                <a:latin typeface="Futura"/>
+                <a:cs typeface="Times New Roman" panose="02020603050405020304" pitchFamily="18" charset="0"/>
+              </a:rPr>
+              <a:t>relearn model</a:t>
+            </a:r>
+          </a:p>
+        </p:txBody>
+      </p:sp>
+      <p:sp>
+        <p:nvSpPr>
+          <p:cNvPr id="88" name="Rectangle: Rounded Corners 87">
+            <a:extLst>
+              <a:ext uri="{FF2B5EF4-FFF2-40B4-BE49-F238E27FC236}">
+                <a16:creationId xmlns:a16="http://schemas.microsoft.com/office/drawing/2014/main" id="{2A949BA5-6356-41F5-A5D3-54A1408034EF}"/>
+              </a:ext>
+            </a:extLst>
+          </p:cNvPr>
+          <p:cNvSpPr/>
+          <p:nvPr/>
+        </p:nvSpPr>
+        <p:spPr>
+          <a:xfrm>
+            <a:off x="266156" y="4275572"/>
+            <a:ext cx="1339200" cy="648398"/>
+          </a:xfrm>
+          <a:prstGeom prst="roundRect">
+            <a:avLst>
+              <a:gd name="adj" fmla="val 10145"/>
+            </a:avLst>
+          </a:prstGeom>
+          <a:solidFill>
+            <a:schemeClr val="bg1"/>
+          </a:solidFill>
+          <a:ln w="12700">
+            <a:solidFill>
+              <a:schemeClr val="tx1"/>
+            </a:solidFill>
+          </a:ln>
+        </p:spPr>
+        <p:style>
+          <a:lnRef idx="2">
+            <a:schemeClr val="accent1">
+              <a:shade val="50000"/>
+            </a:schemeClr>
+          </a:lnRef>
+          <a:fillRef idx="1">
+            <a:schemeClr val="accent1"/>
+          </a:fillRef>
+          <a:effectRef idx="0">
+            <a:schemeClr val="accent1"/>
+          </a:effectRef>
+          <a:fontRef idx="minor">
+            <a:schemeClr val="lt1"/>
+          </a:fontRef>
+        </p:style>
+        <p:txBody>
+          <a:bodyPr rtlCol="0" anchor="ctr"/>
+          <a:lstStyle/>
+          <a:p>
+            <a:pPr algn="ctr"/>
+            <a:r>
+              <a:rPr lang="en-US" sz="1050" dirty="0">
+                <a:solidFill>
+                  <a:schemeClr val="tx1"/>
+                </a:solidFill>
+                <a:latin typeface="Futura"/>
+                <a:cs typeface="Times New Roman" panose="02020603050405020304" pitchFamily="18" charset="0"/>
+              </a:rPr>
+              <a:t>segmentation with altered parameterization</a:t>
+            </a:r>
+          </a:p>
+        </p:txBody>
+      </p:sp>
+      <p:sp>
+        <p:nvSpPr>
+          <p:cNvPr id="90" name="Rectangle: Rounded Corners 89">
+            <a:extLst>
+              <a:ext uri="{FF2B5EF4-FFF2-40B4-BE49-F238E27FC236}">
+                <a16:creationId xmlns:a16="http://schemas.microsoft.com/office/drawing/2014/main" id="{697A23BB-C9E4-45D3-BE0B-36072BC33FE7}"/>
+              </a:ext>
+            </a:extLst>
+          </p:cNvPr>
+          <p:cNvSpPr/>
+          <p:nvPr/>
+        </p:nvSpPr>
+        <p:spPr>
+          <a:xfrm>
+            <a:off x="7730190" y="2207202"/>
+            <a:ext cx="914238" cy="648398"/>
+          </a:xfrm>
+          <a:prstGeom prst="roundRect">
+            <a:avLst>
+              <a:gd name="adj" fmla="val 10145"/>
+            </a:avLst>
+          </a:prstGeom>
+          <a:solidFill>
+            <a:schemeClr val="bg1"/>
+          </a:solidFill>
+          <a:ln w="12700">
+            <a:solidFill>
+              <a:schemeClr val="tx1"/>
+            </a:solidFill>
+          </a:ln>
+        </p:spPr>
+        <p:style>
+          <a:lnRef idx="2">
+            <a:schemeClr val="accent1">
+              <a:shade val="50000"/>
+            </a:schemeClr>
+          </a:lnRef>
+          <a:fillRef idx="1">
+            <a:schemeClr val="accent1"/>
+          </a:fillRef>
+          <a:effectRef idx="0">
+            <a:schemeClr val="accent1"/>
+          </a:effectRef>
+          <a:fontRef idx="minor">
+            <a:schemeClr val="lt1"/>
+          </a:fontRef>
+        </p:style>
+        <p:txBody>
+          <a:bodyPr rtlCol="0" anchor="ctr"/>
+          <a:lstStyle/>
+          <a:p>
+            <a:pPr algn="ctr"/>
+            <a:r>
+              <a:rPr lang="en-US" sz="1050" dirty="0">
+                <a:solidFill>
+                  <a:schemeClr val="tx1"/>
+                </a:solidFill>
+                <a:latin typeface="Futura"/>
+                <a:cs typeface="Times New Roman" panose="02020603050405020304" pitchFamily="18" charset="0"/>
+              </a:rPr>
+              <a:t>margin sampling distance</a:t>
+            </a:r>
+          </a:p>
+        </p:txBody>
+      </p:sp>
+      <p:cxnSp>
+        <p:nvCxnSpPr>
+          <p:cNvPr id="150" name="Gerade Verbindung mit Pfeil 52">
+            <a:extLst>
+              <a:ext uri="{FF2B5EF4-FFF2-40B4-BE49-F238E27FC236}">
+                <a16:creationId xmlns:a16="http://schemas.microsoft.com/office/drawing/2014/main" id="{478673B4-905E-4371-AF0F-5EAE1D7FFB44}"/>
+              </a:ext>
+            </a:extLst>
+          </p:cNvPr>
+          <p:cNvCxnSpPr>
+            <a:cxnSpLocks/>
+            <a:stCxn id="76" idx="0"/>
+            <a:endCxn id="2" idx="3"/>
+          </p:cNvCxnSpPr>
+          <p:nvPr/>
+        </p:nvCxnSpPr>
+        <p:spPr>
+          <a:xfrm flipH="1" flipV="1">
+            <a:off x="939329" y="1843044"/>
+            <a:ext cx="778" cy="360157"/>
+          </a:xfrm>
+          <a:prstGeom prst="straightConnector1">
+            <a:avLst/>
+          </a:prstGeom>
+          <a:ln w="12700">
+            <a:solidFill>
+              <a:schemeClr val="tx1"/>
+            </a:solidFill>
+            <a:headEnd type="triangle"/>
+            <a:tailEnd type="none"/>
+          </a:ln>
+        </p:spPr>
+        <p:style>
+          <a:lnRef idx="1">
+            <a:schemeClr val="accent1"/>
+          </a:lnRef>
+          <a:fillRef idx="0">
+            <a:schemeClr val="accent1"/>
+          </a:fillRef>
+          <a:effectRef idx="0">
+            <a:schemeClr val="accent1"/>
+          </a:effectRef>
+          <a:fontRef idx="minor">
+            <a:schemeClr val="tx1"/>
+          </a:fontRef>
+        </p:style>
+      </p:cxnSp>
+      <p:sp>
+        <p:nvSpPr>
+          <p:cNvPr id="217" name="Rectangle 216">
+            <a:extLst>
+              <a:ext uri="{FF2B5EF4-FFF2-40B4-BE49-F238E27FC236}">
+                <a16:creationId xmlns:a16="http://schemas.microsoft.com/office/drawing/2014/main" id="{CE280420-228F-4D4C-80F2-02B33F8F9893}"/>
+              </a:ext>
+            </a:extLst>
+          </p:cNvPr>
+          <p:cNvSpPr/>
+          <p:nvPr/>
+        </p:nvSpPr>
+        <p:spPr>
+          <a:xfrm>
+            <a:off x="-502397" y="2090702"/>
+            <a:ext cx="566181" cy="253916"/>
+          </a:xfrm>
+          <a:prstGeom prst="rect">
+            <a:avLst/>
+          </a:prstGeom>
+        </p:spPr>
+        <p:txBody>
+          <a:bodyPr wrap="none">
+            <a:spAutoFit/>
+          </a:bodyPr>
+          <a:lstStyle/>
+          <a:p>
+            <a:r>
+              <a:rPr lang="en-US" sz="1050" b="1" dirty="0">
+                <a:solidFill>
+                  <a:schemeClr val="tx1">
+                    <a:lumMod val="75000"/>
+                    <a:lumOff val="25000"/>
+                  </a:schemeClr>
+                </a:solidFill>
+                <a:latin typeface="Futura"/>
+                <a:cs typeface="Times New Roman" panose="02020603050405020304" pitchFamily="18" charset="0"/>
+              </a:rPr>
+              <a:t>VSVM</a:t>
+            </a:r>
+          </a:p>
+        </p:txBody>
+      </p:sp>
+      <p:sp>
+        <p:nvSpPr>
+          <p:cNvPr id="218" name="Rectangle 217">
+            <a:extLst>
+              <a:ext uri="{FF2B5EF4-FFF2-40B4-BE49-F238E27FC236}">
+                <a16:creationId xmlns:a16="http://schemas.microsoft.com/office/drawing/2014/main" id="{C8EE7157-E021-42D2-849E-F484F2B10A54}"/>
+              </a:ext>
+            </a:extLst>
+          </p:cNvPr>
+          <p:cNvSpPr/>
+          <p:nvPr/>
+        </p:nvSpPr>
+        <p:spPr>
+          <a:xfrm>
+            <a:off x="-510265" y="4939151"/>
+            <a:ext cx="1766830" cy="253916"/>
+          </a:xfrm>
+          <a:prstGeom prst="rect">
+            <a:avLst/>
+          </a:prstGeom>
+        </p:spPr>
+        <p:txBody>
+          <a:bodyPr wrap="none">
+            <a:spAutoFit/>
+          </a:bodyPr>
+          <a:lstStyle/>
+          <a:p>
+            <a:r>
+              <a:rPr lang="en-US" sz="1050" b="1" dirty="0">
+                <a:solidFill>
+                  <a:schemeClr val="tx1">
+                    <a:lumMod val="75000"/>
+                    <a:lumOff val="25000"/>
+                  </a:schemeClr>
+                </a:solidFill>
+                <a:latin typeface="Futura"/>
+                <a:cs typeface="Times New Roman" panose="02020603050405020304" pitchFamily="18" charset="0"/>
+              </a:rPr>
+              <a:t>encoding of invariances</a:t>
+            </a:r>
+          </a:p>
+        </p:txBody>
+      </p:sp>
+      <p:sp>
+        <p:nvSpPr>
+          <p:cNvPr id="219" name="Rectangle 218">
+            <a:extLst>
+              <a:ext uri="{FF2B5EF4-FFF2-40B4-BE49-F238E27FC236}">
+                <a16:creationId xmlns:a16="http://schemas.microsoft.com/office/drawing/2014/main" id="{FFFD716E-AF68-459F-A640-FB2282076777}"/>
+              </a:ext>
+            </a:extLst>
+          </p:cNvPr>
+          <p:cNvSpPr/>
+          <p:nvPr/>
+        </p:nvSpPr>
+        <p:spPr>
+          <a:xfrm>
+            <a:off x="5376021" y="4948398"/>
+            <a:ext cx="1550424" cy="253916"/>
+          </a:xfrm>
+          <a:prstGeom prst="rect">
+            <a:avLst/>
+          </a:prstGeom>
+        </p:spPr>
+        <p:txBody>
+          <a:bodyPr wrap="none">
+            <a:spAutoFit/>
+          </a:bodyPr>
+          <a:lstStyle/>
+          <a:p>
+            <a:r>
+              <a:rPr lang="en-US" sz="1050" b="1" dirty="0">
+                <a:solidFill>
+                  <a:schemeClr val="tx1">
+                    <a:lumMod val="75000"/>
+                    <a:lumOff val="25000"/>
+                  </a:schemeClr>
+                </a:solidFill>
+                <a:latin typeface="Futura"/>
+                <a:cs typeface="Times New Roman" panose="02020603050405020304" pitchFamily="18" charset="0"/>
+              </a:rPr>
+              <a:t>self-learning strategy</a:t>
+            </a:r>
+          </a:p>
+        </p:txBody>
+      </p:sp>
+      <p:cxnSp>
+        <p:nvCxnSpPr>
+          <p:cNvPr id="89" name="Gerade Verbindung mit Pfeil 69">
+            <a:extLst>
+              <a:ext uri="{FF2B5EF4-FFF2-40B4-BE49-F238E27FC236}">
+                <a16:creationId xmlns:a16="http://schemas.microsoft.com/office/drawing/2014/main" id="{40F74CC9-C294-43A4-A96D-F2F24646AF51}"/>
+              </a:ext>
+            </a:extLst>
+          </p:cNvPr>
+          <p:cNvCxnSpPr>
+            <a:cxnSpLocks/>
+            <a:stCxn id="90" idx="1"/>
+            <a:endCxn id="80" idx="3"/>
+          </p:cNvCxnSpPr>
+          <p:nvPr/>
+        </p:nvCxnSpPr>
+        <p:spPr>
+          <a:xfrm flipH="1">
+            <a:off x="6438823" y="2531401"/>
+            <a:ext cx="1291367" cy="1067"/>
+          </a:xfrm>
+          <a:prstGeom prst="straightConnector1">
+            <a:avLst/>
+          </a:prstGeom>
+          <a:ln w="12700">
+            <a:solidFill>
+              <a:schemeClr val="tx1"/>
+            </a:solidFill>
+            <a:tailEnd type="triangle"/>
+          </a:ln>
+        </p:spPr>
+        <p:style>
+          <a:lnRef idx="1">
+            <a:schemeClr val="accent1"/>
+          </a:lnRef>
+          <a:fillRef idx="0">
+            <a:schemeClr val="accent1"/>
+          </a:fillRef>
+          <a:effectRef idx="0">
+            <a:schemeClr val="accent1"/>
+          </a:effectRef>
+          <a:fontRef idx="minor">
+            <a:schemeClr val="tx1"/>
+          </a:fontRef>
+        </p:style>
+      </p:cxnSp>
+      <p:cxnSp>
+        <p:nvCxnSpPr>
+          <p:cNvPr id="91" name="Gewinkelte Verbindung 40">
+            <a:extLst>
+              <a:ext uri="{FF2B5EF4-FFF2-40B4-BE49-F238E27FC236}">
+                <a16:creationId xmlns:a16="http://schemas.microsoft.com/office/drawing/2014/main" id="{1166C831-0602-4CBD-978F-8EF001FD8682}"/>
+              </a:ext>
+            </a:extLst>
+          </p:cNvPr>
+          <p:cNvCxnSpPr>
+            <a:cxnSpLocks/>
+            <a:stCxn id="80" idx="0"/>
+            <a:endCxn id="101" idx="4"/>
+          </p:cNvCxnSpPr>
+          <p:nvPr/>
+        </p:nvCxnSpPr>
+        <p:spPr>
+          <a:xfrm rot="16200000" flipV="1">
+            <a:off x="4483300" y="752153"/>
+            <a:ext cx="869605" cy="2042628"/>
+          </a:xfrm>
+          <a:prstGeom prst="bentConnector2">
+            <a:avLst/>
+          </a:prstGeom>
+          <a:ln w="12700">
+            <a:solidFill>
+              <a:schemeClr val="tx1"/>
+            </a:solidFill>
+            <a:tailEnd type="triangle"/>
+          </a:ln>
+        </p:spPr>
+        <p:style>
+          <a:lnRef idx="1">
+            <a:schemeClr val="accent1"/>
+          </a:lnRef>
+          <a:fillRef idx="0">
+            <a:schemeClr val="accent1"/>
+          </a:fillRef>
+          <a:effectRef idx="0">
+            <a:schemeClr val="accent1"/>
+          </a:effectRef>
+          <a:fontRef idx="minor">
+            <a:schemeClr val="tx1"/>
+          </a:fontRef>
+        </p:style>
+      </p:cxnSp>
+      <mc:AlternateContent xmlns:mc="http://schemas.openxmlformats.org/markup-compatibility/2006" xmlns:a14="http://schemas.microsoft.com/office/drawing/2010/main">
+        <mc:Choice Requires="a14">
+          <p:sp>
+            <p:nvSpPr>
+              <p:cNvPr id="55" name="Textfeld 60">
+                <a:extLst>
+                  <a:ext uri="{FF2B5EF4-FFF2-40B4-BE49-F238E27FC236}">
+                    <a16:creationId xmlns:a16="http://schemas.microsoft.com/office/drawing/2014/main" id="{40AB6970-4CB9-4A30-BF8B-B8FD9C5D96AA}"/>
+                  </a:ext>
+                </a:extLst>
+              </p:cNvPr>
+              <p:cNvSpPr txBox="1"/>
+              <p:nvPr/>
+            </p:nvSpPr>
+            <p:spPr>
+              <a:xfrm>
+                <a:off x="7085512" y="3719752"/>
+                <a:ext cx="1009444" cy="261610"/>
+              </a:xfrm>
+              <a:prstGeom prst="rect">
+                <a:avLst/>
+              </a:prstGeom>
+              <a:noFill/>
+            </p:spPr>
+            <p:txBody>
+              <a:bodyPr wrap="none" rtlCol="0">
+                <a:spAutoFit/>
+              </a:bodyPr>
+              <a:lstStyle/>
+              <a:p>
+                <a:pPr/>
+                <a14:m>
+                  <m:oMathPara xmlns:m="http://schemas.openxmlformats.org/officeDocument/2006/math">
+                    <m:oMathParaPr>
+                      <m:jc m:val="centerGroup"/>
+                    </m:oMathParaPr>
+                    <m:oMath xmlns:m="http://schemas.openxmlformats.org/officeDocument/2006/math">
+                      <m:sSub>
+                        <m:sSubPr>
+                          <m:ctrlPr>
+                            <a:rPr lang="de-DE" sz="1100" i="1" smtClean="0">
+                              <a:latin typeface="Cambria Math" panose="02040503050406030204" pitchFamily="18" charset="0"/>
+                            </a:rPr>
+                          </m:ctrlPr>
+                        </m:sSubPr>
+                        <m:e>
+                          <m:r>
+                            <a:rPr lang="en-US" sz="1100" i="1">
+                              <a:latin typeface="Cambria Math" panose="02040503050406030204" pitchFamily="18" charset="0"/>
+                            </a:rPr>
+                            <m:t>𝑈</m:t>
+                          </m:r>
+                        </m:e>
+                        <m:sub>
+                          <m:r>
+                            <a:rPr lang="it-IT" sz="1100" b="0" i="1" smtClean="0">
+                              <a:latin typeface="Cambria Math" panose="02040503050406030204" pitchFamily="18" charset="0"/>
+                            </a:rPr>
+                            <m:t>𝑠𝑒𝑚𝑖</m:t>
+                          </m:r>
+                          <m:r>
+                            <a:rPr lang="en-US" sz="1100" i="1">
+                              <a:latin typeface="Cambria Math" panose="02040503050406030204" pitchFamily="18" charset="0"/>
+                            </a:rPr>
+                            <m:t>−</m:t>
+                          </m:r>
+                          <m:r>
+                            <a:rPr lang="en-US" sz="1100" i="1">
+                              <a:latin typeface="Cambria Math" panose="02040503050406030204" pitchFamily="18" charset="0"/>
+                            </a:rPr>
+                            <m:t>𝑙𝑎𝑏𝑒𝑙𝑒𝑑</m:t>
+                          </m:r>
+                        </m:sub>
+                      </m:sSub>
+                    </m:oMath>
+                  </m:oMathPara>
+                </a14:m>
+                <a:endParaRPr lang="de-DE" dirty="0"/>
+              </a:p>
+            </p:txBody>
+          </p:sp>
+        </mc:Choice>
+        <mc:Fallback xmlns="">
+          <p:sp>
+            <p:nvSpPr>
+              <p:cNvPr id="55" name="Textfeld 60">
+                <a:extLst>
+                  <a:ext uri="{FF2B5EF4-FFF2-40B4-BE49-F238E27FC236}">
+                    <a16:creationId xmlns:a16="http://schemas.microsoft.com/office/drawing/2014/main" id="{40AB6970-4CB9-4A30-BF8B-B8FD9C5D96AA}"/>
+                  </a:ext>
+                </a:extLst>
+              </p:cNvPr>
+              <p:cNvSpPr txBox="1">
+                <a:spLocks noRot="1" noChangeAspect="1" noMove="1" noResize="1" noEditPoints="1" noAdjustHandles="1" noChangeArrowheads="1" noChangeShapeType="1" noTextEdit="1"/>
+              </p:cNvSpPr>
+              <p:nvPr/>
+            </p:nvSpPr>
+            <p:spPr>
+              <a:xfrm>
+                <a:off x="7085512" y="3719752"/>
+                <a:ext cx="1009444" cy="261610"/>
+              </a:xfrm>
+              <a:prstGeom prst="rect">
+                <a:avLst/>
+              </a:prstGeom>
+              <a:blipFill>
+                <a:blip r:embed="rId12"/>
+                <a:stretch>
+                  <a:fillRect/>
+                </a:stretch>
+              </a:blipFill>
+            </p:spPr>
+            <p:txBody>
+              <a:bodyPr/>
+              <a:lstStyle/>
+              <a:p>
+                <a:r>
+                  <a:rPr lang="en-GB">
+                    <a:noFill/>
+                  </a:rPr>
+                  <a:t> </a:t>
+                </a:r>
+              </a:p>
+            </p:txBody>
+          </p:sp>
+        </mc:Fallback>
+      </mc:AlternateContent>
+      <p:sp>
+        <p:nvSpPr>
+          <p:cNvPr id="59" name="Rectangle: Rounded Corners 58">
+            <a:extLst>
+              <a:ext uri="{FF2B5EF4-FFF2-40B4-BE49-F238E27FC236}">
+                <a16:creationId xmlns:a16="http://schemas.microsoft.com/office/drawing/2014/main" id="{45F68CCC-BDAB-4892-AC95-39837EBAC307}"/>
+              </a:ext>
+            </a:extLst>
+          </p:cNvPr>
+          <p:cNvSpPr/>
+          <p:nvPr/>
+        </p:nvSpPr>
+        <p:spPr>
+          <a:xfrm>
+            <a:off x="5463346" y="3337664"/>
+            <a:ext cx="972000" cy="648398"/>
+          </a:xfrm>
+          <a:prstGeom prst="roundRect">
+            <a:avLst>
+              <a:gd name="adj" fmla="val 10145"/>
+            </a:avLst>
+          </a:prstGeom>
+          <a:solidFill>
+            <a:schemeClr val="bg1"/>
+          </a:solidFill>
+          <a:ln w="12700">
+            <a:solidFill>
+              <a:schemeClr val="tx1"/>
+            </a:solidFill>
+          </a:ln>
+        </p:spPr>
+        <p:style>
+          <a:lnRef idx="2">
+            <a:schemeClr val="accent1">
+              <a:shade val="50000"/>
+            </a:schemeClr>
+          </a:lnRef>
+          <a:fillRef idx="1">
+            <a:schemeClr val="accent1"/>
+          </a:fillRef>
+          <a:effectRef idx="0">
+            <a:schemeClr val="accent1"/>
+          </a:effectRef>
+          <a:fontRef idx="minor">
+            <a:schemeClr val="lt1"/>
+          </a:fontRef>
+        </p:style>
+        <p:txBody>
+          <a:bodyPr rtlCol="0" anchor="ctr"/>
+          <a:lstStyle/>
+          <a:p>
+            <a:pPr algn="ctr"/>
+            <a:r>
+              <a:rPr lang="en-US" sz="1050" dirty="0">
+                <a:solidFill>
+                  <a:schemeClr val="tx1"/>
+                </a:solidFill>
+                <a:latin typeface="Futura"/>
+                <a:cs typeface="Times New Roman" panose="02020603050405020304" pitchFamily="18" charset="0"/>
+              </a:rPr>
+              <a:t>remaining</a:t>
+            </a:r>
+          </a:p>
+          <a:p>
+            <a:pPr algn="ctr"/>
+            <a:r>
+              <a:rPr lang="en-US" sz="1050" dirty="0">
+                <a:solidFill>
+                  <a:schemeClr val="tx1"/>
+                </a:solidFill>
+                <a:latin typeface="Futura"/>
+                <a:cs typeface="Times New Roman" panose="02020603050405020304" pitchFamily="18" charset="0"/>
+              </a:rPr>
+              <a:t>candidates</a:t>
+            </a:r>
+          </a:p>
+        </p:txBody>
+      </p:sp>
+      <p:cxnSp>
+        <p:nvCxnSpPr>
+          <p:cNvPr id="61" name="Gewinkelte Verbindung 40">
+            <a:extLst>
+              <a:ext uri="{FF2B5EF4-FFF2-40B4-BE49-F238E27FC236}">
+                <a16:creationId xmlns:a16="http://schemas.microsoft.com/office/drawing/2014/main" id="{6DFDF9F2-A28B-493C-A29E-223507BF1A70}"/>
+              </a:ext>
+            </a:extLst>
+          </p:cNvPr>
+          <p:cNvCxnSpPr>
+            <a:cxnSpLocks/>
+            <a:stCxn id="59" idx="3"/>
+            <a:endCxn id="81" idx="0"/>
+          </p:cNvCxnSpPr>
+          <p:nvPr/>
+        </p:nvCxnSpPr>
+        <p:spPr>
+          <a:xfrm>
+            <a:off x="6435346" y="3661863"/>
+            <a:ext cx="709267" cy="613710"/>
+          </a:xfrm>
+          <a:prstGeom prst="bentConnector2">
+            <a:avLst/>
+          </a:prstGeom>
+          <a:ln w="12700">
+            <a:solidFill>
+              <a:schemeClr val="tx1"/>
+            </a:solidFill>
+            <a:prstDash val="sysDash"/>
+            <a:tailEnd type="triangle"/>
+          </a:ln>
+        </p:spPr>
+        <p:style>
+          <a:lnRef idx="1">
+            <a:schemeClr val="accent1"/>
+          </a:lnRef>
+          <a:fillRef idx="0">
+            <a:schemeClr val="accent1"/>
+          </a:fillRef>
+          <a:effectRef idx="0">
+            <a:schemeClr val="accent1"/>
+          </a:effectRef>
+          <a:fontRef idx="minor">
+            <a:schemeClr val="tx1"/>
+          </a:fontRef>
+        </p:style>
+      </p:cxnSp>
+      <p:cxnSp>
+        <p:nvCxnSpPr>
+          <p:cNvPr id="62" name="Gerade Verbindung mit Pfeil 55">
+            <a:extLst>
+              <a:ext uri="{FF2B5EF4-FFF2-40B4-BE49-F238E27FC236}">
+                <a16:creationId xmlns:a16="http://schemas.microsoft.com/office/drawing/2014/main" id="{28D07CE3-C26F-4201-ADBD-084509795874}"/>
+              </a:ext>
+            </a:extLst>
+          </p:cNvPr>
+          <p:cNvCxnSpPr>
+            <a:cxnSpLocks/>
+            <a:endCxn id="59" idx="0"/>
+          </p:cNvCxnSpPr>
+          <p:nvPr/>
+        </p:nvCxnSpPr>
+        <p:spPr>
+          <a:xfrm>
+            <a:off x="5946565" y="2856521"/>
+            <a:ext cx="2781" cy="481143"/>
+          </a:xfrm>
+          <a:prstGeom prst="straightConnector1">
+            <a:avLst/>
+          </a:prstGeom>
+          <a:ln w="12700">
+            <a:solidFill>
+              <a:schemeClr val="tx1"/>
+            </a:solidFill>
+            <a:prstDash val="sysDash"/>
+            <a:tailEnd type="triangle"/>
+          </a:ln>
+        </p:spPr>
+        <p:style>
+          <a:lnRef idx="1">
+            <a:schemeClr val="accent1"/>
+          </a:lnRef>
+          <a:fillRef idx="0">
+            <a:schemeClr val="accent1"/>
+          </a:fillRef>
+          <a:effectRef idx="0">
+            <a:schemeClr val="accent1"/>
+          </a:effectRef>
+          <a:fontRef idx="minor">
+            <a:schemeClr val="tx1"/>
+          </a:fontRef>
+        </p:style>
+      </p:cxnSp>
+      <p:cxnSp>
+        <p:nvCxnSpPr>
+          <p:cNvPr id="64" name="Gewinkelte Verbindung 40">
+            <a:extLst>
+              <a:ext uri="{FF2B5EF4-FFF2-40B4-BE49-F238E27FC236}">
+                <a16:creationId xmlns:a16="http://schemas.microsoft.com/office/drawing/2014/main" id="{CECE32A4-6A8C-4CAE-9DA7-6CA9E23F74A5}"/>
+              </a:ext>
+            </a:extLst>
+          </p:cNvPr>
+          <p:cNvCxnSpPr>
+            <a:cxnSpLocks/>
+            <a:stCxn id="79" idx="3"/>
+            <a:endCxn id="59" idx="1"/>
+          </p:cNvCxnSpPr>
+          <p:nvPr/>
+        </p:nvCxnSpPr>
+        <p:spPr>
+          <a:xfrm>
+            <a:off x="3815788" y="2527400"/>
+            <a:ext cx="1647558" cy="1134463"/>
+          </a:xfrm>
+          <a:prstGeom prst="bentConnector3">
+            <a:avLst>
+              <a:gd name="adj1" fmla="val 29664"/>
+            </a:avLst>
+          </a:prstGeom>
+          <a:ln w="12700">
+            <a:solidFill>
+              <a:schemeClr val="tx1"/>
+            </a:solidFill>
+            <a:tailEnd type="triangle"/>
+          </a:ln>
+        </p:spPr>
+        <p:style>
+          <a:lnRef idx="1">
+            <a:schemeClr val="accent1"/>
+          </a:lnRef>
+          <a:fillRef idx="0">
+            <a:schemeClr val="accent1"/>
+          </a:fillRef>
+          <a:effectRef idx="0">
+            <a:schemeClr val="accent1"/>
+          </a:effectRef>
+          <a:fontRef idx="minor">
+            <a:schemeClr val="tx1"/>
+          </a:fontRef>
+        </p:style>
+      </p:cxnSp>
+      <p:sp>
+        <p:nvSpPr>
+          <p:cNvPr id="65" name="Textfeld 64">
+            <a:extLst>
+              <a:ext uri="{FF2B5EF4-FFF2-40B4-BE49-F238E27FC236}">
+                <a16:creationId xmlns:a16="http://schemas.microsoft.com/office/drawing/2014/main" id="{9FE499A4-AA4F-429D-8952-5FFA3D60BE92}"/>
+              </a:ext>
+            </a:extLst>
+          </p:cNvPr>
+          <p:cNvSpPr txBox="1"/>
+          <p:nvPr/>
+        </p:nvSpPr>
+        <p:spPr>
+          <a:xfrm>
+            <a:off x="6478570" y="3234783"/>
+            <a:ext cx="1616386" cy="253916"/>
+          </a:xfrm>
+          <a:prstGeom prst="rect">
+            <a:avLst/>
+          </a:prstGeom>
+          <a:noFill/>
+        </p:spPr>
+        <p:txBody>
+          <a:bodyPr wrap="square" rtlCol="0">
+            <a:spAutoFit/>
+          </a:bodyPr>
+          <a:lstStyle/>
+          <a:p>
+            <a:r>
+              <a:rPr lang="en-US" sz="1050" b="1" dirty="0">
+                <a:solidFill>
+                  <a:schemeClr val="tx1">
+                    <a:lumMod val="75000"/>
+                    <a:lumOff val="25000"/>
+                  </a:schemeClr>
+                </a:solidFill>
+                <a:latin typeface="Futura"/>
+                <a:cs typeface="Times New Roman" panose="02020603050405020304" pitchFamily="18" charset="0"/>
+              </a:rPr>
+              <a:t>semi labeled samples</a:t>
+            </a:r>
+          </a:p>
+        </p:txBody>
+      </p:sp>
+      <p:cxnSp>
+        <p:nvCxnSpPr>
+          <p:cNvPr id="67" name="Gewinkelte Verbindung 40">
+            <a:extLst>
+              <a:ext uri="{FF2B5EF4-FFF2-40B4-BE49-F238E27FC236}">
+                <a16:creationId xmlns:a16="http://schemas.microsoft.com/office/drawing/2014/main" id="{C76C2A79-1156-48B2-94C9-7C98E72C4017}"/>
+              </a:ext>
+            </a:extLst>
+          </p:cNvPr>
+          <p:cNvCxnSpPr>
+            <a:cxnSpLocks/>
+            <a:stCxn id="85" idx="3"/>
+            <a:endCxn id="90" idx="2"/>
+          </p:cNvCxnSpPr>
+          <p:nvPr/>
+        </p:nvCxnSpPr>
+        <p:spPr>
+          <a:xfrm flipH="1" flipV="1">
+            <a:off x="8187309" y="2855600"/>
+            <a:ext cx="1388208" cy="1748860"/>
+          </a:xfrm>
+          <a:prstGeom prst="bentConnector4">
+            <a:avLst>
+              <a:gd name="adj1" fmla="val -16467"/>
+              <a:gd name="adj2" fmla="val 71033"/>
+            </a:avLst>
+          </a:prstGeom>
+          <a:ln w="12700">
+            <a:solidFill>
+              <a:schemeClr val="tx1"/>
+            </a:solidFill>
+            <a:tailEnd type="triangle"/>
+          </a:ln>
+        </p:spPr>
+        <p:style>
+          <a:lnRef idx="1">
+            <a:schemeClr val="accent1"/>
+          </a:lnRef>
+          <a:fillRef idx="0">
+            <a:schemeClr val="accent1"/>
+          </a:fillRef>
+          <a:effectRef idx="0">
+            <a:schemeClr val="accent1"/>
+          </a:effectRef>
+          <a:fontRef idx="minor">
+            <a:schemeClr val="tx1"/>
+          </a:fontRef>
+        </p:style>
+      </p:cxnSp>
+      <p:cxnSp>
+        <p:nvCxnSpPr>
+          <p:cNvPr id="69" name="Gerade Verbindung mit Pfeil 55">
+            <a:extLst>
+              <a:ext uri="{FF2B5EF4-FFF2-40B4-BE49-F238E27FC236}">
+                <a16:creationId xmlns:a16="http://schemas.microsoft.com/office/drawing/2014/main" id="{FF0244F5-39AB-4753-A0C0-4C80F9AA3093}"/>
+              </a:ext>
+            </a:extLst>
+          </p:cNvPr>
+          <p:cNvCxnSpPr>
+            <a:cxnSpLocks/>
+          </p:cNvCxnSpPr>
+          <p:nvPr/>
+        </p:nvCxnSpPr>
+        <p:spPr>
+          <a:xfrm>
+            <a:off x="8153893" y="39566"/>
+            <a:ext cx="2781" cy="481143"/>
+          </a:xfrm>
+          <a:prstGeom prst="straightConnector1">
+            <a:avLst/>
+          </a:prstGeom>
+          <a:ln w="12700">
+            <a:solidFill>
+              <a:schemeClr val="tx1"/>
+            </a:solidFill>
+            <a:prstDash val="sysDash"/>
+            <a:tailEnd type="triangle"/>
+          </a:ln>
+        </p:spPr>
+        <p:style>
+          <a:lnRef idx="1">
+            <a:schemeClr val="accent1"/>
+          </a:lnRef>
+          <a:fillRef idx="0">
+            <a:schemeClr val="accent1"/>
+          </a:fillRef>
+          <a:effectRef idx="0">
+            <a:schemeClr val="accent1"/>
+          </a:effectRef>
+          <a:fontRef idx="minor">
+            <a:schemeClr val="tx1"/>
+          </a:fontRef>
+        </p:style>
+      </p:cxnSp>
+      <p:cxnSp>
+        <p:nvCxnSpPr>
+          <p:cNvPr id="70" name="Gewinkelte Verbindung 40">
+            <a:extLst>
+              <a:ext uri="{FF2B5EF4-FFF2-40B4-BE49-F238E27FC236}">
+                <a16:creationId xmlns:a16="http://schemas.microsoft.com/office/drawing/2014/main" id="{93907F11-A816-4F24-89B6-42123CC50EE3}"/>
+              </a:ext>
+            </a:extLst>
+          </p:cNvPr>
+          <p:cNvCxnSpPr>
+            <a:cxnSpLocks/>
+            <a:stCxn id="80" idx="1"/>
+            <a:endCxn id="82" idx="0"/>
+          </p:cNvCxnSpPr>
+          <p:nvPr/>
+        </p:nvCxnSpPr>
+        <p:spPr>
+          <a:xfrm rot="10800000" flipH="1" flipV="1">
+            <a:off x="5440008" y="2532467"/>
+            <a:ext cx="513747" cy="1745907"/>
+          </a:xfrm>
+          <a:prstGeom prst="bentConnector4">
+            <a:avLst>
+              <a:gd name="adj1" fmla="val -44497"/>
+              <a:gd name="adj2" fmla="val 90382"/>
+            </a:avLst>
+          </a:prstGeom>
+          <a:ln w="12700">
+            <a:solidFill>
+              <a:schemeClr val="tx1"/>
+            </a:solidFill>
+            <a:prstDash val="sysDash"/>
+            <a:tailEnd type="triangle"/>
+          </a:ln>
+        </p:spPr>
+        <p:style>
+          <a:lnRef idx="1">
+            <a:schemeClr val="accent1"/>
+          </a:lnRef>
+          <a:fillRef idx="0">
+            <a:schemeClr val="accent1"/>
+          </a:fillRef>
+          <a:effectRef idx="0">
+            <a:schemeClr val="accent1"/>
+          </a:effectRef>
+          <a:fontRef idx="minor">
+            <a:schemeClr val="tx1"/>
+          </a:fontRef>
+        </p:style>
+      </p:cxnSp>
+    </p:spTree>
+    <p:extLst>
+      <p:ext uri="{BB962C8B-B14F-4D97-AF65-F5344CB8AC3E}">
+        <p14:creationId xmlns:p14="http://schemas.microsoft.com/office/powerpoint/2010/main" val="3790400780"/>
+      </p:ext>
+    </p:extLst>
+  </p:cSld>
+  <p:clrMapOvr>
+    <a:masterClrMapping/>
+  </p:clrMapOvr>
+</p:sld>
+</file>
+
+<file path=ppt/slides/slide11.xml><?xml version="1.0" encoding="utf-8"?>
+<p:sld xmlns:a="http://schemas.openxmlformats.org/drawingml/2006/main" xmlns:r="http://schemas.openxmlformats.org/officeDocument/2006/relationships" xmlns:p="http://schemas.openxmlformats.org/presentationml/2006/main">
+  <p:cSld>
+    <p:spTree>
+      <p:nvGrpSpPr>
+        <p:cNvPr id="1" name=""/>
+        <p:cNvGrpSpPr/>
+        <p:nvPr/>
+      </p:nvGrpSpPr>
+      <p:grpSpPr>
+        <a:xfrm>
+          <a:off x="0" y="0"/>
+          <a:ext cx="0" cy="0"/>
+          <a:chOff x="0" y="0"/>
+          <a:chExt cx="0" cy="0"/>
+        </a:xfrm>
+      </p:grpSpPr>
+      <p:sp>
+        <p:nvSpPr>
+          <p:cNvPr id="20" name="Flussdiagramm: Prozess 19"/>
+          <p:cNvSpPr/>
+          <p:nvPr/>
+        </p:nvSpPr>
+        <p:spPr>
+          <a:xfrm>
+            <a:off x="-504563" y="2092705"/>
+            <a:ext cx="9648564" cy="2877752"/>
+          </a:xfrm>
+          <a:prstGeom prst="flowChartProcess">
+            <a:avLst/>
+          </a:prstGeom>
+          <a:solidFill>
+            <a:srgbClr val="FFFF00">
+              <a:alpha val="40000"/>
+            </a:srgbClr>
+          </a:solidFill>
+          <a:ln>
+            <a:noFill/>
+          </a:ln>
+        </p:spPr>
+        <p:style>
+          <a:lnRef idx="2">
+            <a:schemeClr val="accent1">
+              <a:shade val="50000"/>
+            </a:schemeClr>
+          </a:lnRef>
+          <a:fillRef idx="1">
+            <a:schemeClr val="accent1"/>
+          </a:fillRef>
+          <a:effectRef idx="0">
+            <a:schemeClr val="accent1"/>
+          </a:effectRef>
+          <a:fontRef idx="minor">
+            <a:schemeClr val="lt1"/>
+          </a:fontRef>
+        </p:style>
+        <p:txBody>
+          <a:bodyPr rtlCol="0" anchor="ctr"/>
+          <a:lstStyle/>
+          <a:p>
+            <a:pPr algn="ctr"/>
+            <a:endParaRPr lang="de-DE" sz="1350" dirty="0"/>
+          </a:p>
+        </p:txBody>
+      </p:sp>
+      <p:sp>
+        <p:nvSpPr>
+          <p:cNvPr id="140" name="Flussdiagramm: Prozess 50">
+            <a:extLst>
+              <a:ext uri="{FF2B5EF4-FFF2-40B4-BE49-F238E27FC236}">
+                <a16:creationId xmlns:a16="http://schemas.microsoft.com/office/drawing/2014/main" id="{11E8D23C-BCD8-410A-8EBB-723FC60C2727}"/>
+              </a:ext>
+            </a:extLst>
+          </p:cNvPr>
+          <p:cNvSpPr/>
+          <p:nvPr/>
+        </p:nvSpPr>
+        <p:spPr>
+          <a:xfrm>
+            <a:off x="5336109" y="2083137"/>
+            <a:ext cx="4647653" cy="3118871"/>
+          </a:xfrm>
+          <a:prstGeom prst="flowChartProcess">
+            <a:avLst/>
+          </a:prstGeom>
+          <a:solidFill>
+            <a:schemeClr val="bg2">
+              <a:lumMod val="50000"/>
+              <a:alpha val="40000"/>
+            </a:schemeClr>
+          </a:solidFill>
+          <a:ln>
+            <a:noFill/>
+          </a:ln>
+        </p:spPr>
+        <p:style>
+          <a:lnRef idx="2">
+            <a:schemeClr val="accent1">
+              <a:shade val="50000"/>
+            </a:schemeClr>
+          </a:lnRef>
+          <a:fillRef idx="1">
+            <a:schemeClr val="accent1"/>
+          </a:fillRef>
+          <a:effectRef idx="0">
+            <a:schemeClr val="accent1"/>
+          </a:effectRef>
+          <a:fontRef idx="minor">
+            <a:schemeClr val="lt1"/>
+          </a:fontRef>
+        </p:style>
+        <p:txBody>
+          <a:bodyPr rtlCol="0" anchor="ctr"/>
+          <a:lstStyle/>
+          <a:p>
+            <a:pPr algn="ctr"/>
+            <a:endParaRPr lang="de-DE" sz="1350" dirty="0"/>
+          </a:p>
+        </p:txBody>
+      </p:sp>
+      <p:sp>
+        <p:nvSpPr>
+          <p:cNvPr id="87" name="Flussdiagramm: Prozess 21">
+            <a:extLst>
+              <a:ext uri="{FF2B5EF4-FFF2-40B4-BE49-F238E27FC236}">
+                <a16:creationId xmlns:a16="http://schemas.microsoft.com/office/drawing/2014/main" id="{1305CF49-02AC-4A78-A815-F332B000896D}"/>
+              </a:ext>
+            </a:extLst>
+          </p:cNvPr>
+          <p:cNvSpPr/>
+          <p:nvPr/>
+        </p:nvSpPr>
+        <p:spPr>
+          <a:xfrm>
+            <a:off x="7560791" y="2087137"/>
+            <a:ext cx="2411809" cy="1241155"/>
+          </a:xfrm>
+          <a:prstGeom prst="flowChartProcess">
+            <a:avLst/>
+          </a:prstGeom>
+          <a:solidFill>
+            <a:srgbClr val="0070C0">
+              <a:alpha val="40000"/>
+            </a:srgbClr>
+          </a:solidFill>
+          <a:ln>
+            <a:noFill/>
+          </a:ln>
+        </p:spPr>
+        <p:style>
+          <a:lnRef idx="2">
+            <a:schemeClr val="accent1">
+              <a:shade val="50000"/>
+            </a:schemeClr>
+          </a:lnRef>
+          <a:fillRef idx="1">
+            <a:schemeClr val="accent1"/>
+          </a:fillRef>
+          <a:effectRef idx="0">
+            <a:schemeClr val="accent1"/>
+          </a:effectRef>
+          <a:fontRef idx="minor">
+            <a:schemeClr val="lt1"/>
+          </a:fontRef>
+        </p:style>
+        <p:txBody>
+          <a:bodyPr rtlCol="0" anchor="ctr"/>
+          <a:lstStyle/>
+          <a:p>
+            <a:pPr algn="ctr"/>
+            <a:endParaRPr lang="de-DE" sz="1350"/>
+          </a:p>
+        </p:txBody>
+      </p:sp>
+      <p:sp>
+        <p:nvSpPr>
+          <p:cNvPr id="21" name="Flussdiagramm: Prozess 20"/>
+          <p:cNvSpPr/>
+          <p:nvPr/>
+        </p:nvSpPr>
+        <p:spPr>
+          <a:xfrm>
+            <a:off x="-504564" y="4166399"/>
+            <a:ext cx="5737694" cy="1035609"/>
+          </a:xfrm>
+          <a:prstGeom prst="flowChartProcess">
+            <a:avLst/>
+          </a:prstGeom>
+          <a:solidFill>
+            <a:schemeClr val="accent2">
+              <a:lumMod val="75000"/>
+              <a:alpha val="40000"/>
+            </a:schemeClr>
+          </a:solidFill>
+          <a:ln>
+            <a:noFill/>
+          </a:ln>
+        </p:spPr>
+        <p:style>
+          <a:lnRef idx="2">
+            <a:schemeClr val="accent1">
+              <a:shade val="50000"/>
+            </a:schemeClr>
+          </a:lnRef>
+          <a:fillRef idx="1">
+            <a:schemeClr val="accent1"/>
+          </a:fillRef>
+          <a:effectRef idx="0">
+            <a:schemeClr val="accent1"/>
+          </a:effectRef>
+          <a:fontRef idx="minor">
+            <a:schemeClr val="lt1"/>
+          </a:fontRef>
+        </p:style>
+        <p:txBody>
+          <a:bodyPr rtlCol="0" anchor="ctr"/>
+          <a:lstStyle/>
+          <a:p>
+            <a:pPr algn="ctr"/>
+            <a:endParaRPr lang="de-DE" sz="1350"/>
+          </a:p>
+        </p:txBody>
+      </p:sp>
+      <mc:AlternateContent xmlns:mc="http://schemas.openxmlformats.org/markup-compatibility/2006" xmlns:a14="http://schemas.microsoft.com/office/drawing/2010/main">
+        <mc:Choice Requires="a14">
+          <p:sp>
+            <p:nvSpPr>
+              <p:cNvPr id="4" name="Textfeld 3"/>
+              <p:cNvSpPr txBox="1"/>
+              <p:nvPr/>
+            </p:nvSpPr>
+            <p:spPr>
+              <a:xfrm>
+                <a:off x="3788304" y="3539862"/>
+                <a:ext cx="452303" cy="265457"/>
+              </a:xfrm>
+              <a:prstGeom prst="rect">
+                <a:avLst/>
+              </a:prstGeom>
+              <a:noFill/>
+            </p:spPr>
+            <p:txBody>
+              <a:bodyPr wrap="square" rtlCol="0">
+                <a:spAutoFit/>
+              </a:bodyPr>
+              <a:lstStyle/>
+              <a:p>
+                <a:pPr/>
+                <a14:m>
+                  <m:oMathPara xmlns:m="http://schemas.openxmlformats.org/officeDocument/2006/math">
+                    <m:oMathParaPr>
+                      <m:jc m:val="centerGroup"/>
+                    </m:oMathParaPr>
+                    <m:oMath xmlns:m="http://schemas.openxmlformats.org/officeDocument/2006/math">
+                      <m:sSup>
+                        <m:sSupPr>
+                          <m:ctrlPr>
+                            <a:rPr lang="de-DE" sz="1100" i="1">
+                              <a:latin typeface="Cambria Math" panose="02040503050406030204" pitchFamily="18" charset="0"/>
+                            </a:rPr>
+                          </m:ctrlPr>
+                        </m:sSupPr>
+                        <m:e>
+                          <m:r>
+                            <a:rPr lang="de-DE" sz="1100" i="1">
+                              <a:latin typeface="Cambria Math" panose="02040503050406030204" pitchFamily="18" charset="0"/>
+                            </a:rPr>
+                            <m:t>𝑋</m:t>
+                          </m:r>
+                        </m:e>
+                        <m:sup>
+                          <m:r>
+                            <a:rPr lang="de-DE" sz="1100" i="1">
+                              <a:latin typeface="Cambria Math" panose="02040503050406030204" pitchFamily="18" charset="0"/>
+                            </a:rPr>
+                            <m:t>𝑆𝑉</m:t>
+                          </m:r>
+                        </m:sup>
+                      </m:sSup>
+                    </m:oMath>
+                  </m:oMathPara>
+                </a14:m>
+                <a:endParaRPr lang="de-DE" sz="1350" dirty="0">
+                  <a:latin typeface="Futura"/>
+                </a:endParaRPr>
+              </a:p>
+            </p:txBody>
+          </p:sp>
+        </mc:Choice>
+        <mc:Fallback xmlns="">
+          <p:sp>
+            <p:nvSpPr>
+              <p:cNvPr id="4" name="Textfeld 3"/>
+              <p:cNvSpPr txBox="1">
+                <a:spLocks noRot="1" noChangeAspect="1" noMove="1" noResize="1" noEditPoints="1" noAdjustHandles="1" noChangeArrowheads="1" noChangeShapeType="1" noTextEdit="1"/>
+              </p:cNvSpPr>
+              <p:nvPr/>
+            </p:nvSpPr>
+            <p:spPr>
+              <a:xfrm>
+                <a:off x="3788304" y="3539862"/>
+                <a:ext cx="452303" cy="265457"/>
+              </a:xfrm>
+              <a:prstGeom prst="rect">
+                <a:avLst/>
+              </a:prstGeom>
+              <a:blipFill>
+                <a:blip r:embed="rId3"/>
+                <a:stretch>
+                  <a:fillRect/>
+                </a:stretch>
+              </a:blipFill>
+            </p:spPr>
+            <p:txBody>
+              <a:bodyPr/>
+              <a:lstStyle/>
+              <a:p>
+                <a:r>
+                  <a:rPr lang="en-GB">
+                    <a:noFill/>
+                  </a:rPr>
+                  <a:t> </a:t>
+                </a:r>
+              </a:p>
+            </p:txBody>
+          </p:sp>
+        </mc:Fallback>
+      </mc:AlternateContent>
+      <p:sp>
+        <p:nvSpPr>
+          <p:cNvPr id="8" name="Flussdiagramm: Karte 7"/>
+          <p:cNvSpPr/>
+          <p:nvPr/>
+        </p:nvSpPr>
+        <p:spPr>
+          <a:xfrm>
+            <a:off x="8603460" y="5447473"/>
+            <a:ext cx="1026114" cy="702078"/>
+          </a:xfrm>
+          <a:prstGeom prst="flowChartPunchedCard">
+            <a:avLst/>
+          </a:prstGeom>
+          <a:solidFill>
+            <a:schemeClr val="bg1"/>
+          </a:solidFill>
+          <a:ln w="12700">
+            <a:solidFill>
+              <a:schemeClr val="tx1"/>
+            </a:solidFill>
+          </a:ln>
+        </p:spPr>
+        <p:style>
+          <a:lnRef idx="2">
+            <a:schemeClr val="accent1">
+              <a:shade val="50000"/>
+            </a:schemeClr>
+          </a:lnRef>
+          <a:fillRef idx="1">
+            <a:schemeClr val="accent1"/>
+          </a:fillRef>
+          <a:effectRef idx="0">
+            <a:schemeClr val="accent1"/>
+          </a:effectRef>
+          <a:fontRef idx="minor">
+            <a:schemeClr val="lt1"/>
+          </a:fontRef>
+        </p:style>
+        <p:txBody>
+          <a:bodyPr rot="0" spcFirstLastPara="0" vertOverflow="overflow" horzOverflow="overflow" vert="horz" wrap="square" lIns="68580" tIns="34290" rIns="68580" bIns="34290" numCol="1" spcCol="0" rtlCol="0" fromWordArt="0" anchor="ctr" anchorCtr="0" forceAA="0" compatLnSpc="1">
+            <a:prstTxWarp prst="textNoShape">
+              <a:avLst/>
+            </a:prstTxWarp>
+            <a:noAutofit/>
+          </a:bodyPr>
+          <a:lstStyle/>
+          <a:p>
+            <a:pPr algn="ctr"/>
+            <a:r>
+              <a:rPr lang="en-US" sz="1100" dirty="0">
+                <a:solidFill>
+                  <a:schemeClr val="tx1"/>
+                </a:solidFill>
+                <a:latin typeface="Futura"/>
+                <a:cs typeface="Times New Roman" panose="02020603050405020304" pitchFamily="18" charset="0"/>
+              </a:rPr>
+              <a:t>thematic</a:t>
+            </a:r>
+            <a:r>
+              <a:rPr lang="de-DE" sz="1100" dirty="0">
+                <a:solidFill>
+                  <a:schemeClr val="tx1"/>
+                </a:solidFill>
+                <a:latin typeface="Futura"/>
+                <a:cs typeface="Times New Roman" panose="02020603050405020304" pitchFamily="18" charset="0"/>
+              </a:rPr>
+              <a:t> </a:t>
+            </a:r>
+            <a:r>
+              <a:rPr lang="en-US" sz="1100" dirty="0">
+                <a:solidFill>
+                  <a:schemeClr val="tx1"/>
+                </a:solidFill>
+                <a:latin typeface="Futura"/>
+                <a:cs typeface="Times New Roman" panose="02020603050405020304" pitchFamily="18" charset="0"/>
+              </a:rPr>
+              <a:t>map</a:t>
+            </a:r>
+          </a:p>
+        </p:txBody>
+      </p:sp>
+      <mc:AlternateContent xmlns:mc="http://schemas.openxmlformats.org/markup-compatibility/2006" xmlns:a14="http://schemas.microsoft.com/office/drawing/2010/main">
+        <mc:Choice Requires="a14">
+          <p:sp>
+            <p:nvSpPr>
+              <p:cNvPr id="18" name="Textfeld 17"/>
+              <p:cNvSpPr txBox="1"/>
+              <p:nvPr/>
+            </p:nvSpPr>
+            <p:spPr>
+              <a:xfrm>
+                <a:off x="4869590" y="4594389"/>
+                <a:ext cx="450123" cy="265457"/>
+              </a:xfrm>
+              <a:prstGeom prst="rect">
+                <a:avLst/>
+              </a:prstGeom>
+              <a:noFill/>
+            </p:spPr>
+            <p:txBody>
+              <a:bodyPr wrap="square" rtlCol="0">
+                <a:spAutoFit/>
+              </a:bodyPr>
+              <a:lstStyle/>
+              <a:p>
+                <a:pPr/>
+                <a14:m>
+                  <m:oMathPara xmlns:m="http://schemas.openxmlformats.org/officeDocument/2006/math">
+                    <m:oMathParaPr>
+                      <m:jc m:val="centerGroup"/>
+                    </m:oMathParaPr>
+                    <m:oMath xmlns:m="http://schemas.openxmlformats.org/officeDocument/2006/math">
+                      <m:sSup>
+                        <m:sSupPr>
+                          <m:ctrlPr>
+                            <a:rPr lang="de-DE" sz="1100" i="1" dirty="0">
+                              <a:latin typeface="Cambria Math" panose="02040503050406030204" pitchFamily="18" charset="0"/>
+                            </a:rPr>
+                          </m:ctrlPr>
+                        </m:sSupPr>
+                        <m:e>
+                          <m:r>
+                            <a:rPr lang="de-DE" sz="1100" i="1" dirty="0">
+                              <a:latin typeface="Cambria Math" panose="02040503050406030204" pitchFamily="18" charset="0"/>
+                            </a:rPr>
+                            <m:t>𝑉</m:t>
+                          </m:r>
+                        </m:e>
+                        <m:sup>
+                          <m:r>
+                            <a:rPr lang="de-DE" sz="1100" i="1" dirty="0">
+                              <a:latin typeface="Cambria Math" panose="02040503050406030204" pitchFamily="18" charset="0"/>
+                            </a:rPr>
+                            <m:t>𝑆𝑉</m:t>
+                          </m:r>
+                        </m:sup>
+                      </m:sSup>
+                    </m:oMath>
+                  </m:oMathPara>
+                </a14:m>
+                <a:endParaRPr lang="de-DE" sz="1350" dirty="0">
+                  <a:latin typeface="Futura"/>
+                </a:endParaRPr>
+              </a:p>
+            </p:txBody>
+          </p:sp>
+        </mc:Choice>
+        <mc:Fallback xmlns="">
+          <p:sp>
+            <p:nvSpPr>
+              <p:cNvPr id="18" name="Textfeld 17"/>
+              <p:cNvSpPr txBox="1">
+                <a:spLocks noRot="1" noChangeAspect="1" noMove="1" noResize="1" noEditPoints="1" noAdjustHandles="1" noChangeArrowheads="1" noChangeShapeType="1" noTextEdit="1"/>
+              </p:cNvSpPr>
+              <p:nvPr/>
+            </p:nvSpPr>
+            <p:spPr>
+              <a:xfrm>
+                <a:off x="4869590" y="4594389"/>
+                <a:ext cx="450123" cy="265457"/>
+              </a:xfrm>
+              <a:prstGeom prst="rect">
+                <a:avLst/>
+              </a:prstGeom>
+              <a:blipFill>
+                <a:blip r:embed="rId4"/>
+                <a:stretch>
+                  <a:fillRect/>
+                </a:stretch>
+              </a:blipFill>
+            </p:spPr>
+            <p:txBody>
+              <a:bodyPr/>
+              <a:lstStyle/>
+              <a:p>
+                <a:r>
+                  <a:rPr lang="en-GB">
+                    <a:noFill/>
+                  </a:rPr>
+                  <a:t> </a:t>
+                </a:r>
+              </a:p>
+            </p:txBody>
+          </p:sp>
+        </mc:Fallback>
+      </mc:AlternateContent>
+      <p:cxnSp>
+        <p:nvCxnSpPr>
+          <p:cNvPr id="31" name="Gerade Verbindung mit Pfeil 30"/>
+          <p:cNvCxnSpPr>
+            <a:cxnSpLocks/>
+            <a:stCxn id="76" idx="3"/>
+            <a:endCxn id="77" idx="1"/>
+          </p:cNvCxnSpPr>
+          <p:nvPr/>
+        </p:nvCxnSpPr>
+        <p:spPr>
+          <a:xfrm>
+            <a:off x="1609132" y="2527400"/>
+            <a:ext cx="188658" cy="0"/>
+          </a:xfrm>
+          <a:prstGeom prst="straightConnector1">
+            <a:avLst/>
+          </a:prstGeom>
+          <a:ln w="12700">
+            <a:solidFill>
+              <a:schemeClr val="tx1"/>
+            </a:solidFill>
+            <a:tailEnd type="triangle"/>
+          </a:ln>
+        </p:spPr>
+        <p:style>
+          <a:lnRef idx="1">
+            <a:schemeClr val="accent1"/>
+          </a:lnRef>
+          <a:fillRef idx="0">
+            <a:schemeClr val="accent1"/>
+          </a:fillRef>
+          <a:effectRef idx="0">
+            <a:schemeClr val="accent1"/>
+          </a:effectRef>
+          <a:fontRef idx="minor">
+            <a:schemeClr val="tx1"/>
+          </a:fontRef>
+        </p:style>
+      </p:cxnSp>
+      <p:cxnSp>
+        <p:nvCxnSpPr>
+          <p:cNvPr id="33" name="Gerade Verbindung mit Pfeil 32"/>
+          <p:cNvCxnSpPr>
+            <a:cxnSpLocks/>
+            <a:stCxn id="77" idx="3"/>
+            <a:endCxn id="79" idx="1"/>
+          </p:cNvCxnSpPr>
+          <p:nvPr/>
+        </p:nvCxnSpPr>
+        <p:spPr>
+          <a:xfrm>
+            <a:off x="2715892" y="2527400"/>
+            <a:ext cx="181896" cy="0"/>
+          </a:xfrm>
+          <a:prstGeom prst="straightConnector1">
+            <a:avLst/>
+          </a:prstGeom>
+          <a:ln w="12700">
+            <a:solidFill>
+              <a:schemeClr val="tx1"/>
+            </a:solidFill>
+            <a:tailEnd type="triangle"/>
+          </a:ln>
+        </p:spPr>
+        <p:style>
+          <a:lnRef idx="1">
+            <a:schemeClr val="accent1"/>
+          </a:lnRef>
+          <a:fillRef idx="0">
+            <a:schemeClr val="accent1"/>
+          </a:fillRef>
+          <a:effectRef idx="0">
+            <a:schemeClr val="accent1"/>
+          </a:effectRef>
+          <a:fontRef idx="minor">
+            <a:schemeClr val="tx1"/>
+          </a:fontRef>
+        </p:style>
+      </p:cxnSp>
+      <p:cxnSp>
+        <p:nvCxnSpPr>
+          <p:cNvPr id="53" name="Gerade Verbindung mit Pfeil 52"/>
+          <p:cNvCxnSpPr>
+            <a:cxnSpLocks/>
+            <a:stCxn id="79" idx="0"/>
+            <a:endCxn id="101" idx="3"/>
+          </p:cNvCxnSpPr>
+          <p:nvPr/>
+        </p:nvCxnSpPr>
+        <p:spPr>
+          <a:xfrm flipV="1">
+            <a:off x="3356788" y="1820614"/>
+            <a:ext cx="0" cy="382587"/>
+          </a:xfrm>
+          <a:prstGeom prst="straightConnector1">
+            <a:avLst/>
+          </a:prstGeom>
+          <a:ln w="12700">
+            <a:solidFill>
+              <a:schemeClr val="tx1"/>
+            </a:solidFill>
+            <a:headEnd type="triangle"/>
+            <a:tailEnd type="none"/>
+          </a:ln>
+        </p:spPr>
+        <p:style>
+          <a:lnRef idx="1">
+            <a:schemeClr val="accent1"/>
+          </a:lnRef>
+          <a:fillRef idx="0">
+            <a:schemeClr val="accent1"/>
+          </a:fillRef>
+          <a:effectRef idx="0">
+            <a:schemeClr val="accent1"/>
+          </a:effectRef>
+          <a:fontRef idx="minor">
+            <a:schemeClr val="tx1"/>
+          </a:fontRef>
+        </p:style>
+      </p:cxnSp>
+      <p:cxnSp>
+        <p:nvCxnSpPr>
+          <p:cNvPr id="56" name="Gerade Verbindung mit Pfeil 55"/>
+          <p:cNvCxnSpPr>
+            <a:cxnSpLocks/>
+            <a:stCxn id="79" idx="2"/>
+            <a:endCxn id="60" idx="0"/>
+          </p:cNvCxnSpPr>
+          <p:nvPr/>
+        </p:nvCxnSpPr>
+        <p:spPr>
+          <a:xfrm>
+            <a:off x="3356788" y="2851599"/>
+            <a:ext cx="0" cy="397960"/>
+          </a:xfrm>
+          <a:prstGeom prst="straightConnector1">
+            <a:avLst/>
+          </a:prstGeom>
+          <a:ln w="12700">
+            <a:solidFill>
+              <a:schemeClr val="tx1"/>
+            </a:solidFill>
+            <a:tailEnd type="triangle"/>
+          </a:ln>
+        </p:spPr>
+        <p:style>
+          <a:lnRef idx="1">
+            <a:schemeClr val="accent1"/>
+          </a:lnRef>
+          <a:fillRef idx="0">
+            <a:schemeClr val="accent1"/>
+          </a:fillRef>
+          <a:effectRef idx="0">
+            <a:schemeClr val="accent1"/>
+          </a:effectRef>
+          <a:fontRef idx="minor">
+            <a:schemeClr val="tx1"/>
+          </a:fontRef>
+        </p:style>
+      </p:cxnSp>
+      <p:cxnSp>
+        <p:nvCxnSpPr>
+          <p:cNvPr id="58" name="Gerade Verbindung mit Pfeil 57"/>
+          <p:cNvCxnSpPr>
+            <a:cxnSpLocks/>
+            <a:stCxn id="60" idx="2"/>
+            <a:endCxn id="84" idx="0"/>
+          </p:cNvCxnSpPr>
+          <p:nvPr/>
+        </p:nvCxnSpPr>
+        <p:spPr>
+          <a:xfrm>
+            <a:off x="3356788" y="3897957"/>
+            <a:ext cx="0" cy="381268"/>
+          </a:xfrm>
+          <a:prstGeom prst="straightConnector1">
+            <a:avLst/>
+          </a:prstGeom>
+          <a:ln w="12700">
+            <a:solidFill>
+              <a:schemeClr val="tx1"/>
+            </a:solidFill>
+            <a:tailEnd type="triangle"/>
+          </a:ln>
+        </p:spPr>
+        <p:style>
+          <a:lnRef idx="1">
+            <a:schemeClr val="accent1"/>
+          </a:lnRef>
+          <a:fillRef idx="0">
+            <a:schemeClr val="accent1"/>
+          </a:fillRef>
+          <a:effectRef idx="0">
+            <a:schemeClr val="accent1"/>
+          </a:effectRef>
+          <a:fontRef idx="minor">
+            <a:schemeClr val="tx1"/>
+          </a:fontRef>
+        </p:style>
+      </p:cxnSp>
+      <p:cxnSp>
+        <p:nvCxnSpPr>
+          <p:cNvPr id="63" name="Gerade Verbindung mit Pfeil 62"/>
+          <p:cNvCxnSpPr>
+            <a:cxnSpLocks/>
+            <a:stCxn id="88" idx="3"/>
+            <a:endCxn id="84" idx="1"/>
+          </p:cNvCxnSpPr>
+          <p:nvPr/>
+        </p:nvCxnSpPr>
+        <p:spPr>
+          <a:xfrm>
+            <a:off x="1605356" y="4599771"/>
+            <a:ext cx="1292432" cy="3653"/>
+          </a:xfrm>
+          <a:prstGeom prst="straightConnector1">
+            <a:avLst/>
+          </a:prstGeom>
+          <a:ln w="12700">
+            <a:solidFill>
+              <a:schemeClr val="tx1"/>
+            </a:solidFill>
+            <a:tailEnd type="triangle"/>
+          </a:ln>
+        </p:spPr>
+        <p:style>
+          <a:lnRef idx="1">
+            <a:schemeClr val="accent1"/>
+          </a:lnRef>
+          <a:fillRef idx="0">
+            <a:schemeClr val="accent1"/>
+          </a:fillRef>
+          <a:effectRef idx="0">
+            <a:schemeClr val="accent1"/>
+          </a:effectRef>
+          <a:fontRef idx="minor">
+            <a:schemeClr val="tx1"/>
+          </a:fontRef>
+        </p:style>
+      </p:cxnSp>
+      <p:cxnSp>
+        <p:nvCxnSpPr>
+          <p:cNvPr id="66" name="Gerade Verbindung mit Pfeil 65"/>
+          <p:cNvCxnSpPr>
+            <a:cxnSpLocks/>
+            <a:stCxn id="84" idx="3"/>
+            <a:endCxn id="83" idx="1"/>
+          </p:cNvCxnSpPr>
+          <p:nvPr/>
+        </p:nvCxnSpPr>
+        <p:spPr>
+          <a:xfrm>
+            <a:off x="3815788" y="4603424"/>
+            <a:ext cx="214041" cy="981"/>
+          </a:xfrm>
+          <a:prstGeom prst="straightConnector1">
+            <a:avLst/>
+          </a:prstGeom>
+          <a:ln w="12700">
+            <a:solidFill>
+              <a:schemeClr val="tx1"/>
+            </a:solidFill>
+            <a:tailEnd type="triangle"/>
+          </a:ln>
+        </p:spPr>
+        <p:style>
+          <a:lnRef idx="1">
+            <a:schemeClr val="accent1"/>
+          </a:lnRef>
+          <a:fillRef idx="0">
+            <a:schemeClr val="accent1"/>
+          </a:fillRef>
+          <a:effectRef idx="0">
+            <a:schemeClr val="accent1"/>
+          </a:effectRef>
+          <a:fontRef idx="minor">
+            <a:schemeClr val="tx1"/>
+          </a:fontRef>
+        </p:style>
+      </p:cxnSp>
+      <p:cxnSp>
+        <p:nvCxnSpPr>
+          <p:cNvPr id="68" name="Gerade Verbindung mit Pfeil 67"/>
+          <p:cNvCxnSpPr>
+            <a:cxnSpLocks/>
+            <a:stCxn id="83" idx="3"/>
+            <a:endCxn id="82" idx="1"/>
+          </p:cNvCxnSpPr>
+          <p:nvPr/>
+        </p:nvCxnSpPr>
+        <p:spPr>
+          <a:xfrm flipV="1">
+            <a:off x="4947931" y="4602574"/>
+            <a:ext cx="520758" cy="1831"/>
+          </a:xfrm>
+          <a:prstGeom prst="straightConnector1">
+            <a:avLst/>
+          </a:prstGeom>
+          <a:ln w="12700">
+            <a:solidFill>
+              <a:schemeClr val="tx1"/>
+            </a:solidFill>
+            <a:tailEnd type="triangle"/>
+          </a:ln>
+        </p:spPr>
+        <p:style>
+          <a:lnRef idx="1">
+            <a:schemeClr val="accent1"/>
+          </a:lnRef>
+          <a:fillRef idx="0">
+            <a:schemeClr val="accent1"/>
+          </a:fillRef>
+          <a:effectRef idx="0">
+            <a:schemeClr val="accent1"/>
+          </a:effectRef>
+          <a:fontRef idx="minor">
+            <a:schemeClr val="tx1"/>
+          </a:fontRef>
+        </p:style>
+      </p:cxnSp>
+      <p:sp>
+        <p:nvSpPr>
+          <p:cNvPr id="100" name="Textfeld 99">
+            <a:extLst>
+              <a:ext uri="{FF2B5EF4-FFF2-40B4-BE49-F238E27FC236}">
+                <a16:creationId xmlns:a16="http://schemas.microsoft.com/office/drawing/2014/main" id="{FEB7460F-EA71-4E85-80CF-6CE363E10C88}"/>
+              </a:ext>
+            </a:extLst>
+          </p:cNvPr>
+          <p:cNvSpPr txBox="1"/>
+          <p:nvPr/>
+        </p:nvSpPr>
+        <p:spPr>
+          <a:xfrm>
+            <a:off x="-504564" y="-463103"/>
+            <a:ext cx="11247783" cy="353943"/>
+          </a:xfrm>
+          <a:prstGeom prst="rect">
+            <a:avLst/>
+          </a:prstGeom>
+          <a:noFill/>
+        </p:spPr>
+        <p:txBody>
+          <a:bodyPr wrap="square" rtlCol="0">
+            <a:spAutoFit/>
+          </a:bodyPr>
+          <a:lstStyle/>
+          <a:p>
+            <a:r>
+              <a:rPr lang="en-US" sz="1700" b="1" dirty="0">
+                <a:latin typeface="Futura"/>
+                <a:cs typeface="Times New Roman" panose="02020603050405020304" pitchFamily="18" charset="0"/>
+              </a:rPr>
+              <a:t>SL AL </a:t>
+            </a:r>
+            <a:r>
+              <a:rPr lang="en-US" sz="1700" dirty="0">
+                <a:latin typeface="Futura"/>
+                <a:cs typeface="Times New Roman" panose="02020603050405020304" pitchFamily="18" charset="0"/>
+              </a:rPr>
+              <a:t>method</a:t>
+            </a:r>
+            <a:r>
+              <a:rPr lang="de-DE" sz="1700" dirty="0">
+                <a:latin typeface="Futura"/>
+                <a:cs typeface="Times New Roman" panose="02020603050405020304" pitchFamily="18" charset="0"/>
+              </a:rPr>
+              <a:t> </a:t>
+            </a:r>
+            <a:r>
+              <a:rPr lang="en-US" sz="1700" dirty="0">
+                <a:latin typeface="Futura"/>
+                <a:cs typeface="Times New Roman" panose="02020603050405020304" pitchFamily="18" charset="0"/>
+              </a:rPr>
+              <a:t>with</a:t>
+            </a:r>
+            <a:r>
+              <a:rPr lang="de-DE" sz="1700" dirty="0">
+                <a:latin typeface="Futura"/>
+                <a:cs typeface="Times New Roman" panose="02020603050405020304" pitchFamily="18" charset="0"/>
+              </a:rPr>
+              <a:t> </a:t>
+            </a:r>
+            <a:r>
+              <a:rPr lang="en-US" sz="1700" dirty="0">
+                <a:latin typeface="Futura"/>
+                <a:cs typeface="Times New Roman" panose="02020603050405020304" pitchFamily="18" charset="0"/>
+              </a:rPr>
+              <a:t>constrained</a:t>
+            </a:r>
+            <a:r>
+              <a:rPr lang="de-DE" sz="1700" dirty="0">
+                <a:latin typeface="Futura"/>
+                <a:cs typeface="Times New Roman" panose="02020603050405020304" pitchFamily="18" charset="0"/>
+              </a:rPr>
+              <a:t> </a:t>
+            </a:r>
+            <a:r>
+              <a:rPr lang="en-US" sz="1700" dirty="0">
+                <a:latin typeface="Futura"/>
+                <a:cs typeface="Times New Roman" panose="02020603050405020304" pitchFamily="18" charset="0"/>
+              </a:rPr>
+              <a:t>Virtual Support Vector Machine </a:t>
+            </a:r>
+            <a:endParaRPr lang="de-DE" sz="1700" dirty="0">
+              <a:latin typeface="Futura"/>
+              <a:cs typeface="Times New Roman" panose="02020603050405020304" pitchFamily="18" charset="0"/>
+            </a:endParaRPr>
+          </a:p>
+        </p:txBody>
+      </p:sp>
+      <p:sp>
+        <p:nvSpPr>
+          <p:cNvPr id="2" name="Zylinder 1">
+            <a:extLst>
+              <a:ext uri="{FF2B5EF4-FFF2-40B4-BE49-F238E27FC236}">
+                <a16:creationId xmlns:a16="http://schemas.microsoft.com/office/drawing/2014/main" id="{7FC7301F-2494-4D15-88B6-3B540EB335BB}"/>
+              </a:ext>
+            </a:extLst>
+          </p:cNvPr>
+          <p:cNvSpPr/>
+          <p:nvPr/>
+        </p:nvSpPr>
+        <p:spPr>
+          <a:xfrm>
+            <a:off x="399329" y="879144"/>
+            <a:ext cx="1080000" cy="963900"/>
+          </a:xfrm>
+          <a:prstGeom prst="can">
+            <a:avLst/>
+          </a:prstGeom>
+          <a:solidFill>
+            <a:schemeClr val="bg1">
+              <a:lumMod val="95000"/>
+            </a:schemeClr>
+          </a:solidFill>
+          <a:ln w="12700">
+            <a:solidFill>
+              <a:schemeClr val="tx1"/>
+            </a:solidFill>
+          </a:ln>
+        </p:spPr>
+        <p:style>
+          <a:lnRef idx="2">
+            <a:schemeClr val="accent1">
+              <a:shade val="50000"/>
+            </a:schemeClr>
+          </a:lnRef>
+          <a:fillRef idx="1">
+            <a:schemeClr val="accent1"/>
+          </a:fillRef>
+          <a:effectRef idx="0">
+            <a:schemeClr val="accent1"/>
+          </a:effectRef>
+          <a:fontRef idx="minor">
+            <a:schemeClr val="lt1"/>
+          </a:fontRef>
+        </p:style>
+        <p:txBody>
+          <a:bodyPr rtlCol="0" anchor="ctr"/>
+          <a:lstStyle/>
+          <a:p>
+            <a:pPr algn="ctr"/>
+            <a:r>
+              <a:rPr lang="en-US" sz="1050" dirty="0">
+                <a:solidFill>
+                  <a:schemeClr val="tx1"/>
+                </a:solidFill>
+                <a:latin typeface="Futura"/>
+                <a:cs typeface="Times New Roman" panose="02020603050405020304" pitchFamily="18" charset="0"/>
+              </a:rPr>
+              <a:t>image</a:t>
+            </a:r>
+          </a:p>
+        </p:txBody>
+      </p:sp>
+      <mc:AlternateContent xmlns:mc="http://schemas.openxmlformats.org/markup-compatibility/2006" xmlns:a14="http://schemas.microsoft.com/office/drawing/2010/main">
+        <mc:Choice Requires="a14">
+          <p:sp>
+            <p:nvSpPr>
+              <p:cNvPr id="101" name="Zylinder 100">
+                <a:extLst>
+                  <a:ext uri="{FF2B5EF4-FFF2-40B4-BE49-F238E27FC236}">
+                    <a16:creationId xmlns:a16="http://schemas.microsoft.com/office/drawing/2014/main" id="{745F9C84-726B-4DBD-8F2E-76240AC2FE56}"/>
+                  </a:ext>
+                </a:extLst>
+              </p:cNvPr>
+              <p:cNvSpPr/>
+              <p:nvPr/>
+            </p:nvSpPr>
+            <p:spPr>
+              <a:xfrm>
+                <a:off x="2816788" y="856714"/>
+                <a:ext cx="1080000" cy="963900"/>
+              </a:xfrm>
+              <a:prstGeom prst="can">
+                <a:avLst/>
+              </a:prstGeom>
+              <a:solidFill>
+                <a:schemeClr val="bg1">
+                  <a:lumMod val="95000"/>
+                </a:schemeClr>
+              </a:solidFill>
+              <a:ln w="12700">
+                <a:solidFill>
+                  <a:schemeClr val="tx1"/>
+                </a:solidFill>
+              </a:ln>
+            </p:spPr>
+            <p:style>
+              <a:lnRef idx="2">
+                <a:schemeClr val="accent1">
+                  <a:shade val="50000"/>
+                </a:schemeClr>
+              </a:lnRef>
+              <a:fillRef idx="1">
+                <a:schemeClr val="accent1"/>
+              </a:fillRef>
+              <a:effectRef idx="0">
+                <a:schemeClr val="accent1"/>
+              </a:effectRef>
+              <a:fontRef idx="minor">
+                <a:schemeClr val="lt1"/>
+              </a:fontRef>
+            </p:style>
+            <p:txBody>
+              <a:bodyPr rtlCol="0" anchor="ctr"/>
+              <a:lstStyle/>
+              <a:p>
+                <a:pPr algn="ctr"/>
+                <a:r>
+                  <a:rPr lang="en-US" sz="1050" dirty="0">
+                    <a:solidFill>
+                      <a:schemeClr val="tx1"/>
+                    </a:solidFill>
+                    <a:latin typeface="Futura"/>
+                    <a:cs typeface="Times New Roman" panose="02020603050405020304" pitchFamily="18" charset="0"/>
+                  </a:rPr>
+                  <a:t>labeled samples </a:t>
+                </a:r>
+                <a14:m>
+                  <m:oMath xmlns:m="http://schemas.openxmlformats.org/officeDocument/2006/math">
+                    <m:r>
+                      <a:rPr lang="en-US" sz="1050" i="1">
+                        <a:solidFill>
+                          <a:schemeClr val="tx1"/>
+                        </a:solidFill>
+                        <a:latin typeface="Cambria Math" panose="02040503050406030204" pitchFamily="18" charset="0"/>
+                        <a:cs typeface="Times New Roman" panose="02020603050405020304" pitchFamily="18" charset="0"/>
+                      </a:rPr>
+                      <m:t>𝑋</m:t>
+                    </m:r>
+                  </m:oMath>
+                </a14:m>
+                <a:endParaRPr lang="en-US" sz="1050" dirty="0">
+                  <a:solidFill>
+                    <a:schemeClr val="tx1"/>
+                  </a:solidFill>
+                  <a:latin typeface="Futura"/>
+                  <a:cs typeface="Times New Roman" panose="02020603050405020304" pitchFamily="18" charset="0"/>
+                </a:endParaRPr>
+              </a:p>
+            </p:txBody>
+          </p:sp>
+        </mc:Choice>
+        <mc:Fallback xmlns="">
+          <p:sp>
+            <p:nvSpPr>
+              <p:cNvPr id="101" name="Zylinder 100">
+                <a:extLst>
+                  <a:ext uri="{FF2B5EF4-FFF2-40B4-BE49-F238E27FC236}">
+                    <a16:creationId xmlns:a16="http://schemas.microsoft.com/office/drawing/2014/main" id="{745F9C84-726B-4DBD-8F2E-76240AC2FE56}"/>
+                  </a:ext>
+                </a:extLst>
+              </p:cNvPr>
+              <p:cNvSpPr>
+                <a:spLocks noRot="1" noChangeAspect="1" noMove="1" noResize="1" noEditPoints="1" noAdjustHandles="1" noChangeArrowheads="1" noChangeShapeType="1" noTextEdit="1"/>
+              </p:cNvSpPr>
+              <p:nvPr/>
+            </p:nvSpPr>
+            <p:spPr>
+              <a:xfrm>
+                <a:off x="2816788" y="856714"/>
+                <a:ext cx="1080000" cy="963900"/>
+              </a:xfrm>
+              <a:prstGeom prst="can">
+                <a:avLst/>
+              </a:prstGeom>
+              <a:blipFill>
+                <a:blip r:embed="rId5"/>
+                <a:stretch>
+                  <a:fillRect/>
+                </a:stretch>
+              </a:blipFill>
+              <a:ln w="12700">
+                <a:solidFill>
+                  <a:schemeClr val="tx1"/>
+                </a:solidFill>
+              </a:ln>
+            </p:spPr>
+            <p:txBody>
+              <a:bodyPr/>
+              <a:lstStyle/>
+              <a:p>
+                <a:r>
+                  <a:rPr lang="en-GB">
+                    <a:noFill/>
+                  </a:rPr>
+                  <a:t> </a:t>
+                </a:r>
+              </a:p>
+            </p:txBody>
+          </p:sp>
+        </mc:Fallback>
+      </mc:AlternateContent>
+      <mc:AlternateContent xmlns:mc="http://schemas.openxmlformats.org/markup-compatibility/2006" xmlns:a14="http://schemas.microsoft.com/office/drawing/2010/main">
+        <mc:Choice Requires="a14">
+          <p:sp>
+            <p:nvSpPr>
+              <p:cNvPr id="103" name="Zylinder 102">
+                <a:extLst>
+                  <a:ext uri="{FF2B5EF4-FFF2-40B4-BE49-F238E27FC236}">
+                    <a16:creationId xmlns:a16="http://schemas.microsoft.com/office/drawing/2014/main" id="{FB57FE56-DDB0-4D71-9998-2808DD09E0E0}"/>
+                  </a:ext>
+                </a:extLst>
+              </p:cNvPr>
+              <p:cNvSpPr/>
+              <p:nvPr/>
+            </p:nvSpPr>
+            <p:spPr>
+              <a:xfrm>
                 <a:off x="7678047" y="865098"/>
                 <a:ext cx="1080000" cy="963027"/>
               </a:xfrm>
@@ -11676,7 +15766,7 @@
             </p:txBody>
           </p:sp>
         </mc:Choice>
-        <mc:Fallback>
+        <mc:Fallback xmlns="">
           <p:sp>
             <p:nvSpPr>
               <p:cNvPr id="103" name="Zylinder 102">
@@ -13711,7 +17801,7 @@
         </p:nvSpPr>
         <p:spPr>
           <a:xfrm rot="5923218">
-            <a:off x="6776657" y="2958498"/>
+            <a:off x="6738626" y="2928407"/>
             <a:ext cx="451253" cy="434736"/>
           </a:xfrm>
           <a:prstGeom prst="arc">
@@ -13765,7 +17855,7 @@
         </p:nvSpPr>
         <p:spPr>
           <a:xfrm>
-            <a:off x="6867496" y="3043961"/>
+            <a:off x="6829465" y="3013870"/>
             <a:ext cx="702572" cy="261610"/>
           </a:xfrm>
           <a:prstGeom prst="rect">
@@ -13809,7 +17899,7 @@
         </p:nvSpPr>
         <p:spPr>
           <a:xfrm>
-            <a:off x="6603411" y="3699686"/>
+            <a:off x="6566691" y="3699514"/>
             <a:ext cx="1230742" cy="253916"/>
           </a:xfrm>
           <a:prstGeom prst="rect">
@@ -14127,7 +18217,7 @@
         </p:nvCxnSpPr>
         <p:spPr>
           <a:xfrm flipV="1">
-            <a:off x="5724128" y="784860"/>
+            <a:off x="8200307" y="-312585"/>
             <a:ext cx="6112" cy="386505"/>
           </a:xfrm>
           <a:prstGeom prst="straightConnector1">
@@ -14173,7 +18263,7 @@
         </p:nvCxnSpPr>
         <p:spPr>
           <a:xfrm flipV="1">
-            <a:off x="5724127" y="1286729"/>
+            <a:off x="8200306" y="189284"/>
             <a:ext cx="1" cy="387479"/>
           </a:xfrm>
           <a:prstGeom prst="straightConnector1">
@@ -14203,1566 +18293,14 @@
           </a:fontRef>
         </p:style>
       </p:cxnSp>
-    </p:spTree>
-    <p:extLst>
-      <p:ext uri="{BB962C8B-B14F-4D97-AF65-F5344CB8AC3E}">
-        <p14:creationId xmlns:p14="http://schemas.microsoft.com/office/powerpoint/2010/main" val="1783121231"/>
-      </p:ext>
-    </p:extLst>
-  </p:cSld>
-  <p:clrMapOvr>
-    <a:masterClrMapping/>
-  </p:clrMapOvr>
-</p:sld>
-</file>
-
-<file path=ppt/slides/slide11.xml><?xml version="1.0" encoding="utf-8"?>
-<p:sld xmlns:a="http://schemas.openxmlformats.org/drawingml/2006/main" xmlns:r="http://schemas.openxmlformats.org/officeDocument/2006/relationships" xmlns:p="http://schemas.openxmlformats.org/presentationml/2006/main">
-  <p:cSld>
-    <p:spTree>
-      <p:nvGrpSpPr>
-        <p:cNvPr id="1" name=""/>
-        <p:cNvGrpSpPr/>
-        <p:nvPr/>
-      </p:nvGrpSpPr>
-      <p:grpSpPr>
-        <a:xfrm>
-          <a:off x="0" y="0"/>
-          <a:ext cx="0" cy="0"/>
-          <a:chOff x="0" y="0"/>
-          <a:chExt cx="0" cy="0"/>
-        </a:xfrm>
-      </p:grpSpPr>
-      <p:sp>
-        <p:nvSpPr>
-          <p:cNvPr id="20" name="Flussdiagramm: Prozess 19"/>
-          <p:cNvSpPr/>
-          <p:nvPr/>
-        </p:nvSpPr>
-        <p:spPr>
-          <a:xfrm>
-            <a:off x="-504563" y="2092705"/>
-            <a:ext cx="9648564" cy="2877752"/>
-          </a:xfrm>
-          <a:prstGeom prst="flowChartProcess">
-            <a:avLst/>
-          </a:prstGeom>
-          <a:solidFill>
-            <a:srgbClr val="FFFF00">
-              <a:alpha val="40000"/>
-            </a:srgbClr>
-          </a:solidFill>
-          <a:ln>
-            <a:noFill/>
-          </a:ln>
-        </p:spPr>
-        <p:style>
-          <a:lnRef idx="2">
-            <a:schemeClr val="accent1">
-              <a:shade val="50000"/>
-            </a:schemeClr>
-          </a:lnRef>
-          <a:fillRef idx="1">
-            <a:schemeClr val="accent1"/>
-          </a:fillRef>
-          <a:effectRef idx="0">
-            <a:schemeClr val="accent1"/>
-          </a:effectRef>
-          <a:fontRef idx="minor">
-            <a:schemeClr val="lt1"/>
-          </a:fontRef>
-        </p:style>
-        <p:txBody>
-          <a:bodyPr rtlCol="0" anchor="ctr"/>
-          <a:lstStyle/>
-          <a:p>
-            <a:pPr algn="ctr"/>
-            <a:endParaRPr lang="de-DE" sz="1350" dirty="0"/>
-          </a:p>
-        </p:txBody>
-      </p:sp>
-      <p:sp>
-        <p:nvSpPr>
-          <p:cNvPr id="140" name="Flussdiagramm: Prozess 50">
-            <a:extLst>
-              <a:ext uri="{FF2B5EF4-FFF2-40B4-BE49-F238E27FC236}">
-                <a16:creationId xmlns:a16="http://schemas.microsoft.com/office/drawing/2014/main" id="{11E8D23C-BCD8-410A-8EBB-723FC60C2727}"/>
-              </a:ext>
-            </a:extLst>
-          </p:cNvPr>
-          <p:cNvSpPr/>
-          <p:nvPr/>
-        </p:nvSpPr>
-        <p:spPr>
-          <a:xfrm>
-            <a:off x="5336110" y="2083137"/>
-            <a:ext cx="4603240" cy="3118871"/>
-          </a:xfrm>
-          <a:prstGeom prst="flowChartProcess">
-            <a:avLst/>
-          </a:prstGeom>
-          <a:solidFill>
-            <a:schemeClr val="bg2">
-              <a:lumMod val="50000"/>
-              <a:alpha val="40000"/>
-            </a:schemeClr>
-          </a:solidFill>
-          <a:ln>
-            <a:noFill/>
-          </a:ln>
-        </p:spPr>
-        <p:style>
-          <a:lnRef idx="2">
-            <a:schemeClr val="accent1">
-              <a:shade val="50000"/>
-            </a:schemeClr>
-          </a:lnRef>
-          <a:fillRef idx="1">
-            <a:schemeClr val="accent1"/>
-          </a:fillRef>
-          <a:effectRef idx="0">
-            <a:schemeClr val="accent1"/>
-          </a:effectRef>
-          <a:fontRef idx="minor">
-            <a:schemeClr val="lt1"/>
-          </a:fontRef>
-        </p:style>
-        <p:txBody>
-          <a:bodyPr rtlCol="0" anchor="ctr"/>
-          <a:lstStyle/>
-          <a:p>
-            <a:pPr algn="ctr"/>
-            <a:endParaRPr lang="de-DE" sz="1350" dirty="0"/>
-          </a:p>
-        </p:txBody>
-      </p:sp>
-      <p:sp>
-        <p:nvSpPr>
-          <p:cNvPr id="54" name="Flussdiagramm: Prozess 63">
-            <a:extLst>
-              <a:ext uri="{FF2B5EF4-FFF2-40B4-BE49-F238E27FC236}">
-                <a16:creationId xmlns:a16="http://schemas.microsoft.com/office/drawing/2014/main" id="{3F560DBF-6BA0-4F1F-A470-9ECCD15E87FC}"/>
-              </a:ext>
-            </a:extLst>
-          </p:cNvPr>
-          <p:cNvSpPr/>
-          <p:nvPr/>
-        </p:nvSpPr>
-        <p:spPr>
-          <a:xfrm>
-            <a:off x="5336111" y="3251769"/>
-            <a:ext cx="2700480" cy="800525"/>
-          </a:xfrm>
-          <a:prstGeom prst="flowChartProcess">
-            <a:avLst/>
-          </a:prstGeom>
-          <a:solidFill>
-            <a:srgbClr val="FF66FF">
-              <a:alpha val="40000"/>
-            </a:srgbClr>
-          </a:solidFill>
-          <a:ln>
-            <a:noFill/>
-          </a:ln>
-        </p:spPr>
-        <p:style>
-          <a:lnRef idx="2">
-            <a:schemeClr val="accent1">
-              <a:shade val="50000"/>
-            </a:schemeClr>
-          </a:lnRef>
-          <a:fillRef idx="1">
-            <a:schemeClr val="accent1"/>
-          </a:fillRef>
-          <a:effectRef idx="0">
-            <a:schemeClr val="accent1"/>
-          </a:effectRef>
-          <a:fontRef idx="minor">
-            <a:schemeClr val="lt1"/>
-          </a:fontRef>
-        </p:style>
-        <p:txBody>
-          <a:bodyPr rtlCol="0" anchor="ctr"/>
-          <a:lstStyle/>
-          <a:p>
-            <a:pPr algn="ctr"/>
-            <a:endParaRPr lang="de-DE" dirty="0"/>
-          </a:p>
-        </p:txBody>
-      </p:sp>
-      <p:sp>
-        <p:nvSpPr>
-          <p:cNvPr id="87" name="Flussdiagramm: Prozess 21">
-            <a:extLst>
-              <a:ext uri="{FF2B5EF4-FFF2-40B4-BE49-F238E27FC236}">
-                <a16:creationId xmlns:a16="http://schemas.microsoft.com/office/drawing/2014/main" id="{1305CF49-02AC-4A78-A815-F332B000896D}"/>
-              </a:ext>
-            </a:extLst>
-          </p:cNvPr>
-          <p:cNvSpPr/>
-          <p:nvPr/>
-        </p:nvSpPr>
-        <p:spPr>
-          <a:xfrm>
-            <a:off x="7560793" y="2087138"/>
-            <a:ext cx="1264900" cy="940070"/>
-          </a:xfrm>
-          <a:prstGeom prst="flowChartProcess">
-            <a:avLst/>
-          </a:prstGeom>
-          <a:solidFill>
-            <a:srgbClr val="0070C0">
-              <a:alpha val="40000"/>
-            </a:srgbClr>
-          </a:solidFill>
-          <a:ln>
-            <a:noFill/>
-          </a:ln>
-        </p:spPr>
-        <p:style>
-          <a:lnRef idx="2">
-            <a:schemeClr val="accent1">
-              <a:shade val="50000"/>
-            </a:schemeClr>
-          </a:lnRef>
-          <a:fillRef idx="1">
-            <a:schemeClr val="accent1"/>
-          </a:fillRef>
-          <a:effectRef idx="0">
-            <a:schemeClr val="accent1"/>
-          </a:effectRef>
-          <a:fontRef idx="minor">
-            <a:schemeClr val="lt1"/>
-          </a:fontRef>
-        </p:style>
-        <p:txBody>
-          <a:bodyPr rtlCol="0" anchor="ctr"/>
-          <a:lstStyle/>
-          <a:p>
-            <a:pPr algn="ctr"/>
-            <a:endParaRPr lang="de-DE" sz="1350"/>
-          </a:p>
-        </p:txBody>
-      </p:sp>
-      <p:sp>
-        <p:nvSpPr>
-          <p:cNvPr id="21" name="Flussdiagramm: Prozess 20"/>
-          <p:cNvSpPr/>
-          <p:nvPr/>
-        </p:nvSpPr>
-        <p:spPr>
-          <a:xfrm>
-            <a:off x="-504564" y="4166399"/>
-            <a:ext cx="5737694" cy="1035609"/>
-          </a:xfrm>
-          <a:prstGeom prst="flowChartProcess">
-            <a:avLst/>
-          </a:prstGeom>
-          <a:solidFill>
-            <a:schemeClr val="accent2">
-              <a:lumMod val="75000"/>
-              <a:alpha val="40000"/>
-            </a:schemeClr>
-          </a:solidFill>
-          <a:ln>
-            <a:noFill/>
-          </a:ln>
-        </p:spPr>
-        <p:style>
-          <a:lnRef idx="2">
-            <a:schemeClr val="accent1">
-              <a:shade val="50000"/>
-            </a:schemeClr>
-          </a:lnRef>
-          <a:fillRef idx="1">
-            <a:schemeClr val="accent1"/>
-          </a:fillRef>
-          <a:effectRef idx="0">
-            <a:schemeClr val="accent1"/>
-          </a:effectRef>
-          <a:fontRef idx="minor">
-            <a:schemeClr val="lt1"/>
-          </a:fontRef>
-        </p:style>
-        <p:txBody>
-          <a:bodyPr rtlCol="0" anchor="ctr"/>
-          <a:lstStyle/>
-          <a:p>
-            <a:pPr algn="ctr"/>
-            <a:endParaRPr lang="de-DE" sz="1350"/>
-          </a:p>
-        </p:txBody>
-      </p:sp>
-      <mc:AlternateContent xmlns:mc="http://schemas.openxmlformats.org/markup-compatibility/2006" xmlns:a14="http://schemas.microsoft.com/office/drawing/2010/main">
-        <mc:Choice Requires="a14">
+      <mc:AlternateContent xmlns:mc="http://schemas.openxmlformats.org/markup-compatibility/2006">
+        <mc:Choice xmlns:a14="http://schemas.microsoft.com/office/drawing/2010/main" Requires="a14">
           <p:sp>
             <p:nvSpPr>
-              <p:cNvPr id="4" name="Textfeld 3"/>
-              <p:cNvSpPr txBox="1"/>
-              <p:nvPr/>
-            </p:nvSpPr>
-            <p:spPr>
-              <a:xfrm>
-                <a:off x="3788304" y="3539862"/>
-                <a:ext cx="452303" cy="265457"/>
-              </a:xfrm>
-              <a:prstGeom prst="rect">
-                <a:avLst/>
-              </a:prstGeom>
-              <a:noFill/>
-            </p:spPr>
-            <p:txBody>
-              <a:bodyPr wrap="square" rtlCol="0">
-                <a:spAutoFit/>
-              </a:bodyPr>
-              <a:lstStyle/>
-              <a:p>
-                <a:pPr/>
-                <a14:m>
-                  <m:oMathPara xmlns:m="http://schemas.openxmlformats.org/officeDocument/2006/math">
-                    <m:oMathParaPr>
-                      <m:jc m:val="centerGroup"/>
-                    </m:oMathParaPr>
-                    <m:oMath xmlns:m="http://schemas.openxmlformats.org/officeDocument/2006/math">
-                      <m:sSup>
-                        <m:sSupPr>
-                          <m:ctrlPr>
-                            <a:rPr lang="de-DE" sz="1100" i="1">
-                              <a:latin typeface="Cambria Math" panose="02040503050406030204" pitchFamily="18" charset="0"/>
-                            </a:rPr>
-                          </m:ctrlPr>
-                        </m:sSupPr>
-                        <m:e>
-                          <m:r>
-                            <a:rPr lang="de-DE" sz="1100" i="1">
-                              <a:latin typeface="Cambria Math" panose="02040503050406030204" pitchFamily="18" charset="0"/>
-                            </a:rPr>
-                            <m:t>𝑋</m:t>
-                          </m:r>
-                        </m:e>
-                        <m:sup>
-                          <m:r>
-                            <a:rPr lang="de-DE" sz="1100" i="1">
-                              <a:latin typeface="Cambria Math" panose="02040503050406030204" pitchFamily="18" charset="0"/>
-                            </a:rPr>
-                            <m:t>𝑆𝑉</m:t>
-                          </m:r>
-                        </m:sup>
-                      </m:sSup>
-                    </m:oMath>
-                  </m:oMathPara>
-                </a14:m>
-                <a:endParaRPr lang="de-DE" sz="1350" dirty="0">
-                  <a:latin typeface="Futura"/>
-                </a:endParaRPr>
-              </a:p>
-            </p:txBody>
-          </p:sp>
-        </mc:Choice>
-        <mc:Fallback xmlns="">
-          <p:sp>
-            <p:nvSpPr>
-              <p:cNvPr id="4" name="Textfeld 3"/>
-              <p:cNvSpPr txBox="1">
-                <a:spLocks noRot="1" noChangeAspect="1" noMove="1" noResize="1" noEditPoints="1" noAdjustHandles="1" noChangeArrowheads="1" noChangeShapeType="1" noTextEdit="1"/>
-              </p:cNvSpPr>
-              <p:nvPr/>
-            </p:nvSpPr>
-            <p:spPr>
-              <a:xfrm>
-                <a:off x="3788304" y="3539862"/>
-                <a:ext cx="452303" cy="265457"/>
-              </a:xfrm>
-              <a:prstGeom prst="rect">
-                <a:avLst/>
-              </a:prstGeom>
-              <a:blipFill>
-                <a:blip r:embed="rId3"/>
-                <a:stretch>
-                  <a:fillRect/>
-                </a:stretch>
-              </a:blipFill>
-            </p:spPr>
-            <p:txBody>
-              <a:bodyPr/>
-              <a:lstStyle/>
-              <a:p>
-                <a:r>
-                  <a:rPr lang="en-GB">
-                    <a:noFill/>
-                  </a:rPr>
-                  <a:t> </a:t>
-                </a:r>
-              </a:p>
-            </p:txBody>
-          </p:sp>
-        </mc:Fallback>
-      </mc:AlternateContent>
-      <p:sp>
-        <p:nvSpPr>
-          <p:cNvPr id="8" name="Flussdiagramm: Karte 7"/>
-          <p:cNvSpPr/>
-          <p:nvPr/>
-        </p:nvSpPr>
-        <p:spPr>
-          <a:xfrm>
-            <a:off x="8603460" y="5447473"/>
-            <a:ext cx="1026114" cy="702078"/>
-          </a:xfrm>
-          <a:prstGeom prst="flowChartPunchedCard">
-            <a:avLst/>
-          </a:prstGeom>
-          <a:solidFill>
-            <a:schemeClr val="bg1"/>
-          </a:solidFill>
-          <a:ln w="12700">
-            <a:solidFill>
-              <a:schemeClr val="tx1"/>
-            </a:solidFill>
-          </a:ln>
-        </p:spPr>
-        <p:style>
-          <a:lnRef idx="2">
-            <a:schemeClr val="accent1">
-              <a:shade val="50000"/>
-            </a:schemeClr>
-          </a:lnRef>
-          <a:fillRef idx="1">
-            <a:schemeClr val="accent1"/>
-          </a:fillRef>
-          <a:effectRef idx="0">
-            <a:schemeClr val="accent1"/>
-          </a:effectRef>
-          <a:fontRef idx="minor">
-            <a:schemeClr val="lt1"/>
-          </a:fontRef>
-        </p:style>
-        <p:txBody>
-          <a:bodyPr rot="0" spcFirstLastPara="0" vertOverflow="overflow" horzOverflow="overflow" vert="horz" wrap="square" lIns="68580" tIns="34290" rIns="68580" bIns="34290" numCol="1" spcCol="0" rtlCol="0" fromWordArt="0" anchor="ctr" anchorCtr="0" forceAA="0" compatLnSpc="1">
-            <a:prstTxWarp prst="textNoShape">
-              <a:avLst/>
-            </a:prstTxWarp>
-            <a:noAutofit/>
-          </a:bodyPr>
-          <a:lstStyle/>
-          <a:p>
-            <a:pPr algn="ctr"/>
-            <a:r>
-              <a:rPr lang="en-US" sz="1100" dirty="0">
-                <a:solidFill>
-                  <a:schemeClr val="tx1"/>
-                </a:solidFill>
-                <a:latin typeface="Futura"/>
-                <a:cs typeface="Times New Roman" panose="02020603050405020304" pitchFamily="18" charset="0"/>
-              </a:rPr>
-              <a:t>thematic</a:t>
-            </a:r>
-            <a:r>
-              <a:rPr lang="de-DE" sz="1100" dirty="0">
-                <a:solidFill>
-                  <a:schemeClr val="tx1"/>
-                </a:solidFill>
-                <a:latin typeface="Futura"/>
-                <a:cs typeface="Times New Roman" panose="02020603050405020304" pitchFamily="18" charset="0"/>
-              </a:rPr>
-              <a:t> </a:t>
-            </a:r>
-            <a:r>
-              <a:rPr lang="en-US" sz="1100" dirty="0">
-                <a:solidFill>
-                  <a:schemeClr val="tx1"/>
-                </a:solidFill>
-                <a:latin typeface="Futura"/>
-                <a:cs typeface="Times New Roman" panose="02020603050405020304" pitchFamily="18" charset="0"/>
-              </a:rPr>
-              <a:t>map</a:t>
-            </a:r>
-          </a:p>
-        </p:txBody>
-      </p:sp>
-      <mc:AlternateContent xmlns:mc="http://schemas.openxmlformats.org/markup-compatibility/2006" xmlns:a14="http://schemas.microsoft.com/office/drawing/2010/main">
-        <mc:Choice Requires="a14">
-          <p:sp>
-            <p:nvSpPr>
-              <p:cNvPr id="18" name="Textfeld 17"/>
-              <p:cNvSpPr txBox="1"/>
-              <p:nvPr/>
-            </p:nvSpPr>
-            <p:spPr>
-              <a:xfrm>
-                <a:off x="4869590" y="4594389"/>
-                <a:ext cx="450123" cy="265457"/>
-              </a:xfrm>
-              <a:prstGeom prst="rect">
-                <a:avLst/>
-              </a:prstGeom>
-              <a:noFill/>
-            </p:spPr>
-            <p:txBody>
-              <a:bodyPr wrap="square" rtlCol="0">
-                <a:spAutoFit/>
-              </a:bodyPr>
-              <a:lstStyle/>
-              <a:p>
-                <a:pPr/>
-                <a14:m>
-                  <m:oMathPara xmlns:m="http://schemas.openxmlformats.org/officeDocument/2006/math">
-                    <m:oMathParaPr>
-                      <m:jc m:val="centerGroup"/>
-                    </m:oMathParaPr>
-                    <m:oMath xmlns:m="http://schemas.openxmlformats.org/officeDocument/2006/math">
-                      <m:sSup>
-                        <m:sSupPr>
-                          <m:ctrlPr>
-                            <a:rPr lang="de-DE" sz="1100" i="1" dirty="0">
-                              <a:latin typeface="Cambria Math" panose="02040503050406030204" pitchFamily="18" charset="0"/>
-                            </a:rPr>
-                          </m:ctrlPr>
-                        </m:sSupPr>
-                        <m:e>
-                          <m:r>
-                            <a:rPr lang="de-DE" sz="1100" i="1" dirty="0">
-                              <a:latin typeface="Cambria Math" panose="02040503050406030204" pitchFamily="18" charset="0"/>
-                            </a:rPr>
-                            <m:t>𝑉</m:t>
-                          </m:r>
-                        </m:e>
-                        <m:sup>
-                          <m:r>
-                            <a:rPr lang="de-DE" sz="1100" i="1" dirty="0">
-                              <a:latin typeface="Cambria Math" panose="02040503050406030204" pitchFamily="18" charset="0"/>
-                            </a:rPr>
-                            <m:t>𝑆𝑉</m:t>
-                          </m:r>
-                        </m:sup>
-                      </m:sSup>
-                    </m:oMath>
-                  </m:oMathPara>
-                </a14:m>
-                <a:endParaRPr lang="de-DE" sz="1350" dirty="0">
-                  <a:latin typeface="Futura"/>
-                </a:endParaRPr>
-              </a:p>
-            </p:txBody>
-          </p:sp>
-        </mc:Choice>
-        <mc:Fallback xmlns="">
-          <p:sp>
-            <p:nvSpPr>
-              <p:cNvPr id="18" name="Textfeld 17"/>
-              <p:cNvSpPr txBox="1">
-                <a:spLocks noRot="1" noChangeAspect="1" noMove="1" noResize="1" noEditPoints="1" noAdjustHandles="1" noChangeArrowheads="1" noChangeShapeType="1" noTextEdit="1"/>
-              </p:cNvSpPr>
-              <p:nvPr/>
-            </p:nvSpPr>
-            <p:spPr>
-              <a:xfrm>
-                <a:off x="4869590" y="4594389"/>
-                <a:ext cx="450123" cy="265457"/>
-              </a:xfrm>
-              <a:prstGeom prst="rect">
-                <a:avLst/>
-              </a:prstGeom>
-              <a:blipFill>
-                <a:blip r:embed="rId4"/>
-                <a:stretch>
-                  <a:fillRect/>
-                </a:stretch>
-              </a:blipFill>
-            </p:spPr>
-            <p:txBody>
-              <a:bodyPr/>
-              <a:lstStyle/>
-              <a:p>
-                <a:r>
-                  <a:rPr lang="en-GB">
-                    <a:noFill/>
-                  </a:rPr>
-                  <a:t> </a:t>
-                </a:r>
-              </a:p>
-            </p:txBody>
-          </p:sp>
-        </mc:Fallback>
-      </mc:AlternateContent>
-      <p:cxnSp>
-        <p:nvCxnSpPr>
-          <p:cNvPr id="31" name="Gerade Verbindung mit Pfeil 30"/>
-          <p:cNvCxnSpPr>
-            <a:cxnSpLocks/>
-            <a:stCxn id="76" idx="3"/>
-            <a:endCxn id="77" idx="1"/>
-          </p:cNvCxnSpPr>
-          <p:nvPr/>
-        </p:nvCxnSpPr>
-        <p:spPr>
-          <a:xfrm>
-            <a:off x="1609132" y="2527400"/>
-            <a:ext cx="188658" cy="0"/>
-          </a:xfrm>
-          <a:prstGeom prst="straightConnector1">
-            <a:avLst/>
-          </a:prstGeom>
-          <a:ln w="12700">
-            <a:solidFill>
-              <a:schemeClr val="tx1"/>
-            </a:solidFill>
-            <a:tailEnd type="triangle"/>
-          </a:ln>
-        </p:spPr>
-        <p:style>
-          <a:lnRef idx="1">
-            <a:schemeClr val="accent1"/>
-          </a:lnRef>
-          <a:fillRef idx="0">
-            <a:schemeClr val="accent1"/>
-          </a:fillRef>
-          <a:effectRef idx="0">
-            <a:schemeClr val="accent1"/>
-          </a:effectRef>
-          <a:fontRef idx="minor">
-            <a:schemeClr val="tx1"/>
-          </a:fontRef>
-        </p:style>
-      </p:cxnSp>
-      <p:cxnSp>
-        <p:nvCxnSpPr>
-          <p:cNvPr id="33" name="Gerade Verbindung mit Pfeil 32"/>
-          <p:cNvCxnSpPr>
-            <a:cxnSpLocks/>
-            <a:stCxn id="77" idx="3"/>
-            <a:endCxn id="79" idx="1"/>
-          </p:cNvCxnSpPr>
-          <p:nvPr/>
-        </p:nvCxnSpPr>
-        <p:spPr>
-          <a:xfrm>
-            <a:off x="2715892" y="2527400"/>
-            <a:ext cx="181896" cy="0"/>
-          </a:xfrm>
-          <a:prstGeom prst="straightConnector1">
-            <a:avLst/>
-          </a:prstGeom>
-          <a:ln w="12700">
-            <a:solidFill>
-              <a:schemeClr val="tx1"/>
-            </a:solidFill>
-            <a:tailEnd type="triangle"/>
-          </a:ln>
-        </p:spPr>
-        <p:style>
-          <a:lnRef idx="1">
-            <a:schemeClr val="accent1"/>
-          </a:lnRef>
-          <a:fillRef idx="0">
-            <a:schemeClr val="accent1"/>
-          </a:fillRef>
-          <a:effectRef idx="0">
-            <a:schemeClr val="accent1"/>
-          </a:effectRef>
-          <a:fontRef idx="minor">
-            <a:schemeClr val="tx1"/>
-          </a:fontRef>
-        </p:style>
-      </p:cxnSp>
-      <p:cxnSp>
-        <p:nvCxnSpPr>
-          <p:cNvPr id="53" name="Gerade Verbindung mit Pfeil 52"/>
-          <p:cNvCxnSpPr>
-            <a:cxnSpLocks/>
-            <a:stCxn id="79" idx="0"/>
-            <a:endCxn id="101" idx="3"/>
-          </p:cNvCxnSpPr>
-          <p:nvPr/>
-        </p:nvCxnSpPr>
-        <p:spPr>
-          <a:xfrm flipV="1">
-            <a:off x="3356788" y="1820614"/>
-            <a:ext cx="0" cy="382587"/>
-          </a:xfrm>
-          <a:prstGeom prst="straightConnector1">
-            <a:avLst/>
-          </a:prstGeom>
-          <a:ln w="12700">
-            <a:solidFill>
-              <a:schemeClr val="tx1"/>
-            </a:solidFill>
-            <a:headEnd type="triangle"/>
-            <a:tailEnd type="none"/>
-          </a:ln>
-        </p:spPr>
-        <p:style>
-          <a:lnRef idx="1">
-            <a:schemeClr val="accent1"/>
-          </a:lnRef>
-          <a:fillRef idx="0">
-            <a:schemeClr val="accent1"/>
-          </a:fillRef>
-          <a:effectRef idx="0">
-            <a:schemeClr val="accent1"/>
-          </a:effectRef>
-          <a:fontRef idx="minor">
-            <a:schemeClr val="tx1"/>
-          </a:fontRef>
-        </p:style>
-      </p:cxnSp>
-      <p:cxnSp>
-        <p:nvCxnSpPr>
-          <p:cNvPr id="56" name="Gerade Verbindung mit Pfeil 55"/>
-          <p:cNvCxnSpPr>
-            <a:cxnSpLocks/>
-            <a:stCxn id="79" idx="2"/>
-            <a:endCxn id="60" idx="0"/>
-          </p:cNvCxnSpPr>
-          <p:nvPr/>
-        </p:nvCxnSpPr>
-        <p:spPr>
-          <a:xfrm>
-            <a:off x="3356788" y="2851599"/>
-            <a:ext cx="0" cy="397960"/>
-          </a:xfrm>
-          <a:prstGeom prst="straightConnector1">
-            <a:avLst/>
-          </a:prstGeom>
-          <a:ln w="12700">
-            <a:solidFill>
-              <a:schemeClr val="tx1"/>
-            </a:solidFill>
-            <a:tailEnd type="triangle"/>
-          </a:ln>
-        </p:spPr>
-        <p:style>
-          <a:lnRef idx="1">
-            <a:schemeClr val="accent1"/>
-          </a:lnRef>
-          <a:fillRef idx="0">
-            <a:schemeClr val="accent1"/>
-          </a:fillRef>
-          <a:effectRef idx="0">
-            <a:schemeClr val="accent1"/>
-          </a:effectRef>
-          <a:fontRef idx="minor">
-            <a:schemeClr val="tx1"/>
-          </a:fontRef>
-        </p:style>
-      </p:cxnSp>
-      <p:cxnSp>
-        <p:nvCxnSpPr>
-          <p:cNvPr id="58" name="Gerade Verbindung mit Pfeil 57"/>
-          <p:cNvCxnSpPr>
-            <a:cxnSpLocks/>
-            <a:stCxn id="60" idx="2"/>
-            <a:endCxn id="84" idx="0"/>
-          </p:cNvCxnSpPr>
-          <p:nvPr/>
-        </p:nvCxnSpPr>
-        <p:spPr>
-          <a:xfrm>
-            <a:off x="3356788" y="3897957"/>
-            <a:ext cx="0" cy="381268"/>
-          </a:xfrm>
-          <a:prstGeom prst="straightConnector1">
-            <a:avLst/>
-          </a:prstGeom>
-          <a:ln w="12700">
-            <a:solidFill>
-              <a:schemeClr val="tx1"/>
-            </a:solidFill>
-            <a:tailEnd type="triangle"/>
-          </a:ln>
-        </p:spPr>
-        <p:style>
-          <a:lnRef idx="1">
-            <a:schemeClr val="accent1"/>
-          </a:lnRef>
-          <a:fillRef idx="0">
-            <a:schemeClr val="accent1"/>
-          </a:fillRef>
-          <a:effectRef idx="0">
-            <a:schemeClr val="accent1"/>
-          </a:effectRef>
-          <a:fontRef idx="minor">
-            <a:schemeClr val="tx1"/>
-          </a:fontRef>
-        </p:style>
-      </p:cxnSp>
-      <p:cxnSp>
-        <p:nvCxnSpPr>
-          <p:cNvPr id="63" name="Gerade Verbindung mit Pfeil 62"/>
-          <p:cNvCxnSpPr>
-            <a:cxnSpLocks/>
-            <a:stCxn id="88" idx="3"/>
-            <a:endCxn id="84" idx="1"/>
-          </p:cNvCxnSpPr>
-          <p:nvPr/>
-        </p:nvCxnSpPr>
-        <p:spPr>
-          <a:xfrm>
-            <a:off x="1605356" y="4599771"/>
-            <a:ext cx="1292432" cy="3653"/>
-          </a:xfrm>
-          <a:prstGeom prst="straightConnector1">
-            <a:avLst/>
-          </a:prstGeom>
-          <a:ln w="12700">
-            <a:solidFill>
-              <a:schemeClr val="tx1"/>
-            </a:solidFill>
-            <a:tailEnd type="triangle"/>
-          </a:ln>
-        </p:spPr>
-        <p:style>
-          <a:lnRef idx="1">
-            <a:schemeClr val="accent1"/>
-          </a:lnRef>
-          <a:fillRef idx="0">
-            <a:schemeClr val="accent1"/>
-          </a:fillRef>
-          <a:effectRef idx="0">
-            <a:schemeClr val="accent1"/>
-          </a:effectRef>
-          <a:fontRef idx="minor">
-            <a:schemeClr val="tx1"/>
-          </a:fontRef>
-        </p:style>
-      </p:cxnSp>
-      <p:cxnSp>
-        <p:nvCxnSpPr>
-          <p:cNvPr id="66" name="Gerade Verbindung mit Pfeil 65"/>
-          <p:cNvCxnSpPr>
-            <a:cxnSpLocks/>
-            <a:stCxn id="84" idx="3"/>
-            <a:endCxn id="83" idx="1"/>
-          </p:cNvCxnSpPr>
-          <p:nvPr/>
-        </p:nvCxnSpPr>
-        <p:spPr>
-          <a:xfrm>
-            <a:off x="3815788" y="4603424"/>
-            <a:ext cx="214041" cy="981"/>
-          </a:xfrm>
-          <a:prstGeom prst="straightConnector1">
-            <a:avLst/>
-          </a:prstGeom>
-          <a:ln w="12700">
-            <a:solidFill>
-              <a:schemeClr val="tx1"/>
-            </a:solidFill>
-            <a:tailEnd type="triangle"/>
-          </a:ln>
-        </p:spPr>
-        <p:style>
-          <a:lnRef idx="1">
-            <a:schemeClr val="accent1"/>
-          </a:lnRef>
-          <a:fillRef idx="0">
-            <a:schemeClr val="accent1"/>
-          </a:fillRef>
-          <a:effectRef idx="0">
-            <a:schemeClr val="accent1"/>
-          </a:effectRef>
-          <a:fontRef idx="minor">
-            <a:schemeClr val="tx1"/>
-          </a:fontRef>
-        </p:style>
-      </p:cxnSp>
-      <p:cxnSp>
-        <p:nvCxnSpPr>
-          <p:cNvPr id="68" name="Gerade Verbindung mit Pfeil 67"/>
-          <p:cNvCxnSpPr>
-            <a:cxnSpLocks/>
-            <a:stCxn id="83" idx="3"/>
-            <a:endCxn id="82" idx="1"/>
-          </p:cNvCxnSpPr>
-          <p:nvPr/>
-        </p:nvCxnSpPr>
-        <p:spPr>
-          <a:xfrm flipV="1">
-            <a:off x="4947931" y="4602574"/>
-            <a:ext cx="520758" cy="1831"/>
-          </a:xfrm>
-          <a:prstGeom prst="straightConnector1">
-            <a:avLst/>
-          </a:prstGeom>
-          <a:ln w="12700">
-            <a:solidFill>
-              <a:schemeClr val="tx1"/>
-            </a:solidFill>
-            <a:tailEnd type="triangle"/>
-          </a:ln>
-        </p:spPr>
-        <p:style>
-          <a:lnRef idx="1">
-            <a:schemeClr val="accent1"/>
-          </a:lnRef>
-          <a:fillRef idx="0">
-            <a:schemeClr val="accent1"/>
-          </a:fillRef>
-          <a:effectRef idx="0">
-            <a:schemeClr val="accent1"/>
-          </a:effectRef>
-          <a:fontRef idx="minor">
-            <a:schemeClr val="tx1"/>
-          </a:fontRef>
-        </p:style>
-      </p:cxnSp>
-      <p:sp>
-        <p:nvSpPr>
-          <p:cNvPr id="100" name="Textfeld 99">
-            <a:extLst>
-              <a:ext uri="{FF2B5EF4-FFF2-40B4-BE49-F238E27FC236}">
-                <a16:creationId xmlns:a16="http://schemas.microsoft.com/office/drawing/2014/main" id="{FEB7460F-EA71-4E85-80CF-6CE363E10C88}"/>
-              </a:ext>
-            </a:extLst>
-          </p:cNvPr>
-          <p:cNvSpPr txBox="1"/>
-          <p:nvPr/>
-        </p:nvSpPr>
-        <p:spPr>
-          <a:xfrm>
-            <a:off x="-504564" y="-463103"/>
-            <a:ext cx="11247783" cy="353943"/>
-          </a:xfrm>
-          <a:prstGeom prst="rect">
-            <a:avLst/>
-          </a:prstGeom>
-          <a:noFill/>
-        </p:spPr>
-        <p:txBody>
-          <a:bodyPr wrap="square" rtlCol="0">
-            <a:spAutoFit/>
-          </a:bodyPr>
-          <a:lstStyle/>
-          <a:p>
-            <a:r>
-              <a:rPr lang="en-US" sz="1700" b="1" dirty="0">
-                <a:latin typeface="Futura"/>
-                <a:cs typeface="Times New Roman" panose="02020603050405020304" pitchFamily="18" charset="0"/>
-              </a:rPr>
-              <a:t>SL AL </a:t>
-            </a:r>
-            <a:r>
-              <a:rPr lang="en-US" sz="1700" dirty="0">
-                <a:latin typeface="Futura"/>
-                <a:cs typeface="Times New Roman" panose="02020603050405020304" pitchFamily="18" charset="0"/>
-              </a:rPr>
-              <a:t>method</a:t>
-            </a:r>
-            <a:r>
-              <a:rPr lang="de-DE" sz="1700" dirty="0">
-                <a:latin typeface="Futura"/>
-                <a:cs typeface="Times New Roman" panose="02020603050405020304" pitchFamily="18" charset="0"/>
-              </a:rPr>
-              <a:t> </a:t>
-            </a:r>
-            <a:r>
-              <a:rPr lang="en-US" sz="1700" dirty="0">
-                <a:latin typeface="Futura"/>
-                <a:cs typeface="Times New Roman" panose="02020603050405020304" pitchFamily="18" charset="0"/>
-              </a:rPr>
-              <a:t>with</a:t>
-            </a:r>
-            <a:r>
-              <a:rPr lang="de-DE" sz="1700" dirty="0">
-                <a:latin typeface="Futura"/>
-                <a:cs typeface="Times New Roman" panose="02020603050405020304" pitchFamily="18" charset="0"/>
-              </a:rPr>
-              <a:t> </a:t>
-            </a:r>
-            <a:r>
-              <a:rPr lang="en-US" sz="1700" dirty="0">
-                <a:latin typeface="Futura"/>
-                <a:cs typeface="Times New Roman" panose="02020603050405020304" pitchFamily="18" charset="0"/>
-              </a:rPr>
-              <a:t>constrained</a:t>
-            </a:r>
-            <a:r>
-              <a:rPr lang="de-DE" sz="1700" dirty="0">
-                <a:latin typeface="Futura"/>
-                <a:cs typeface="Times New Roman" panose="02020603050405020304" pitchFamily="18" charset="0"/>
-              </a:rPr>
-              <a:t> </a:t>
-            </a:r>
-            <a:r>
-              <a:rPr lang="en-US" sz="1700" dirty="0">
-                <a:latin typeface="Futura"/>
-                <a:cs typeface="Times New Roman" panose="02020603050405020304" pitchFamily="18" charset="0"/>
-              </a:rPr>
-              <a:t>Virtual Support Vector Machine + </a:t>
-            </a:r>
-            <a:r>
-              <a:rPr lang="en-US" sz="1700" b="1" dirty="0">
-                <a:latin typeface="Futura"/>
-                <a:cs typeface="Times New Roman" panose="02020603050405020304" pitchFamily="18" charset="0"/>
-              </a:rPr>
-              <a:t>SEMI</a:t>
-            </a:r>
-            <a:r>
-              <a:rPr lang="en-US" sz="1700" dirty="0">
-                <a:latin typeface="Futura"/>
-                <a:cs typeface="Times New Roman" panose="02020603050405020304" pitchFamily="18" charset="0"/>
-              </a:rPr>
-              <a:t> </a:t>
-            </a:r>
-            <a:endParaRPr lang="de-DE" sz="1700" dirty="0">
-              <a:latin typeface="Futura"/>
-              <a:cs typeface="Times New Roman" panose="02020603050405020304" pitchFamily="18" charset="0"/>
-            </a:endParaRPr>
-          </a:p>
-        </p:txBody>
-      </p:sp>
-      <p:sp>
-        <p:nvSpPr>
-          <p:cNvPr id="2" name="Zylinder 1">
-            <a:extLst>
-              <a:ext uri="{FF2B5EF4-FFF2-40B4-BE49-F238E27FC236}">
-                <a16:creationId xmlns:a16="http://schemas.microsoft.com/office/drawing/2014/main" id="{7FC7301F-2494-4D15-88B6-3B540EB335BB}"/>
-              </a:ext>
-            </a:extLst>
-          </p:cNvPr>
-          <p:cNvSpPr/>
-          <p:nvPr/>
-        </p:nvSpPr>
-        <p:spPr>
-          <a:xfrm>
-            <a:off x="399329" y="879144"/>
-            <a:ext cx="1080000" cy="963900"/>
-          </a:xfrm>
-          <a:prstGeom prst="can">
-            <a:avLst/>
-          </a:prstGeom>
-          <a:solidFill>
-            <a:schemeClr val="bg1">
-              <a:lumMod val="95000"/>
-            </a:schemeClr>
-          </a:solidFill>
-          <a:ln w="12700">
-            <a:solidFill>
-              <a:schemeClr val="tx1"/>
-            </a:solidFill>
-          </a:ln>
-        </p:spPr>
-        <p:style>
-          <a:lnRef idx="2">
-            <a:schemeClr val="accent1">
-              <a:shade val="50000"/>
-            </a:schemeClr>
-          </a:lnRef>
-          <a:fillRef idx="1">
-            <a:schemeClr val="accent1"/>
-          </a:fillRef>
-          <a:effectRef idx="0">
-            <a:schemeClr val="accent1"/>
-          </a:effectRef>
-          <a:fontRef idx="minor">
-            <a:schemeClr val="lt1"/>
-          </a:fontRef>
-        </p:style>
-        <p:txBody>
-          <a:bodyPr rtlCol="0" anchor="ctr"/>
-          <a:lstStyle/>
-          <a:p>
-            <a:pPr algn="ctr"/>
-            <a:r>
-              <a:rPr lang="en-US" sz="1050" dirty="0">
-                <a:solidFill>
-                  <a:schemeClr val="tx1"/>
-                </a:solidFill>
-                <a:latin typeface="Futura"/>
-                <a:cs typeface="Times New Roman" panose="02020603050405020304" pitchFamily="18" charset="0"/>
-              </a:rPr>
-              <a:t>image</a:t>
-            </a:r>
-          </a:p>
-        </p:txBody>
-      </p:sp>
-      <mc:AlternateContent xmlns:mc="http://schemas.openxmlformats.org/markup-compatibility/2006" xmlns:a14="http://schemas.microsoft.com/office/drawing/2010/main">
-        <mc:Choice Requires="a14">
-          <p:sp>
-            <p:nvSpPr>
-              <p:cNvPr id="101" name="Zylinder 100">
+              <p:cNvPr id="64" name="Textfeld 60">
                 <a:extLst>
                   <a:ext uri="{FF2B5EF4-FFF2-40B4-BE49-F238E27FC236}">
-                    <a16:creationId xmlns:a16="http://schemas.microsoft.com/office/drawing/2014/main" id="{745F9C84-726B-4DBD-8F2E-76240AC2FE56}"/>
-                  </a:ext>
-                </a:extLst>
-              </p:cNvPr>
-              <p:cNvSpPr/>
-              <p:nvPr/>
-            </p:nvSpPr>
-            <p:spPr>
-              <a:xfrm>
-                <a:off x="2816788" y="856714"/>
-                <a:ext cx="1080000" cy="963900"/>
-              </a:xfrm>
-              <a:prstGeom prst="can">
-                <a:avLst/>
-              </a:prstGeom>
-              <a:solidFill>
-                <a:schemeClr val="bg1">
-                  <a:lumMod val="95000"/>
-                </a:schemeClr>
-              </a:solidFill>
-              <a:ln w="12700">
-                <a:solidFill>
-                  <a:schemeClr val="tx1"/>
-                </a:solidFill>
-              </a:ln>
-            </p:spPr>
-            <p:style>
-              <a:lnRef idx="2">
-                <a:schemeClr val="accent1">
-                  <a:shade val="50000"/>
-                </a:schemeClr>
-              </a:lnRef>
-              <a:fillRef idx="1">
-                <a:schemeClr val="accent1"/>
-              </a:fillRef>
-              <a:effectRef idx="0">
-                <a:schemeClr val="accent1"/>
-              </a:effectRef>
-              <a:fontRef idx="minor">
-                <a:schemeClr val="lt1"/>
-              </a:fontRef>
-            </p:style>
-            <p:txBody>
-              <a:bodyPr rtlCol="0" anchor="ctr"/>
-              <a:lstStyle/>
-              <a:p>
-                <a:pPr algn="ctr"/>
-                <a:r>
-                  <a:rPr lang="en-US" sz="1050" dirty="0">
-                    <a:solidFill>
-                      <a:schemeClr val="tx1"/>
-                    </a:solidFill>
-                    <a:latin typeface="Futura"/>
-                    <a:cs typeface="Times New Roman" panose="02020603050405020304" pitchFamily="18" charset="0"/>
-                  </a:rPr>
-                  <a:t>labeled samples </a:t>
-                </a:r>
-                <a14:m>
-                  <m:oMath xmlns:m="http://schemas.openxmlformats.org/officeDocument/2006/math">
-                    <m:r>
-                      <a:rPr lang="en-US" sz="1050" i="1">
-                        <a:solidFill>
-                          <a:schemeClr val="tx1"/>
-                        </a:solidFill>
-                        <a:latin typeface="Cambria Math" panose="02040503050406030204" pitchFamily="18" charset="0"/>
-                        <a:cs typeface="Times New Roman" panose="02020603050405020304" pitchFamily="18" charset="0"/>
-                      </a:rPr>
-                      <m:t>𝑋</m:t>
-                    </m:r>
-                  </m:oMath>
-                </a14:m>
-                <a:endParaRPr lang="en-US" sz="1050" dirty="0">
-                  <a:solidFill>
-                    <a:schemeClr val="tx1"/>
-                  </a:solidFill>
-                  <a:latin typeface="Futura"/>
-                  <a:cs typeface="Times New Roman" panose="02020603050405020304" pitchFamily="18" charset="0"/>
-                </a:endParaRPr>
-              </a:p>
-            </p:txBody>
-          </p:sp>
-        </mc:Choice>
-        <mc:Fallback xmlns="">
-          <p:sp>
-            <p:nvSpPr>
-              <p:cNvPr id="101" name="Zylinder 100">
-                <a:extLst>
-                  <a:ext uri="{FF2B5EF4-FFF2-40B4-BE49-F238E27FC236}">
-                    <a16:creationId xmlns:a16="http://schemas.microsoft.com/office/drawing/2014/main" id="{745F9C84-726B-4DBD-8F2E-76240AC2FE56}"/>
-                  </a:ext>
-                </a:extLst>
-              </p:cNvPr>
-              <p:cNvSpPr>
-                <a:spLocks noRot="1" noChangeAspect="1" noMove="1" noResize="1" noEditPoints="1" noAdjustHandles="1" noChangeArrowheads="1" noChangeShapeType="1" noTextEdit="1"/>
-              </p:cNvSpPr>
-              <p:nvPr/>
-            </p:nvSpPr>
-            <p:spPr>
-              <a:xfrm>
-                <a:off x="2816788" y="856714"/>
-                <a:ext cx="1080000" cy="963900"/>
-              </a:xfrm>
-              <a:prstGeom prst="can">
-                <a:avLst/>
-              </a:prstGeom>
-              <a:blipFill>
-                <a:blip r:embed="rId5"/>
-                <a:stretch>
-                  <a:fillRect/>
-                </a:stretch>
-              </a:blipFill>
-              <a:ln w="12700">
-                <a:solidFill>
-                  <a:schemeClr val="tx1"/>
-                </a:solidFill>
-              </a:ln>
-            </p:spPr>
-            <p:txBody>
-              <a:bodyPr/>
-              <a:lstStyle/>
-              <a:p>
-                <a:r>
-                  <a:rPr lang="en-GB">
-                    <a:noFill/>
-                  </a:rPr>
-                  <a:t> </a:t>
-                </a:r>
-              </a:p>
-            </p:txBody>
-          </p:sp>
-        </mc:Fallback>
-      </mc:AlternateContent>
-      <mc:AlternateContent xmlns:mc="http://schemas.openxmlformats.org/markup-compatibility/2006" xmlns:a14="http://schemas.microsoft.com/office/drawing/2010/main">
-        <mc:Choice Requires="a14">
-          <p:sp>
-            <p:nvSpPr>
-              <p:cNvPr id="103" name="Zylinder 102">
-                <a:extLst>
-                  <a:ext uri="{FF2B5EF4-FFF2-40B4-BE49-F238E27FC236}">
-                    <a16:creationId xmlns:a16="http://schemas.microsoft.com/office/drawing/2014/main" id="{FB57FE56-DDB0-4D71-9998-2808DD09E0E0}"/>
-                  </a:ext>
-                </a:extLst>
-              </p:cNvPr>
-              <p:cNvSpPr/>
-              <p:nvPr/>
-            </p:nvSpPr>
-            <p:spPr>
-              <a:xfrm>
-                <a:off x="7647309" y="886111"/>
-                <a:ext cx="1080000" cy="963027"/>
-              </a:xfrm>
-              <a:prstGeom prst="can">
-                <a:avLst/>
-              </a:prstGeom>
-              <a:solidFill>
-                <a:schemeClr val="bg1">
-                  <a:lumMod val="95000"/>
-                </a:schemeClr>
-              </a:solidFill>
-              <a:ln w="12700">
-                <a:solidFill>
-                  <a:schemeClr val="tx1"/>
-                </a:solidFill>
-              </a:ln>
-            </p:spPr>
-            <p:style>
-              <a:lnRef idx="2">
-                <a:schemeClr val="accent1">
-                  <a:shade val="50000"/>
-                </a:schemeClr>
-              </a:lnRef>
-              <a:fillRef idx="1">
-                <a:schemeClr val="accent1"/>
-              </a:fillRef>
-              <a:effectRef idx="0">
-                <a:schemeClr val="accent1"/>
-              </a:effectRef>
-              <a:fontRef idx="minor">
-                <a:schemeClr val="lt1"/>
-              </a:fontRef>
-            </p:style>
-            <p:txBody>
-              <a:bodyPr rtlCol="0" anchor="ctr"/>
-              <a:lstStyle/>
-              <a:p>
-                <a:pPr algn="ctr"/>
-                <a:r>
-                  <a:rPr lang="en-US" sz="1050" dirty="0">
-                    <a:solidFill>
-                      <a:schemeClr val="tx1"/>
-                    </a:solidFill>
-                    <a:latin typeface="Futura"/>
-                    <a:cs typeface="Times New Roman" panose="02020603050405020304" pitchFamily="18" charset="0"/>
-                  </a:rPr>
-                  <a:t>pool of unlabeled samples </a:t>
-                </a:r>
-                <a14:m>
-                  <m:oMath xmlns:m="http://schemas.openxmlformats.org/officeDocument/2006/math">
-                    <m:acc>
-                      <m:accPr>
-                        <m:chr m:val="̃"/>
-                        <m:ctrlPr>
-                          <a:rPr lang="en-US" sz="1050" i="1">
-                            <a:solidFill>
-                              <a:schemeClr val="tx1"/>
-                            </a:solidFill>
-                            <a:latin typeface="Cambria Math" panose="02040503050406030204" pitchFamily="18" charset="0"/>
-                            <a:cs typeface="Times New Roman" panose="02020603050405020304" pitchFamily="18" charset="0"/>
-                          </a:rPr>
-                        </m:ctrlPr>
-                      </m:accPr>
-                      <m:e>
-                        <m:r>
-                          <a:rPr lang="en-US" sz="1050" i="1">
-                            <a:solidFill>
-                              <a:schemeClr val="tx1"/>
-                            </a:solidFill>
-                            <a:latin typeface="Cambria Math" panose="02040503050406030204" pitchFamily="18" charset="0"/>
-                            <a:cs typeface="Times New Roman" panose="02020603050405020304" pitchFamily="18" charset="0"/>
-                          </a:rPr>
-                          <m:t>𝑈</m:t>
-                        </m:r>
-                      </m:e>
-                    </m:acc>
-                  </m:oMath>
-                </a14:m>
-                <a:endParaRPr lang="en-US" sz="1050" dirty="0">
-                  <a:solidFill>
-                    <a:schemeClr val="tx1"/>
-                  </a:solidFill>
-                  <a:latin typeface="Futura"/>
-                  <a:cs typeface="Times New Roman" panose="02020603050405020304" pitchFamily="18" charset="0"/>
-                </a:endParaRPr>
-              </a:p>
-            </p:txBody>
-          </p:sp>
-        </mc:Choice>
-        <mc:Fallback xmlns="">
-          <p:sp>
-            <p:nvSpPr>
-              <p:cNvPr id="103" name="Zylinder 102">
-                <a:extLst>
-                  <a:ext uri="{FF2B5EF4-FFF2-40B4-BE49-F238E27FC236}">
-                    <a16:creationId xmlns:a16="http://schemas.microsoft.com/office/drawing/2014/main" id="{FB57FE56-DDB0-4D71-9998-2808DD09E0E0}"/>
-                  </a:ext>
-                </a:extLst>
-              </p:cNvPr>
-              <p:cNvSpPr>
-                <a:spLocks noRot="1" noChangeAspect="1" noMove="1" noResize="1" noEditPoints="1" noAdjustHandles="1" noChangeArrowheads="1" noChangeShapeType="1" noTextEdit="1"/>
-              </p:cNvSpPr>
-              <p:nvPr/>
-            </p:nvSpPr>
-            <p:spPr>
-              <a:xfrm>
-                <a:off x="7647309" y="886111"/>
-                <a:ext cx="1080000" cy="963027"/>
-              </a:xfrm>
-              <a:prstGeom prst="can">
-                <a:avLst/>
-              </a:prstGeom>
-              <a:blipFill>
-                <a:blip r:embed="rId6"/>
-                <a:stretch>
-                  <a:fillRect r="-5556"/>
-                </a:stretch>
-              </a:blipFill>
-              <a:ln w="12700">
-                <a:solidFill>
-                  <a:schemeClr val="tx1"/>
-                </a:solidFill>
-              </a:ln>
-            </p:spPr>
-            <p:txBody>
-              <a:bodyPr/>
-              <a:lstStyle/>
-              <a:p>
-                <a:r>
-                  <a:rPr lang="en-GB">
-                    <a:noFill/>
-                  </a:rPr>
-                  <a:t> </a:t>
-                </a:r>
-              </a:p>
-            </p:txBody>
-          </p:sp>
-        </mc:Fallback>
-      </mc:AlternateContent>
-      <p:sp>
-        <p:nvSpPr>
-          <p:cNvPr id="209" name="Textfeld 64">
-            <a:extLst>
-              <a:ext uri="{FF2B5EF4-FFF2-40B4-BE49-F238E27FC236}">
-                <a16:creationId xmlns:a16="http://schemas.microsoft.com/office/drawing/2014/main" id="{90BE4522-8B58-4A93-B1B1-B95C41BD39B6}"/>
-              </a:ext>
-            </a:extLst>
-          </p:cNvPr>
-          <p:cNvSpPr txBox="1"/>
-          <p:nvPr/>
-        </p:nvSpPr>
-        <p:spPr>
-          <a:xfrm>
-            <a:off x="8848338" y="2067472"/>
-            <a:ext cx="1230742" cy="253916"/>
-          </a:xfrm>
-          <a:prstGeom prst="rect">
-            <a:avLst/>
-          </a:prstGeom>
-          <a:noFill/>
-        </p:spPr>
-        <p:txBody>
-          <a:bodyPr wrap="square" rtlCol="0">
-            <a:spAutoFit/>
-          </a:bodyPr>
-          <a:lstStyle/>
-          <a:p>
-            <a:r>
-              <a:rPr lang="en-US" sz="1050" b="1" dirty="0">
-                <a:solidFill>
-                  <a:schemeClr val="tx1">
-                    <a:lumMod val="75000"/>
-                    <a:lumOff val="25000"/>
-                  </a:schemeClr>
-                </a:solidFill>
-                <a:latin typeface="Futura"/>
-                <a:cs typeface="Times New Roman" panose="02020603050405020304" pitchFamily="18" charset="0"/>
-              </a:rPr>
-              <a:t>active learning</a:t>
-            </a:r>
-          </a:p>
-        </p:txBody>
-      </p:sp>
-      <p:cxnSp>
-        <p:nvCxnSpPr>
-          <p:cNvPr id="234" name="Gewinkelte Verbindung 27">
-            <a:extLst>
-              <a:ext uri="{FF2B5EF4-FFF2-40B4-BE49-F238E27FC236}">
-                <a16:creationId xmlns:a16="http://schemas.microsoft.com/office/drawing/2014/main" id="{65FF37ED-D4BD-441C-8BB5-6E2BDEE63AF7}"/>
-              </a:ext>
-            </a:extLst>
-          </p:cNvPr>
-          <p:cNvCxnSpPr>
-            <a:cxnSpLocks/>
-            <a:endCxn id="88" idx="1"/>
-          </p:cNvCxnSpPr>
-          <p:nvPr/>
-        </p:nvCxnSpPr>
-        <p:spPr>
-          <a:xfrm rot="5400000">
-            <a:off x="-912017" y="3004185"/>
-            <a:ext cx="2773759" cy="417412"/>
-          </a:xfrm>
-          <a:prstGeom prst="bentConnector4">
-            <a:avLst>
-              <a:gd name="adj1" fmla="val 5421"/>
-              <a:gd name="adj2" fmla="val 143812"/>
-            </a:avLst>
-          </a:prstGeom>
-          <a:ln w="12700">
-            <a:solidFill>
-              <a:schemeClr val="tx1"/>
-            </a:solidFill>
-            <a:tailEnd type="triangle"/>
-          </a:ln>
-        </p:spPr>
-        <p:style>
-          <a:lnRef idx="1">
-            <a:schemeClr val="accent1"/>
-          </a:lnRef>
-          <a:fillRef idx="0">
-            <a:schemeClr val="accent1"/>
-          </a:fillRef>
-          <a:effectRef idx="0">
-            <a:schemeClr val="accent1"/>
-          </a:effectRef>
-          <a:fontRef idx="minor">
-            <a:schemeClr val="tx1"/>
-          </a:fontRef>
-        </p:style>
-      </p:cxnSp>
-      <p:cxnSp>
-        <p:nvCxnSpPr>
-          <p:cNvPr id="364" name="Gerade Verbindung mit Pfeil 98">
-            <a:extLst>
-              <a:ext uri="{FF2B5EF4-FFF2-40B4-BE49-F238E27FC236}">
-                <a16:creationId xmlns:a16="http://schemas.microsoft.com/office/drawing/2014/main" id="{3EA6BF85-25D4-4C10-B8DB-668CEC8831A0}"/>
-              </a:ext>
-            </a:extLst>
-          </p:cNvPr>
-          <p:cNvCxnSpPr>
-            <a:cxnSpLocks/>
-            <a:stCxn id="85" idx="2"/>
-            <a:endCxn id="8" idx="0"/>
-          </p:cNvCxnSpPr>
-          <p:nvPr/>
-        </p:nvCxnSpPr>
-        <p:spPr>
-          <a:xfrm>
-            <a:off x="9116517" y="4928659"/>
-            <a:ext cx="0" cy="518814"/>
-          </a:xfrm>
-          <a:prstGeom prst="straightConnector1">
-            <a:avLst/>
-          </a:prstGeom>
-          <a:ln w="12700">
-            <a:solidFill>
-              <a:schemeClr val="tx1"/>
-            </a:solidFill>
-            <a:tailEnd type="triangle"/>
-          </a:ln>
-        </p:spPr>
-        <p:style>
-          <a:lnRef idx="1">
-            <a:schemeClr val="accent1"/>
-          </a:lnRef>
-          <a:fillRef idx="0">
-            <a:schemeClr val="accent1"/>
-          </a:fillRef>
-          <a:effectRef idx="0">
-            <a:schemeClr val="accent1"/>
-          </a:effectRef>
-          <a:fontRef idx="minor">
-            <a:schemeClr val="tx1"/>
-          </a:fontRef>
-        </p:style>
-      </p:cxnSp>
-      <p:cxnSp>
-        <p:nvCxnSpPr>
-          <p:cNvPr id="149" name="Gerade Verbindung mit Pfeil 42">
-            <a:extLst>
-              <a:ext uri="{FF2B5EF4-FFF2-40B4-BE49-F238E27FC236}">
-                <a16:creationId xmlns:a16="http://schemas.microsoft.com/office/drawing/2014/main" id="{7DAD0877-0710-4853-89F9-273CEE2FABE2}"/>
-              </a:ext>
-            </a:extLst>
-          </p:cNvPr>
-          <p:cNvCxnSpPr>
-            <a:cxnSpLocks/>
-            <a:stCxn id="90" idx="0"/>
-            <a:endCxn id="103" idx="3"/>
-          </p:cNvCxnSpPr>
-          <p:nvPr/>
-        </p:nvCxnSpPr>
-        <p:spPr>
-          <a:xfrm flipV="1">
-            <a:off x="8187309" y="1849138"/>
-            <a:ext cx="0" cy="358064"/>
-          </a:xfrm>
-          <a:prstGeom prst="straightConnector1">
-            <a:avLst/>
-          </a:prstGeom>
-          <a:ln w="12700">
-            <a:solidFill>
-              <a:schemeClr val="tx1"/>
-            </a:solidFill>
-            <a:headEnd type="triangle"/>
-            <a:tailEnd type="none"/>
-          </a:ln>
-        </p:spPr>
-        <p:style>
-          <a:lnRef idx="1">
-            <a:schemeClr val="accent1"/>
-          </a:lnRef>
-          <a:fillRef idx="0">
-            <a:schemeClr val="accent1"/>
-          </a:fillRef>
-          <a:effectRef idx="0">
-            <a:schemeClr val="accent1"/>
-          </a:effectRef>
-          <a:fontRef idx="minor">
-            <a:schemeClr val="tx1"/>
-          </a:fontRef>
-        </p:style>
-      </p:cxnSp>
-      <mc:AlternateContent xmlns:mc="http://schemas.openxmlformats.org/markup-compatibility/2006" xmlns:a14="http://schemas.microsoft.com/office/drawing/2010/main">
-        <mc:Choice Requires="a14">
-          <p:sp>
-            <p:nvSpPr>
-              <p:cNvPr id="165" name="Textfeld 60">
-                <a:extLst>
-                  <a:ext uri="{FF2B5EF4-FFF2-40B4-BE49-F238E27FC236}">
-                    <a16:creationId xmlns:a16="http://schemas.microsoft.com/office/drawing/2014/main" id="{64CAEF2F-7591-49CE-8AD8-ABE8B25A1418}"/>
+                    <a16:creationId xmlns:a16="http://schemas.microsoft.com/office/drawing/2014/main" id="{8FDB07A7-517B-4BA8-BE00-85E6A26D18B2}"/>
                   </a:ext>
                 </a:extLst>
               </p:cNvPr>
@@ -15771,470 +18309,7 @@
             </p:nvSpPr>
             <p:spPr>
               <a:xfrm>
-                <a:off x="6457043" y="2492143"/>
-                <a:ext cx="1085368" cy="261610"/>
-              </a:xfrm>
-              <a:prstGeom prst="rect">
-                <a:avLst/>
-              </a:prstGeom>
-              <a:noFill/>
-            </p:spPr>
-            <p:txBody>
-              <a:bodyPr wrap="square" rtlCol="0">
-                <a:spAutoFit/>
-              </a:bodyPr>
-              <a:lstStyle/>
-              <a:p>
-                <a:pPr/>
-                <a14:m>
-                  <m:oMathPara xmlns:m="http://schemas.openxmlformats.org/officeDocument/2006/math">
-                    <m:oMathParaPr>
-                      <m:jc m:val="centerGroup"/>
-                    </m:oMathParaPr>
-                    <m:oMath xmlns:m="http://schemas.openxmlformats.org/officeDocument/2006/math">
-                      <m:sSub>
-                        <m:sSubPr>
-                          <m:ctrlPr>
-                            <a:rPr lang="de-DE" sz="1100" i="1">
-                              <a:solidFill>
-                                <a:prstClr val="black"/>
-                              </a:solidFill>
-                              <a:latin typeface="Cambria Math" panose="02040503050406030204" pitchFamily="18" charset="0"/>
-                            </a:rPr>
-                          </m:ctrlPr>
-                        </m:sSubPr>
-                        <m:e>
-                          <m:r>
-                            <a:rPr lang="it-IT" sz="1100" b="0" i="1" smtClean="0">
-                              <a:solidFill>
-                                <a:prstClr val="black"/>
-                              </a:solidFill>
-                              <a:latin typeface="Cambria Math" panose="02040503050406030204" pitchFamily="18" charset="0"/>
-                            </a:rPr>
-                            <m:t>𝑈</m:t>
-                          </m:r>
-                        </m:e>
-                        <m:sub>
-                          <m:r>
-                            <a:rPr lang="it-IT" sz="1100" i="1">
-                              <a:solidFill>
-                                <a:prstClr val="black"/>
-                              </a:solidFill>
-                              <a:latin typeface="Cambria Math" panose="02040503050406030204" pitchFamily="18" charset="0"/>
-                            </a:rPr>
-                            <m:t>𝑚𝑜𝑠𝑡</m:t>
-                          </m:r>
-                          <m:r>
-                            <a:rPr lang="it-IT" sz="1100" i="1">
-                              <a:solidFill>
-                                <a:prstClr val="black"/>
-                              </a:solidFill>
-                              <a:latin typeface="Cambria Math" panose="02040503050406030204" pitchFamily="18" charset="0"/>
-                            </a:rPr>
-                            <m:t>−</m:t>
-                          </m:r>
-                          <m:r>
-                            <a:rPr lang="it-IT" sz="1100" i="1">
-                              <a:solidFill>
-                                <a:prstClr val="black"/>
-                              </a:solidFill>
-                              <a:latin typeface="Cambria Math" panose="02040503050406030204" pitchFamily="18" charset="0"/>
-                            </a:rPr>
-                            <m:t>𝑢𝑛𝑐𝑒𝑟𝑡𝑎𝑖𝑛</m:t>
-                          </m:r>
-                        </m:sub>
-                      </m:sSub>
-                    </m:oMath>
-                  </m:oMathPara>
-                </a14:m>
-                <a:endParaRPr lang="de-DE" sz="1350" dirty="0">
-                  <a:latin typeface="Futura"/>
-                </a:endParaRPr>
-              </a:p>
-            </p:txBody>
-          </p:sp>
-        </mc:Choice>
-        <mc:Fallback xmlns="">
-          <p:sp>
-            <p:nvSpPr>
-              <p:cNvPr id="165" name="Textfeld 60">
-                <a:extLst>
-                  <a:ext uri="{FF2B5EF4-FFF2-40B4-BE49-F238E27FC236}">
-                    <a16:creationId xmlns:a16="http://schemas.microsoft.com/office/drawing/2014/main" id="{64CAEF2F-7591-49CE-8AD8-ABE8B25A1418}"/>
-                  </a:ext>
-                </a:extLst>
-              </p:cNvPr>
-              <p:cNvSpPr txBox="1">
-                <a:spLocks noRot="1" noChangeAspect="1" noMove="1" noResize="1" noEditPoints="1" noAdjustHandles="1" noChangeArrowheads="1" noChangeShapeType="1" noTextEdit="1"/>
-              </p:cNvSpPr>
-              <p:nvPr/>
-            </p:nvSpPr>
-            <p:spPr>
-              <a:xfrm>
-                <a:off x="6457043" y="2492143"/>
-                <a:ext cx="1085368" cy="261610"/>
-              </a:xfrm>
-              <a:prstGeom prst="rect">
-                <a:avLst/>
-              </a:prstGeom>
-              <a:blipFill>
-                <a:blip r:embed="rId7"/>
-                <a:stretch>
-                  <a:fillRect/>
-                </a:stretch>
-              </a:blipFill>
-            </p:spPr>
-            <p:txBody>
-              <a:bodyPr/>
-              <a:lstStyle/>
-              <a:p>
-                <a:r>
-                  <a:rPr lang="en-GB">
-                    <a:noFill/>
-                  </a:rPr>
-                  <a:t> </a:t>
-                </a:r>
-              </a:p>
-            </p:txBody>
-          </p:sp>
-        </mc:Fallback>
-      </mc:AlternateContent>
-      <p:cxnSp>
-        <p:nvCxnSpPr>
-          <p:cNvPr id="109" name="Gerade Verbindung mit Pfeil 69">
-            <a:extLst>
-              <a:ext uri="{FF2B5EF4-FFF2-40B4-BE49-F238E27FC236}">
-                <a16:creationId xmlns:a16="http://schemas.microsoft.com/office/drawing/2014/main" id="{1699A4F2-6735-41BD-B99E-135F28B94023}"/>
-              </a:ext>
-            </a:extLst>
-          </p:cNvPr>
-          <p:cNvCxnSpPr>
-            <a:cxnSpLocks/>
-          </p:cNvCxnSpPr>
-          <p:nvPr/>
-        </p:nvCxnSpPr>
-        <p:spPr>
-          <a:xfrm flipV="1">
-            <a:off x="7599851" y="4727118"/>
-            <a:ext cx="1057666" cy="2608"/>
-          </a:xfrm>
-          <a:prstGeom prst="straightConnector1">
-            <a:avLst/>
-          </a:prstGeom>
-          <a:ln w="12700">
-            <a:solidFill>
-              <a:schemeClr val="tx1"/>
-            </a:solidFill>
-            <a:tailEnd type="triangle"/>
-          </a:ln>
-        </p:spPr>
-        <p:style>
-          <a:lnRef idx="1">
-            <a:schemeClr val="accent1"/>
-          </a:lnRef>
-          <a:fillRef idx="0">
-            <a:schemeClr val="accent1"/>
-          </a:fillRef>
-          <a:effectRef idx="0">
-            <a:schemeClr val="accent1"/>
-          </a:effectRef>
-          <a:fontRef idx="minor">
-            <a:schemeClr val="tx1"/>
-          </a:fontRef>
-        </p:style>
-      </p:cxnSp>
-      <p:cxnSp>
-        <p:nvCxnSpPr>
-          <p:cNvPr id="113" name="Gewinkelte Verbindung 40">
-            <a:extLst>
-              <a:ext uri="{FF2B5EF4-FFF2-40B4-BE49-F238E27FC236}">
-                <a16:creationId xmlns:a16="http://schemas.microsoft.com/office/drawing/2014/main" id="{F1A3E4B9-D271-4C99-95D5-7909449FDA90}"/>
-              </a:ext>
-            </a:extLst>
-          </p:cNvPr>
-          <p:cNvCxnSpPr>
-            <a:cxnSpLocks/>
-            <a:stCxn id="60" idx="3"/>
-            <a:endCxn id="85" idx="0"/>
-          </p:cNvCxnSpPr>
-          <p:nvPr/>
-        </p:nvCxnSpPr>
-        <p:spPr>
-          <a:xfrm>
-            <a:off x="3815788" y="3573758"/>
-            <a:ext cx="5300729" cy="706503"/>
-          </a:xfrm>
-          <a:prstGeom prst="bentConnector2">
-            <a:avLst/>
-          </a:prstGeom>
-          <a:ln w="12700">
-            <a:solidFill>
-              <a:schemeClr val="tx1"/>
-            </a:solidFill>
-            <a:tailEnd type="triangle"/>
-          </a:ln>
-        </p:spPr>
-        <p:style>
-          <a:lnRef idx="1">
-            <a:schemeClr val="accent1"/>
-          </a:lnRef>
-          <a:fillRef idx="0">
-            <a:schemeClr val="accent1"/>
-          </a:fillRef>
-          <a:effectRef idx="0">
-            <a:schemeClr val="accent1"/>
-          </a:effectRef>
-          <a:fontRef idx="minor">
-            <a:schemeClr val="tx1"/>
-          </a:fontRef>
-        </p:style>
-      </p:cxnSp>
-      <p:sp>
-        <p:nvSpPr>
-          <p:cNvPr id="123" name="Flussdiagramm: Prozess 21">
-            <a:extLst>
-              <a:ext uri="{FF2B5EF4-FFF2-40B4-BE49-F238E27FC236}">
-                <a16:creationId xmlns:a16="http://schemas.microsoft.com/office/drawing/2014/main" id="{2A706D72-0E57-490A-AF66-DB01038BAA16}"/>
-              </a:ext>
-            </a:extLst>
-          </p:cNvPr>
-          <p:cNvSpPr/>
-          <p:nvPr/>
-        </p:nvSpPr>
-        <p:spPr>
-          <a:xfrm>
-            <a:off x="5336110" y="4166400"/>
-            <a:ext cx="2819174" cy="1035609"/>
-          </a:xfrm>
-          <a:prstGeom prst="flowChartProcess">
-            <a:avLst/>
-          </a:prstGeom>
-          <a:solidFill>
-            <a:srgbClr val="0070C0">
-              <a:alpha val="40000"/>
-            </a:srgbClr>
-          </a:solidFill>
-          <a:ln>
-            <a:noFill/>
-          </a:ln>
-        </p:spPr>
-        <p:style>
-          <a:lnRef idx="2">
-            <a:schemeClr val="accent1">
-              <a:shade val="50000"/>
-            </a:schemeClr>
-          </a:lnRef>
-          <a:fillRef idx="1">
-            <a:schemeClr val="accent1"/>
-          </a:fillRef>
-          <a:effectRef idx="0">
-            <a:schemeClr val="accent1"/>
-          </a:effectRef>
-          <a:fontRef idx="minor">
-            <a:schemeClr val="lt1"/>
-          </a:fontRef>
-        </p:style>
-        <p:txBody>
-          <a:bodyPr rtlCol="0" anchor="ctr"/>
-          <a:lstStyle/>
-          <a:p>
-            <a:pPr algn="ctr"/>
-            <a:endParaRPr lang="de-DE" sz="1350"/>
-          </a:p>
-        </p:txBody>
-      </p:sp>
-      <p:cxnSp>
-        <p:nvCxnSpPr>
-          <p:cNvPr id="126" name="Gerade Verbindung mit Pfeil 69">
-            <a:extLst>
-              <a:ext uri="{FF2B5EF4-FFF2-40B4-BE49-F238E27FC236}">
-                <a16:creationId xmlns:a16="http://schemas.microsoft.com/office/drawing/2014/main" id="{DF0EDA5A-BD1A-4DFA-BC63-56A50EC0A540}"/>
-              </a:ext>
-            </a:extLst>
-          </p:cNvPr>
-          <p:cNvCxnSpPr>
-            <a:cxnSpLocks/>
-            <a:stCxn id="82" idx="3"/>
-            <a:endCxn id="81" idx="1"/>
-          </p:cNvCxnSpPr>
-          <p:nvPr/>
-        </p:nvCxnSpPr>
-        <p:spPr>
-          <a:xfrm flipV="1">
-            <a:off x="6438823" y="4599772"/>
-            <a:ext cx="246790" cy="2802"/>
-          </a:xfrm>
-          <a:prstGeom prst="straightConnector1">
-            <a:avLst/>
-          </a:prstGeom>
-          <a:ln w="12700">
-            <a:solidFill>
-              <a:schemeClr val="tx1"/>
-            </a:solidFill>
-            <a:tailEnd type="triangle"/>
-          </a:ln>
-        </p:spPr>
-        <p:style>
-          <a:lnRef idx="1">
-            <a:schemeClr val="accent1"/>
-          </a:lnRef>
-          <a:fillRef idx="0">
-            <a:schemeClr val="accent1"/>
-          </a:fillRef>
-          <a:effectRef idx="0">
-            <a:schemeClr val="accent1"/>
-          </a:effectRef>
-          <a:fontRef idx="minor">
-            <a:schemeClr val="tx1"/>
-          </a:fontRef>
-        </p:style>
-      </p:cxnSp>
-      <mc:AlternateContent xmlns:mc="http://schemas.openxmlformats.org/markup-compatibility/2006" xmlns:a14="http://schemas.microsoft.com/office/drawing/2010/main">
-        <mc:Choice Requires="a14">
-          <p:sp>
-            <p:nvSpPr>
-              <p:cNvPr id="128" name="Textfeld 18">
-                <a:extLst>
-                  <a:ext uri="{FF2B5EF4-FFF2-40B4-BE49-F238E27FC236}">
-                    <a16:creationId xmlns:a16="http://schemas.microsoft.com/office/drawing/2014/main" id="{0E369AFF-F5F6-4635-A774-A326CF31B49B}"/>
-                  </a:ext>
-                </a:extLst>
-              </p:cNvPr>
-              <p:cNvSpPr txBox="1"/>
-              <p:nvPr/>
-            </p:nvSpPr>
-            <p:spPr>
-              <a:xfrm>
-                <a:off x="7527540" y="4704295"/>
-                <a:ext cx="509050" cy="266163"/>
-              </a:xfrm>
-              <a:prstGeom prst="rect">
-                <a:avLst/>
-              </a:prstGeom>
-              <a:noFill/>
-            </p:spPr>
-            <p:txBody>
-              <a:bodyPr wrap="square" rtlCol="0">
-                <a:spAutoFit/>
-              </a:bodyPr>
-              <a:lstStyle/>
-              <a:p>
-                <a:pPr/>
-                <a14:m>
-                  <m:oMathPara xmlns:m="http://schemas.openxmlformats.org/officeDocument/2006/math">
-                    <m:oMathParaPr>
-                      <m:jc m:val="centerGroup"/>
-                    </m:oMathParaPr>
-                    <m:oMath xmlns:m="http://schemas.openxmlformats.org/officeDocument/2006/math">
-                      <m:sSup>
-                        <m:sSupPr>
-                          <m:ctrlPr>
-                            <a:rPr lang="de-DE" sz="1100" i="1">
-                              <a:latin typeface="Cambria Math" panose="02040503050406030204" pitchFamily="18" charset="0"/>
-                            </a:rPr>
-                          </m:ctrlPr>
-                        </m:sSupPr>
-                        <m:e>
-                          <m:acc>
-                            <m:accPr>
-                              <m:chr m:val="̂"/>
-                              <m:ctrlPr>
-                                <a:rPr lang="de-DE" sz="1100" i="1">
-                                  <a:latin typeface="Cambria Math" panose="02040503050406030204" pitchFamily="18" charset="0"/>
-                                </a:rPr>
-                              </m:ctrlPr>
-                            </m:accPr>
-                            <m:e>
-                              <m:r>
-                                <a:rPr lang="de-DE" sz="1100" i="1">
-                                  <a:latin typeface="Cambria Math" panose="02040503050406030204" pitchFamily="18" charset="0"/>
-                                </a:rPr>
-                                <m:t>𝑉</m:t>
-                              </m:r>
-                            </m:e>
-                          </m:acc>
-                        </m:e>
-                        <m:sup>
-                          <m:r>
-                            <a:rPr lang="de-DE" sz="1100" i="1">
-                              <a:latin typeface="Cambria Math" panose="02040503050406030204" pitchFamily="18" charset="0"/>
-                            </a:rPr>
-                            <m:t>𝑆𝑉</m:t>
-                          </m:r>
-                        </m:sup>
-                      </m:sSup>
-                    </m:oMath>
-                  </m:oMathPara>
-                </a14:m>
-                <a:endParaRPr lang="de-DE" sz="1350" dirty="0">
-                  <a:latin typeface="Futura"/>
-                </a:endParaRPr>
-              </a:p>
-            </p:txBody>
-          </p:sp>
-        </mc:Choice>
-        <mc:Fallback xmlns="">
-          <p:sp>
-            <p:nvSpPr>
-              <p:cNvPr id="128" name="Textfeld 18">
-                <a:extLst>
-                  <a:ext uri="{FF2B5EF4-FFF2-40B4-BE49-F238E27FC236}">
-                    <a16:creationId xmlns:a16="http://schemas.microsoft.com/office/drawing/2014/main" id="{0E369AFF-F5F6-4635-A774-A326CF31B49B}"/>
-                  </a:ext>
-                </a:extLst>
-              </p:cNvPr>
-              <p:cNvSpPr txBox="1">
-                <a:spLocks noRot="1" noChangeAspect="1" noMove="1" noResize="1" noEditPoints="1" noAdjustHandles="1" noChangeArrowheads="1" noChangeShapeType="1" noTextEdit="1"/>
-              </p:cNvSpPr>
-              <p:nvPr/>
-            </p:nvSpPr>
-            <p:spPr>
-              <a:xfrm>
-                <a:off x="7527540" y="4704295"/>
-                <a:ext cx="509050" cy="266163"/>
-              </a:xfrm>
-              <a:prstGeom prst="rect">
-                <a:avLst/>
-              </a:prstGeom>
-              <a:blipFill>
-                <a:blip r:embed="rId9"/>
-                <a:stretch>
-                  <a:fillRect/>
-                </a:stretch>
-              </a:blipFill>
-            </p:spPr>
-            <p:txBody>
-              <a:bodyPr/>
-              <a:lstStyle/>
-              <a:p>
-                <a:r>
-                  <a:rPr lang="en-GB">
-                    <a:noFill/>
-                  </a:rPr>
-                  <a:t> </a:t>
-                </a:r>
-              </a:p>
-            </p:txBody>
-          </p:sp>
-        </mc:Fallback>
-      </mc:AlternateContent>
-      <mc:AlternateContent xmlns:mc="http://schemas.openxmlformats.org/markup-compatibility/2006" xmlns:a14="http://schemas.microsoft.com/office/drawing/2010/main">
-        <mc:Choice Requires="a14">
-          <p:sp>
-            <p:nvSpPr>
-              <p:cNvPr id="162" name="Textfeld 60">
-                <a:extLst>
-                  <a:ext uri="{FF2B5EF4-FFF2-40B4-BE49-F238E27FC236}">
-                    <a16:creationId xmlns:a16="http://schemas.microsoft.com/office/drawing/2014/main" id="{15E12CA4-1E56-4785-ADE0-337000A006EF}"/>
-                  </a:ext>
-                </a:extLst>
-              </p:cNvPr>
-              <p:cNvSpPr txBox="1"/>
-              <p:nvPr/>
-            </p:nvSpPr>
-            <p:spPr>
-              <a:xfrm>
-                <a:off x="4436273" y="2492143"/>
+                <a:off x="5924571" y="3884959"/>
                 <a:ext cx="1081130" cy="261610"/>
               </a:xfrm>
               <a:prstGeom prst="rect">
@@ -16300,13 +18375,13 @@
             </p:txBody>
           </p:sp>
         </mc:Choice>
-        <mc:Fallback xmlns="">
+        <mc:Fallback>
           <p:sp>
             <p:nvSpPr>
-              <p:cNvPr id="162" name="Textfeld 60">
+              <p:cNvPr id="64" name="Textfeld 60">
                 <a:extLst>
                   <a:ext uri="{FF2B5EF4-FFF2-40B4-BE49-F238E27FC236}">
-                    <a16:creationId xmlns:a16="http://schemas.microsoft.com/office/drawing/2014/main" id="{15E12CA4-1E56-4785-ADE0-337000A006EF}"/>
+                    <a16:creationId xmlns:a16="http://schemas.microsoft.com/office/drawing/2014/main" id="{8FDB07A7-517B-4BA8-BE00-85E6A26D18B2}"/>
                   </a:ext>
                 </a:extLst>
               </p:cNvPr>
@@ -16317,1551 +18392,8 @@
             </p:nvSpPr>
             <p:spPr>
               <a:xfrm>
-                <a:off x="4436273" y="2492143"/>
+                <a:off x="5924571" y="3884959"/>
                 <a:ext cx="1081130" cy="261610"/>
-              </a:xfrm>
-              <a:prstGeom prst="rect">
-                <a:avLst/>
-              </a:prstGeom>
-              <a:blipFill>
-                <a:blip r:embed="rId10"/>
-                <a:stretch>
-                  <a:fillRect/>
-                </a:stretch>
-              </a:blipFill>
-            </p:spPr>
-            <p:txBody>
-              <a:bodyPr/>
-              <a:lstStyle/>
-              <a:p>
-                <a:r>
-                  <a:rPr lang="en-GB">
-                    <a:noFill/>
-                  </a:rPr>
-                  <a:t> </a:t>
-                </a:r>
-              </a:p>
-            </p:txBody>
-          </p:sp>
-        </mc:Fallback>
-      </mc:AlternateContent>
-      <mc:AlternateContent xmlns:mc="http://schemas.openxmlformats.org/markup-compatibility/2006" xmlns:a14="http://schemas.microsoft.com/office/drawing/2010/main">
-        <mc:Choice Requires="a14">
-          <p:sp>
-            <p:nvSpPr>
-              <p:cNvPr id="163" name="Textfeld 61">
-                <a:extLst>
-                  <a:ext uri="{FF2B5EF4-FFF2-40B4-BE49-F238E27FC236}">
-                    <a16:creationId xmlns:a16="http://schemas.microsoft.com/office/drawing/2014/main" id="{A5A2CF92-B1E6-4500-B95C-130908AA7127}"/>
-                  </a:ext>
-                </a:extLst>
-              </p:cNvPr>
-              <p:cNvSpPr txBox="1"/>
-              <p:nvPr/>
-            </p:nvSpPr>
-            <p:spPr>
-              <a:xfrm>
-                <a:off x="7570288" y="4453112"/>
-                <a:ext cx="1081130" cy="266163"/>
-              </a:xfrm>
-              <a:prstGeom prst="rect">
-                <a:avLst/>
-              </a:prstGeom>
-              <a:noFill/>
-            </p:spPr>
-            <p:txBody>
-              <a:bodyPr wrap="none" rtlCol="0">
-                <a:spAutoFit/>
-              </a:bodyPr>
-              <a:lstStyle/>
-              <a:p>
-                <a:pPr/>
-                <a14:m>
-                  <m:oMathPara xmlns:m="http://schemas.openxmlformats.org/officeDocument/2006/math">
-                    <m:oMathParaPr>
-                      <m:jc m:val="centerGroup"/>
-                    </m:oMathParaPr>
-                    <m:oMath xmlns:m="http://schemas.openxmlformats.org/officeDocument/2006/math">
-                      <m:sSub>
-                        <m:sSubPr>
-                          <m:ctrlPr>
-                            <a:rPr lang="de-DE" sz="1100" i="1" smtClean="0">
-                              <a:latin typeface="Cambria Math" panose="02040503050406030204" pitchFamily="18" charset="0"/>
-                            </a:rPr>
-                          </m:ctrlPr>
-                        </m:sSubPr>
-                        <m:e>
-                          <m:acc>
-                            <m:accPr>
-                              <m:chr m:val="̂"/>
-                              <m:ctrlPr>
-                                <a:rPr lang="de-DE" sz="1100" i="1">
-                                  <a:latin typeface="Cambria Math" panose="02040503050406030204" pitchFamily="18" charset="0"/>
-                                </a:rPr>
-                              </m:ctrlPr>
-                            </m:accPr>
-                            <m:e>
-                              <m:r>
-                                <a:rPr lang="en-US" sz="1100" i="1">
-                                  <a:latin typeface="Cambria Math" panose="02040503050406030204" pitchFamily="18" charset="0"/>
-                                </a:rPr>
-                                <m:t>𝑈</m:t>
-                              </m:r>
-                            </m:e>
-                          </m:acc>
-                        </m:e>
-                        <m:sub>
-                          <m:r>
-                            <a:rPr lang="it-IT" sz="1100" b="0" i="1" smtClean="0">
-                              <a:latin typeface="Cambria Math" panose="02040503050406030204" pitchFamily="18" charset="0"/>
-                            </a:rPr>
-                            <m:t>𝑎𝑐𝑡𝑖𝑣𝑒</m:t>
-                          </m:r>
-                          <m:r>
-                            <a:rPr lang="en-US" sz="1100" i="1">
-                              <a:latin typeface="Cambria Math" panose="02040503050406030204" pitchFamily="18" charset="0"/>
-                            </a:rPr>
-                            <m:t>−</m:t>
-                          </m:r>
-                          <m:r>
-                            <a:rPr lang="en-US" sz="1100" i="1">
-                              <a:latin typeface="Cambria Math" panose="02040503050406030204" pitchFamily="18" charset="0"/>
-                            </a:rPr>
-                            <m:t>𝑙𝑎𝑏𝑒𝑙𝑒𝑑</m:t>
-                          </m:r>
-                        </m:sub>
-                      </m:sSub>
-                    </m:oMath>
-                  </m:oMathPara>
-                </a14:m>
-                <a:endParaRPr lang="de-DE" dirty="0"/>
-              </a:p>
-            </p:txBody>
-          </p:sp>
-        </mc:Choice>
-        <mc:Fallback xmlns="">
-          <p:sp>
-            <p:nvSpPr>
-              <p:cNvPr id="163" name="Textfeld 61">
-                <a:extLst>
-                  <a:ext uri="{FF2B5EF4-FFF2-40B4-BE49-F238E27FC236}">
-                    <a16:creationId xmlns:a16="http://schemas.microsoft.com/office/drawing/2014/main" id="{A5A2CF92-B1E6-4500-B95C-130908AA7127}"/>
-                  </a:ext>
-                </a:extLst>
-              </p:cNvPr>
-              <p:cNvSpPr txBox="1">
-                <a:spLocks noRot="1" noChangeAspect="1" noMove="1" noResize="1" noEditPoints="1" noAdjustHandles="1" noChangeArrowheads="1" noChangeShapeType="1" noTextEdit="1"/>
-              </p:cNvSpPr>
-              <p:nvPr/>
-            </p:nvSpPr>
-            <p:spPr>
-              <a:xfrm>
-                <a:off x="7570288" y="4453112"/>
-                <a:ext cx="1081130" cy="266163"/>
-              </a:xfrm>
-              <a:prstGeom prst="rect">
-                <a:avLst/>
-              </a:prstGeom>
-              <a:blipFill>
-                <a:blip r:embed="rId11"/>
-                <a:stretch>
-                  <a:fillRect/>
-                </a:stretch>
-              </a:blipFill>
-            </p:spPr>
-            <p:txBody>
-              <a:bodyPr/>
-              <a:lstStyle/>
-              <a:p>
-                <a:r>
-                  <a:rPr lang="en-GB">
-                    <a:noFill/>
-                  </a:rPr>
-                  <a:t> </a:t>
-                </a:r>
-              </a:p>
-            </p:txBody>
-          </p:sp>
-        </mc:Fallback>
-      </mc:AlternateContent>
-      <p:cxnSp>
-        <p:nvCxnSpPr>
-          <p:cNvPr id="164" name="Gerade Verbindung mit Pfeil 69">
-            <a:extLst>
-              <a:ext uri="{FF2B5EF4-FFF2-40B4-BE49-F238E27FC236}">
-                <a16:creationId xmlns:a16="http://schemas.microsoft.com/office/drawing/2014/main" id="{9325F958-8528-413A-839A-DEAB16A1AAB1}"/>
-              </a:ext>
-            </a:extLst>
-          </p:cNvPr>
-          <p:cNvCxnSpPr>
-            <a:cxnSpLocks/>
-          </p:cNvCxnSpPr>
-          <p:nvPr/>
-        </p:nvCxnSpPr>
-        <p:spPr>
-          <a:xfrm flipV="1">
-            <a:off x="7599851" y="4454634"/>
-            <a:ext cx="1057666" cy="11661"/>
-          </a:xfrm>
-          <a:prstGeom prst="straightConnector1">
-            <a:avLst/>
-          </a:prstGeom>
-          <a:ln w="12700">
-            <a:solidFill>
-              <a:schemeClr val="tx1"/>
-            </a:solidFill>
-            <a:tailEnd type="triangle"/>
-          </a:ln>
-        </p:spPr>
-        <p:style>
-          <a:lnRef idx="1">
-            <a:schemeClr val="accent1"/>
-          </a:lnRef>
-          <a:fillRef idx="0">
-            <a:schemeClr val="accent1"/>
-          </a:fillRef>
-          <a:effectRef idx="0">
-            <a:schemeClr val="accent1"/>
-          </a:effectRef>
-          <a:fontRef idx="minor">
-            <a:schemeClr val="tx1"/>
-          </a:fontRef>
-        </p:style>
-      </p:cxnSp>
-      <p:sp>
-        <p:nvSpPr>
-          <p:cNvPr id="46" name="Arc 45">
-            <a:extLst>
-              <a:ext uri="{FF2B5EF4-FFF2-40B4-BE49-F238E27FC236}">
-                <a16:creationId xmlns:a16="http://schemas.microsoft.com/office/drawing/2014/main" id="{C61D3993-8E5A-49D2-84F5-901C40777D9F}"/>
-              </a:ext>
-            </a:extLst>
-          </p:cNvPr>
-          <p:cNvSpPr/>
-          <p:nvPr/>
-        </p:nvSpPr>
-        <p:spPr>
-          <a:xfrm rot="5923218">
-            <a:off x="9139953" y="2528162"/>
-            <a:ext cx="451253" cy="434736"/>
-          </a:xfrm>
-          <a:prstGeom prst="arc">
-            <a:avLst>
-              <a:gd name="adj1" fmla="val 17479207"/>
-              <a:gd name="adj2" fmla="val 14120949"/>
-            </a:avLst>
-          </a:prstGeom>
-          <a:ln>
-            <a:solidFill>
-              <a:schemeClr val="tx1"/>
-            </a:solidFill>
-            <a:headEnd type="triangle"/>
-            <a:tailEnd type="none"/>
-          </a:ln>
-        </p:spPr>
-        <p:style>
-          <a:lnRef idx="1">
-            <a:schemeClr val="accent1"/>
-          </a:lnRef>
-          <a:fillRef idx="0">
-            <a:schemeClr val="accent1"/>
-          </a:fillRef>
-          <a:effectRef idx="0">
-            <a:schemeClr val="accent1"/>
-          </a:effectRef>
-          <a:fontRef idx="minor">
-            <a:schemeClr val="tx1"/>
-          </a:fontRef>
-        </p:style>
-        <p:txBody>
-          <a:bodyPr rtlCol="0" anchor="ctr"/>
-          <a:lstStyle/>
-          <a:p>
-            <a:pPr algn="ctr"/>
-            <a:endParaRPr lang="en-GB" dirty="0"/>
-          </a:p>
-        </p:txBody>
-      </p:sp>
-      <p:sp>
-        <p:nvSpPr>
-          <p:cNvPr id="57" name="Textfeld 64">
-            <a:extLst>
-              <a:ext uri="{FF2B5EF4-FFF2-40B4-BE49-F238E27FC236}">
-                <a16:creationId xmlns:a16="http://schemas.microsoft.com/office/drawing/2014/main" id="{9ACE706D-9352-4E0B-9AFE-759057AF1533}"/>
-              </a:ext>
-            </a:extLst>
-          </p:cNvPr>
-          <p:cNvSpPr txBox="1"/>
-          <p:nvPr/>
-        </p:nvSpPr>
-        <p:spPr>
-          <a:xfrm>
-            <a:off x="9230792" y="2613625"/>
-            <a:ext cx="702572" cy="261610"/>
-          </a:xfrm>
-          <a:prstGeom prst="rect">
-            <a:avLst/>
-          </a:prstGeom>
-          <a:noFill/>
-        </p:spPr>
-        <p:txBody>
-          <a:bodyPr wrap="square" rtlCol="0">
-            <a:spAutoFit/>
-          </a:bodyPr>
-          <a:lstStyle/>
-          <a:p>
-            <a:r>
-              <a:rPr lang="en-US" sz="1100" dirty="0">
-                <a:solidFill>
-                  <a:schemeClr val="tx1">
-                    <a:lumMod val="75000"/>
-                    <a:lumOff val="25000"/>
-                  </a:schemeClr>
-                </a:solidFill>
-                <a:latin typeface="Futura"/>
-                <a:cs typeface="Times New Roman" panose="02020603050405020304" pitchFamily="18" charset="0"/>
-              </a:rPr>
-              <a:t>iterate</a:t>
-            </a:r>
-          </a:p>
-        </p:txBody>
-      </p:sp>
-      <p:sp>
-        <p:nvSpPr>
-          <p:cNvPr id="60" name="Rectangle: Rounded Corners 59">
-            <a:extLst>
-              <a:ext uri="{FF2B5EF4-FFF2-40B4-BE49-F238E27FC236}">
-                <a16:creationId xmlns:a16="http://schemas.microsoft.com/office/drawing/2014/main" id="{B8E6F992-3A89-4772-B622-529C7EAC4F94}"/>
-              </a:ext>
-            </a:extLst>
-          </p:cNvPr>
-          <p:cNvSpPr/>
-          <p:nvPr/>
-        </p:nvSpPr>
-        <p:spPr>
-          <a:xfrm>
-            <a:off x="2897788" y="3249559"/>
-            <a:ext cx="918000" cy="648398"/>
-          </a:xfrm>
-          <a:prstGeom prst="roundRect">
-            <a:avLst>
-              <a:gd name="adj" fmla="val 10145"/>
-            </a:avLst>
-          </a:prstGeom>
-          <a:solidFill>
-            <a:schemeClr val="bg1"/>
-          </a:solidFill>
-          <a:ln w="12700">
-            <a:solidFill>
-              <a:schemeClr val="tx1"/>
-            </a:solidFill>
-          </a:ln>
-        </p:spPr>
-        <p:style>
-          <a:lnRef idx="2">
-            <a:schemeClr val="accent1">
-              <a:shade val="50000"/>
-            </a:schemeClr>
-          </a:lnRef>
-          <a:fillRef idx="1">
-            <a:schemeClr val="accent1"/>
-          </a:fillRef>
-          <a:effectRef idx="0">
-            <a:schemeClr val="accent1"/>
-          </a:effectRef>
-          <a:fontRef idx="minor">
-            <a:schemeClr val="lt1"/>
-          </a:fontRef>
-        </p:style>
-        <p:txBody>
-          <a:bodyPr rtlCol="0" anchor="ctr"/>
-          <a:lstStyle/>
-          <a:p>
-            <a:pPr algn="ctr"/>
-            <a:r>
-              <a:rPr lang="en-US" sz="1050" dirty="0">
-                <a:solidFill>
-                  <a:schemeClr val="tx1"/>
-                </a:solidFill>
-                <a:latin typeface="Futura"/>
-                <a:cs typeface="Times New Roman" panose="02020603050405020304" pitchFamily="18" charset="0"/>
-              </a:rPr>
-              <a:t>extract</a:t>
-            </a:r>
-          </a:p>
-          <a:p>
-            <a:pPr algn="ctr"/>
-            <a:r>
-              <a:rPr lang="en-US" sz="1050" dirty="0">
-                <a:solidFill>
-                  <a:schemeClr val="tx1"/>
-                </a:solidFill>
-                <a:latin typeface="Futura"/>
-                <a:cs typeface="Times New Roman" panose="02020603050405020304" pitchFamily="18" charset="0"/>
-              </a:rPr>
-              <a:t>SVs</a:t>
-            </a:r>
-          </a:p>
-        </p:txBody>
-      </p:sp>
-      <p:sp>
-        <p:nvSpPr>
-          <p:cNvPr id="76" name="Rectangle: Rounded Corners 75">
-            <a:extLst>
-              <a:ext uri="{FF2B5EF4-FFF2-40B4-BE49-F238E27FC236}">
-                <a16:creationId xmlns:a16="http://schemas.microsoft.com/office/drawing/2014/main" id="{0E31BFAC-1EB7-48BE-9FC9-BE5FABF90D86}"/>
-              </a:ext>
-            </a:extLst>
-          </p:cNvPr>
-          <p:cNvSpPr/>
-          <p:nvPr/>
-        </p:nvSpPr>
-        <p:spPr>
-          <a:xfrm>
-            <a:off x="271081" y="2203201"/>
-            <a:ext cx="1338051" cy="648398"/>
-          </a:xfrm>
-          <a:prstGeom prst="roundRect">
-            <a:avLst>
-              <a:gd name="adj" fmla="val 10145"/>
-            </a:avLst>
-          </a:prstGeom>
-          <a:solidFill>
-            <a:schemeClr val="bg1"/>
-          </a:solidFill>
-          <a:ln w="12700">
-            <a:solidFill>
-              <a:schemeClr val="tx1"/>
-            </a:solidFill>
-          </a:ln>
-        </p:spPr>
-        <p:style>
-          <a:lnRef idx="2">
-            <a:schemeClr val="accent1">
-              <a:shade val="50000"/>
-            </a:schemeClr>
-          </a:lnRef>
-          <a:fillRef idx="1">
-            <a:schemeClr val="accent1"/>
-          </a:fillRef>
-          <a:effectRef idx="0">
-            <a:schemeClr val="accent1"/>
-          </a:effectRef>
-          <a:fontRef idx="minor">
-            <a:schemeClr val="lt1"/>
-          </a:fontRef>
-        </p:style>
-        <p:txBody>
-          <a:bodyPr rtlCol="0" anchor="ctr"/>
-          <a:lstStyle/>
-          <a:p>
-            <a:pPr lvl="0" algn="ctr"/>
-            <a:r>
-              <a:rPr lang="en-US" sz="1050" dirty="0">
-                <a:solidFill>
-                  <a:prstClr val="black"/>
-                </a:solidFill>
-                <a:latin typeface="Futura"/>
-                <a:cs typeface="Times New Roman" panose="02020603050405020304" pitchFamily="18" charset="0"/>
-              </a:rPr>
-              <a:t>segmentation with initial parameterization</a:t>
-            </a:r>
-          </a:p>
-        </p:txBody>
-      </p:sp>
-      <p:sp>
-        <p:nvSpPr>
-          <p:cNvPr id="77" name="Rectangle: Rounded Corners 76">
-            <a:extLst>
-              <a:ext uri="{FF2B5EF4-FFF2-40B4-BE49-F238E27FC236}">
-                <a16:creationId xmlns:a16="http://schemas.microsoft.com/office/drawing/2014/main" id="{5B27D1EB-F03A-4359-A1A9-CCE5A0A5DF48}"/>
-              </a:ext>
-            </a:extLst>
-          </p:cNvPr>
-          <p:cNvSpPr/>
-          <p:nvPr/>
-        </p:nvSpPr>
-        <p:spPr>
-          <a:xfrm>
-            <a:off x="1797790" y="2203201"/>
-            <a:ext cx="918102" cy="648398"/>
-          </a:xfrm>
-          <a:prstGeom prst="roundRect">
-            <a:avLst>
-              <a:gd name="adj" fmla="val 10145"/>
-            </a:avLst>
-          </a:prstGeom>
-          <a:solidFill>
-            <a:schemeClr val="bg1"/>
-          </a:solidFill>
-          <a:ln w="12700">
-            <a:solidFill>
-              <a:schemeClr val="tx1"/>
-            </a:solidFill>
-          </a:ln>
-        </p:spPr>
-        <p:style>
-          <a:lnRef idx="2">
-            <a:schemeClr val="accent1">
-              <a:shade val="50000"/>
-            </a:schemeClr>
-          </a:lnRef>
-          <a:fillRef idx="1">
-            <a:schemeClr val="accent1"/>
-          </a:fillRef>
-          <a:effectRef idx="0">
-            <a:schemeClr val="accent1"/>
-          </a:effectRef>
-          <a:fontRef idx="minor">
-            <a:schemeClr val="lt1"/>
-          </a:fontRef>
-        </p:style>
-        <p:txBody>
-          <a:bodyPr rtlCol="0" anchor="ctr"/>
-          <a:lstStyle/>
-          <a:p>
-            <a:pPr algn="ctr"/>
-            <a:r>
-              <a:rPr lang="en-US" sz="1050" dirty="0">
-                <a:solidFill>
-                  <a:schemeClr val="tx1"/>
-                </a:solidFill>
-                <a:latin typeface="Futura"/>
-                <a:cs typeface="Times New Roman" panose="02020603050405020304" pitchFamily="18" charset="0"/>
-              </a:rPr>
-              <a:t>compute</a:t>
-            </a:r>
-          </a:p>
-          <a:p>
-            <a:pPr algn="ctr"/>
-            <a:r>
-              <a:rPr lang="en-US" sz="1050" dirty="0">
-                <a:solidFill>
-                  <a:schemeClr val="tx1"/>
-                </a:solidFill>
-                <a:latin typeface="Futura"/>
-                <a:cs typeface="Times New Roman" panose="02020603050405020304" pitchFamily="18" charset="0"/>
-              </a:rPr>
-              <a:t>object </a:t>
-            </a:r>
-          </a:p>
-          <a:p>
-            <a:pPr algn="ctr"/>
-            <a:r>
-              <a:rPr lang="en-US" sz="1050" dirty="0">
-                <a:solidFill>
-                  <a:schemeClr val="tx1"/>
-                </a:solidFill>
-                <a:latin typeface="Futura"/>
-                <a:cs typeface="Times New Roman" panose="02020603050405020304" pitchFamily="18" charset="0"/>
-              </a:rPr>
-              <a:t>features</a:t>
-            </a:r>
-          </a:p>
-        </p:txBody>
-      </p:sp>
-      <p:sp>
-        <p:nvSpPr>
-          <p:cNvPr id="79" name="Rectangle: Rounded Corners 78">
-            <a:extLst>
-              <a:ext uri="{FF2B5EF4-FFF2-40B4-BE49-F238E27FC236}">
-                <a16:creationId xmlns:a16="http://schemas.microsoft.com/office/drawing/2014/main" id="{4EC7B095-A5D7-4114-B67B-5CF8AA896EC9}"/>
-              </a:ext>
-            </a:extLst>
-          </p:cNvPr>
-          <p:cNvSpPr/>
-          <p:nvPr/>
-        </p:nvSpPr>
-        <p:spPr>
-          <a:xfrm>
-            <a:off x="2897788" y="2203201"/>
-            <a:ext cx="918000" cy="648398"/>
-          </a:xfrm>
-          <a:prstGeom prst="roundRect">
-            <a:avLst>
-              <a:gd name="adj" fmla="val 10145"/>
-            </a:avLst>
-          </a:prstGeom>
-          <a:solidFill>
-            <a:schemeClr val="bg1"/>
-          </a:solidFill>
-          <a:ln w="12700">
-            <a:solidFill>
-              <a:schemeClr val="tx1"/>
-            </a:solidFill>
-          </a:ln>
-        </p:spPr>
-        <p:style>
-          <a:lnRef idx="2">
-            <a:schemeClr val="accent1">
-              <a:shade val="50000"/>
-            </a:schemeClr>
-          </a:lnRef>
-          <a:fillRef idx="1">
-            <a:schemeClr val="accent1"/>
-          </a:fillRef>
-          <a:effectRef idx="0">
-            <a:schemeClr val="accent1"/>
-          </a:effectRef>
-          <a:fontRef idx="minor">
-            <a:schemeClr val="lt1"/>
-          </a:fontRef>
-        </p:style>
-        <p:txBody>
-          <a:bodyPr rtlCol="0" anchor="ctr"/>
-          <a:lstStyle/>
-          <a:p>
-            <a:pPr algn="ctr"/>
-            <a:r>
-              <a:rPr lang="en-US" sz="1050" dirty="0">
-                <a:solidFill>
-                  <a:schemeClr val="tx1"/>
-                </a:solidFill>
-                <a:latin typeface="Futura"/>
-                <a:cs typeface="Times New Roman" panose="02020603050405020304" pitchFamily="18" charset="0"/>
-              </a:rPr>
-              <a:t>learn SVM model</a:t>
-            </a:r>
-          </a:p>
-        </p:txBody>
-      </p:sp>
-      <p:sp>
-        <p:nvSpPr>
-          <p:cNvPr id="80" name="Rectangle: Rounded Corners 79">
-            <a:extLst>
-              <a:ext uri="{FF2B5EF4-FFF2-40B4-BE49-F238E27FC236}">
-                <a16:creationId xmlns:a16="http://schemas.microsoft.com/office/drawing/2014/main" id="{9CAC7904-D838-4A96-AA28-10F624B9D83D}"/>
-              </a:ext>
-            </a:extLst>
-          </p:cNvPr>
-          <p:cNvSpPr/>
-          <p:nvPr/>
-        </p:nvSpPr>
-        <p:spPr>
-          <a:xfrm>
-            <a:off x="5440009" y="2208269"/>
-            <a:ext cx="998814" cy="648398"/>
-          </a:xfrm>
-          <a:prstGeom prst="roundRect">
-            <a:avLst>
-              <a:gd name="adj" fmla="val 10145"/>
-            </a:avLst>
-          </a:prstGeom>
-          <a:solidFill>
-            <a:schemeClr val="bg1"/>
-          </a:solidFill>
-          <a:ln w="12700">
-            <a:solidFill>
-              <a:schemeClr val="tx1"/>
-            </a:solidFill>
-          </a:ln>
-        </p:spPr>
-        <p:style>
-          <a:lnRef idx="2">
-            <a:schemeClr val="accent1">
-              <a:shade val="50000"/>
-            </a:schemeClr>
-          </a:lnRef>
-          <a:fillRef idx="1">
-            <a:schemeClr val="accent1"/>
-          </a:fillRef>
-          <a:effectRef idx="0">
-            <a:schemeClr val="accent1"/>
-          </a:effectRef>
-          <a:fontRef idx="minor">
-            <a:schemeClr val="lt1"/>
-          </a:fontRef>
-        </p:style>
-        <p:txBody>
-          <a:bodyPr rtlCol="0" anchor="ctr"/>
-          <a:lstStyle/>
-          <a:p>
-            <a:pPr algn="ctr"/>
-            <a:r>
-              <a:rPr lang="en-US" sz="1050" dirty="0">
-                <a:solidFill>
-                  <a:schemeClr val="tx1"/>
-                </a:solidFill>
-                <a:latin typeface="Futura"/>
-                <a:cs typeface="Times New Roman" panose="02020603050405020304" pitchFamily="18" charset="0"/>
-              </a:rPr>
-              <a:t>labeling</a:t>
-            </a:r>
-          </a:p>
-          <a:p>
-            <a:pPr algn="ctr"/>
-            <a:r>
-              <a:rPr lang="en-US" sz="1050" dirty="0">
-                <a:solidFill>
-                  <a:schemeClr val="tx1"/>
-                </a:solidFill>
-                <a:latin typeface="Futura"/>
-                <a:cs typeface="Times New Roman" panose="02020603050405020304" pitchFamily="18" charset="0"/>
-              </a:rPr>
-              <a:t>candidates</a:t>
-            </a:r>
-          </a:p>
-        </p:txBody>
-      </p:sp>
-      <p:sp>
-        <p:nvSpPr>
-          <p:cNvPr id="81" name="Rectangle: Rounded Corners 80">
-            <a:extLst>
-              <a:ext uri="{FF2B5EF4-FFF2-40B4-BE49-F238E27FC236}">
-                <a16:creationId xmlns:a16="http://schemas.microsoft.com/office/drawing/2014/main" id="{B517FE34-3B32-4303-B7D8-190BE8598D89}"/>
-              </a:ext>
-            </a:extLst>
-          </p:cNvPr>
-          <p:cNvSpPr/>
-          <p:nvPr/>
-        </p:nvSpPr>
-        <p:spPr>
-          <a:xfrm>
-            <a:off x="6685613" y="4275573"/>
-            <a:ext cx="918000" cy="648398"/>
-          </a:xfrm>
-          <a:prstGeom prst="roundRect">
-            <a:avLst>
-              <a:gd name="adj" fmla="val 10145"/>
-            </a:avLst>
-          </a:prstGeom>
-          <a:solidFill>
-            <a:schemeClr val="bg1"/>
-          </a:solidFill>
-          <a:ln w="12700">
-            <a:solidFill>
-              <a:schemeClr val="tx1"/>
-            </a:solidFill>
-          </a:ln>
-        </p:spPr>
-        <p:style>
-          <a:lnRef idx="2">
-            <a:schemeClr val="accent1">
-              <a:shade val="50000"/>
-            </a:schemeClr>
-          </a:lnRef>
-          <a:fillRef idx="1">
-            <a:schemeClr val="accent1"/>
-          </a:fillRef>
-          <a:effectRef idx="0">
-            <a:schemeClr val="accent1"/>
-          </a:effectRef>
-          <a:fontRef idx="minor">
-            <a:schemeClr val="lt1"/>
-          </a:fontRef>
-        </p:style>
-        <p:txBody>
-          <a:bodyPr rtlCol="0" anchor="ctr"/>
-          <a:lstStyle/>
-          <a:p>
-            <a:pPr algn="ctr"/>
-            <a:r>
-              <a:rPr lang="en-US" sz="1050" dirty="0">
-                <a:solidFill>
-                  <a:schemeClr val="tx1"/>
-                </a:solidFill>
-                <a:latin typeface="Futura"/>
-                <a:cs typeface="Times New Roman" panose="02020603050405020304" pitchFamily="18" charset="0"/>
-              </a:rPr>
-              <a:t>margin sampling constraint</a:t>
-            </a:r>
-          </a:p>
-        </p:txBody>
-      </p:sp>
-      <p:sp>
-        <p:nvSpPr>
-          <p:cNvPr id="82" name="Rectangle: Rounded Corners 81">
-            <a:extLst>
-              <a:ext uri="{FF2B5EF4-FFF2-40B4-BE49-F238E27FC236}">
-                <a16:creationId xmlns:a16="http://schemas.microsoft.com/office/drawing/2014/main" id="{BDC66D7A-4848-4F88-86AF-D3BB749F6643}"/>
-              </a:ext>
-            </a:extLst>
-          </p:cNvPr>
-          <p:cNvSpPr/>
-          <p:nvPr/>
-        </p:nvSpPr>
-        <p:spPr>
-          <a:xfrm>
-            <a:off x="5468689" y="4278375"/>
-            <a:ext cx="970134" cy="648398"/>
-          </a:xfrm>
-          <a:prstGeom prst="roundRect">
-            <a:avLst>
-              <a:gd name="adj" fmla="val 10145"/>
-            </a:avLst>
-          </a:prstGeom>
-          <a:solidFill>
-            <a:schemeClr val="bg1"/>
-          </a:solidFill>
-          <a:ln w="12700">
-            <a:solidFill>
-              <a:schemeClr val="tx1"/>
-            </a:solidFill>
-          </a:ln>
-        </p:spPr>
-        <p:style>
-          <a:lnRef idx="2">
-            <a:schemeClr val="accent1">
-              <a:shade val="50000"/>
-            </a:schemeClr>
-          </a:lnRef>
-          <a:fillRef idx="1">
-            <a:schemeClr val="accent1"/>
-          </a:fillRef>
-          <a:effectRef idx="0">
-            <a:schemeClr val="accent1"/>
-          </a:effectRef>
-          <a:fontRef idx="minor">
-            <a:schemeClr val="lt1"/>
-          </a:fontRef>
-        </p:style>
-        <p:txBody>
-          <a:bodyPr rtlCol="0" anchor="ctr"/>
-          <a:lstStyle/>
-          <a:p>
-            <a:pPr algn="ctr"/>
-            <a:r>
-              <a:rPr lang="en-US" sz="1050" dirty="0">
-                <a:solidFill>
-                  <a:schemeClr val="tx1"/>
-                </a:solidFill>
-                <a:latin typeface="Futura"/>
-                <a:cs typeface="Times New Roman" panose="02020603050405020304" pitchFamily="18" charset="0"/>
-              </a:rPr>
-              <a:t>similarity constraint</a:t>
-            </a:r>
-          </a:p>
-        </p:txBody>
-      </p:sp>
-      <p:sp>
-        <p:nvSpPr>
-          <p:cNvPr id="83" name="Rectangle: Rounded Corners 82">
-            <a:extLst>
-              <a:ext uri="{FF2B5EF4-FFF2-40B4-BE49-F238E27FC236}">
-                <a16:creationId xmlns:a16="http://schemas.microsoft.com/office/drawing/2014/main" id="{C9DE8912-A3A9-401B-BEF7-86203DBB672F}"/>
-              </a:ext>
-            </a:extLst>
-          </p:cNvPr>
-          <p:cNvSpPr/>
-          <p:nvPr/>
-        </p:nvSpPr>
-        <p:spPr>
-          <a:xfrm>
-            <a:off x="4029829" y="4280206"/>
-            <a:ext cx="918102" cy="648398"/>
-          </a:xfrm>
-          <a:prstGeom prst="roundRect">
-            <a:avLst>
-              <a:gd name="adj" fmla="val 10145"/>
-            </a:avLst>
-          </a:prstGeom>
-          <a:solidFill>
-            <a:schemeClr val="bg1"/>
-          </a:solidFill>
-          <a:ln w="12700">
-            <a:solidFill>
-              <a:schemeClr val="tx1"/>
-            </a:solidFill>
-          </a:ln>
-        </p:spPr>
-        <p:style>
-          <a:lnRef idx="2">
-            <a:schemeClr val="accent1">
-              <a:shade val="50000"/>
-            </a:schemeClr>
-          </a:lnRef>
-          <a:fillRef idx="1">
-            <a:schemeClr val="accent1"/>
-          </a:fillRef>
-          <a:effectRef idx="0">
-            <a:schemeClr val="accent1"/>
-          </a:effectRef>
-          <a:fontRef idx="minor">
-            <a:schemeClr val="lt1"/>
-          </a:fontRef>
-        </p:style>
-        <p:txBody>
-          <a:bodyPr rtlCol="0" anchor="ctr"/>
-          <a:lstStyle/>
-          <a:p>
-            <a:pPr algn="ctr"/>
-            <a:r>
-              <a:rPr lang="en-US" sz="1050" dirty="0">
-                <a:solidFill>
-                  <a:schemeClr val="tx1"/>
-                </a:solidFill>
-                <a:latin typeface="Futura"/>
-                <a:cs typeface="Times New Roman" panose="02020603050405020304" pitchFamily="18" charset="0"/>
-              </a:rPr>
-              <a:t>compute</a:t>
-            </a:r>
-          </a:p>
-          <a:p>
-            <a:pPr algn="ctr"/>
-            <a:r>
-              <a:rPr lang="en-US" sz="1050" dirty="0">
-                <a:solidFill>
-                  <a:schemeClr val="tx1"/>
-                </a:solidFill>
-                <a:latin typeface="Futura"/>
-                <a:cs typeface="Times New Roman" panose="02020603050405020304" pitchFamily="18" charset="0"/>
-              </a:rPr>
-              <a:t>object</a:t>
-            </a:r>
-          </a:p>
-          <a:p>
-            <a:pPr algn="ctr"/>
-            <a:r>
-              <a:rPr lang="en-US" sz="1050" dirty="0">
-                <a:solidFill>
-                  <a:schemeClr val="tx1"/>
-                </a:solidFill>
-                <a:latin typeface="Futura"/>
-                <a:cs typeface="Times New Roman" panose="02020603050405020304" pitchFamily="18" charset="0"/>
-              </a:rPr>
-              <a:t>features</a:t>
-            </a:r>
-            <a:endParaRPr lang="en-US" sz="1050" dirty="0">
-              <a:solidFill>
-                <a:prstClr val="black"/>
-              </a:solidFill>
-              <a:latin typeface="Futura"/>
-              <a:cs typeface="Times New Roman" panose="02020603050405020304" pitchFamily="18" charset="0"/>
-            </a:endParaRPr>
-          </a:p>
-        </p:txBody>
-      </p:sp>
-      <p:sp>
-        <p:nvSpPr>
-          <p:cNvPr id="84" name="Rectangle: Rounded Corners 83">
-            <a:extLst>
-              <a:ext uri="{FF2B5EF4-FFF2-40B4-BE49-F238E27FC236}">
-                <a16:creationId xmlns:a16="http://schemas.microsoft.com/office/drawing/2014/main" id="{CD4AFA70-7C34-466E-A6B6-FE37BD14106C}"/>
-              </a:ext>
-            </a:extLst>
-          </p:cNvPr>
-          <p:cNvSpPr/>
-          <p:nvPr/>
-        </p:nvSpPr>
-        <p:spPr>
-          <a:xfrm>
-            <a:off x="2897788" y="4279225"/>
-            <a:ext cx="918000" cy="648398"/>
-          </a:xfrm>
-          <a:prstGeom prst="roundRect">
-            <a:avLst>
-              <a:gd name="adj" fmla="val 10145"/>
-            </a:avLst>
-          </a:prstGeom>
-          <a:solidFill>
-            <a:schemeClr val="bg1"/>
-          </a:solidFill>
-          <a:ln w="12700">
-            <a:solidFill>
-              <a:schemeClr val="tx1"/>
-            </a:solidFill>
-          </a:ln>
-        </p:spPr>
-        <p:style>
-          <a:lnRef idx="2">
-            <a:schemeClr val="accent1">
-              <a:shade val="50000"/>
-            </a:schemeClr>
-          </a:lnRef>
-          <a:fillRef idx="1">
-            <a:schemeClr val="accent1"/>
-          </a:fillRef>
-          <a:effectRef idx="0">
-            <a:schemeClr val="accent1"/>
-          </a:effectRef>
-          <a:fontRef idx="minor">
-            <a:schemeClr val="lt1"/>
-          </a:fontRef>
-        </p:style>
-        <p:txBody>
-          <a:bodyPr rtlCol="0" anchor="ctr"/>
-          <a:lstStyle/>
-          <a:p>
-            <a:pPr algn="ctr"/>
-            <a:r>
-              <a:rPr lang="en-US" sz="1050" dirty="0">
-                <a:solidFill>
-                  <a:schemeClr val="tx1"/>
-                </a:solidFill>
-                <a:latin typeface="Futura"/>
-                <a:cs typeface="Times New Roman" panose="02020603050405020304" pitchFamily="18" charset="0"/>
-              </a:rPr>
-              <a:t>identify virtual samples</a:t>
-            </a:r>
-          </a:p>
-        </p:txBody>
-      </p:sp>
-      <p:sp>
-        <p:nvSpPr>
-          <p:cNvPr id="85" name="Rectangle: Rounded Corners 84">
-            <a:extLst>
-              <a:ext uri="{FF2B5EF4-FFF2-40B4-BE49-F238E27FC236}">
-                <a16:creationId xmlns:a16="http://schemas.microsoft.com/office/drawing/2014/main" id="{6BACD199-755C-4E22-BA48-BA95491363B8}"/>
-              </a:ext>
-            </a:extLst>
-          </p:cNvPr>
-          <p:cNvSpPr/>
-          <p:nvPr/>
-        </p:nvSpPr>
-        <p:spPr>
-          <a:xfrm>
-            <a:off x="8657517" y="4280261"/>
-            <a:ext cx="918000" cy="648398"/>
-          </a:xfrm>
-          <a:prstGeom prst="roundRect">
-            <a:avLst>
-              <a:gd name="adj" fmla="val 10145"/>
-            </a:avLst>
-          </a:prstGeom>
-          <a:solidFill>
-            <a:schemeClr val="bg1"/>
-          </a:solidFill>
-          <a:ln w="12700">
-            <a:solidFill>
-              <a:schemeClr val="tx1"/>
-            </a:solidFill>
-          </a:ln>
-        </p:spPr>
-        <p:style>
-          <a:lnRef idx="2">
-            <a:schemeClr val="accent1">
-              <a:shade val="50000"/>
-            </a:schemeClr>
-          </a:lnRef>
-          <a:fillRef idx="1">
-            <a:schemeClr val="accent1"/>
-          </a:fillRef>
-          <a:effectRef idx="0">
-            <a:schemeClr val="accent1"/>
-          </a:effectRef>
-          <a:fontRef idx="minor">
-            <a:schemeClr val="lt1"/>
-          </a:fontRef>
-        </p:style>
-        <p:txBody>
-          <a:bodyPr rtlCol="0" anchor="ctr"/>
-          <a:lstStyle/>
-          <a:p>
-            <a:pPr algn="ctr"/>
-            <a:r>
-              <a:rPr lang="en-US" sz="1050" dirty="0">
-                <a:solidFill>
-                  <a:schemeClr val="tx1"/>
-                </a:solidFill>
-                <a:latin typeface="Futura"/>
-                <a:cs typeface="Times New Roman" panose="02020603050405020304" pitchFamily="18" charset="0"/>
-              </a:rPr>
-              <a:t>relearn model</a:t>
-            </a:r>
-          </a:p>
-        </p:txBody>
-      </p:sp>
-      <p:sp>
-        <p:nvSpPr>
-          <p:cNvPr id="88" name="Rectangle: Rounded Corners 87">
-            <a:extLst>
-              <a:ext uri="{FF2B5EF4-FFF2-40B4-BE49-F238E27FC236}">
-                <a16:creationId xmlns:a16="http://schemas.microsoft.com/office/drawing/2014/main" id="{2A949BA5-6356-41F5-A5D3-54A1408034EF}"/>
-              </a:ext>
-            </a:extLst>
-          </p:cNvPr>
-          <p:cNvSpPr/>
-          <p:nvPr/>
-        </p:nvSpPr>
-        <p:spPr>
-          <a:xfrm>
-            <a:off x="266156" y="4275572"/>
-            <a:ext cx="1339200" cy="648398"/>
-          </a:xfrm>
-          <a:prstGeom prst="roundRect">
-            <a:avLst>
-              <a:gd name="adj" fmla="val 10145"/>
-            </a:avLst>
-          </a:prstGeom>
-          <a:solidFill>
-            <a:schemeClr val="bg1"/>
-          </a:solidFill>
-          <a:ln w="12700">
-            <a:solidFill>
-              <a:schemeClr val="tx1"/>
-            </a:solidFill>
-          </a:ln>
-        </p:spPr>
-        <p:style>
-          <a:lnRef idx="2">
-            <a:schemeClr val="accent1">
-              <a:shade val="50000"/>
-            </a:schemeClr>
-          </a:lnRef>
-          <a:fillRef idx="1">
-            <a:schemeClr val="accent1"/>
-          </a:fillRef>
-          <a:effectRef idx="0">
-            <a:schemeClr val="accent1"/>
-          </a:effectRef>
-          <a:fontRef idx="minor">
-            <a:schemeClr val="lt1"/>
-          </a:fontRef>
-        </p:style>
-        <p:txBody>
-          <a:bodyPr rtlCol="0" anchor="ctr"/>
-          <a:lstStyle/>
-          <a:p>
-            <a:pPr algn="ctr"/>
-            <a:r>
-              <a:rPr lang="en-US" sz="1050" dirty="0">
-                <a:solidFill>
-                  <a:schemeClr val="tx1"/>
-                </a:solidFill>
-                <a:latin typeface="Futura"/>
-                <a:cs typeface="Times New Roman" panose="02020603050405020304" pitchFamily="18" charset="0"/>
-              </a:rPr>
-              <a:t>segmentation with altered parameterization</a:t>
-            </a:r>
-          </a:p>
-        </p:txBody>
-      </p:sp>
-      <p:sp>
-        <p:nvSpPr>
-          <p:cNvPr id="90" name="Rectangle: Rounded Corners 89">
-            <a:extLst>
-              <a:ext uri="{FF2B5EF4-FFF2-40B4-BE49-F238E27FC236}">
-                <a16:creationId xmlns:a16="http://schemas.microsoft.com/office/drawing/2014/main" id="{697A23BB-C9E4-45D3-BE0B-36072BC33FE7}"/>
-              </a:ext>
-            </a:extLst>
-          </p:cNvPr>
-          <p:cNvSpPr/>
-          <p:nvPr/>
-        </p:nvSpPr>
-        <p:spPr>
-          <a:xfrm>
-            <a:off x="7730190" y="2207202"/>
-            <a:ext cx="914238" cy="648398"/>
-          </a:xfrm>
-          <a:prstGeom prst="roundRect">
-            <a:avLst>
-              <a:gd name="adj" fmla="val 10145"/>
-            </a:avLst>
-          </a:prstGeom>
-          <a:solidFill>
-            <a:schemeClr val="bg1"/>
-          </a:solidFill>
-          <a:ln w="12700">
-            <a:solidFill>
-              <a:schemeClr val="tx1"/>
-            </a:solidFill>
-          </a:ln>
-        </p:spPr>
-        <p:style>
-          <a:lnRef idx="2">
-            <a:schemeClr val="accent1">
-              <a:shade val="50000"/>
-            </a:schemeClr>
-          </a:lnRef>
-          <a:fillRef idx="1">
-            <a:schemeClr val="accent1"/>
-          </a:fillRef>
-          <a:effectRef idx="0">
-            <a:schemeClr val="accent1"/>
-          </a:effectRef>
-          <a:fontRef idx="minor">
-            <a:schemeClr val="lt1"/>
-          </a:fontRef>
-        </p:style>
-        <p:txBody>
-          <a:bodyPr rtlCol="0" anchor="ctr"/>
-          <a:lstStyle/>
-          <a:p>
-            <a:pPr algn="ctr"/>
-            <a:r>
-              <a:rPr lang="en-US" sz="1050" dirty="0">
-                <a:solidFill>
-                  <a:schemeClr val="tx1"/>
-                </a:solidFill>
-                <a:latin typeface="Futura"/>
-                <a:cs typeface="Times New Roman" panose="02020603050405020304" pitchFamily="18" charset="0"/>
-              </a:rPr>
-              <a:t>margin sampling distance</a:t>
-            </a:r>
-          </a:p>
-        </p:txBody>
-      </p:sp>
-      <p:cxnSp>
-        <p:nvCxnSpPr>
-          <p:cNvPr id="150" name="Gerade Verbindung mit Pfeil 52">
-            <a:extLst>
-              <a:ext uri="{FF2B5EF4-FFF2-40B4-BE49-F238E27FC236}">
-                <a16:creationId xmlns:a16="http://schemas.microsoft.com/office/drawing/2014/main" id="{478673B4-905E-4371-AF0F-5EAE1D7FFB44}"/>
-              </a:ext>
-            </a:extLst>
-          </p:cNvPr>
-          <p:cNvCxnSpPr>
-            <a:cxnSpLocks/>
-            <a:stCxn id="76" idx="0"/>
-            <a:endCxn id="2" idx="3"/>
-          </p:cNvCxnSpPr>
-          <p:nvPr/>
-        </p:nvCxnSpPr>
-        <p:spPr>
-          <a:xfrm flipH="1" flipV="1">
-            <a:off x="939329" y="1843044"/>
-            <a:ext cx="778" cy="360157"/>
-          </a:xfrm>
-          <a:prstGeom prst="straightConnector1">
-            <a:avLst/>
-          </a:prstGeom>
-          <a:ln w="12700">
-            <a:solidFill>
-              <a:schemeClr val="tx1"/>
-            </a:solidFill>
-            <a:headEnd type="triangle"/>
-            <a:tailEnd type="none"/>
-          </a:ln>
-        </p:spPr>
-        <p:style>
-          <a:lnRef idx="1">
-            <a:schemeClr val="accent1"/>
-          </a:lnRef>
-          <a:fillRef idx="0">
-            <a:schemeClr val="accent1"/>
-          </a:fillRef>
-          <a:effectRef idx="0">
-            <a:schemeClr val="accent1"/>
-          </a:effectRef>
-          <a:fontRef idx="minor">
-            <a:schemeClr val="tx1"/>
-          </a:fontRef>
-        </p:style>
-      </p:cxnSp>
-      <p:sp>
-        <p:nvSpPr>
-          <p:cNvPr id="217" name="Rectangle 216">
-            <a:extLst>
-              <a:ext uri="{FF2B5EF4-FFF2-40B4-BE49-F238E27FC236}">
-                <a16:creationId xmlns:a16="http://schemas.microsoft.com/office/drawing/2014/main" id="{CE280420-228F-4D4C-80F2-02B33F8F9893}"/>
-              </a:ext>
-            </a:extLst>
-          </p:cNvPr>
-          <p:cNvSpPr/>
-          <p:nvPr/>
-        </p:nvSpPr>
-        <p:spPr>
-          <a:xfrm>
-            <a:off x="-502397" y="2090702"/>
-            <a:ext cx="566181" cy="253916"/>
-          </a:xfrm>
-          <a:prstGeom prst="rect">
-            <a:avLst/>
-          </a:prstGeom>
-        </p:spPr>
-        <p:txBody>
-          <a:bodyPr wrap="none">
-            <a:spAutoFit/>
-          </a:bodyPr>
-          <a:lstStyle/>
-          <a:p>
-            <a:r>
-              <a:rPr lang="en-US" sz="1050" b="1" dirty="0">
-                <a:solidFill>
-                  <a:schemeClr val="tx1">
-                    <a:lumMod val="75000"/>
-                    <a:lumOff val="25000"/>
-                  </a:schemeClr>
-                </a:solidFill>
-                <a:latin typeface="Futura"/>
-                <a:cs typeface="Times New Roman" panose="02020603050405020304" pitchFamily="18" charset="0"/>
-              </a:rPr>
-              <a:t>VSVM</a:t>
-            </a:r>
-          </a:p>
-        </p:txBody>
-      </p:sp>
-      <p:sp>
-        <p:nvSpPr>
-          <p:cNvPr id="218" name="Rectangle 217">
-            <a:extLst>
-              <a:ext uri="{FF2B5EF4-FFF2-40B4-BE49-F238E27FC236}">
-                <a16:creationId xmlns:a16="http://schemas.microsoft.com/office/drawing/2014/main" id="{C8EE7157-E021-42D2-849E-F484F2B10A54}"/>
-              </a:ext>
-            </a:extLst>
-          </p:cNvPr>
-          <p:cNvSpPr/>
-          <p:nvPr/>
-        </p:nvSpPr>
-        <p:spPr>
-          <a:xfrm>
-            <a:off x="-510265" y="4939151"/>
-            <a:ext cx="1766830" cy="253916"/>
-          </a:xfrm>
-          <a:prstGeom prst="rect">
-            <a:avLst/>
-          </a:prstGeom>
-        </p:spPr>
-        <p:txBody>
-          <a:bodyPr wrap="none">
-            <a:spAutoFit/>
-          </a:bodyPr>
-          <a:lstStyle/>
-          <a:p>
-            <a:r>
-              <a:rPr lang="en-US" sz="1050" b="1" dirty="0">
-                <a:solidFill>
-                  <a:schemeClr val="tx1">
-                    <a:lumMod val="75000"/>
-                    <a:lumOff val="25000"/>
-                  </a:schemeClr>
-                </a:solidFill>
-                <a:latin typeface="Futura"/>
-                <a:cs typeface="Times New Roman" panose="02020603050405020304" pitchFamily="18" charset="0"/>
-              </a:rPr>
-              <a:t>encoding of invariances</a:t>
-            </a:r>
-          </a:p>
-        </p:txBody>
-      </p:sp>
-      <p:sp>
-        <p:nvSpPr>
-          <p:cNvPr id="219" name="Rectangle 218">
-            <a:extLst>
-              <a:ext uri="{FF2B5EF4-FFF2-40B4-BE49-F238E27FC236}">
-                <a16:creationId xmlns:a16="http://schemas.microsoft.com/office/drawing/2014/main" id="{FFFD716E-AF68-459F-A640-FB2282076777}"/>
-              </a:ext>
-            </a:extLst>
-          </p:cNvPr>
-          <p:cNvSpPr/>
-          <p:nvPr/>
-        </p:nvSpPr>
-        <p:spPr>
-          <a:xfrm>
-            <a:off x="5376021" y="4948398"/>
-            <a:ext cx="1550424" cy="253916"/>
-          </a:xfrm>
-          <a:prstGeom prst="rect">
-            <a:avLst/>
-          </a:prstGeom>
-        </p:spPr>
-        <p:txBody>
-          <a:bodyPr wrap="none">
-            <a:spAutoFit/>
-          </a:bodyPr>
-          <a:lstStyle/>
-          <a:p>
-            <a:r>
-              <a:rPr lang="en-US" sz="1050" b="1" dirty="0">
-                <a:solidFill>
-                  <a:schemeClr val="tx1">
-                    <a:lumMod val="75000"/>
-                    <a:lumOff val="25000"/>
-                  </a:schemeClr>
-                </a:solidFill>
-                <a:latin typeface="Futura"/>
-                <a:cs typeface="Times New Roman" panose="02020603050405020304" pitchFamily="18" charset="0"/>
-              </a:rPr>
-              <a:t>self-learning strategy</a:t>
-            </a:r>
-          </a:p>
-        </p:txBody>
-      </p:sp>
-      <p:cxnSp>
-        <p:nvCxnSpPr>
-          <p:cNvPr id="89" name="Gerade Verbindung mit Pfeil 69">
-            <a:extLst>
-              <a:ext uri="{FF2B5EF4-FFF2-40B4-BE49-F238E27FC236}">
-                <a16:creationId xmlns:a16="http://schemas.microsoft.com/office/drawing/2014/main" id="{40F74CC9-C294-43A4-A96D-F2F24646AF51}"/>
-              </a:ext>
-            </a:extLst>
-          </p:cNvPr>
-          <p:cNvCxnSpPr>
-            <a:cxnSpLocks/>
-            <a:stCxn id="90" idx="1"/>
-            <a:endCxn id="80" idx="3"/>
-          </p:cNvCxnSpPr>
-          <p:nvPr/>
-        </p:nvCxnSpPr>
-        <p:spPr>
-          <a:xfrm flipH="1">
-            <a:off x="6438823" y="2531401"/>
-            <a:ext cx="1291367" cy="1067"/>
-          </a:xfrm>
-          <a:prstGeom prst="straightConnector1">
-            <a:avLst/>
-          </a:prstGeom>
-          <a:ln w="12700">
-            <a:solidFill>
-              <a:schemeClr val="tx1"/>
-            </a:solidFill>
-            <a:tailEnd type="triangle"/>
-          </a:ln>
-        </p:spPr>
-        <p:style>
-          <a:lnRef idx="1">
-            <a:schemeClr val="accent1"/>
-          </a:lnRef>
-          <a:fillRef idx="0">
-            <a:schemeClr val="accent1"/>
-          </a:fillRef>
-          <a:effectRef idx="0">
-            <a:schemeClr val="accent1"/>
-          </a:effectRef>
-          <a:fontRef idx="minor">
-            <a:schemeClr val="tx1"/>
-          </a:fontRef>
-        </p:style>
-      </p:cxnSp>
-      <p:cxnSp>
-        <p:nvCxnSpPr>
-          <p:cNvPr id="91" name="Gewinkelte Verbindung 40">
-            <a:extLst>
-              <a:ext uri="{FF2B5EF4-FFF2-40B4-BE49-F238E27FC236}">
-                <a16:creationId xmlns:a16="http://schemas.microsoft.com/office/drawing/2014/main" id="{1166C831-0602-4CBD-978F-8EF001FD8682}"/>
-              </a:ext>
-            </a:extLst>
-          </p:cNvPr>
-          <p:cNvCxnSpPr>
-            <a:cxnSpLocks/>
-            <a:stCxn id="80" idx="1"/>
-            <a:endCxn id="101" idx="4"/>
-          </p:cNvCxnSpPr>
-          <p:nvPr/>
-        </p:nvCxnSpPr>
-        <p:spPr>
-          <a:xfrm rot="10800000">
-            <a:off x="3896789" y="1338664"/>
-            <a:ext cx="1543221" cy="1193804"/>
-          </a:xfrm>
-          <a:prstGeom prst="bentConnector3">
-            <a:avLst>
-              <a:gd name="adj1" fmla="val 55428"/>
-            </a:avLst>
-          </a:prstGeom>
-          <a:ln w="12700">
-            <a:solidFill>
-              <a:schemeClr val="tx1"/>
-            </a:solidFill>
-            <a:tailEnd type="triangle"/>
-          </a:ln>
-        </p:spPr>
-        <p:style>
-          <a:lnRef idx="1">
-            <a:schemeClr val="accent1"/>
-          </a:lnRef>
-          <a:fillRef idx="0">
-            <a:schemeClr val="accent1"/>
-          </a:fillRef>
-          <a:effectRef idx="0">
-            <a:schemeClr val="accent1"/>
-          </a:effectRef>
-          <a:fontRef idx="minor">
-            <a:schemeClr val="tx1"/>
-          </a:fontRef>
-        </p:style>
-      </p:cxnSp>
-      <mc:AlternateContent xmlns:mc="http://schemas.openxmlformats.org/markup-compatibility/2006" xmlns:a14="http://schemas.microsoft.com/office/drawing/2010/main">
-        <mc:Choice Requires="a14">
-          <p:sp>
-            <p:nvSpPr>
-              <p:cNvPr id="55" name="Textfeld 60">
-                <a:extLst>
-                  <a:ext uri="{FF2B5EF4-FFF2-40B4-BE49-F238E27FC236}">
-                    <a16:creationId xmlns:a16="http://schemas.microsoft.com/office/drawing/2014/main" id="{40AB6970-4CB9-4A30-BF8B-B8FD9C5D96AA}"/>
-                  </a:ext>
-                </a:extLst>
-              </p:cNvPr>
-              <p:cNvSpPr txBox="1"/>
-              <p:nvPr/>
-            </p:nvSpPr>
-            <p:spPr>
-              <a:xfrm>
-                <a:off x="7085512" y="3719752"/>
-                <a:ext cx="1009444" cy="261610"/>
-              </a:xfrm>
-              <a:prstGeom prst="rect">
-                <a:avLst/>
-              </a:prstGeom>
-              <a:noFill/>
-            </p:spPr>
-            <p:txBody>
-              <a:bodyPr wrap="none" rtlCol="0">
-                <a:spAutoFit/>
-              </a:bodyPr>
-              <a:lstStyle/>
-              <a:p>
-                <a:pPr/>
-                <a14:m>
-                  <m:oMathPara xmlns:m="http://schemas.openxmlformats.org/officeDocument/2006/math">
-                    <m:oMathParaPr>
-                      <m:jc m:val="centerGroup"/>
-                    </m:oMathParaPr>
-                    <m:oMath xmlns:m="http://schemas.openxmlformats.org/officeDocument/2006/math">
-                      <m:sSub>
-                        <m:sSubPr>
-                          <m:ctrlPr>
-                            <a:rPr lang="de-DE" sz="1100" i="1" smtClean="0">
-                              <a:latin typeface="Cambria Math" panose="02040503050406030204" pitchFamily="18" charset="0"/>
-                            </a:rPr>
-                          </m:ctrlPr>
-                        </m:sSubPr>
-                        <m:e>
-                          <m:r>
-                            <a:rPr lang="en-US" sz="1100" i="1">
-                              <a:latin typeface="Cambria Math" panose="02040503050406030204" pitchFamily="18" charset="0"/>
-                            </a:rPr>
-                            <m:t>𝑈</m:t>
-                          </m:r>
-                        </m:e>
-                        <m:sub>
-                          <m:r>
-                            <a:rPr lang="it-IT" sz="1100" b="0" i="1" smtClean="0">
-                              <a:latin typeface="Cambria Math" panose="02040503050406030204" pitchFamily="18" charset="0"/>
-                            </a:rPr>
-                            <m:t>𝑠𝑒𝑚𝑖</m:t>
-                          </m:r>
-                          <m:r>
-                            <a:rPr lang="en-US" sz="1100" i="1">
-                              <a:latin typeface="Cambria Math" panose="02040503050406030204" pitchFamily="18" charset="0"/>
-                            </a:rPr>
-                            <m:t>−</m:t>
-                          </m:r>
-                          <m:r>
-                            <a:rPr lang="en-US" sz="1100" i="1">
-                              <a:latin typeface="Cambria Math" panose="02040503050406030204" pitchFamily="18" charset="0"/>
-                            </a:rPr>
-                            <m:t>𝑙𝑎𝑏𝑒𝑙𝑒𝑑</m:t>
-                          </m:r>
-                        </m:sub>
-                      </m:sSub>
-                    </m:oMath>
-                  </m:oMathPara>
-                </a14:m>
-                <a:endParaRPr lang="de-DE" dirty="0"/>
-              </a:p>
-            </p:txBody>
-          </p:sp>
-        </mc:Choice>
-        <mc:Fallback xmlns="">
-          <p:sp>
-            <p:nvSpPr>
-              <p:cNvPr id="55" name="Textfeld 60">
-                <a:extLst>
-                  <a:ext uri="{FF2B5EF4-FFF2-40B4-BE49-F238E27FC236}">
-                    <a16:creationId xmlns:a16="http://schemas.microsoft.com/office/drawing/2014/main" id="{40AB6970-4CB9-4A30-BF8B-B8FD9C5D96AA}"/>
-                  </a:ext>
-                </a:extLst>
-              </p:cNvPr>
-              <p:cNvSpPr txBox="1">
-                <a:spLocks noRot="1" noChangeAspect="1" noMove="1" noResize="1" noEditPoints="1" noAdjustHandles="1" noChangeArrowheads="1" noChangeShapeType="1" noTextEdit="1"/>
-              </p:cNvSpPr>
-              <p:nvPr/>
-            </p:nvSpPr>
-            <p:spPr>
-              <a:xfrm>
-                <a:off x="7085512" y="3719752"/>
-                <a:ext cx="1009444" cy="261610"/>
               </a:xfrm>
               <a:prstGeom prst="rect">
                 <a:avLst/>
@@ -17888,367 +18420,10 @@
           </p:sp>
         </mc:Fallback>
       </mc:AlternateContent>
-      <p:sp>
-        <p:nvSpPr>
-          <p:cNvPr id="59" name="Rectangle: Rounded Corners 58">
-            <a:extLst>
-              <a:ext uri="{FF2B5EF4-FFF2-40B4-BE49-F238E27FC236}">
-                <a16:creationId xmlns:a16="http://schemas.microsoft.com/office/drawing/2014/main" id="{45F68CCC-BDAB-4892-AC95-39837EBAC307}"/>
-              </a:ext>
-            </a:extLst>
-          </p:cNvPr>
-          <p:cNvSpPr/>
-          <p:nvPr/>
-        </p:nvSpPr>
-        <p:spPr>
-          <a:xfrm>
-            <a:off x="5463346" y="3337664"/>
-            <a:ext cx="972000" cy="648398"/>
-          </a:xfrm>
-          <a:prstGeom prst="roundRect">
-            <a:avLst>
-              <a:gd name="adj" fmla="val 10145"/>
-            </a:avLst>
-          </a:prstGeom>
-          <a:solidFill>
-            <a:schemeClr val="bg1"/>
-          </a:solidFill>
-          <a:ln w="12700">
-            <a:solidFill>
-              <a:schemeClr val="tx1"/>
-            </a:solidFill>
-          </a:ln>
-        </p:spPr>
-        <p:style>
-          <a:lnRef idx="2">
-            <a:schemeClr val="accent1">
-              <a:shade val="50000"/>
-            </a:schemeClr>
-          </a:lnRef>
-          <a:fillRef idx="1">
-            <a:schemeClr val="accent1"/>
-          </a:fillRef>
-          <a:effectRef idx="0">
-            <a:schemeClr val="accent1"/>
-          </a:effectRef>
-          <a:fontRef idx="minor">
-            <a:schemeClr val="lt1"/>
-          </a:fontRef>
-        </p:style>
-        <p:txBody>
-          <a:bodyPr rtlCol="0" anchor="ctr"/>
-          <a:lstStyle/>
-          <a:p>
-            <a:pPr algn="ctr"/>
-            <a:r>
-              <a:rPr lang="en-US" sz="1050" dirty="0">
-                <a:solidFill>
-                  <a:schemeClr val="tx1"/>
-                </a:solidFill>
-                <a:latin typeface="Futura"/>
-                <a:cs typeface="Times New Roman" panose="02020603050405020304" pitchFamily="18" charset="0"/>
-              </a:rPr>
-              <a:t>remaining</a:t>
-            </a:r>
-          </a:p>
-          <a:p>
-            <a:pPr algn="ctr"/>
-            <a:r>
-              <a:rPr lang="en-US" sz="1050" dirty="0">
-                <a:solidFill>
-                  <a:schemeClr val="tx1"/>
-                </a:solidFill>
-                <a:latin typeface="Futura"/>
-                <a:cs typeface="Times New Roman" panose="02020603050405020304" pitchFamily="18" charset="0"/>
-              </a:rPr>
-              <a:t>candidates</a:t>
-            </a:r>
-          </a:p>
-        </p:txBody>
-      </p:sp>
-      <p:cxnSp>
-        <p:nvCxnSpPr>
-          <p:cNvPr id="61" name="Gewinkelte Verbindung 40">
-            <a:extLst>
-              <a:ext uri="{FF2B5EF4-FFF2-40B4-BE49-F238E27FC236}">
-                <a16:creationId xmlns:a16="http://schemas.microsoft.com/office/drawing/2014/main" id="{6DFDF9F2-A28B-493C-A29E-223507BF1A70}"/>
-              </a:ext>
-            </a:extLst>
-          </p:cNvPr>
-          <p:cNvCxnSpPr>
-            <a:cxnSpLocks/>
-            <a:stCxn id="59" idx="3"/>
-            <a:endCxn id="81" idx="0"/>
-          </p:cNvCxnSpPr>
-          <p:nvPr/>
-        </p:nvCxnSpPr>
-        <p:spPr>
-          <a:xfrm>
-            <a:off x="6435346" y="3661863"/>
-            <a:ext cx="709267" cy="613710"/>
-          </a:xfrm>
-          <a:prstGeom prst="bentConnector2">
-            <a:avLst/>
-          </a:prstGeom>
-          <a:ln w="12700">
-            <a:solidFill>
-              <a:schemeClr val="tx1"/>
-            </a:solidFill>
-            <a:prstDash val="sysDash"/>
-            <a:tailEnd type="triangle"/>
-          </a:ln>
-        </p:spPr>
-        <p:style>
-          <a:lnRef idx="1">
-            <a:schemeClr val="accent1"/>
-          </a:lnRef>
-          <a:fillRef idx="0">
-            <a:schemeClr val="accent1"/>
-          </a:fillRef>
-          <a:effectRef idx="0">
-            <a:schemeClr val="accent1"/>
-          </a:effectRef>
-          <a:fontRef idx="minor">
-            <a:schemeClr val="tx1"/>
-          </a:fontRef>
-        </p:style>
-      </p:cxnSp>
-      <p:cxnSp>
-        <p:nvCxnSpPr>
-          <p:cNvPr id="62" name="Gerade Verbindung mit Pfeil 55">
-            <a:extLst>
-              <a:ext uri="{FF2B5EF4-FFF2-40B4-BE49-F238E27FC236}">
-                <a16:creationId xmlns:a16="http://schemas.microsoft.com/office/drawing/2014/main" id="{28D07CE3-C26F-4201-ADBD-084509795874}"/>
-              </a:ext>
-            </a:extLst>
-          </p:cNvPr>
-          <p:cNvCxnSpPr>
-            <a:cxnSpLocks/>
-            <a:endCxn id="59" idx="0"/>
-          </p:cNvCxnSpPr>
-          <p:nvPr/>
-        </p:nvCxnSpPr>
-        <p:spPr>
-          <a:xfrm>
-            <a:off x="5946565" y="2856521"/>
-            <a:ext cx="2781" cy="481143"/>
-          </a:xfrm>
-          <a:prstGeom prst="straightConnector1">
-            <a:avLst/>
-          </a:prstGeom>
-          <a:ln w="12700">
-            <a:solidFill>
-              <a:schemeClr val="tx1"/>
-            </a:solidFill>
-            <a:prstDash val="sysDash"/>
-            <a:tailEnd type="triangle"/>
-          </a:ln>
-        </p:spPr>
-        <p:style>
-          <a:lnRef idx="1">
-            <a:schemeClr val="accent1"/>
-          </a:lnRef>
-          <a:fillRef idx="0">
-            <a:schemeClr val="accent1"/>
-          </a:fillRef>
-          <a:effectRef idx="0">
-            <a:schemeClr val="accent1"/>
-          </a:effectRef>
-          <a:fontRef idx="minor">
-            <a:schemeClr val="tx1"/>
-          </a:fontRef>
-        </p:style>
-      </p:cxnSp>
-      <p:cxnSp>
-        <p:nvCxnSpPr>
-          <p:cNvPr id="64" name="Gewinkelte Verbindung 40">
-            <a:extLst>
-              <a:ext uri="{FF2B5EF4-FFF2-40B4-BE49-F238E27FC236}">
-                <a16:creationId xmlns:a16="http://schemas.microsoft.com/office/drawing/2014/main" id="{CECE32A4-6A8C-4CAE-9DA7-6CA9E23F74A5}"/>
-              </a:ext>
-            </a:extLst>
-          </p:cNvPr>
-          <p:cNvCxnSpPr>
-            <a:cxnSpLocks/>
-            <a:stCxn id="79" idx="3"/>
-            <a:endCxn id="59" idx="1"/>
-          </p:cNvCxnSpPr>
-          <p:nvPr/>
-        </p:nvCxnSpPr>
-        <p:spPr>
-          <a:xfrm>
-            <a:off x="3815788" y="2527400"/>
-            <a:ext cx="1647558" cy="1134463"/>
-          </a:xfrm>
-          <a:prstGeom prst="bentConnector3">
-            <a:avLst>
-              <a:gd name="adj1" fmla="val 29664"/>
-            </a:avLst>
-          </a:prstGeom>
-          <a:ln w="12700">
-            <a:solidFill>
-              <a:schemeClr val="tx1"/>
-            </a:solidFill>
-            <a:tailEnd type="triangle"/>
-          </a:ln>
-        </p:spPr>
-        <p:style>
-          <a:lnRef idx="1">
-            <a:schemeClr val="accent1"/>
-          </a:lnRef>
-          <a:fillRef idx="0">
-            <a:schemeClr val="accent1"/>
-          </a:fillRef>
-          <a:effectRef idx="0">
-            <a:schemeClr val="accent1"/>
-          </a:effectRef>
-          <a:fontRef idx="minor">
-            <a:schemeClr val="tx1"/>
-          </a:fontRef>
-        </p:style>
-      </p:cxnSp>
-      <p:sp>
-        <p:nvSpPr>
-          <p:cNvPr id="65" name="Textfeld 64">
-            <a:extLst>
-              <a:ext uri="{FF2B5EF4-FFF2-40B4-BE49-F238E27FC236}">
-                <a16:creationId xmlns:a16="http://schemas.microsoft.com/office/drawing/2014/main" id="{9FE499A4-AA4F-429D-8952-5FFA3D60BE92}"/>
-              </a:ext>
-            </a:extLst>
-          </p:cNvPr>
-          <p:cNvSpPr txBox="1"/>
-          <p:nvPr/>
-        </p:nvSpPr>
-        <p:spPr>
-          <a:xfrm>
-            <a:off x="6478570" y="3234783"/>
-            <a:ext cx="1616386" cy="253916"/>
-          </a:xfrm>
-          <a:prstGeom prst="rect">
-            <a:avLst/>
-          </a:prstGeom>
-          <a:noFill/>
-        </p:spPr>
-        <p:txBody>
-          <a:bodyPr wrap="square" rtlCol="0">
-            <a:spAutoFit/>
-          </a:bodyPr>
-          <a:lstStyle/>
-          <a:p>
-            <a:r>
-              <a:rPr lang="en-US" sz="1050" b="1" dirty="0">
-                <a:solidFill>
-                  <a:schemeClr val="tx1">
-                    <a:lumMod val="75000"/>
-                    <a:lumOff val="25000"/>
-                  </a:schemeClr>
-                </a:solidFill>
-                <a:latin typeface="Futura"/>
-                <a:cs typeface="Times New Roman" panose="02020603050405020304" pitchFamily="18" charset="0"/>
-              </a:rPr>
-              <a:t>semi labeled samples</a:t>
-            </a:r>
-          </a:p>
-        </p:txBody>
-      </p:sp>
-      <p:cxnSp>
-        <p:nvCxnSpPr>
-          <p:cNvPr id="67" name="Gewinkelte Verbindung 40">
-            <a:extLst>
-              <a:ext uri="{FF2B5EF4-FFF2-40B4-BE49-F238E27FC236}">
-                <a16:creationId xmlns:a16="http://schemas.microsoft.com/office/drawing/2014/main" id="{C76C2A79-1156-48B2-94C9-7C98E72C4017}"/>
-              </a:ext>
-            </a:extLst>
-          </p:cNvPr>
-          <p:cNvCxnSpPr>
-            <a:cxnSpLocks/>
-            <a:stCxn id="85" idx="3"/>
-            <a:endCxn id="90" idx="2"/>
-          </p:cNvCxnSpPr>
-          <p:nvPr/>
-        </p:nvCxnSpPr>
-        <p:spPr>
-          <a:xfrm flipH="1" flipV="1">
-            <a:off x="8187309" y="2855600"/>
-            <a:ext cx="1388208" cy="1748860"/>
-          </a:xfrm>
-          <a:prstGeom prst="bentConnector4">
-            <a:avLst>
-              <a:gd name="adj1" fmla="val -16467"/>
-              <a:gd name="adj2" fmla="val 71033"/>
-            </a:avLst>
-          </a:prstGeom>
-          <a:ln w="12700">
-            <a:solidFill>
-              <a:schemeClr val="tx1"/>
-            </a:solidFill>
-            <a:tailEnd type="triangle"/>
-          </a:ln>
-        </p:spPr>
-        <p:style>
-          <a:lnRef idx="1">
-            <a:schemeClr val="accent1"/>
-          </a:lnRef>
-          <a:fillRef idx="0">
-            <a:schemeClr val="accent1"/>
-          </a:fillRef>
-          <a:effectRef idx="0">
-            <a:schemeClr val="accent1"/>
-          </a:effectRef>
-          <a:fontRef idx="minor">
-            <a:schemeClr val="tx1"/>
-          </a:fontRef>
-        </p:style>
-      </p:cxnSp>
-      <p:cxnSp>
-        <p:nvCxnSpPr>
-          <p:cNvPr id="69" name="Gerade Verbindung mit Pfeil 55">
-            <a:extLst>
-              <a:ext uri="{FF2B5EF4-FFF2-40B4-BE49-F238E27FC236}">
-                <a16:creationId xmlns:a16="http://schemas.microsoft.com/office/drawing/2014/main" id="{FF0244F5-39AB-4753-A0C0-4C80F9AA3093}"/>
-              </a:ext>
-            </a:extLst>
-          </p:cNvPr>
-          <p:cNvCxnSpPr>
-            <a:cxnSpLocks/>
-          </p:cNvCxnSpPr>
-          <p:nvPr/>
-        </p:nvCxnSpPr>
-        <p:spPr>
-          <a:xfrm>
-            <a:off x="5868144" y="1060958"/>
-            <a:ext cx="2781" cy="481143"/>
-          </a:xfrm>
-          <a:prstGeom prst="straightConnector1">
-            <a:avLst/>
-          </a:prstGeom>
-          <a:ln w="12700">
-            <a:solidFill>
-              <a:schemeClr val="tx1"/>
-            </a:solidFill>
-            <a:prstDash val="sysDash"/>
-            <a:tailEnd type="triangle"/>
-          </a:ln>
-        </p:spPr>
-        <p:style>
-          <a:lnRef idx="1">
-            <a:schemeClr val="accent1"/>
-          </a:lnRef>
-          <a:fillRef idx="0">
-            <a:schemeClr val="accent1"/>
-          </a:fillRef>
-          <a:effectRef idx="0">
-            <a:schemeClr val="accent1"/>
-          </a:effectRef>
-          <a:fontRef idx="minor">
-            <a:schemeClr val="tx1"/>
-          </a:fontRef>
-        </p:style>
-      </p:cxnSp>
     </p:spTree>
     <p:extLst>
       <p:ext uri="{BB962C8B-B14F-4D97-AF65-F5344CB8AC3E}">
-        <p14:creationId xmlns:p14="http://schemas.microsoft.com/office/powerpoint/2010/main" val="3790400780"/>
+        <p14:creationId xmlns:p14="http://schemas.microsoft.com/office/powerpoint/2010/main" val="1783121231"/>
       </p:ext>
     </p:extLst>
   </p:cSld>
@@ -33085,8 +33260,8 @@
           </p:sp>
         </mc:Fallback>
       </mc:AlternateContent>
-      <mc:AlternateContent xmlns:mc="http://schemas.openxmlformats.org/markup-compatibility/2006">
-        <mc:Choice xmlns:a14="http://schemas.microsoft.com/office/drawing/2010/main" Requires="a14">
+      <mc:AlternateContent xmlns:mc="http://schemas.openxmlformats.org/markup-compatibility/2006" xmlns:a14="http://schemas.microsoft.com/office/drawing/2010/main">
+        <mc:Choice Requires="a14">
           <p:sp>
             <p:nvSpPr>
               <p:cNvPr id="112" name="Zylinder 102">
@@ -33190,7 +33365,7 @@
             </p:txBody>
           </p:sp>
         </mc:Choice>
-        <mc:Fallback>
+        <mc:Fallback xmlns="">
           <p:sp>
             <p:nvSpPr>
               <p:cNvPr id="112" name="Zylinder 102">
@@ -33448,8 +33623,8 @@
           </a:fontRef>
         </p:style>
       </p:cxnSp>
-      <mc:AlternateContent xmlns:mc="http://schemas.openxmlformats.org/markup-compatibility/2006">
-        <mc:Choice xmlns:a14="http://schemas.microsoft.com/office/drawing/2010/main" Requires="a14">
+      <mc:AlternateContent xmlns:mc="http://schemas.openxmlformats.org/markup-compatibility/2006" xmlns:a14="http://schemas.microsoft.com/office/drawing/2010/main">
+        <mc:Choice Requires="a14">
           <p:sp>
             <p:nvSpPr>
               <p:cNvPr id="165" name="Textfeld 60">
@@ -33529,7 +33704,7 @@
             </p:txBody>
           </p:sp>
         </mc:Choice>
-        <mc:Fallback>
+        <mc:Fallback xmlns="">
           <p:sp>
             <p:nvSpPr>
               <p:cNvPr id="165" name="Textfeld 60">
@@ -33937,8 +34112,8 @@
           </p:sp>
         </mc:Fallback>
       </mc:AlternateContent>
-      <mc:AlternateContent xmlns:mc="http://schemas.openxmlformats.org/markup-compatibility/2006">
-        <mc:Choice xmlns:a14="http://schemas.microsoft.com/office/drawing/2010/main" Requires="a14">
+      <mc:AlternateContent xmlns:mc="http://schemas.openxmlformats.org/markup-compatibility/2006" xmlns:a14="http://schemas.microsoft.com/office/drawing/2010/main">
+        <mc:Choice Requires="a14">
           <p:sp>
             <p:nvSpPr>
               <p:cNvPr id="162" name="Textfeld 60">
@@ -34019,7 +34194,7 @@
             </p:txBody>
           </p:sp>
         </mc:Choice>
-        <mc:Fallback>
+        <mc:Fallback xmlns="">
           <p:sp>
             <p:nvSpPr>
               <p:cNvPr id="162" name="Textfeld 60">
@@ -44609,8 +44784,8 @@
           </p:sp>
         </mc:Fallback>
       </mc:AlternateContent>
-      <mc:AlternateContent xmlns:mc="http://schemas.openxmlformats.org/markup-compatibility/2006">
-        <mc:Choice xmlns:a14="http://schemas.microsoft.com/office/drawing/2010/main" Requires="a14">
+      <mc:AlternateContent xmlns:mc="http://schemas.openxmlformats.org/markup-compatibility/2006" xmlns:a14="http://schemas.microsoft.com/office/drawing/2010/main">
+        <mc:Choice Requires="a14">
           <p:sp>
             <p:nvSpPr>
               <p:cNvPr id="103" name="Zylinder 102">
@@ -44714,7 +44889,7 @@
             </p:txBody>
           </p:sp>
         </mc:Choice>
-        <mc:Fallback>
+        <mc:Fallback xmlns="">
           <p:sp>
             <p:nvSpPr>
               <p:cNvPr id="103" name="Zylinder 102">

--- a/images/flowchart/block_scheme.pptx
+++ b/images/flowchart/block_scheme.pptx
@@ -5,7 +5,7 @@
     <p:sldMasterId id="2147483648" r:id="rId1"/>
   </p:sldMasterIdLst>
   <p:notesMasterIdLst>
-    <p:notesMasterId r:id="rId13"/>
+    <p:notesMasterId r:id="rId15"/>
   </p:notesMasterIdLst>
   <p:sldIdLst>
     <p:sldId id="256" r:id="rId2"/>
@@ -19,6 +19,8 @@
     <p:sldId id="275" r:id="rId10"/>
     <p:sldId id="273" r:id="rId11"/>
     <p:sldId id="274" r:id="rId12"/>
+    <p:sldId id="276" r:id="rId13"/>
+    <p:sldId id="277" r:id="rId14"/>
   </p:sldIdLst>
   <p:sldSz cx="9144000" cy="6858000" type="screen4x3"/>
   <p:notesSz cx="6858000" cy="9144000"/>
@@ -222,7 +224,7 @@
           <a:p>
             <a:fld id="{2F6F1BCE-1FE9-4644-9CDB-12C2BD4EE37B}" type="datetimeFigureOut">
               <a:rPr lang="de-DE" smtClean="0"/>
-              <a:t>11.09.2024</a:t>
+              <a:t>13.09.2024</a:t>
             </a:fld>
             <a:endParaRPr lang="de-DE"/>
           </a:p>
@@ -741,6 +743,174 @@
 </p:notes>
 </file>
 
+<file path=ppt/notesSlides/notesSlide12.xml><?xml version="1.0" encoding="utf-8"?>
+<p:notes xmlns:a="http://schemas.openxmlformats.org/drawingml/2006/main" xmlns:r="http://schemas.openxmlformats.org/officeDocument/2006/relationships" xmlns:p="http://schemas.openxmlformats.org/presentationml/2006/main">
+  <p:cSld>
+    <p:spTree>
+      <p:nvGrpSpPr>
+        <p:cNvPr id="1" name=""/>
+        <p:cNvGrpSpPr/>
+        <p:nvPr/>
+      </p:nvGrpSpPr>
+      <p:grpSpPr>
+        <a:xfrm>
+          <a:off x="0" y="0"/>
+          <a:ext cx="0" cy="0"/>
+          <a:chOff x="0" y="0"/>
+          <a:chExt cx="0" cy="0"/>
+        </a:xfrm>
+      </p:grpSpPr>
+      <p:sp>
+        <p:nvSpPr>
+          <p:cNvPr id="2" name="Folienbildplatzhalter 1"/>
+          <p:cNvSpPr>
+            <a:spLocks noGrp="1" noRot="1" noChangeAspect="1"/>
+          </p:cNvSpPr>
+          <p:nvPr>
+            <p:ph type="sldImg"/>
+          </p:nvPr>
+        </p:nvSpPr>
+        <p:spPr/>
+      </p:sp>
+      <p:sp>
+        <p:nvSpPr>
+          <p:cNvPr id="3" name="Notizenplatzhalter 2"/>
+          <p:cNvSpPr>
+            <a:spLocks noGrp="1"/>
+          </p:cNvSpPr>
+          <p:nvPr>
+            <p:ph type="body" idx="1"/>
+          </p:nvPr>
+        </p:nvSpPr>
+        <p:spPr/>
+        <p:txBody>
+          <a:bodyPr/>
+          <a:lstStyle/>
+          <a:p>
+            <a:endParaRPr lang="de-DE" dirty="0"/>
+          </a:p>
+        </p:txBody>
+      </p:sp>
+      <p:sp>
+        <p:nvSpPr>
+          <p:cNvPr id="4" name="Foliennummernplatzhalter 3"/>
+          <p:cNvSpPr>
+            <a:spLocks noGrp="1"/>
+          </p:cNvSpPr>
+          <p:nvPr>
+            <p:ph type="sldNum" sz="quarter" idx="10"/>
+          </p:nvPr>
+        </p:nvSpPr>
+        <p:spPr/>
+        <p:txBody>
+          <a:bodyPr/>
+          <a:lstStyle/>
+          <a:p>
+            <a:fld id="{F0D5CDD0-9C4D-485B-A4B3-1655DD65D0FD}" type="slidenum">
+              <a:rPr lang="de-DE" smtClean="0"/>
+              <a:t>12</a:t>
+            </a:fld>
+            <a:endParaRPr lang="de-DE"/>
+          </a:p>
+        </p:txBody>
+      </p:sp>
+    </p:spTree>
+    <p:extLst>
+      <p:ext uri="{BB962C8B-B14F-4D97-AF65-F5344CB8AC3E}">
+        <p14:creationId xmlns:p14="http://schemas.microsoft.com/office/powerpoint/2010/main" val="1254800144"/>
+      </p:ext>
+    </p:extLst>
+  </p:cSld>
+  <p:clrMapOvr>
+    <a:masterClrMapping/>
+  </p:clrMapOvr>
+</p:notes>
+</file>
+
+<file path=ppt/notesSlides/notesSlide13.xml><?xml version="1.0" encoding="utf-8"?>
+<p:notes xmlns:a="http://schemas.openxmlformats.org/drawingml/2006/main" xmlns:r="http://schemas.openxmlformats.org/officeDocument/2006/relationships" xmlns:p="http://schemas.openxmlformats.org/presentationml/2006/main">
+  <p:cSld>
+    <p:spTree>
+      <p:nvGrpSpPr>
+        <p:cNvPr id="1" name=""/>
+        <p:cNvGrpSpPr/>
+        <p:nvPr/>
+      </p:nvGrpSpPr>
+      <p:grpSpPr>
+        <a:xfrm>
+          <a:off x="0" y="0"/>
+          <a:ext cx="0" cy="0"/>
+          <a:chOff x="0" y="0"/>
+          <a:chExt cx="0" cy="0"/>
+        </a:xfrm>
+      </p:grpSpPr>
+      <p:sp>
+        <p:nvSpPr>
+          <p:cNvPr id="2" name="Folienbildplatzhalter 1"/>
+          <p:cNvSpPr>
+            <a:spLocks noGrp="1" noRot="1" noChangeAspect="1"/>
+          </p:cNvSpPr>
+          <p:nvPr>
+            <p:ph type="sldImg"/>
+          </p:nvPr>
+        </p:nvSpPr>
+        <p:spPr/>
+      </p:sp>
+      <p:sp>
+        <p:nvSpPr>
+          <p:cNvPr id="3" name="Notizenplatzhalter 2"/>
+          <p:cNvSpPr>
+            <a:spLocks noGrp="1"/>
+          </p:cNvSpPr>
+          <p:nvPr>
+            <p:ph type="body" idx="1"/>
+          </p:nvPr>
+        </p:nvSpPr>
+        <p:spPr/>
+        <p:txBody>
+          <a:bodyPr/>
+          <a:lstStyle/>
+          <a:p>
+            <a:endParaRPr lang="de-DE" dirty="0"/>
+          </a:p>
+        </p:txBody>
+      </p:sp>
+      <p:sp>
+        <p:nvSpPr>
+          <p:cNvPr id="4" name="Foliennummernplatzhalter 3"/>
+          <p:cNvSpPr>
+            <a:spLocks noGrp="1"/>
+          </p:cNvSpPr>
+          <p:nvPr>
+            <p:ph type="sldNum" sz="quarter" idx="10"/>
+          </p:nvPr>
+        </p:nvSpPr>
+        <p:spPr/>
+        <p:txBody>
+          <a:bodyPr/>
+          <a:lstStyle/>
+          <a:p>
+            <a:fld id="{F0D5CDD0-9C4D-485B-A4B3-1655DD65D0FD}" type="slidenum">
+              <a:rPr lang="de-DE" smtClean="0"/>
+              <a:t>13</a:t>
+            </a:fld>
+            <a:endParaRPr lang="de-DE"/>
+          </a:p>
+        </p:txBody>
+      </p:sp>
+    </p:spTree>
+    <p:extLst>
+      <p:ext uri="{BB962C8B-B14F-4D97-AF65-F5344CB8AC3E}">
+        <p14:creationId xmlns:p14="http://schemas.microsoft.com/office/powerpoint/2010/main" val="2108638913"/>
+      </p:ext>
+    </p:extLst>
+  </p:cSld>
+  <p:clrMapOvr>
+    <a:masterClrMapping/>
+  </p:clrMapOvr>
+</p:notes>
+</file>
+
 <file path=ppt/notesSlides/notesSlide2.xml><?xml version="1.0" encoding="utf-8"?>
 <p:notes xmlns:a="http://schemas.openxmlformats.org/drawingml/2006/main" xmlns:r="http://schemas.openxmlformats.org/officeDocument/2006/relationships" xmlns:p="http://schemas.openxmlformats.org/presentationml/2006/main">
   <p:cSld>
@@ -1592,7 +1762,7 @@
           <a:p>
             <a:fld id="{68096437-929F-41B4-A44E-96A3364BC2EF}" type="datetimeFigureOut">
               <a:rPr lang="de-DE" smtClean="0"/>
-              <a:t>11.09.2024</a:t>
+              <a:t>13.09.2024</a:t>
             </a:fld>
             <a:endParaRPr lang="de-DE"/>
           </a:p>
@@ -1760,7 +1930,7 @@
           <a:p>
             <a:fld id="{68096437-929F-41B4-A44E-96A3364BC2EF}" type="datetimeFigureOut">
               <a:rPr lang="de-DE" smtClean="0"/>
-              <a:t>11.09.2024</a:t>
+              <a:t>13.09.2024</a:t>
             </a:fld>
             <a:endParaRPr lang="de-DE"/>
           </a:p>
@@ -1938,7 +2108,7 @@
           <a:p>
             <a:fld id="{68096437-929F-41B4-A44E-96A3364BC2EF}" type="datetimeFigureOut">
               <a:rPr lang="de-DE" smtClean="0"/>
-              <a:t>11.09.2024</a:t>
+              <a:t>13.09.2024</a:t>
             </a:fld>
             <a:endParaRPr lang="de-DE"/>
           </a:p>
@@ -2106,7 +2276,7 @@
           <a:p>
             <a:fld id="{68096437-929F-41B4-A44E-96A3364BC2EF}" type="datetimeFigureOut">
               <a:rPr lang="de-DE" smtClean="0"/>
-              <a:t>11.09.2024</a:t>
+              <a:t>13.09.2024</a:t>
             </a:fld>
             <a:endParaRPr lang="de-DE"/>
           </a:p>
@@ -2351,7 +2521,7 @@
           <a:p>
             <a:fld id="{68096437-929F-41B4-A44E-96A3364BC2EF}" type="datetimeFigureOut">
               <a:rPr lang="de-DE" smtClean="0"/>
-              <a:t>11.09.2024</a:t>
+              <a:t>13.09.2024</a:t>
             </a:fld>
             <a:endParaRPr lang="de-DE"/>
           </a:p>
@@ -2636,7 +2806,7 @@
           <a:p>
             <a:fld id="{68096437-929F-41B4-A44E-96A3364BC2EF}" type="datetimeFigureOut">
               <a:rPr lang="de-DE" smtClean="0"/>
-              <a:t>11.09.2024</a:t>
+              <a:t>13.09.2024</a:t>
             </a:fld>
             <a:endParaRPr lang="de-DE"/>
           </a:p>
@@ -3055,7 +3225,7 @@
           <a:p>
             <a:fld id="{68096437-929F-41B4-A44E-96A3364BC2EF}" type="datetimeFigureOut">
               <a:rPr lang="de-DE" smtClean="0"/>
-              <a:t>11.09.2024</a:t>
+              <a:t>13.09.2024</a:t>
             </a:fld>
             <a:endParaRPr lang="de-DE"/>
           </a:p>
@@ -3172,7 +3342,7 @@
           <a:p>
             <a:fld id="{68096437-929F-41B4-A44E-96A3364BC2EF}" type="datetimeFigureOut">
               <a:rPr lang="de-DE" smtClean="0"/>
-              <a:t>11.09.2024</a:t>
+              <a:t>13.09.2024</a:t>
             </a:fld>
             <a:endParaRPr lang="de-DE"/>
           </a:p>
@@ -3267,7 +3437,7 @@
           <a:p>
             <a:fld id="{68096437-929F-41B4-A44E-96A3364BC2EF}" type="datetimeFigureOut">
               <a:rPr lang="de-DE" smtClean="0"/>
-              <a:t>11.09.2024</a:t>
+              <a:t>13.09.2024</a:t>
             </a:fld>
             <a:endParaRPr lang="de-DE"/>
           </a:p>
@@ -3542,7 +3712,7 @@
           <a:p>
             <a:fld id="{68096437-929F-41B4-A44E-96A3364BC2EF}" type="datetimeFigureOut">
               <a:rPr lang="de-DE" smtClean="0"/>
-              <a:t>11.09.2024</a:t>
+              <a:t>13.09.2024</a:t>
             </a:fld>
             <a:endParaRPr lang="de-DE"/>
           </a:p>
@@ -3794,7 +3964,7 @@
           <a:p>
             <a:fld id="{68096437-929F-41B4-A44E-96A3364BC2EF}" type="datetimeFigureOut">
               <a:rPr lang="de-DE" smtClean="0"/>
-              <a:t>11.09.2024</a:t>
+              <a:t>13.09.2024</a:t>
             </a:fld>
             <a:endParaRPr lang="de-DE"/>
           </a:p>
@@ -4005,7 +4175,7 @@
           <a:p>
             <a:fld id="{68096437-929F-41B4-A44E-96A3364BC2EF}" type="datetimeFigureOut">
               <a:rPr lang="de-DE" smtClean="0"/>
-              <a:t>11.09.2024</a:t>
+              <a:t>13.09.2024</a:t>
             </a:fld>
             <a:endParaRPr lang="de-DE"/>
           </a:p>
@@ -11639,8 +11809,8 @@
           </p:sp>
         </mc:Fallback>
       </mc:AlternateContent>
-      <mc:AlternateContent xmlns:mc="http://schemas.openxmlformats.org/markup-compatibility/2006">
-        <mc:Choice xmlns:a14="http://schemas.microsoft.com/office/drawing/2010/main" Requires="a14">
+      <mc:AlternateContent xmlns:mc="http://schemas.openxmlformats.org/markup-compatibility/2006" xmlns:a14="http://schemas.microsoft.com/office/drawing/2010/main">
+        <mc:Choice Requires="a14">
           <p:sp>
             <p:nvSpPr>
               <p:cNvPr id="103" name="Zylinder 102">
@@ -11744,7 +11914,7 @@
             </p:txBody>
           </p:sp>
         </mc:Choice>
-        <mc:Fallback>
+        <mc:Fallback xmlns="">
           <p:sp>
             <p:nvSpPr>
               <p:cNvPr id="103" name="Zylinder 102">
@@ -12442,8 +12612,8 @@
           </p:sp>
         </mc:Fallback>
       </mc:AlternateContent>
-      <mc:AlternateContent xmlns:mc="http://schemas.openxmlformats.org/markup-compatibility/2006">
-        <mc:Choice xmlns:a14="http://schemas.microsoft.com/office/drawing/2010/main" Requires="a14">
+      <mc:AlternateContent xmlns:mc="http://schemas.openxmlformats.org/markup-compatibility/2006" xmlns:a14="http://schemas.microsoft.com/office/drawing/2010/main">
+        <mc:Choice Requires="a14">
           <p:sp>
             <p:nvSpPr>
               <p:cNvPr id="162" name="Textfeld 60">
@@ -12524,7 +12694,7 @@
             </p:txBody>
           </p:sp>
         </mc:Choice>
-        <mc:Fallback>
+        <mc:Fallback xmlns="">
           <p:sp>
             <p:nvSpPr>
               <p:cNvPr id="162" name="Textfeld 60">
@@ -18293,8 +18463,8 @@
           </a:fontRef>
         </p:style>
       </p:cxnSp>
-      <mc:AlternateContent xmlns:mc="http://schemas.openxmlformats.org/markup-compatibility/2006">
-        <mc:Choice xmlns:a14="http://schemas.microsoft.com/office/drawing/2010/main" Requires="a14">
+      <mc:AlternateContent xmlns:mc="http://schemas.openxmlformats.org/markup-compatibility/2006" xmlns:a14="http://schemas.microsoft.com/office/drawing/2010/main">
+        <mc:Choice Requires="a14">
           <p:sp>
             <p:nvSpPr>
               <p:cNvPr id="64" name="Textfeld 60">
@@ -18375,7 +18545,7 @@
             </p:txBody>
           </p:sp>
         </mc:Choice>
-        <mc:Fallback>
+        <mc:Fallback xmlns="">
           <p:sp>
             <p:nvSpPr>
               <p:cNvPr id="64" name="Textfeld 60">
@@ -18424,6 +18594,8256 @@
     <p:extLst>
       <p:ext uri="{BB962C8B-B14F-4D97-AF65-F5344CB8AC3E}">
         <p14:creationId xmlns:p14="http://schemas.microsoft.com/office/powerpoint/2010/main" val="1783121231"/>
+      </p:ext>
+    </p:extLst>
+  </p:cSld>
+  <p:clrMapOvr>
+    <a:masterClrMapping/>
+  </p:clrMapOvr>
+</p:sld>
+</file>
+
+<file path=ppt/slides/slide12.xml><?xml version="1.0" encoding="utf-8"?>
+<p:sld xmlns:a="http://schemas.openxmlformats.org/drawingml/2006/main" xmlns:r="http://schemas.openxmlformats.org/officeDocument/2006/relationships" xmlns:p="http://schemas.openxmlformats.org/presentationml/2006/main">
+  <p:cSld>
+    <p:spTree>
+      <p:nvGrpSpPr>
+        <p:cNvPr id="1" name=""/>
+        <p:cNvGrpSpPr/>
+        <p:nvPr/>
+      </p:nvGrpSpPr>
+      <p:grpSpPr>
+        <a:xfrm>
+          <a:off x="0" y="0"/>
+          <a:ext cx="0" cy="0"/>
+          <a:chOff x="0" y="0"/>
+          <a:chExt cx="0" cy="0"/>
+        </a:xfrm>
+      </p:grpSpPr>
+      <p:sp>
+        <p:nvSpPr>
+          <p:cNvPr id="20" name="Flussdiagramm: Prozess 19"/>
+          <p:cNvSpPr/>
+          <p:nvPr/>
+        </p:nvSpPr>
+        <p:spPr>
+          <a:xfrm>
+            <a:off x="-504563" y="2092705"/>
+            <a:ext cx="9648564" cy="2877752"/>
+          </a:xfrm>
+          <a:prstGeom prst="flowChartProcess">
+            <a:avLst/>
+          </a:prstGeom>
+          <a:solidFill>
+            <a:srgbClr val="FFFF00">
+              <a:alpha val="40000"/>
+            </a:srgbClr>
+          </a:solidFill>
+          <a:ln>
+            <a:noFill/>
+          </a:ln>
+        </p:spPr>
+        <p:style>
+          <a:lnRef idx="2">
+            <a:schemeClr val="accent1">
+              <a:shade val="50000"/>
+            </a:schemeClr>
+          </a:lnRef>
+          <a:fillRef idx="1">
+            <a:schemeClr val="accent1"/>
+          </a:fillRef>
+          <a:effectRef idx="0">
+            <a:schemeClr val="accent1"/>
+          </a:effectRef>
+          <a:fontRef idx="minor">
+            <a:schemeClr val="lt1"/>
+          </a:fontRef>
+        </p:style>
+        <p:txBody>
+          <a:bodyPr rtlCol="0" anchor="ctr"/>
+          <a:lstStyle/>
+          <a:p>
+            <a:pPr algn="ctr"/>
+            <a:endParaRPr lang="de-DE" sz="1350" dirty="0"/>
+          </a:p>
+        </p:txBody>
+      </p:sp>
+      <p:sp>
+        <p:nvSpPr>
+          <p:cNvPr id="140" name="Flussdiagramm: Prozess 50">
+            <a:extLst>
+              <a:ext uri="{FF2B5EF4-FFF2-40B4-BE49-F238E27FC236}">
+                <a16:creationId xmlns:a16="http://schemas.microsoft.com/office/drawing/2014/main" id="{11E8D23C-BCD8-410A-8EBB-723FC60C2727}"/>
+              </a:ext>
+            </a:extLst>
+          </p:cNvPr>
+          <p:cNvSpPr/>
+          <p:nvPr/>
+        </p:nvSpPr>
+        <p:spPr>
+          <a:xfrm>
+            <a:off x="5336110" y="2083137"/>
+            <a:ext cx="4448787" cy="3118871"/>
+          </a:xfrm>
+          <a:prstGeom prst="flowChartProcess">
+            <a:avLst/>
+          </a:prstGeom>
+          <a:solidFill>
+            <a:schemeClr val="bg2">
+              <a:lumMod val="50000"/>
+              <a:alpha val="40000"/>
+            </a:schemeClr>
+          </a:solidFill>
+          <a:ln>
+            <a:noFill/>
+          </a:ln>
+        </p:spPr>
+        <p:style>
+          <a:lnRef idx="2">
+            <a:schemeClr val="accent1">
+              <a:shade val="50000"/>
+            </a:schemeClr>
+          </a:lnRef>
+          <a:fillRef idx="1">
+            <a:schemeClr val="accent1"/>
+          </a:fillRef>
+          <a:effectRef idx="0">
+            <a:schemeClr val="accent1"/>
+          </a:effectRef>
+          <a:fontRef idx="minor">
+            <a:schemeClr val="lt1"/>
+          </a:fontRef>
+        </p:style>
+        <p:txBody>
+          <a:bodyPr rtlCol="0" anchor="ctr"/>
+          <a:lstStyle/>
+          <a:p>
+            <a:pPr algn="ctr"/>
+            <a:endParaRPr lang="de-DE" sz="1350" dirty="0"/>
+          </a:p>
+        </p:txBody>
+      </p:sp>
+      <p:sp>
+        <p:nvSpPr>
+          <p:cNvPr id="54" name="Flussdiagramm: Prozess 63">
+            <a:extLst>
+              <a:ext uri="{FF2B5EF4-FFF2-40B4-BE49-F238E27FC236}">
+                <a16:creationId xmlns:a16="http://schemas.microsoft.com/office/drawing/2014/main" id="{3F560DBF-6BA0-4F1F-A470-9ECCD15E87FC}"/>
+              </a:ext>
+            </a:extLst>
+          </p:cNvPr>
+          <p:cNvSpPr/>
+          <p:nvPr/>
+        </p:nvSpPr>
+        <p:spPr>
+          <a:xfrm>
+            <a:off x="5336111" y="3251769"/>
+            <a:ext cx="2700480" cy="800525"/>
+          </a:xfrm>
+          <a:prstGeom prst="flowChartProcess">
+            <a:avLst/>
+          </a:prstGeom>
+          <a:solidFill>
+            <a:srgbClr val="FF66FF">
+              <a:alpha val="40000"/>
+            </a:srgbClr>
+          </a:solidFill>
+          <a:ln>
+            <a:noFill/>
+          </a:ln>
+        </p:spPr>
+        <p:style>
+          <a:lnRef idx="2">
+            <a:schemeClr val="accent1">
+              <a:shade val="50000"/>
+            </a:schemeClr>
+          </a:lnRef>
+          <a:fillRef idx="1">
+            <a:schemeClr val="accent1"/>
+          </a:fillRef>
+          <a:effectRef idx="0">
+            <a:schemeClr val="accent1"/>
+          </a:effectRef>
+          <a:fontRef idx="minor">
+            <a:schemeClr val="lt1"/>
+          </a:fontRef>
+        </p:style>
+        <p:txBody>
+          <a:bodyPr rtlCol="0" anchor="ctr"/>
+          <a:lstStyle/>
+          <a:p>
+            <a:pPr algn="ctr"/>
+            <a:endParaRPr lang="de-DE" dirty="0"/>
+          </a:p>
+        </p:txBody>
+      </p:sp>
+      <p:sp>
+        <p:nvSpPr>
+          <p:cNvPr id="87" name="Flussdiagramm: Prozess 21">
+            <a:extLst>
+              <a:ext uri="{FF2B5EF4-FFF2-40B4-BE49-F238E27FC236}">
+                <a16:creationId xmlns:a16="http://schemas.microsoft.com/office/drawing/2014/main" id="{1305CF49-02AC-4A78-A815-F332B000896D}"/>
+              </a:ext>
+            </a:extLst>
+          </p:cNvPr>
+          <p:cNvSpPr/>
+          <p:nvPr/>
+        </p:nvSpPr>
+        <p:spPr>
+          <a:xfrm>
+            <a:off x="7560793" y="2087137"/>
+            <a:ext cx="1785580" cy="948713"/>
+          </a:xfrm>
+          <a:prstGeom prst="flowChartProcess">
+            <a:avLst/>
+          </a:prstGeom>
+          <a:solidFill>
+            <a:srgbClr val="0070C0">
+              <a:alpha val="40000"/>
+            </a:srgbClr>
+          </a:solidFill>
+          <a:ln>
+            <a:noFill/>
+          </a:ln>
+        </p:spPr>
+        <p:style>
+          <a:lnRef idx="2">
+            <a:schemeClr val="accent1">
+              <a:shade val="50000"/>
+            </a:schemeClr>
+          </a:lnRef>
+          <a:fillRef idx="1">
+            <a:schemeClr val="accent1"/>
+          </a:fillRef>
+          <a:effectRef idx="0">
+            <a:schemeClr val="accent1"/>
+          </a:effectRef>
+          <a:fontRef idx="minor">
+            <a:schemeClr val="lt1"/>
+          </a:fontRef>
+        </p:style>
+        <p:txBody>
+          <a:bodyPr rtlCol="0" anchor="ctr"/>
+          <a:lstStyle/>
+          <a:p>
+            <a:pPr algn="ctr"/>
+            <a:endParaRPr lang="de-DE" sz="1350"/>
+          </a:p>
+        </p:txBody>
+      </p:sp>
+      <p:sp>
+        <p:nvSpPr>
+          <p:cNvPr id="21" name="Flussdiagramm: Prozess 20"/>
+          <p:cNvSpPr/>
+          <p:nvPr/>
+        </p:nvSpPr>
+        <p:spPr>
+          <a:xfrm>
+            <a:off x="-504564" y="4166399"/>
+            <a:ext cx="5737694" cy="1035609"/>
+          </a:xfrm>
+          <a:prstGeom prst="flowChartProcess">
+            <a:avLst/>
+          </a:prstGeom>
+          <a:solidFill>
+            <a:schemeClr val="accent2">
+              <a:lumMod val="75000"/>
+              <a:alpha val="40000"/>
+            </a:schemeClr>
+          </a:solidFill>
+          <a:ln>
+            <a:noFill/>
+          </a:ln>
+        </p:spPr>
+        <p:style>
+          <a:lnRef idx="2">
+            <a:schemeClr val="accent1">
+              <a:shade val="50000"/>
+            </a:schemeClr>
+          </a:lnRef>
+          <a:fillRef idx="1">
+            <a:schemeClr val="accent1"/>
+          </a:fillRef>
+          <a:effectRef idx="0">
+            <a:schemeClr val="accent1"/>
+          </a:effectRef>
+          <a:fontRef idx="minor">
+            <a:schemeClr val="lt1"/>
+          </a:fontRef>
+        </p:style>
+        <p:txBody>
+          <a:bodyPr rtlCol="0" anchor="ctr"/>
+          <a:lstStyle/>
+          <a:p>
+            <a:pPr algn="ctr"/>
+            <a:endParaRPr lang="de-DE" sz="1350"/>
+          </a:p>
+        </p:txBody>
+      </p:sp>
+      <mc:AlternateContent xmlns:mc="http://schemas.openxmlformats.org/markup-compatibility/2006" xmlns:a14="http://schemas.microsoft.com/office/drawing/2010/main">
+        <mc:Choice Requires="a14">
+          <p:sp>
+            <p:nvSpPr>
+              <p:cNvPr id="4" name="Textfeld 3"/>
+              <p:cNvSpPr txBox="1"/>
+              <p:nvPr/>
+            </p:nvSpPr>
+            <p:spPr>
+              <a:xfrm>
+                <a:off x="3788304" y="3539862"/>
+                <a:ext cx="452303" cy="265457"/>
+              </a:xfrm>
+              <a:prstGeom prst="rect">
+                <a:avLst/>
+              </a:prstGeom>
+              <a:noFill/>
+            </p:spPr>
+            <p:txBody>
+              <a:bodyPr wrap="square" rtlCol="0">
+                <a:spAutoFit/>
+              </a:bodyPr>
+              <a:lstStyle/>
+              <a:p>
+                <a:pPr/>
+                <a14:m>
+                  <m:oMathPara xmlns:m="http://schemas.openxmlformats.org/officeDocument/2006/math">
+                    <m:oMathParaPr>
+                      <m:jc m:val="centerGroup"/>
+                    </m:oMathParaPr>
+                    <m:oMath xmlns:m="http://schemas.openxmlformats.org/officeDocument/2006/math">
+                      <m:sSup>
+                        <m:sSupPr>
+                          <m:ctrlPr>
+                            <a:rPr lang="de-DE" sz="1100" i="1">
+                              <a:latin typeface="Cambria Math" panose="02040503050406030204" pitchFamily="18" charset="0"/>
+                            </a:rPr>
+                          </m:ctrlPr>
+                        </m:sSupPr>
+                        <m:e>
+                          <m:r>
+                            <a:rPr lang="de-DE" sz="1100" i="1">
+                              <a:latin typeface="Cambria Math" panose="02040503050406030204" pitchFamily="18" charset="0"/>
+                            </a:rPr>
+                            <m:t>𝑋</m:t>
+                          </m:r>
+                        </m:e>
+                        <m:sup>
+                          <m:r>
+                            <a:rPr lang="de-DE" sz="1100" i="1">
+                              <a:latin typeface="Cambria Math" panose="02040503050406030204" pitchFamily="18" charset="0"/>
+                            </a:rPr>
+                            <m:t>𝑆𝑉</m:t>
+                          </m:r>
+                        </m:sup>
+                      </m:sSup>
+                    </m:oMath>
+                  </m:oMathPara>
+                </a14:m>
+                <a:endParaRPr lang="de-DE" sz="1350" dirty="0">
+                  <a:latin typeface="Futura"/>
+                </a:endParaRPr>
+              </a:p>
+            </p:txBody>
+          </p:sp>
+        </mc:Choice>
+        <mc:Fallback xmlns="">
+          <p:sp>
+            <p:nvSpPr>
+              <p:cNvPr id="4" name="Textfeld 3"/>
+              <p:cNvSpPr txBox="1">
+                <a:spLocks noRot="1" noChangeAspect="1" noMove="1" noResize="1" noEditPoints="1" noAdjustHandles="1" noChangeArrowheads="1" noChangeShapeType="1" noTextEdit="1"/>
+              </p:cNvSpPr>
+              <p:nvPr/>
+            </p:nvSpPr>
+            <p:spPr>
+              <a:xfrm>
+                <a:off x="3788304" y="3539862"/>
+                <a:ext cx="452303" cy="265457"/>
+              </a:xfrm>
+              <a:prstGeom prst="rect">
+                <a:avLst/>
+              </a:prstGeom>
+              <a:blipFill>
+                <a:blip r:embed="rId3"/>
+                <a:stretch>
+                  <a:fillRect/>
+                </a:stretch>
+              </a:blipFill>
+            </p:spPr>
+            <p:txBody>
+              <a:bodyPr/>
+              <a:lstStyle/>
+              <a:p>
+                <a:r>
+                  <a:rPr lang="en-GB">
+                    <a:noFill/>
+                  </a:rPr>
+                  <a:t> </a:t>
+                </a:r>
+              </a:p>
+            </p:txBody>
+          </p:sp>
+        </mc:Fallback>
+      </mc:AlternateContent>
+      <p:sp>
+        <p:nvSpPr>
+          <p:cNvPr id="8" name="Flussdiagramm: Karte 7"/>
+          <p:cNvSpPr/>
+          <p:nvPr/>
+        </p:nvSpPr>
+        <p:spPr>
+          <a:xfrm>
+            <a:off x="8603460" y="5447473"/>
+            <a:ext cx="1026114" cy="702078"/>
+          </a:xfrm>
+          <a:prstGeom prst="flowChartPunchedCard">
+            <a:avLst/>
+          </a:prstGeom>
+          <a:solidFill>
+            <a:schemeClr val="bg1"/>
+          </a:solidFill>
+          <a:ln w="12700">
+            <a:solidFill>
+              <a:schemeClr val="tx1"/>
+            </a:solidFill>
+          </a:ln>
+        </p:spPr>
+        <p:style>
+          <a:lnRef idx="2">
+            <a:schemeClr val="accent1">
+              <a:shade val="50000"/>
+            </a:schemeClr>
+          </a:lnRef>
+          <a:fillRef idx="1">
+            <a:schemeClr val="accent1"/>
+          </a:fillRef>
+          <a:effectRef idx="0">
+            <a:schemeClr val="accent1"/>
+          </a:effectRef>
+          <a:fontRef idx="minor">
+            <a:schemeClr val="lt1"/>
+          </a:fontRef>
+        </p:style>
+        <p:txBody>
+          <a:bodyPr rot="0" spcFirstLastPara="0" vertOverflow="overflow" horzOverflow="overflow" vert="horz" wrap="square" lIns="68580" tIns="34290" rIns="68580" bIns="34290" numCol="1" spcCol="0" rtlCol="0" fromWordArt="0" anchor="ctr" anchorCtr="0" forceAA="0" compatLnSpc="1">
+            <a:prstTxWarp prst="textNoShape">
+              <a:avLst/>
+            </a:prstTxWarp>
+            <a:noAutofit/>
+          </a:bodyPr>
+          <a:lstStyle/>
+          <a:p>
+            <a:pPr algn="ctr"/>
+            <a:r>
+              <a:rPr lang="en-US" sz="1100" dirty="0">
+                <a:solidFill>
+                  <a:schemeClr val="tx1"/>
+                </a:solidFill>
+                <a:latin typeface="Futura"/>
+                <a:cs typeface="Times New Roman" panose="02020603050405020304" pitchFamily="18" charset="0"/>
+              </a:rPr>
+              <a:t>thematic</a:t>
+            </a:r>
+            <a:r>
+              <a:rPr lang="de-DE" sz="1100" dirty="0">
+                <a:solidFill>
+                  <a:schemeClr val="tx1"/>
+                </a:solidFill>
+                <a:latin typeface="Futura"/>
+                <a:cs typeface="Times New Roman" panose="02020603050405020304" pitchFamily="18" charset="0"/>
+              </a:rPr>
+              <a:t> </a:t>
+            </a:r>
+            <a:r>
+              <a:rPr lang="en-US" sz="1100" dirty="0">
+                <a:solidFill>
+                  <a:schemeClr val="tx1"/>
+                </a:solidFill>
+                <a:latin typeface="Futura"/>
+                <a:cs typeface="Times New Roman" panose="02020603050405020304" pitchFamily="18" charset="0"/>
+              </a:rPr>
+              <a:t>map</a:t>
+            </a:r>
+          </a:p>
+        </p:txBody>
+      </p:sp>
+      <mc:AlternateContent xmlns:mc="http://schemas.openxmlformats.org/markup-compatibility/2006" xmlns:a14="http://schemas.microsoft.com/office/drawing/2010/main">
+        <mc:Choice Requires="a14">
+          <p:sp>
+            <p:nvSpPr>
+              <p:cNvPr id="18" name="Textfeld 17"/>
+              <p:cNvSpPr txBox="1"/>
+              <p:nvPr/>
+            </p:nvSpPr>
+            <p:spPr>
+              <a:xfrm>
+                <a:off x="4869590" y="4594389"/>
+                <a:ext cx="450123" cy="265457"/>
+              </a:xfrm>
+              <a:prstGeom prst="rect">
+                <a:avLst/>
+              </a:prstGeom>
+              <a:noFill/>
+            </p:spPr>
+            <p:txBody>
+              <a:bodyPr wrap="square" rtlCol="0">
+                <a:spAutoFit/>
+              </a:bodyPr>
+              <a:lstStyle/>
+              <a:p>
+                <a:pPr/>
+                <a14:m>
+                  <m:oMathPara xmlns:m="http://schemas.openxmlformats.org/officeDocument/2006/math">
+                    <m:oMathParaPr>
+                      <m:jc m:val="centerGroup"/>
+                    </m:oMathParaPr>
+                    <m:oMath xmlns:m="http://schemas.openxmlformats.org/officeDocument/2006/math">
+                      <m:sSup>
+                        <m:sSupPr>
+                          <m:ctrlPr>
+                            <a:rPr lang="de-DE" sz="1100" i="1" dirty="0">
+                              <a:latin typeface="Cambria Math" panose="02040503050406030204" pitchFamily="18" charset="0"/>
+                            </a:rPr>
+                          </m:ctrlPr>
+                        </m:sSupPr>
+                        <m:e>
+                          <m:r>
+                            <a:rPr lang="de-DE" sz="1100" i="1" dirty="0">
+                              <a:latin typeface="Cambria Math" panose="02040503050406030204" pitchFamily="18" charset="0"/>
+                            </a:rPr>
+                            <m:t>𝑉</m:t>
+                          </m:r>
+                        </m:e>
+                        <m:sup>
+                          <m:r>
+                            <a:rPr lang="de-DE" sz="1100" i="1" dirty="0">
+                              <a:latin typeface="Cambria Math" panose="02040503050406030204" pitchFamily="18" charset="0"/>
+                            </a:rPr>
+                            <m:t>𝑆𝑉</m:t>
+                          </m:r>
+                        </m:sup>
+                      </m:sSup>
+                    </m:oMath>
+                  </m:oMathPara>
+                </a14:m>
+                <a:endParaRPr lang="de-DE" sz="1350" dirty="0">
+                  <a:latin typeface="Futura"/>
+                </a:endParaRPr>
+              </a:p>
+            </p:txBody>
+          </p:sp>
+        </mc:Choice>
+        <mc:Fallback xmlns="">
+          <p:sp>
+            <p:nvSpPr>
+              <p:cNvPr id="18" name="Textfeld 17"/>
+              <p:cNvSpPr txBox="1">
+                <a:spLocks noRot="1" noChangeAspect="1" noMove="1" noResize="1" noEditPoints="1" noAdjustHandles="1" noChangeArrowheads="1" noChangeShapeType="1" noTextEdit="1"/>
+              </p:cNvSpPr>
+              <p:nvPr/>
+            </p:nvSpPr>
+            <p:spPr>
+              <a:xfrm>
+                <a:off x="4869590" y="4594389"/>
+                <a:ext cx="450123" cy="265457"/>
+              </a:xfrm>
+              <a:prstGeom prst="rect">
+                <a:avLst/>
+              </a:prstGeom>
+              <a:blipFill>
+                <a:blip r:embed="rId4"/>
+                <a:stretch>
+                  <a:fillRect/>
+                </a:stretch>
+              </a:blipFill>
+            </p:spPr>
+            <p:txBody>
+              <a:bodyPr/>
+              <a:lstStyle/>
+              <a:p>
+                <a:r>
+                  <a:rPr lang="en-GB">
+                    <a:noFill/>
+                  </a:rPr>
+                  <a:t> </a:t>
+                </a:r>
+              </a:p>
+            </p:txBody>
+          </p:sp>
+        </mc:Fallback>
+      </mc:AlternateContent>
+      <p:cxnSp>
+        <p:nvCxnSpPr>
+          <p:cNvPr id="31" name="Gerade Verbindung mit Pfeil 30"/>
+          <p:cNvCxnSpPr>
+            <a:cxnSpLocks/>
+            <a:stCxn id="76" idx="3"/>
+            <a:endCxn id="77" idx="1"/>
+          </p:cNvCxnSpPr>
+          <p:nvPr/>
+        </p:nvCxnSpPr>
+        <p:spPr>
+          <a:xfrm>
+            <a:off x="1609132" y="2527400"/>
+            <a:ext cx="188658" cy="0"/>
+          </a:xfrm>
+          <a:prstGeom prst="straightConnector1">
+            <a:avLst/>
+          </a:prstGeom>
+          <a:ln w="12700">
+            <a:solidFill>
+              <a:schemeClr val="tx1"/>
+            </a:solidFill>
+            <a:tailEnd type="triangle"/>
+          </a:ln>
+        </p:spPr>
+        <p:style>
+          <a:lnRef idx="1">
+            <a:schemeClr val="accent1"/>
+          </a:lnRef>
+          <a:fillRef idx="0">
+            <a:schemeClr val="accent1"/>
+          </a:fillRef>
+          <a:effectRef idx="0">
+            <a:schemeClr val="accent1"/>
+          </a:effectRef>
+          <a:fontRef idx="minor">
+            <a:schemeClr val="tx1"/>
+          </a:fontRef>
+        </p:style>
+      </p:cxnSp>
+      <p:cxnSp>
+        <p:nvCxnSpPr>
+          <p:cNvPr id="33" name="Gerade Verbindung mit Pfeil 32"/>
+          <p:cNvCxnSpPr>
+            <a:cxnSpLocks/>
+            <a:stCxn id="77" idx="3"/>
+            <a:endCxn id="79" idx="1"/>
+          </p:cNvCxnSpPr>
+          <p:nvPr/>
+        </p:nvCxnSpPr>
+        <p:spPr>
+          <a:xfrm>
+            <a:off x="2715892" y="2527400"/>
+            <a:ext cx="181896" cy="0"/>
+          </a:xfrm>
+          <a:prstGeom prst="straightConnector1">
+            <a:avLst/>
+          </a:prstGeom>
+          <a:ln w="12700">
+            <a:solidFill>
+              <a:schemeClr val="tx1"/>
+            </a:solidFill>
+            <a:tailEnd type="triangle"/>
+          </a:ln>
+        </p:spPr>
+        <p:style>
+          <a:lnRef idx="1">
+            <a:schemeClr val="accent1"/>
+          </a:lnRef>
+          <a:fillRef idx="0">
+            <a:schemeClr val="accent1"/>
+          </a:fillRef>
+          <a:effectRef idx="0">
+            <a:schemeClr val="accent1"/>
+          </a:effectRef>
+          <a:fontRef idx="minor">
+            <a:schemeClr val="tx1"/>
+          </a:fontRef>
+        </p:style>
+      </p:cxnSp>
+      <p:cxnSp>
+        <p:nvCxnSpPr>
+          <p:cNvPr id="53" name="Gerade Verbindung mit Pfeil 52"/>
+          <p:cNvCxnSpPr>
+            <a:cxnSpLocks/>
+            <a:stCxn id="79" idx="0"/>
+            <a:endCxn id="101" idx="3"/>
+          </p:cNvCxnSpPr>
+          <p:nvPr/>
+        </p:nvCxnSpPr>
+        <p:spPr>
+          <a:xfrm flipV="1">
+            <a:off x="3356788" y="1820614"/>
+            <a:ext cx="0" cy="382587"/>
+          </a:xfrm>
+          <a:prstGeom prst="straightConnector1">
+            <a:avLst/>
+          </a:prstGeom>
+          <a:ln w="12700">
+            <a:solidFill>
+              <a:schemeClr val="tx1"/>
+            </a:solidFill>
+            <a:headEnd type="triangle"/>
+            <a:tailEnd type="none"/>
+          </a:ln>
+        </p:spPr>
+        <p:style>
+          <a:lnRef idx="1">
+            <a:schemeClr val="accent1"/>
+          </a:lnRef>
+          <a:fillRef idx="0">
+            <a:schemeClr val="accent1"/>
+          </a:fillRef>
+          <a:effectRef idx="0">
+            <a:schemeClr val="accent1"/>
+          </a:effectRef>
+          <a:fontRef idx="minor">
+            <a:schemeClr val="tx1"/>
+          </a:fontRef>
+        </p:style>
+      </p:cxnSp>
+      <p:cxnSp>
+        <p:nvCxnSpPr>
+          <p:cNvPr id="56" name="Gerade Verbindung mit Pfeil 55"/>
+          <p:cNvCxnSpPr>
+            <a:cxnSpLocks/>
+            <a:stCxn id="79" idx="2"/>
+            <a:endCxn id="60" idx="0"/>
+          </p:cNvCxnSpPr>
+          <p:nvPr/>
+        </p:nvCxnSpPr>
+        <p:spPr>
+          <a:xfrm>
+            <a:off x="3356788" y="2851599"/>
+            <a:ext cx="0" cy="397960"/>
+          </a:xfrm>
+          <a:prstGeom prst="straightConnector1">
+            <a:avLst/>
+          </a:prstGeom>
+          <a:ln w="12700">
+            <a:solidFill>
+              <a:schemeClr val="tx1"/>
+            </a:solidFill>
+            <a:tailEnd type="triangle"/>
+          </a:ln>
+        </p:spPr>
+        <p:style>
+          <a:lnRef idx="1">
+            <a:schemeClr val="accent1"/>
+          </a:lnRef>
+          <a:fillRef idx="0">
+            <a:schemeClr val="accent1"/>
+          </a:fillRef>
+          <a:effectRef idx="0">
+            <a:schemeClr val="accent1"/>
+          </a:effectRef>
+          <a:fontRef idx="minor">
+            <a:schemeClr val="tx1"/>
+          </a:fontRef>
+        </p:style>
+      </p:cxnSp>
+      <p:cxnSp>
+        <p:nvCxnSpPr>
+          <p:cNvPr id="58" name="Gerade Verbindung mit Pfeil 57"/>
+          <p:cNvCxnSpPr>
+            <a:cxnSpLocks/>
+            <a:stCxn id="60" idx="2"/>
+            <a:endCxn id="84" idx="0"/>
+          </p:cNvCxnSpPr>
+          <p:nvPr/>
+        </p:nvCxnSpPr>
+        <p:spPr>
+          <a:xfrm>
+            <a:off x="3356788" y="3897957"/>
+            <a:ext cx="0" cy="381268"/>
+          </a:xfrm>
+          <a:prstGeom prst="straightConnector1">
+            <a:avLst/>
+          </a:prstGeom>
+          <a:ln w="12700">
+            <a:solidFill>
+              <a:schemeClr val="tx1"/>
+            </a:solidFill>
+            <a:tailEnd type="triangle"/>
+          </a:ln>
+        </p:spPr>
+        <p:style>
+          <a:lnRef idx="1">
+            <a:schemeClr val="accent1"/>
+          </a:lnRef>
+          <a:fillRef idx="0">
+            <a:schemeClr val="accent1"/>
+          </a:fillRef>
+          <a:effectRef idx="0">
+            <a:schemeClr val="accent1"/>
+          </a:effectRef>
+          <a:fontRef idx="minor">
+            <a:schemeClr val="tx1"/>
+          </a:fontRef>
+        </p:style>
+      </p:cxnSp>
+      <p:cxnSp>
+        <p:nvCxnSpPr>
+          <p:cNvPr id="63" name="Gerade Verbindung mit Pfeil 62"/>
+          <p:cNvCxnSpPr>
+            <a:cxnSpLocks/>
+            <a:stCxn id="88" idx="3"/>
+            <a:endCxn id="84" idx="1"/>
+          </p:cNvCxnSpPr>
+          <p:nvPr/>
+        </p:nvCxnSpPr>
+        <p:spPr>
+          <a:xfrm>
+            <a:off x="1605356" y="4599771"/>
+            <a:ext cx="1292432" cy="3653"/>
+          </a:xfrm>
+          <a:prstGeom prst="straightConnector1">
+            <a:avLst/>
+          </a:prstGeom>
+          <a:ln w="12700">
+            <a:solidFill>
+              <a:schemeClr val="tx1"/>
+            </a:solidFill>
+            <a:tailEnd type="triangle"/>
+          </a:ln>
+        </p:spPr>
+        <p:style>
+          <a:lnRef idx="1">
+            <a:schemeClr val="accent1"/>
+          </a:lnRef>
+          <a:fillRef idx="0">
+            <a:schemeClr val="accent1"/>
+          </a:fillRef>
+          <a:effectRef idx="0">
+            <a:schemeClr val="accent1"/>
+          </a:effectRef>
+          <a:fontRef idx="minor">
+            <a:schemeClr val="tx1"/>
+          </a:fontRef>
+        </p:style>
+      </p:cxnSp>
+      <p:cxnSp>
+        <p:nvCxnSpPr>
+          <p:cNvPr id="66" name="Gerade Verbindung mit Pfeil 65"/>
+          <p:cNvCxnSpPr>
+            <a:cxnSpLocks/>
+            <a:stCxn id="84" idx="3"/>
+            <a:endCxn id="83" idx="1"/>
+          </p:cNvCxnSpPr>
+          <p:nvPr/>
+        </p:nvCxnSpPr>
+        <p:spPr>
+          <a:xfrm>
+            <a:off x="3815788" y="4603424"/>
+            <a:ext cx="214041" cy="981"/>
+          </a:xfrm>
+          <a:prstGeom prst="straightConnector1">
+            <a:avLst/>
+          </a:prstGeom>
+          <a:ln w="12700">
+            <a:solidFill>
+              <a:schemeClr val="tx1"/>
+            </a:solidFill>
+            <a:tailEnd type="triangle"/>
+          </a:ln>
+        </p:spPr>
+        <p:style>
+          <a:lnRef idx="1">
+            <a:schemeClr val="accent1"/>
+          </a:lnRef>
+          <a:fillRef idx="0">
+            <a:schemeClr val="accent1"/>
+          </a:fillRef>
+          <a:effectRef idx="0">
+            <a:schemeClr val="accent1"/>
+          </a:effectRef>
+          <a:fontRef idx="minor">
+            <a:schemeClr val="tx1"/>
+          </a:fontRef>
+        </p:style>
+      </p:cxnSp>
+      <p:cxnSp>
+        <p:nvCxnSpPr>
+          <p:cNvPr id="68" name="Gerade Verbindung mit Pfeil 67"/>
+          <p:cNvCxnSpPr>
+            <a:cxnSpLocks/>
+            <a:stCxn id="83" idx="3"/>
+            <a:endCxn id="82" idx="1"/>
+          </p:cNvCxnSpPr>
+          <p:nvPr/>
+        </p:nvCxnSpPr>
+        <p:spPr>
+          <a:xfrm flipV="1">
+            <a:off x="4947931" y="4602574"/>
+            <a:ext cx="520758" cy="1831"/>
+          </a:xfrm>
+          <a:prstGeom prst="straightConnector1">
+            <a:avLst/>
+          </a:prstGeom>
+          <a:ln w="12700">
+            <a:solidFill>
+              <a:schemeClr val="tx1"/>
+            </a:solidFill>
+            <a:tailEnd type="triangle"/>
+          </a:ln>
+        </p:spPr>
+        <p:style>
+          <a:lnRef idx="1">
+            <a:schemeClr val="accent1"/>
+          </a:lnRef>
+          <a:fillRef idx="0">
+            <a:schemeClr val="accent1"/>
+          </a:fillRef>
+          <a:effectRef idx="0">
+            <a:schemeClr val="accent1"/>
+          </a:effectRef>
+          <a:fontRef idx="minor">
+            <a:schemeClr val="tx1"/>
+          </a:fontRef>
+        </p:style>
+      </p:cxnSp>
+      <p:sp>
+        <p:nvSpPr>
+          <p:cNvPr id="100" name="Textfeld 99">
+            <a:extLst>
+              <a:ext uri="{FF2B5EF4-FFF2-40B4-BE49-F238E27FC236}">
+                <a16:creationId xmlns:a16="http://schemas.microsoft.com/office/drawing/2014/main" id="{FEB7460F-EA71-4E85-80CF-6CE363E10C88}"/>
+              </a:ext>
+            </a:extLst>
+          </p:cNvPr>
+          <p:cNvSpPr txBox="1"/>
+          <p:nvPr/>
+        </p:nvSpPr>
+        <p:spPr>
+          <a:xfrm>
+            <a:off x="-504564" y="-463103"/>
+            <a:ext cx="11247783" cy="353943"/>
+          </a:xfrm>
+          <a:prstGeom prst="rect">
+            <a:avLst/>
+          </a:prstGeom>
+          <a:noFill/>
+        </p:spPr>
+        <p:txBody>
+          <a:bodyPr wrap="square" rtlCol="0">
+            <a:spAutoFit/>
+          </a:bodyPr>
+          <a:lstStyle/>
+          <a:p>
+            <a:r>
+              <a:rPr lang="en-US" sz="1700" b="1" dirty="0">
+                <a:latin typeface="Futura"/>
+                <a:cs typeface="Times New Roman" panose="02020603050405020304" pitchFamily="18" charset="0"/>
+              </a:rPr>
+              <a:t>SL AL </a:t>
+            </a:r>
+            <a:r>
+              <a:rPr lang="en-US" sz="1700" dirty="0">
+                <a:latin typeface="Futura"/>
+                <a:cs typeface="Times New Roman" panose="02020603050405020304" pitchFamily="18" charset="0"/>
+              </a:rPr>
+              <a:t>method</a:t>
+            </a:r>
+            <a:r>
+              <a:rPr lang="de-DE" sz="1700" dirty="0">
+                <a:latin typeface="Futura"/>
+                <a:cs typeface="Times New Roman" panose="02020603050405020304" pitchFamily="18" charset="0"/>
+              </a:rPr>
+              <a:t> </a:t>
+            </a:r>
+            <a:r>
+              <a:rPr lang="en-US" sz="1700" dirty="0">
+                <a:latin typeface="Futura"/>
+                <a:cs typeface="Times New Roman" panose="02020603050405020304" pitchFamily="18" charset="0"/>
+              </a:rPr>
+              <a:t>with</a:t>
+            </a:r>
+            <a:r>
+              <a:rPr lang="de-DE" sz="1700" dirty="0">
+                <a:latin typeface="Futura"/>
+                <a:cs typeface="Times New Roman" panose="02020603050405020304" pitchFamily="18" charset="0"/>
+              </a:rPr>
+              <a:t> </a:t>
+            </a:r>
+            <a:r>
+              <a:rPr lang="en-US" sz="1700" dirty="0">
+                <a:latin typeface="Futura"/>
+                <a:cs typeface="Times New Roman" panose="02020603050405020304" pitchFamily="18" charset="0"/>
+              </a:rPr>
+              <a:t>constrained</a:t>
+            </a:r>
+            <a:r>
+              <a:rPr lang="de-DE" sz="1700" dirty="0">
+                <a:latin typeface="Futura"/>
+                <a:cs typeface="Times New Roman" panose="02020603050405020304" pitchFamily="18" charset="0"/>
+              </a:rPr>
+              <a:t> </a:t>
+            </a:r>
+            <a:r>
+              <a:rPr lang="en-US" sz="1700" dirty="0">
+                <a:latin typeface="Futura"/>
+                <a:cs typeface="Times New Roman" panose="02020603050405020304" pitchFamily="18" charset="0"/>
+              </a:rPr>
+              <a:t>Virtual Support Vector Machine + </a:t>
+            </a:r>
+            <a:r>
+              <a:rPr lang="en-US" sz="1700" b="1" dirty="0">
+                <a:latin typeface="Futura"/>
+                <a:cs typeface="Times New Roman" panose="02020603050405020304" pitchFamily="18" charset="0"/>
+              </a:rPr>
+              <a:t>SEMI</a:t>
+            </a:r>
+            <a:r>
+              <a:rPr lang="en-US" sz="1700" dirty="0">
+                <a:latin typeface="Futura"/>
+                <a:cs typeface="Times New Roman" panose="02020603050405020304" pitchFamily="18" charset="0"/>
+              </a:rPr>
+              <a:t> </a:t>
+            </a:r>
+            <a:endParaRPr lang="de-DE" sz="1700" dirty="0">
+              <a:latin typeface="Futura"/>
+              <a:cs typeface="Times New Roman" panose="02020603050405020304" pitchFamily="18" charset="0"/>
+            </a:endParaRPr>
+          </a:p>
+        </p:txBody>
+      </p:sp>
+      <p:sp>
+        <p:nvSpPr>
+          <p:cNvPr id="2" name="Zylinder 1">
+            <a:extLst>
+              <a:ext uri="{FF2B5EF4-FFF2-40B4-BE49-F238E27FC236}">
+                <a16:creationId xmlns:a16="http://schemas.microsoft.com/office/drawing/2014/main" id="{7FC7301F-2494-4D15-88B6-3B540EB335BB}"/>
+              </a:ext>
+            </a:extLst>
+          </p:cNvPr>
+          <p:cNvSpPr/>
+          <p:nvPr/>
+        </p:nvSpPr>
+        <p:spPr>
+          <a:xfrm>
+            <a:off x="399329" y="879144"/>
+            <a:ext cx="1080000" cy="963900"/>
+          </a:xfrm>
+          <a:prstGeom prst="can">
+            <a:avLst/>
+          </a:prstGeom>
+          <a:solidFill>
+            <a:schemeClr val="bg1">
+              <a:lumMod val="95000"/>
+            </a:schemeClr>
+          </a:solidFill>
+          <a:ln w="12700">
+            <a:solidFill>
+              <a:schemeClr val="tx1"/>
+            </a:solidFill>
+          </a:ln>
+        </p:spPr>
+        <p:style>
+          <a:lnRef idx="2">
+            <a:schemeClr val="accent1">
+              <a:shade val="50000"/>
+            </a:schemeClr>
+          </a:lnRef>
+          <a:fillRef idx="1">
+            <a:schemeClr val="accent1"/>
+          </a:fillRef>
+          <a:effectRef idx="0">
+            <a:schemeClr val="accent1"/>
+          </a:effectRef>
+          <a:fontRef idx="minor">
+            <a:schemeClr val="lt1"/>
+          </a:fontRef>
+        </p:style>
+        <p:txBody>
+          <a:bodyPr rtlCol="0" anchor="ctr"/>
+          <a:lstStyle/>
+          <a:p>
+            <a:pPr algn="ctr"/>
+            <a:r>
+              <a:rPr lang="en-US" sz="1050" dirty="0">
+                <a:solidFill>
+                  <a:schemeClr val="tx1"/>
+                </a:solidFill>
+                <a:latin typeface="Futura"/>
+                <a:cs typeface="Times New Roman" panose="02020603050405020304" pitchFamily="18" charset="0"/>
+              </a:rPr>
+              <a:t>image</a:t>
+            </a:r>
+          </a:p>
+        </p:txBody>
+      </p:sp>
+      <mc:AlternateContent xmlns:mc="http://schemas.openxmlformats.org/markup-compatibility/2006" xmlns:a14="http://schemas.microsoft.com/office/drawing/2010/main">
+        <mc:Choice Requires="a14">
+          <p:sp>
+            <p:nvSpPr>
+              <p:cNvPr id="101" name="Zylinder 100">
+                <a:extLst>
+                  <a:ext uri="{FF2B5EF4-FFF2-40B4-BE49-F238E27FC236}">
+                    <a16:creationId xmlns:a16="http://schemas.microsoft.com/office/drawing/2014/main" id="{745F9C84-726B-4DBD-8F2E-76240AC2FE56}"/>
+                  </a:ext>
+                </a:extLst>
+              </p:cNvPr>
+              <p:cNvSpPr/>
+              <p:nvPr/>
+            </p:nvSpPr>
+            <p:spPr>
+              <a:xfrm>
+                <a:off x="2816788" y="856714"/>
+                <a:ext cx="1080000" cy="963900"/>
+              </a:xfrm>
+              <a:prstGeom prst="can">
+                <a:avLst/>
+              </a:prstGeom>
+              <a:solidFill>
+                <a:schemeClr val="bg1">
+                  <a:lumMod val="95000"/>
+                </a:schemeClr>
+              </a:solidFill>
+              <a:ln w="12700">
+                <a:solidFill>
+                  <a:schemeClr val="tx1"/>
+                </a:solidFill>
+              </a:ln>
+            </p:spPr>
+            <p:style>
+              <a:lnRef idx="2">
+                <a:schemeClr val="accent1">
+                  <a:shade val="50000"/>
+                </a:schemeClr>
+              </a:lnRef>
+              <a:fillRef idx="1">
+                <a:schemeClr val="accent1"/>
+              </a:fillRef>
+              <a:effectRef idx="0">
+                <a:schemeClr val="accent1"/>
+              </a:effectRef>
+              <a:fontRef idx="minor">
+                <a:schemeClr val="lt1"/>
+              </a:fontRef>
+            </p:style>
+            <p:txBody>
+              <a:bodyPr rtlCol="0" anchor="ctr"/>
+              <a:lstStyle/>
+              <a:p>
+                <a:pPr algn="ctr"/>
+                <a:r>
+                  <a:rPr lang="en-US" sz="1050" dirty="0">
+                    <a:solidFill>
+                      <a:schemeClr val="tx1"/>
+                    </a:solidFill>
+                    <a:latin typeface="Futura"/>
+                    <a:cs typeface="Times New Roman" panose="02020603050405020304" pitchFamily="18" charset="0"/>
+                  </a:rPr>
+                  <a:t>labeled samples </a:t>
+                </a:r>
+                <a14:m>
+                  <m:oMath xmlns:m="http://schemas.openxmlformats.org/officeDocument/2006/math">
+                    <m:r>
+                      <a:rPr lang="en-US" sz="1050" i="1">
+                        <a:solidFill>
+                          <a:schemeClr val="tx1"/>
+                        </a:solidFill>
+                        <a:latin typeface="Cambria Math" panose="02040503050406030204" pitchFamily="18" charset="0"/>
+                        <a:cs typeface="Times New Roman" panose="02020603050405020304" pitchFamily="18" charset="0"/>
+                      </a:rPr>
+                      <m:t>𝑋</m:t>
+                    </m:r>
+                  </m:oMath>
+                </a14:m>
+                <a:endParaRPr lang="en-US" sz="1050" dirty="0">
+                  <a:solidFill>
+                    <a:schemeClr val="tx1"/>
+                  </a:solidFill>
+                  <a:latin typeface="Futura"/>
+                  <a:cs typeface="Times New Roman" panose="02020603050405020304" pitchFamily="18" charset="0"/>
+                </a:endParaRPr>
+              </a:p>
+            </p:txBody>
+          </p:sp>
+        </mc:Choice>
+        <mc:Fallback xmlns="">
+          <p:sp>
+            <p:nvSpPr>
+              <p:cNvPr id="101" name="Zylinder 100">
+                <a:extLst>
+                  <a:ext uri="{FF2B5EF4-FFF2-40B4-BE49-F238E27FC236}">
+                    <a16:creationId xmlns:a16="http://schemas.microsoft.com/office/drawing/2014/main" id="{745F9C84-726B-4DBD-8F2E-76240AC2FE56}"/>
+                  </a:ext>
+                </a:extLst>
+              </p:cNvPr>
+              <p:cNvSpPr>
+                <a:spLocks noRot="1" noChangeAspect="1" noMove="1" noResize="1" noEditPoints="1" noAdjustHandles="1" noChangeArrowheads="1" noChangeShapeType="1" noTextEdit="1"/>
+              </p:cNvSpPr>
+              <p:nvPr/>
+            </p:nvSpPr>
+            <p:spPr>
+              <a:xfrm>
+                <a:off x="2816788" y="856714"/>
+                <a:ext cx="1080000" cy="963900"/>
+              </a:xfrm>
+              <a:prstGeom prst="can">
+                <a:avLst/>
+              </a:prstGeom>
+              <a:blipFill>
+                <a:blip r:embed="rId5"/>
+                <a:stretch>
+                  <a:fillRect/>
+                </a:stretch>
+              </a:blipFill>
+              <a:ln w="12700">
+                <a:solidFill>
+                  <a:schemeClr val="tx1"/>
+                </a:solidFill>
+              </a:ln>
+            </p:spPr>
+            <p:txBody>
+              <a:bodyPr/>
+              <a:lstStyle/>
+              <a:p>
+                <a:r>
+                  <a:rPr lang="en-GB">
+                    <a:noFill/>
+                  </a:rPr>
+                  <a:t> </a:t>
+                </a:r>
+              </a:p>
+            </p:txBody>
+          </p:sp>
+        </mc:Fallback>
+      </mc:AlternateContent>
+      <mc:AlternateContent xmlns:mc="http://schemas.openxmlformats.org/markup-compatibility/2006">
+        <mc:Choice xmlns:a14="http://schemas.microsoft.com/office/drawing/2010/main" Requires="a14">
+          <p:sp>
+            <p:nvSpPr>
+              <p:cNvPr id="103" name="Zylinder 102">
+                <a:extLst>
+                  <a:ext uri="{FF2B5EF4-FFF2-40B4-BE49-F238E27FC236}">
+                    <a16:creationId xmlns:a16="http://schemas.microsoft.com/office/drawing/2014/main" id="{FB57FE56-DDB0-4D71-9998-2808DD09E0E0}"/>
+                  </a:ext>
+                </a:extLst>
+              </p:cNvPr>
+              <p:cNvSpPr/>
+              <p:nvPr/>
+            </p:nvSpPr>
+            <p:spPr>
+              <a:xfrm>
+                <a:off x="7905294" y="857680"/>
+                <a:ext cx="1080000" cy="963027"/>
+              </a:xfrm>
+              <a:prstGeom prst="can">
+                <a:avLst/>
+              </a:prstGeom>
+              <a:solidFill>
+                <a:schemeClr val="bg1">
+                  <a:lumMod val="95000"/>
+                </a:schemeClr>
+              </a:solidFill>
+              <a:ln w="12700">
+                <a:solidFill>
+                  <a:schemeClr val="tx1"/>
+                </a:solidFill>
+              </a:ln>
+            </p:spPr>
+            <p:style>
+              <a:lnRef idx="2">
+                <a:schemeClr val="accent1">
+                  <a:shade val="50000"/>
+                </a:schemeClr>
+              </a:lnRef>
+              <a:fillRef idx="1">
+                <a:schemeClr val="accent1"/>
+              </a:fillRef>
+              <a:effectRef idx="0">
+                <a:schemeClr val="accent1"/>
+              </a:effectRef>
+              <a:fontRef idx="minor">
+                <a:schemeClr val="lt1"/>
+              </a:fontRef>
+            </p:style>
+            <p:txBody>
+              <a:bodyPr rtlCol="0" anchor="ctr"/>
+              <a:lstStyle/>
+              <a:p>
+                <a:pPr algn="ctr"/>
+                <a:r>
+                  <a:rPr lang="en-US" sz="1050" dirty="0">
+                    <a:solidFill>
+                      <a:schemeClr val="tx1"/>
+                    </a:solidFill>
+                    <a:latin typeface="Futura"/>
+                    <a:cs typeface="Times New Roman" panose="02020603050405020304" pitchFamily="18" charset="0"/>
+                  </a:rPr>
+                  <a:t>pool of unlabeled samples </a:t>
+                </a:r>
+                <a14:m>
+                  <m:oMath xmlns:m="http://schemas.openxmlformats.org/officeDocument/2006/math">
+                    <m:acc>
+                      <m:accPr>
+                        <m:chr m:val="̃"/>
+                        <m:ctrlPr>
+                          <a:rPr lang="en-US" sz="1050" i="1">
+                            <a:solidFill>
+                              <a:schemeClr val="tx1"/>
+                            </a:solidFill>
+                            <a:latin typeface="Cambria Math" panose="02040503050406030204" pitchFamily="18" charset="0"/>
+                            <a:cs typeface="Times New Roman" panose="02020603050405020304" pitchFamily="18" charset="0"/>
+                          </a:rPr>
+                        </m:ctrlPr>
+                      </m:accPr>
+                      <m:e>
+                        <m:r>
+                          <a:rPr lang="en-US" sz="1050" i="1">
+                            <a:solidFill>
+                              <a:schemeClr val="tx1"/>
+                            </a:solidFill>
+                            <a:latin typeface="Cambria Math" panose="02040503050406030204" pitchFamily="18" charset="0"/>
+                            <a:cs typeface="Times New Roman" panose="02020603050405020304" pitchFamily="18" charset="0"/>
+                          </a:rPr>
+                          <m:t>𝑈</m:t>
+                        </m:r>
+                      </m:e>
+                    </m:acc>
+                  </m:oMath>
+                </a14:m>
+                <a:endParaRPr lang="en-US" sz="1050" dirty="0">
+                  <a:solidFill>
+                    <a:schemeClr val="tx1"/>
+                  </a:solidFill>
+                  <a:latin typeface="Futura"/>
+                  <a:cs typeface="Times New Roman" panose="02020603050405020304" pitchFamily="18" charset="0"/>
+                </a:endParaRPr>
+              </a:p>
+            </p:txBody>
+          </p:sp>
+        </mc:Choice>
+        <mc:Fallback>
+          <p:sp>
+            <p:nvSpPr>
+              <p:cNvPr id="103" name="Zylinder 102">
+                <a:extLst>
+                  <a:ext uri="{FF2B5EF4-FFF2-40B4-BE49-F238E27FC236}">
+                    <a16:creationId xmlns:a16="http://schemas.microsoft.com/office/drawing/2014/main" id="{FB57FE56-DDB0-4D71-9998-2808DD09E0E0}"/>
+                  </a:ext>
+                </a:extLst>
+              </p:cNvPr>
+              <p:cNvSpPr>
+                <a:spLocks noRot="1" noChangeAspect="1" noMove="1" noResize="1" noEditPoints="1" noAdjustHandles="1" noChangeArrowheads="1" noChangeShapeType="1" noTextEdit="1"/>
+              </p:cNvSpPr>
+              <p:nvPr/>
+            </p:nvSpPr>
+            <p:spPr>
+              <a:xfrm>
+                <a:off x="7905294" y="857680"/>
+                <a:ext cx="1080000" cy="963027"/>
+              </a:xfrm>
+              <a:prstGeom prst="can">
+                <a:avLst/>
+              </a:prstGeom>
+              <a:blipFill>
+                <a:blip r:embed="rId6"/>
+                <a:stretch>
+                  <a:fillRect r="-5587"/>
+                </a:stretch>
+              </a:blipFill>
+              <a:ln w="12700">
+                <a:solidFill>
+                  <a:schemeClr val="tx1"/>
+                </a:solidFill>
+              </a:ln>
+            </p:spPr>
+            <p:txBody>
+              <a:bodyPr/>
+              <a:lstStyle/>
+              <a:p>
+                <a:r>
+                  <a:rPr lang="en-GB">
+                    <a:noFill/>
+                  </a:rPr>
+                  <a:t> </a:t>
+                </a:r>
+              </a:p>
+            </p:txBody>
+          </p:sp>
+        </mc:Fallback>
+      </mc:AlternateContent>
+      <p:sp>
+        <p:nvSpPr>
+          <p:cNvPr id="209" name="Textfeld 64">
+            <a:extLst>
+              <a:ext uri="{FF2B5EF4-FFF2-40B4-BE49-F238E27FC236}">
+                <a16:creationId xmlns:a16="http://schemas.microsoft.com/office/drawing/2014/main" id="{90BE4522-8B58-4A93-B1B1-B95C41BD39B6}"/>
+              </a:ext>
+            </a:extLst>
+          </p:cNvPr>
+          <p:cNvSpPr txBox="1"/>
+          <p:nvPr/>
+        </p:nvSpPr>
+        <p:spPr>
+          <a:xfrm>
+            <a:off x="6435346" y="2058725"/>
+            <a:ext cx="1224136" cy="253916"/>
+          </a:xfrm>
+          <a:prstGeom prst="rect">
+            <a:avLst/>
+          </a:prstGeom>
+          <a:noFill/>
+        </p:spPr>
+        <p:txBody>
+          <a:bodyPr wrap="square" rtlCol="0">
+            <a:spAutoFit/>
+          </a:bodyPr>
+          <a:lstStyle/>
+          <a:p>
+            <a:r>
+              <a:rPr lang="en-US" sz="1050" b="1" dirty="0">
+                <a:solidFill>
+                  <a:schemeClr val="tx1">
+                    <a:lumMod val="75000"/>
+                    <a:lumOff val="25000"/>
+                  </a:schemeClr>
+                </a:solidFill>
+                <a:latin typeface="Futura"/>
+                <a:cs typeface="Times New Roman" panose="02020603050405020304" pitchFamily="18" charset="0"/>
+              </a:rPr>
+              <a:t>active learning</a:t>
+            </a:r>
+          </a:p>
+        </p:txBody>
+      </p:sp>
+      <p:cxnSp>
+        <p:nvCxnSpPr>
+          <p:cNvPr id="234" name="Gewinkelte Verbindung 27">
+            <a:extLst>
+              <a:ext uri="{FF2B5EF4-FFF2-40B4-BE49-F238E27FC236}">
+                <a16:creationId xmlns:a16="http://schemas.microsoft.com/office/drawing/2014/main" id="{65FF37ED-D4BD-441C-8BB5-6E2BDEE63AF7}"/>
+              </a:ext>
+            </a:extLst>
+          </p:cNvPr>
+          <p:cNvCxnSpPr>
+            <a:cxnSpLocks/>
+            <a:endCxn id="88" idx="1"/>
+          </p:cNvCxnSpPr>
+          <p:nvPr/>
+        </p:nvCxnSpPr>
+        <p:spPr>
+          <a:xfrm rot="5400000">
+            <a:off x="-912017" y="3004185"/>
+            <a:ext cx="2773759" cy="417412"/>
+          </a:xfrm>
+          <a:prstGeom prst="bentConnector4">
+            <a:avLst>
+              <a:gd name="adj1" fmla="val 5421"/>
+              <a:gd name="adj2" fmla="val 143812"/>
+            </a:avLst>
+          </a:prstGeom>
+          <a:ln w="12700">
+            <a:solidFill>
+              <a:schemeClr val="tx1"/>
+            </a:solidFill>
+            <a:tailEnd type="triangle"/>
+          </a:ln>
+        </p:spPr>
+        <p:style>
+          <a:lnRef idx="1">
+            <a:schemeClr val="accent1"/>
+          </a:lnRef>
+          <a:fillRef idx="0">
+            <a:schemeClr val="accent1"/>
+          </a:fillRef>
+          <a:effectRef idx="0">
+            <a:schemeClr val="accent1"/>
+          </a:effectRef>
+          <a:fontRef idx="minor">
+            <a:schemeClr val="tx1"/>
+          </a:fontRef>
+        </p:style>
+      </p:cxnSp>
+      <p:cxnSp>
+        <p:nvCxnSpPr>
+          <p:cNvPr id="364" name="Gerade Verbindung mit Pfeil 98">
+            <a:extLst>
+              <a:ext uri="{FF2B5EF4-FFF2-40B4-BE49-F238E27FC236}">
+                <a16:creationId xmlns:a16="http://schemas.microsoft.com/office/drawing/2014/main" id="{3EA6BF85-25D4-4C10-B8DB-668CEC8831A0}"/>
+              </a:ext>
+            </a:extLst>
+          </p:cNvPr>
+          <p:cNvCxnSpPr>
+            <a:cxnSpLocks/>
+            <a:stCxn id="85" idx="2"/>
+            <a:endCxn id="8" idx="0"/>
+          </p:cNvCxnSpPr>
+          <p:nvPr/>
+        </p:nvCxnSpPr>
+        <p:spPr>
+          <a:xfrm>
+            <a:off x="9116517" y="4928659"/>
+            <a:ext cx="0" cy="518814"/>
+          </a:xfrm>
+          <a:prstGeom prst="straightConnector1">
+            <a:avLst/>
+          </a:prstGeom>
+          <a:ln w="12700">
+            <a:solidFill>
+              <a:schemeClr val="tx1"/>
+            </a:solidFill>
+            <a:tailEnd type="triangle"/>
+          </a:ln>
+        </p:spPr>
+        <p:style>
+          <a:lnRef idx="1">
+            <a:schemeClr val="accent1"/>
+          </a:lnRef>
+          <a:fillRef idx="0">
+            <a:schemeClr val="accent1"/>
+          </a:fillRef>
+          <a:effectRef idx="0">
+            <a:schemeClr val="accent1"/>
+          </a:effectRef>
+          <a:fontRef idx="minor">
+            <a:schemeClr val="tx1"/>
+          </a:fontRef>
+        </p:style>
+      </p:cxnSp>
+      <p:cxnSp>
+        <p:nvCxnSpPr>
+          <p:cNvPr id="149" name="Gerade Verbindung mit Pfeil 42">
+            <a:extLst>
+              <a:ext uri="{FF2B5EF4-FFF2-40B4-BE49-F238E27FC236}">
+                <a16:creationId xmlns:a16="http://schemas.microsoft.com/office/drawing/2014/main" id="{7DAD0877-0710-4853-89F9-273CEE2FABE2}"/>
+              </a:ext>
+            </a:extLst>
+          </p:cNvPr>
+          <p:cNvCxnSpPr>
+            <a:cxnSpLocks/>
+            <a:stCxn id="90" idx="0"/>
+            <a:endCxn id="103" idx="3"/>
+          </p:cNvCxnSpPr>
+          <p:nvPr/>
+        </p:nvCxnSpPr>
+        <p:spPr>
+          <a:xfrm flipV="1">
+            <a:off x="8445294" y="1820707"/>
+            <a:ext cx="0" cy="386495"/>
+          </a:xfrm>
+          <a:prstGeom prst="straightConnector1">
+            <a:avLst/>
+          </a:prstGeom>
+          <a:ln w="12700">
+            <a:solidFill>
+              <a:schemeClr val="tx1"/>
+            </a:solidFill>
+            <a:headEnd type="triangle"/>
+            <a:tailEnd type="none"/>
+          </a:ln>
+        </p:spPr>
+        <p:style>
+          <a:lnRef idx="1">
+            <a:schemeClr val="accent1"/>
+          </a:lnRef>
+          <a:fillRef idx="0">
+            <a:schemeClr val="accent1"/>
+          </a:fillRef>
+          <a:effectRef idx="0">
+            <a:schemeClr val="accent1"/>
+          </a:effectRef>
+          <a:fontRef idx="minor">
+            <a:schemeClr val="tx1"/>
+          </a:fontRef>
+        </p:style>
+      </p:cxnSp>
+      <mc:AlternateContent xmlns:mc="http://schemas.openxmlformats.org/markup-compatibility/2006">
+        <mc:Choice xmlns:a14="http://schemas.microsoft.com/office/drawing/2010/main" Requires="a14">
+          <p:sp>
+            <p:nvSpPr>
+              <p:cNvPr id="165" name="Textfeld 60">
+                <a:extLst>
+                  <a:ext uri="{FF2B5EF4-FFF2-40B4-BE49-F238E27FC236}">
+                    <a16:creationId xmlns:a16="http://schemas.microsoft.com/office/drawing/2014/main" id="{64CAEF2F-7591-49CE-8AD8-ABE8B25A1418}"/>
+                  </a:ext>
+                </a:extLst>
+              </p:cNvPr>
+              <p:cNvSpPr txBox="1"/>
+              <p:nvPr/>
+            </p:nvSpPr>
+            <p:spPr>
+              <a:xfrm>
+                <a:off x="6485936" y="2292744"/>
+                <a:ext cx="1085368" cy="261610"/>
+              </a:xfrm>
+              <a:prstGeom prst="rect">
+                <a:avLst/>
+              </a:prstGeom>
+              <a:noFill/>
+            </p:spPr>
+            <p:txBody>
+              <a:bodyPr wrap="square" rtlCol="0">
+                <a:spAutoFit/>
+              </a:bodyPr>
+              <a:lstStyle/>
+              <a:p>
+                <a:pPr/>
+                <a14:m>
+                  <m:oMathPara xmlns:m="http://schemas.openxmlformats.org/officeDocument/2006/math">
+                    <m:oMathParaPr>
+                      <m:jc m:val="centerGroup"/>
+                    </m:oMathParaPr>
+                    <m:oMath xmlns:m="http://schemas.openxmlformats.org/officeDocument/2006/math">
+                      <m:sSub>
+                        <m:sSubPr>
+                          <m:ctrlPr>
+                            <a:rPr lang="de-DE" sz="1100" i="1">
+                              <a:solidFill>
+                                <a:prstClr val="black"/>
+                              </a:solidFill>
+                              <a:latin typeface="Cambria Math" panose="02040503050406030204" pitchFamily="18" charset="0"/>
+                            </a:rPr>
+                          </m:ctrlPr>
+                        </m:sSubPr>
+                        <m:e>
+                          <m:r>
+                            <a:rPr lang="it-IT" sz="1100" b="0" i="1" smtClean="0">
+                              <a:solidFill>
+                                <a:prstClr val="black"/>
+                              </a:solidFill>
+                              <a:latin typeface="Cambria Math" panose="02040503050406030204" pitchFamily="18" charset="0"/>
+                            </a:rPr>
+                            <m:t>𝑈</m:t>
+                          </m:r>
+                        </m:e>
+                        <m:sub>
+                          <m:r>
+                            <a:rPr lang="it-IT" sz="1100" i="1">
+                              <a:solidFill>
+                                <a:prstClr val="black"/>
+                              </a:solidFill>
+                              <a:latin typeface="Cambria Math" panose="02040503050406030204" pitchFamily="18" charset="0"/>
+                            </a:rPr>
+                            <m:t>𝑚𝑜𝑠𝑡</m:t>
+                          </m:r>
+                          <m:r>
+                            <a:rPr lang="it-IT" sz="1100" i="1">
+                              <a:solidFill>
+                                <a:prstClr val="black"/>
+                              </a:solidFill>
+                              <a:latin typeface="Cambria Math" panose="02040503050406030204" pitchFamily="18" charset="0"/>
+                            </a:rPr>
+                            <m:t>−</m:t>
+                          </m:r>
+                          <m:r>
+                            <a:rPr lang="it-IT" sz="1100" i="1">
+                              <a:solidFill>
+                                <a:prstClr val="black"/>
+                              </a:solidFill>
+                              <a:latin typeface="Cambria Math" panose="02040503050406030204" pitchFamily="18" charset="0"/>
+                            </a:rPr>
+                            <m:t>𝑢𝑛𝑐𝑒𝑟𝑡𝑎𝑖𝑛</m:t>
+                          </m:r>
+                        </m:sub>
+                      </m:sSub>
+                    </m:oMath>
+                  </m:oMathPara>
+                </a14:m>
+                <a:endParaRPr lang="de-DE" sz="1350" dirty="0">
+                  <a:latin typeface="Futura"/>
+                </a:endParaRPr>
+              </a:p>
+            </p:txBody>
+          </p:sp>
+        </mc:Choice>
+        <mc:Fallback>
+          <p:sp>
+            <p:nvSpPr>
+              <p:cNvPr id="165" name="Textfeld 60">
+                <a:extLst>
+                  <a:ext uri="{FF2B5EF4-FFF2-40B4-BE49-F238E27FC236}">
+                    <a16:creationId xmlns:a16="http://schemas.microsoft.com/office/drawing/2014/main" id="{64CAEF2F-7591-49CE-8AD8-ABE8B25A1418}"/>
+                  </a:ext>
+                </a:extLst>
+              </p:cNvPr>
+              <p:cNvSpPr txBox="1">
+                <a:spLocks noRot="1" noChangeAspect="1" noMove="1" noResize="1" noEditPoints="1" noAdjustHandles="1" noChangeArrowheads="1" noChangeShapeType="1" noTextEdit="1"/>
+              </p:cNvSpPr>
+              <p:nvPr/>
+            </p:nvSpPr>
+            <p:spPr>
+              <a:xfrm>
+                <a:off x="6485936" y="2292744"/>
+                <a:ext cx="1085368" cy="261610"/>
+              </a:xfrm>
+              <a:prstGeom prst="rect">
+                <a:avLst/>
+              </a:prstGeom>
+              <a:blipFill>
+                <a:blip r:embed="rId7"/>
+                <a:stretch>
+                  <a:fillRect/>
+                </a:stretch>
+              </a:blipFill>
+            </p:spPr>
+            <p:txBody>
+              <a:bodyPr/>
+              <a:lstStyle/>
+              <a:p>
+                <a:r>
+                  <a:rPr lang="en-GB">
+                    <a:noFill/>
+                  </a:rPr>
+                  <a:t> </a:t>
+                </a:r>
+              </a:p>
+            </p:txBody>
+          </p:sp>
+        </mc:Fallback>
+      </mc:AlternateContent>
+      <p:cxnSp>
+        <p:nvCxnSpPr>
+          <p:cNvPr id="109" name="Gerade Verbindung mit Pfeil 69">
+            <a:extLst>
+              <a:ext uri="{FF2B5EF4-FFF2-40B4-BE49-F238E27FC236}">
+                <a16:creationId xmlns:a16="http://schemas.microsoft.com/office/drawing/2014/main" id="{1699A4F2-6735-41BD-B99E-135F28B94023}"/>
+              </a:ext>
+            </a:extLst>
+          </p:cNvPr>
+          <p:cNvCxnSpPr>
+            <a:cxnSpLocks/>
+          </p:cNvCxnSpPr>
+          <p:nvPr/>
+        </p:nvCxnSpPr>
+        <p:spPr>
+          <a:xfrm flipV="1">
+            <a:off x="7599851" y="4727118"/>
+            <a:ext cx="1057666" cy="2608"/>
+          </a:xfrm>
+          <a:prstGeom prst="straightConnector1">
+            <a:avLst/>
+          </a:prstGeom>
+          <a:ln w="12700">
+            <a:solidFill>
+              <a:schemeClr val="tx1"/>
+            </a:solidFill>
+            <a:tailEnd type="triangle"/>
+          </a:ln>
+        </p:spPr>
+        <p:style>
+          <a:lnRef idx="1">
+            <a:schemeClr val="accent1"/>
+          </a:lnRef>
+          <a:fillRef idx="0">
+            <a:schemeClr val="accent1"/>
+          </a:fillRef>
+          <a:effectRef idx="0">
+            <a:schemeClr val="accent1"/>
+          </a:effectRef>
+          <a:fontRef idx="minor">
+            <a:schemeClr val="tx1"/>
+          </a:fontRef>
+        </p:style>
+      </p:cxnSp>
+      <p:cxnSp>
+        <p:nvCxnSpPr>
+          <p:cNvPr id="113" name="Gewinkelte Verbindung 40">
+            <a:extLst>
+              <a:ext uri="{FF2B5EF4-FFF2-40B4-BE49-F238E27FC236}">
+                <a16:creationId xmlns:a16="http://schemas.microsoft.com/office/drawing/2014/main" id="{F1A3E4B9-D271-4C99-95D5-7909449FDA90}"/>
+              </a:ext>
+            </a:extLst>
+          </p:cNvPr>
+          <p:cNvCxnSpPr>
+            <a:cxnSpLocks/>
+            <a:stCxn id="60" idx="3"/>
+            <a:endCxn id="85" idx="0"/>
+          </p:cNvCxnSpPr>
+          <p:nvPr/>
+        </p:nvCxnSpPr>
+        <p:spPr>
+          <a:xfrm>
+            <a:off x="3815788" y="3573758"/>
+            <a:ext cx="5300729" cy="706503"/>
+          </a:xfrm>
+          <a:prstGeom prst="bentConnector2">
+            <a:avLst/>
+          </a:prstGeom>
+          <a:ln w="12700">
+            <a:solidFill>
+              <a:schemeClr val="tx1"/>
+            </a:solidFill>
+            <a:tailEnd type="triangle"/>
+          </a:ln>
+        </p:spPr>
+        <p:style>
+          <a:lnRef idx="1">
+            <a:schemeClr val="accent1"/>
+          </a:lnRef>
+          <a:fillRef idx="0">
+            <a:schemeClr val="accent1"/>
+          </a:fillRef>
+          <a:effectRef idx="0">
+            <a:schemeClr val="accent1"/>
+          </a:effectRef>
+          <a:fontRef idx="minor">
+            <a:schemeClr val="tx1"/>
+          </a:fontRef>
+        </p:style>
+      </p:cxnSp>
+      <p:sp>
+        <p:nvSpPr>
+          <p:cNvPr id="123" name="Flussdiagramm: Prozess 21">
+            <a:extLst>
+              <a:ext uri="{FF2B5EF4-FFF2-40B4-BE49-F238E27FC236}">
+                <a16:creationId xmlns:a16="http://schemas.microsoft.com/office/drawing/2014/main" id="{2A706D72-0E57-490A-AF66-DB01038BAA16}"/>
+              </a:ext>
+            </a:extLst>
+          </p:cNvPr>
+          <p:cNvSpPr/>
+          <p:nvPr/>
+        </p:nvSpPr>
+        <p:spPr>
+          <a:xfrm>
+            <a:off x="5336110" y="4166400"/>
+            <a:ext cx="2819174" cy="1035609"/>
+          </a:xfrm>
+          <a:prstGeom prst="flowChartProcess">
+            <a:avLst/>
+          </a:prstGeom>
+          <a:solidFill>
+            <a:srgbClr val="0070C0">
+              <a:alpha val="40000"/>
+            </a:srgbClr>
+          </a:solidFill>
+          <a:ln>
+            <a:noFill/>
+          </a:ln>
+        </p:spPr>
+        <p:style>
+          <a:lnRef idx="2">
+            <a:schemeClr val="accent1">
+              <a:shade val="50000"/>
+            </a:schemeClr>
+          </a:lnRef>
+          <a:fillRef idx="1">
+            <a:schemeClr val="accent1"/>
+          </a:fillRef>
+          <a:effectRef idx="0">
+            <a:schemeClr val="accent1"/>
+          </a:effectRef>
+          <a:fontRef idx="minor">
+            <a:schemeClr val="lt1"/>
+          </a:fontRef>
+        </p:style>
+        <p:txBody>
+          <a:bodyPr rtlCol="0" anchor="ctr"/>
+          <a:lstStyle/>
+          <a:p>
+            <a:pPr algn="ctr"/>
+            <a:endParaRPr lang="de-DE" sz="1350"/>
+          </a:p>
+        </p:txBody>
+      </p:sp>
+      <p:cxnSp>
+        <p:nvCxnSpPr>
+          <p:cNvPr id="126" name="Gerade Verbindung mit Pfeil 69">
+            <a:extLst>
+              <a:ext uri="{FF2B5EF4-FFF2-40B4-BE49-F238E27FC236}">
+                <a16:creationId xmlns:a16="http://schemas.microsoft.com/office/drawing/2014/main" id="{DF0EDA5A-BD1A-4DFA-BC63-56A50EC0A540}"/>
+              </a:ext>
+            </a:extLst>
+          </p:cNvPr>
+          <p:cNvCxnSpPr>
+            <a:cxnSpLocks/>
+            <a:stCxn id="82" idx="3"/>
+            <a:endCxn id="81" idx="1"/>
+          </p:cNvCxnSpPr>
+          <p:nvPr/>
+        </p:nvCxnSpPr>
+        <p:spPr>
+          <a:xfrm flipV="1">
+            <a:off x="6438823" y="4599772"/>
+            <a:ext cx="246790" cy="2802"/>
+          </a:xfrm>
+          <a:prstGeom prst="straightConnector1">
+            <a:avLst/>
+          </a:prstGeom>
+          <a:ln w="12700">
+            <a:solidFill>
+              <a:schemeClr val="tx1"/>
+            </a:solidFill>
+            <a:tailEnd type="triangle"/>
+          </a:ln>
+        </p:spPr>
+        <p:style>
+          <a:lnRef idx="1">
+            <a:schemeClr val="accent1"/>
+          </a:lnRef>
+          <a:fillRef idx="0">
+            <a:schemeClr val="accent1"/>
+          </a:fillRef>
+          <a:effectRef idx="0">
+            <a:schemeClr val="accent1"/>
+          </a:effectRef>
+          <a:fontRef idx="minor">
+            <a:schemeClr val="tx1"/>
+          </a:fontRef>
+        </p:style>
+      </p:cxnSp>
+      <mc:AlternateContent xmlns:mc="http://schemas.openxmlformats.org/markup-compatibility/2006">
+        <mc:Choice xmlns:a14="http://schemas.microsoft.com/office/drawing/2010/main" Requires="a14">
+          <p:sp>
+            <p:nvSpPr>
+              <p:cNvPr id="128" name="Textfeld 18">
+                <a:extLst>
+                  <a:ext uri="{FF2B5EF4-FFF2-40B4-BE49-F238E27FC236}">
+                    <a16:creationId xmlns:a16="http://schemas.microsoft.com/office/drawing/2014/main" id="{0E369AFF-F5F6-4635-A774-A326CF31B49B}"/>
+                  </a:ext>
+                </a:extLst>
+              </p:cNvPr>
+              <p:cNvSpPr txBox="1"/>
+              <p:nvPr/>
+            </p:nvSpPr>
+            <p:spPr>
+              <a:xfrm>
+                <a:off x="7554541" y="4715237"/>
+                <a:ext cx="509050" cy="266163"/>
+              </a:xfrm>
+              <a:prstGeom prst="rect">
+                <a:avLst/>
+              </a:prstGeom>
+              <a:noFill/>
+            </p:spPr>
+            <p:txBody>
+              <a:bodyPr wrap="square" rtlCol="0">
+                <a:spAutoFit/>
+              </a:bodyPr>
+              <a:lstStyle/>
+              <a:p>
+                <a:pPr/>
+                <a14:m>
+                  <m:oMathPara xmlns:m="http://schemas.openxmlformats.org/officeDocument/2006/math">
+                    <m:oMathParaPr>
+                      <m:jc m:val="centerGroup"/>
+                    </m:oMathParaPr>
+                    <m:oMath xmlns:m="http://schemas.openxmlformats.org/officeDocument/2006/math">
+                      <m:sSup>
+                        <m:sSupPr>
+                          <m:ctrlPr>
+                            <a:rPr lang="de-DE" sz="1100" i="1">
+                              <a:latin typeface="Cambria Math" panose="02040503050406030204" pitchFamily="18" charset="0"/>
+                            </a:rPr>
+                          </m:ctrlPr>
+                        </m:sSupPr>
+                        <m:e>
+                          <m:acc>
+                            <m:accPr>
+                              <m:chr m:val="̂"/>
+                              <m:ctrlPr>
+                                <a:rPr lang="de-DE" sz="1100" i="1">
+                                  <a:latin typeface="Cambria Math" panose="02040503050406030204" pitchFamily="18" charset="0"/>
+                                </a:rPr>
+                              </m:ctrlPr>
+                            </m:accPr>
+                            <m:e>
+                              <m:r>
+                                <a:rPr lang="de-DE" sz="1100" i="1">
+                                  <a:latin typeface="Cambria Math" panose="02040503050406030204" pitchFamily="18" charset="0"/>
+                                </a:rPr>
+                                <m:t>𝑉</m:t>
+                              </m:r>
+                            </m:e>
+                          </m:acc>
+                        </m:e>
+                        <m:sup>
+                          <m:r>
+                            <a:rPr lang="de-DE" sz="1100" i="1">
+                              <a:latin typeface="Cambria Math" panose="02040503050406030204" pitchFamily="18" charset="0"/>
+                            </a:rPr>
+                            <m:t>𝑆𝑉</m:t>
+                          </m:r>
+                        </m:sup>
+                      </m:sSup>
+                    </m:oMath>
+                  </m:oMathPara>
+                </a14:m>
+                <a:endParaRPr lang="de-DE" sz="1350" dirty="0">
+                  <a:latin typeface="Futura"/>
+                </a:endParaRPr>
+              </a:p>
+            </p:txBody>
+          </p:sp>
+        </mc:Choice>
+        <mc:Fallback>
+          <p:sp>
+            <p:nvSpPr>
+              <p:cNvPr id="128" name="Textfeld 18">
+                <a:extLst>
+                  <a:ext uri="{FF2B5EF4-FFF2-40B4-BE49-F238E27FC236}">
+                    <a16:creationId xmlns:a16="http://schemas.microsoft.com/office/drawing/2014/main" id="{0E369AFF-F5F6-4635-A774-A326CF31B49B}"/>
+                  </a:ext>
+                </a:extLst>
+              </p:cNvPr>
+              <p:cNvSpPr txBox="1">
+                <a:spLocks noRot="1" noChangeAspect="1" noMove="1" noResize="1" noEditPoints="1" noAdjustHandles="1" noChangeArrowheads="1" noChangeShapeType="1" noTextEdit="1"/>
+              </p:cNvSpPr>
+              <p:nvPr/>
+            </p:nvSpPr>
+            <p:spPr>
+              <a:xfrm>
+                <a:off x="7554541" y="4715237"/>
+                <a:ext cx="509050" cy="266163"/>
+              </a:xfrm>
+              <a:prstGeom prst="rect">
+                <a:avLst/>
+              </a:prstGeom>
+              <a:blipFill>
+                <a:blip r:embed="rId8"/>
+                <a:stretch>
+                  <a:fillRect/>
+                </a:stretch>
+              </a:blipFill>
+            </p:spPr>
+            <p:txBody>
+              <a:bodyPr/>
+              <a:lstStyle/>
+              <a:p>
+                <a:r>
+                  <a:rPr lang="en-GB">
+                    <a:noFill/>
+                  </a:rPr>
+                  <a:t> </a:t>
+                </a:r>
+              </a:p>
+            </p:txBody>
+          </p:sp>
+        </mc:Fallback>
+      </mc:AlternateContent>
+      <mc:AlternateContent xmlns:mc="http://schemas.openxmlformats.org/markup-compatibility/2006">
+        <mc:Choice xmlns:a14="http://schemas.microsoft.com/office/drawing/2010/main" Requires="a14">
+          <p:sp>
+            <p:nvSpPr>
+              <p:cNvPr id="162" name="Textfeld 60">
+                <a:extLst>
+                  <a:ext uri="{FF2B5EF4-FFF2-40B4-BE49-F238E27FC236}">
+                    <a16:creationId xmlns:a16="http://schemas.microsoft.com/office/drawing/2014/main" id="{15E12CA4-1E56-4785-ADE0-337000A006EF}"/>
+                  </a:ext>
+                </a:extLst>
+              </p:cNvPr>
+              <p:cNvSpPr txBox="1"/>
+              <p:nvPr/>
+            </p:nvSpPr>
+            <p:spPr>
+              <a:xfrm>
+                <a:off x="4882930" y="1338180"/>
+                <a:ext cx="432554" cy="261610"/>
+              </a:xfrm>
+              <a:prstGeom prst="rect">
+                <a:avLst/>
+              </a:prstGeom>
+              <a:noFill/>
+            </p:spPr>
+            <p:txBody>
+              <a:bodyPr wrap="none" rtlCol="0">
+                <a:spAutoFit/>
+              </a:bodyPr>
+              <a:lstStyle/>
+              <a:p>
+                <a:pPr/>
+                <a14:m>
+                  <m:oMathPara xmlns:m="http://schemas.openxmlformats.org/officeDocument/2006/math">
+                    <m:oMathParaPr>
+                      <m:jc m:val="centerGroup"/>
+                    </m:oMathParaPr>
+                    <m:oMath xmlns:m="http://schemas.openxmlformats.org/officeDocument/2006/math">
+                      <m:sSub>
+                        <m:sSubPr>
+                          <m:ctrlPr>
+                            <a:rPr lang="de-DE" sz="1100" i="1" smtClean="0">
+                              <a:latin typeface="Cambria Math" panose="02040503050406030204" pitchFamily="18" charset="0"/>
+                            </a:rPr>
+                          </m:ctrlPr>
+                        </m:sSubPr>
+                        <m:e>
+                          <m:r>
+                            <a:rPr lang="en-US" sz="1100" i="1">
+                              <a:latin typeface="Cambria Math" panose="02040503050406030204" pitchFamily="18" charset="0"/>
+                            </a:rPr>
+                            <m:t>𝑈</m:t>
+                          </m:r>
+                        </m:e>
+                        <m:sub>
+                          <m:r>
+                            <a:rPr lang="it-IT" sz="1100" b="0" i="1" smtClean="0">
+                              <a:latin typeface="Cambria Math" panose="02040503050406030204" pitchFamily="18" charset="0"/>
+                            </a:rPr>
+                            <m:t>𝐴𝐿</m:t>
+                          </m:r>
+                        </m:sub>
+                      </m:sSub>
+                    </m:oMath>
+                  </m:oMathPara>
+                </a14:m>
+                <a:endParaRPr lang="de-DE" dirty="0"/>
+              </a:p>
+            </p:txBody>
+          </p:sp>
+        </mc:Choice>
+        <mc:Fallback>
+          <p:sp>
+            <p:nvSpPr>
+              <p:cNvPr id="162" name="Textfeld 60">
+                <a:extLst>
+                  <a:ext uri="{FF2B5EF4-FFF2-40B4-BE49-F238E27FC236}">
+                    <a16:creationId xmlns:a16="http://schemas.microsoft.com/office/drawing/2014/main" id="{15E12CA4-1E56-4785-ADE0-337000A006EF}"/>
+                  </a:ext>
+                </a:extLst>
+              </p:cNvPr>
+              <p:cNvSpPr txBox="1">
+                <a:spLocks noRot="1" noChangeAspect="1" noMove="1" noResize="1" noEditPoints="1" noAdjustHandles="1" noChangeArrowheads="1" noChangeShapeType="1" noTextEdit="1"/>
+              </p:cNvSpPr>
+              <p:nvPr/>
+            </p:nvSpPr>
+            <p:spPr>
+              <a:xfrm>
+                <a:off x="4882930" y="1338180"/>
+                <a:ext cx="432554" cy="261610"/>
+              </a:xfrm>
+              <a:prstGeom prst="rect">
+                <a:avLst/>
+              </a:prstGeom>
+              <a:blipFill>
+                <a:blip r:embed="rId9"/>
+                <a:stretch>
+                  <a:fillRect/>
+                </a:stretch>
+              </a:blipFill>
+            </p:spPr>
+            <p:txBody>
+              <a:bodyPr/>
+              <a:lstStyle/>
+              <a:p>
+                <a:r>
+                  <a:rPr lang="en-GB">
+                    <a:noFill/>
+                  </a:rPr>
+                  <a:t> </a:t>
+                </a:r>
+              </a:p>
+            </p:txBody>
+          </p:sp>
+        </mc:Fallback>
+      </mc:AlternateContent>
+      <mc:AlternateContent xmlns:mc="http://schemas.openxmlformats.org/markup-compatibility/2006">
+        <mc:Choice xmlns:a14="http://schemas.microsoft.com/office/drawing/2010/main" Requires="a14">
+          <p:sp>
+            <p:nvSpPr>
+              <p:cNvPr id="163" name="Textfeld 61">
+                <a:extLst>
+                  <a:ext uri="{FF2B5EF4-FFF2-40B4-BE49-F238E27FC236}">
+                    <a16:creationId xmlns:a16="http://schemas.microsoft.com/office/drawing/2014/main" id="{A5A2CF92-B1E6-4500-B95C-130908AA7127}"/>
+                  </a:ext>
+                </a:extLst>
+              </p:cNvPr>
+              <p:cNvSpPr txBox="1"/>
+              <p:nvPr/>
+            </p:nvSpPr>
+            <p:spPr>
+              <a:xfrm>
+                <a:off x="7570288" y="4453112"/>
+                <a:ext cx="412805" cy="266163"/>
+              </a:xfrm>
+              <a:prstGeom prst="rect">
+                <a:avLst/>
+              </a:prstGeom>
+              <a:noFill/>
+            </p:spPr>
+            <p:txBody>
+              <a:bodyPr wrap="none" rtlCol="0">
+                <a:spAutoFit/>
+              </a:bodyPr>
+              <a:lstStyle/>
+              <a:p>
+                <a:pPr/>
+                <a14:m>
+                  <m:oMathPara xmlns:m="http://schemas.openxmlformats.org/officeDocument/2006/math">
+                    <m:oMathParaPr>
+                      <m:jc m:val="centerGroup"/>
+                    </m:oMathParaPr>
+                    <m:oMath xmlns:m="http://schemas.openxmlformats.org/officeDocument/2006/math">
+                      <m:sSub>
+                        <m:sSubPr>
+                          <m:ctrlPr>
+                            <a:rPr lang="de-DE" sz="1100" i="1" smtClean="0">
+                              <a:latin typeface="Cambria Math" panose="02040503050406030204" pitchFamily="18" charset="0"/>
+                            </a:rPr>
+                          </m:ctrlPr>
+                        </m:sSubPr>
+                        <m:e>
+                          <m:acc>
+                            <m:accPr>
+                              <m:chr m:val="̂"/>
+                              <m:ctrlPr>
+                                <a:rPr lang="de-DE" sz="1100" i="1">
+                                  <a:latin typeface="Cambria Math" panose="02040503050406030204" pitchFamily="18" charset="0"/>
+                                </a:rPr>
+                              </m:ctrlPr>
+                            </m:accPr>
+                            <m:e>
+                              <m:r>
+                                <a:rPr lang="de-DE" sz="1100" i="1">
+                                  <a:latin typeface="Cambria Math" panose="02040503050406030204" pitchFamily="18" charset="0"/>
+                                </a:rPr>
+                                <m:t>𝑉</m:t>
+                              </m:r>
+                            </m:e>
+                          </m:acc>
+                        </m:e>
+                        <m:sub>
+                          <m:r>
+                            <a:rPr lang="it-IT" sz="1100" b="0" i="1" smtClean="0">
+                              <a:latin typeface="Cambria Math" panose="02040503050406030204" pitchFamily="18" charset="0"/>
+                            </a:rPr>
+                            <m:t>𝐴𝐿</m:t>
+                          </m:r>
+                        </m:sub>
+                      </m:sSub>
+                    </m:oMath>
+                  </m:oMathPara>
+                </a14:m>
+                <a:endParaRPr lang="de-DE" dirty="0"/>
+              </a:p>
+            </p:txBody>
+          </p:sp>
+        </mc:Choice>
+        <mc:Fallback>
+          <p:sp>
+            <p:nvSpPr>
+              <p:cNvPr id="163" name="Textfeld 61">
+                <a:extLst>
+                  <a:ext uri="{FF2B5EF4-FFF2-40B4-BE49-F238E27FC236}">
+                    <a16:creationId xmlns:a16="http://schemas.microsoft.com/office/drawing/2014/main" id="{A5A2CF92-B1E6-4500-B95C-130908AA7127}"/>
+                  </a:ext>
+                </a:extLst>
+              </p:cNvPr>
+              <p:cNvSpPr txBox="1">
+                <a:spLocks noRot="1" noChangeAspect="1" noMove="1" noResize="1" noEditPoints="1" noAdjustHandles="1" noChangeArrowheads="1" noChangeShapeType="1" noTextEdit="1"/>
+              </p:cNvSpPr>
+              <p:nvPr/>
+            </p:nvSpPr>
+            <p:spPr>
+              <a:xfrm>
+                <a:off x="7570288" y="4453112"/>
+                <a:ext cx="412805" cy="266163"/>
+              </a:xfrm>
+              <a:prstGeom prst="rect">
+                <a:avLst/>
+              </a:prstGeom>
+              <a:blipFill>
+                <a:blip r:embed="rId10"/>
+                <a:stretch>
+                  <a:fillRect/>
+                </a:stretch>
+              </a:blipFill>
+            </p:spPr>
+            <p:txBody>
+              <a:bodyPr/>
+              <a:lstStyle/>
+              <a:p>
+                <a:r>
+                  <a:rPr lang="en-GB">
+                    <a:noFill/>
+                  </a:rPr>
+                  <a:t> </a:t>
+                </a:r>
+              </a:p>
+            </p:txBody>
+          </p:sp>
+        </mc:Fallback>
+      </mc:AlternateContent>
+      <p:cxnSp>
+        <p:nvCxnSpPr>
+          <p:cNvPr id="164" name="Gerade Verbindung mit Pfeil 69">
+            <a:extLst>
+              <a:ext uri="{FF2B5EF4-FFF2-40B4-BE49-F238E27FC236}">
+                <a16:creationId xmlns:a16="http://schemas.microsoft.com/office/drawing/2014/main" id="{9325F958-8528-413A-839A-DEAB16A1AAB1}"/>
+              </a:ext>
+            </a:extLst>
+          </p:cNvPr>
+          <p:cNvCxnSpPr>
+            <a:cxnSpLocks/>
+          </p:cNvCxnSpPr>
+          <p:nvPr/>
+        </p:nvCxnSpPr>
+        <p:spPr>
+          <a:xfrm flipV="1">
+            <a:off x="7599851" y="4454634"/>
+            <a:ext cx="1057666" cy="11661"/>
+          </a:xfrm>
+          <a:prstGeom prst="straightConnector1">
+            <a:avLst/>
+          </a:prstGeom>
+          <a:ln w="12700">
+            <a:solidFill>
+              <a:schemeClr val="tx1"/>
+            </a:solidFill>
+            <a:tailEnd type="triangle"/>
+          </a:ln>
+        </p:spPr>
+        <p:style>
+          <a:lnRef idx="1">
+            <a:schemeClr val="accent1"/>
+          </a:lnRef>
+          <a:fillRef idx="0">
+            <a:schemeClr val="accent1"/>
+          </a:fillRef>
+          <a:effectRef idx="0">
+            <a:schemeClr val="accent1"/>
+          </a:effectRef>
+          <a:fontRef idx="minor">
+            <a:schemeClr val="tx1"/>
+          </a:fontRef>
+        </p:style>
+      </p:cxnSp>
+      <p:sp>
+        <p:nvSpPr>
+          <p:cNvPr id="46" name="Arc 45">
+            <a:extLst>
+              <a:ext uri="{FF2B5EF4-FFF2-40B4-BE49-F238E27FC236}">
+                <a16:creationId xmlns:a16="http://schemas.microsoft.com/office/drawing/2014/main" id="{C61D3993-8E5A-49D2-84F5-901C40777D9F}"/>
+              </a:ext>
+            </a:extLst>
+          </p:cNvPr>
+          <p:cNvSpPr/>
+          <p:nvPr/>
+        </p:nvSpPr>
+        <p:spPr>
+          <a:xfrm rot="5923218">
+            <a:off x="6750804" y="2677834"/>
+            <a:ext cx="451253" cy="434736"/>
+          </a:xfrm>
+          <a:prstGeom prst="arc">
+            <a:avLst>
+              <a:gd name="adj1" fmla="val 17479207"/>
+              <a:gd name="adj2" fmla="val 14120949"/>
+            </a:avLst>
+          </a:prstGeom>
+          <a:ln>
+            <a:solidFill>
+              <a:schemeClr val="tx1"/>
+            </a:solidFill>
+            <a:headEnd type="triangle"/>
+            <a:tailEnd type="none"/>
+          </a:ln>
+        </p:spPr>
+        <p:style>
+          <a:lnRef idx="1">
+            <a:schemeClr val="accent1"/>
+          </a:lnRef>
+          <a:fillRef idx="0">
+            <a:schemeClr val="accent1"/>
+          </a:fillRef>
+          <a:effectRef idx="0">
+            <a:schemeClr val="accent1"/>
+          </a:effectRef>
+          <a:fontRef idx="minor">
+            <a:schemeClr val="tx1"/>
+          </a:fontRef>
+        </p:style>
+        <p:txBody>
+          <a:bodyPr rtlCol="0" anchor="ctr"/>
+          <a:lstStyle/>
+          <a:p>
+            <a:pPr algn="ctr"/>
+            <a:endParaRPr lang="en-GB" dirty="0"/>
+          </a:p>
+        </p:txBody>
+      </p:sp>
+      <p:sp>
+        <p:nvSpPr>
+          <p:cNvPr id="57" name="Textfeld 64">
+            <a:extLst>
+              <a:ext uri="{FF2B5EF4-FFF2-40B4-BE49-F238E27FC236}">
+                <a16:creationId xmlns:a16="http://schemas.microsoft.com/office/drawing/2014/main" id="{9ACE706D-9352-4E0B-9AFE-759057AF1533}"/>
+              </a:ext>
+            </a:extLst>
+          </p:cNvPr>
+          <p:cNvSpPr txBox="1"/>
+          <p:nvPr/>
+        </p:nvSpPr>
+        <p:spPr>
+          <a:xfrm>
+            <a:off x="6841643" y="2763297"/>
+            <a:ext cx="702572" cy="261610"/>
+          </a:xfrm>
+          <a:prstGeom prst="rect">
+            <a:avLst/>
+          </a:prstGeom>
+          <a:noFill/>
+        </p:spPr>
+        <p:txBody>
+          <a:bodyPr wrap="square" rtlCol="0">
+            <a:spAutoFit/>
+          </a:bodyPr>
+          <a:lstStyle/>
+          <a:p>
+            <a:r>
+              <a:rPr lang="en-US" sz="1100" dirty="0">
+                <a:solidFill>
+                  <a:schemeClr val="tx1">
+                    <a:lumMod val="75000"/>
+                    <a:lumOff val="25000"/>
+                  </a:schemeClr>
+                </a:solidFill>
+                <a:latin typeface="Futura"/>
+                <a:cs typeface="Times New Roman" panose="02020603050405020304" pitchFamily="18" charset="0"/>
+              </a:rPr>
+              <a:t>iterate</a:t>
+            </a:r>
+          </a:p>
+        </p:txBody>
+      </p:sp>
+      <p:sp>
+        <p:nvSpPr>
+          <p:cNvPr id="60" name="Rectangle: Rounded Corners 59">
+            <a:extLst>
+              <a:ext uri="{FF2B5EF4-FFF2-40B4-BE49-F238E27FC236}">
+                <a16:creationId xmlns:a16="http://schemas.microsoft.com/office/drawing/2014/main" id="{B8E6F992-3A89-4772-B622-529C7EAC4F94}"/>
+              </a:ext>
+            </a:extLst>
+          </p:cNvPr>
+          <p:cNvSpPr/>
+          <p:nvPr/>
+        </p:nvSpPr>
+        <p:spPr>
+          <a:xfrm>
+            <a:off x="2897788" y="3249559"/>
+            <a:ext cx="918000" cy="648398"/>
+          </a:xfrm>
+          <a:prstGeom prst="roundRect">
+            <a:avLst>
+              <a:gd name="adj" fmla="val 10145"/>
+            </a:avLst>
+          </a:prstGeom>
+          <a:solidFill>
+            <a:schemeClr val="bg1"/>
+          </a:solidFill>
+          <a:ln w="12700">
+            <a:solidFill>
+              <a:schemeClr val="tx1"/>
+            </a:solidFill>
+          </a:ln>
+        </p:spPr>
+        <p:style>
+          <a:lnRef idx="2">
+            <a:schemeClr val="accent1">
+              <a:shade val="50000"/>
+            </a:schemeClr>
+          </a:lnRef>
+          <a:fillRef idx="1">
+            <a:schemeClr val="accent1"/>
+          </a:fillRef>
+          <a:effectRef idx="0">
+            <a:schemeClr val="accent1"/>
+          </a:effectRef>
+          <a:fontRef idx="minor">
+            <a:schemeClr val="lt1"/>
+          </a:fontRef>
+        </p:style>
+        <p:txBody>
+          <a:bodyPr rtlCol="0" anchor="ctr"/>
+          <a:lstStyle/>
+          <a:p>
+            <a:pPr algn="ctr"/>
+            <a:r>
+              <a:rPr lang="en-US" sz="1050" dirty="0">
+                <a:solidFill>
+                  <a:schemeClr val="tx1"/>
+                </a:solidFill>
+                <a:latin typeface="Futura"/>
+                <a:cs typeface="Times New Roman" panose="02020603050405020304" pitchFamily="18" charset="0"/>
+              </a:rPr>
+              <a:t>extract</a:t>
+            </a:r>
+          </a:p>
+          <a:p>
+            <a:pPr algn="ctr"/>
+            <a:r>
+              <a:rPr lang="en-US" sz="1050" dirty="0">
+                <a:solidFill>
+                  <a:schemeClr val="tx1"/>
+                </a:solidFill>
+                <a:latin typeface="Futura"/>
+                <a:cs typeface="Times New Roman" panose="02020603050405020304" pitchFamily="18" charset="0"/>
+              </a:rPr>
+              <a:t>SVs</a:t>
+            </a:r>
+          </a:p>
+        </p:txBody>
+      </p:sp>
+      <p:sp>
+        <p:nvSpPr>
+          <p:cNvPr id="76" name="Rectangle: Rounded Corners 75">
+            <a:extLst>
+              <a:ext uri="{FF2B5EF4-FFF2-40B4-BE49-F238E27FC236}">
+                <a16:creationId xmlns:a16="http://schemas.microsoft.com/office/drawing/2014/main" id="{0E31BFAC-1EB7-48BE-9FC9-BE5FABF90D86}"/>
+              </a:ext>
+            </a:extLst>
+          </p:cNvPr>
+          <p:cNvSpPr/>
+          <p:nvPr/>
+        </p:nvSpPr>
+        <p:spPr>
+          <a:xfrm>
+            <a:off x="271081" y="2203201"/>
+            <a:ext cx="1338051" cy="648398"/>
+          </a:xfrm>
+          <a:prstGeom prst="roundRect">
+            <a:avLst>
+              <a:gd name="adj" fmla="val 10145"/>
+            </a:avLst>
+          </a:prstGeom>
+          <a:solidFill>
+            <a:schemeClr val="bg1"/>
+          </a:solidFill>
+          <a:ln w="12700">
+            <a:solidFill>
+              <a:schemeClr val="tx1"/>
+            </a:solidFill>
+          </a:ln>
+        </p:spPr>
+        <p:style>
+          <a:lnRef idx="2">
+            <a:schemeClr val="accent1">
+              <a:shade val="50000"/>
+            </a:schemeClr>
+          </a:lnRef>
+          <a:fillRef idx="1">
+            <a:schemeClr val="accent1"/>
+          </a:fillRef>
+          <a:effectRef idx="0">
+            <a:schemeClr val="accent1"/>
+          </a:effectRef>
+          <a:fontRef idx="minor">
+            <a:schemeClr val="lt1"/>
+          </a:fontRef>
+        </p:style>
+        <p:txBody>
+          <a:bodyPr rtlCol="0" anchor="ctr"/>
+          <a:lstStyle/>
+          <a:p>
+            <a:pPr lvl="0" algn="ctr"/>
+            <a:r>
+              <a:rPr lang="en-US" sz="1050" dirty="0">
+                <a:solidFill>
+                  <a:prstClr val="black"/>
+                </a:solidFill>
+                <a:latin typeface="Futura"/>
+                <a:cs typeface="Times New Roman" panose="02020603050405020304" pitchFamily="18" charset="0"/>
+              </a:rPr>
+              <a:t>segmentation with initial parameterization</a:t>
+            </a:r>
+          </a:p>
+        </p:txBody>
+      </p:sp>
+      <p:sp>
+        <p:nvSpPr>
+          <p:cNvPr id="77" name="Rectangle: Rounded Corners 76">
+            <a:extLst>
+              <a:ext uri="{FF2B5EF4-FFF2-40B4-BE49-F238E27FC236}">
+                <a16:creationId xmlns:a16="http://schemas.microsoft.com/office/drawing/2014/main" id="{5B27D1EB-F03A-4359-A1A9-CCE5A0A5DF48}"/>
+              </a:ext>
+            </a:extLst>
+          </p:cNvPr>
+          <p:cNvSpPr/>
+          <p:nvPr/>
+        </p:nvSpPr>
+        <p:spPr>
+          <a:xfrm>
+            <a:off x="1797790" y="2203201"/>
+            <a:ext cx="918102" cy="648398"/>
+          </a:xfrm>
+          <a:prstGeom prst="roundRect">
+            <a:avLst>
+              <a:gd name="adj" fmla="val 10145"/>
+            </a:avLst>
+          </a:prstGeom>
+          <a:solidFill>
+            <a:schemeClr val="bg1"/>
+          </a:solidFill>
+          <a:ln w="12700">
+            <a:solidFill>
+              <a:schemeClr val="tx1"/>
+            </a:solidFill>
+          </a:ln>
+        </p:spPr>
+        <p:style>
+          <a:lnRef idx="2">
+            <a:schemeClr val="accent1">
+              <a:shade val="50000"/>
+            </a:schemeClr>
+          </a:lnRef>
+          <a:fillRef idx="1">
+            <a:schemeClr val="accent1"/>
+          </a:fillRef>
+          <a:effectRef idx="0">
+            <a:schemeClr val="accent1"/>
+          </a:effectRef>
+          <a:fontRef idx="minor">
+            <a:schemeClr val="lt1"/>
+          </a:fontRef>
+        </p:style>
+        <p:txBody>
+          <a:bodyPr rtlCol="0" anchor="ctr"/>
+          <a:lstStyle/>
+          <a:p>
+            <a:pPr algn="ctr"/>
+            <a:r>
+              <a:rPr lang="en-US" sz="1050" dirty="0">
+                <a:solidFill>
+                  <a:schemeClr val="tx1"/>
+                </a:solidFill>
+                <a:latin typeface="Futura"/>
+                <a:cs typeface="Times New Roman" panose="02020603050405020304" pitchFamily="18" charset="0"/>
+              </a:rPr>
+              <a:t>compute</a:t>
+            </a:r>
+          </a:p>
+          <a:p>
+            <a:pPr algn="ctr"/>
+            <a:r>
+              <a:rPr lang="en-US" sz="1050" dirty="0">
+                <a:solidFill>
+                  <a:schemeClr val="tx1"/>
+                </a:solidFill>
+                <a:latin typeface="Futura"/>
+                <a:cs typeface="Times New Roman" panose="02020603050405020304" pitchFamily="18" charset="0"/>
+              </a:rPr>
+              <a:t>object </a:t>
+            </a:r>
+          </a:p>
+          <a:p>
+            <a:pPr algn="ctr"/>
+            <a:r>
+              <a:rPr lang="en-US" sz="1050" dirty="0">
+                <a:solidFill>
+                  <a:schemeClr val="tx1"/>
+                </a:solidFill>
+                <a:latin typeface="Futura"/>
+                <a:cs typeface="Times New Roman" panose="02020603050405020304" pitchFamily="18" charset="0"/>
+              </a:rPr>
+              <a:t>features</a:t>
+            </a:r>
+          </a:p>
+        </p:txBody>
+      </p:sp>
+      <p:sp>
+        <p:nvSpPr>
+          <p:cNvPr id="79" name="Rectangle: Rounded Corners 78">
+            <a:extLst>
+              <a:ext uri="{FF2B5EF4-FFF2-40B4-BE49-F238E27FC236}">
+                <a16:creationId xmlns:a16="http://schemas.microsoft.com/office/drawing/2014/main" id="{4EC7B095-A5D7-4114-B67B-5CF8AA896EC9}"/>
+              </a:ext>
+            </a:extLst>
+          </p:cNvPr>
+          <p:cNvSpPr/>
+          <p:nvPr/>
+        </p:nvSpPr>
+        <p:spPr>
+          <a:xfrm>
+            <a:off x="2897788" y="2203201"/>
+            <a:ext cx="918000" cy="648398"/>
+          </a:xfrm>
+          <a:prstGeom prst="roundRect">
+            <a:avLst>
+              <a:gd name="adj" fmla="val 10145"/>
+            </a:avLst>
+          </a:prstGeom>
+          <a:solidFill>
+            <a:schemeClr val="bg1"/>
+          </a:solidFill>
+          <a:ln w="12700">
+            <a:solidFill>
+              <a:schemeClr val="tx1"/>
+            </a:solidFill>
+          </a:ln>
+        </p:spPr>
+        <p:style>
+          <a:lnRef idx="2">
+            <a:schemeClr val="accent1">
+              <a:shade val="50000"/>
+            </a:schemeClr>
+          </a:lnRef>
+          <a:fillRef idx="1">
+            <a:schemeClr val="accent1"/>
+          </a:fillRef>
+          <a:effectRef idx="0">
+            <a:schemeClr val="accent1"/>
+          </a:effectRef>
+          <a:fontRef idx="minor">
+            <a:schemeClr val="lt1"/>
+          </a:fontRef>
+        </p:style>
+        <p:txBody>
+          <a:bodyPr rtlCol="0" anchor="ctr"/>
+          <a:lstStyle/>
+          <a:p>
+            <a:pPr algn="ctr"/>
+            <a:r>
+              <a:rPr lang="en-US" sz="1050" dirty="0">
+                <a:solidFill>
+                  <a:schemeClr val="tx1"/>
+                </a:solidFill>
+                <a:latin typeface="Futura"/>
+                <a:cs typeface="Times New Roman" panose="02020603050405020304" pitchFamily="18" charset="0"/>
+              </a:rPr>
+              <a:t>learn SVM model</a:t>
+            </a:r>
+          </a:p>
+        </p:txBody>
+      </p:sp>
+      <p:sp>
+        <p:nvSpPr>
+          <p:cNvPr id="80" name="Rectangle: Rounded Corners 79">
+            <a:extLst>
+              <a:ext uri="{FF2B5EF4-FFF2-40B4-BE49-F238E27FC236}">
+                <a16:creationId xmlns:a16="http://schemas.microsoft.com/office/drawing/2014/main" id="{9CAC7904-D838-4A96-AA28-10F624B9D83D}"/>
+              </a:ext>
+            </a:extLst>
+          </p:cNvPr>
+          <p:cNvSpPr/>
+          <p:nvPr/>
+        </p:nvSpPr>
+        <p:spPr>
+          <a:xfrm>
+            <a:off x="5440009" y="2208269"/>
+            <a:ext cx="998814" cy="648398"/>
+          </a:xfrm>
+          <a:prstGeom prst="roundRect">
+            <a:avLst>
+              <a:gd name="adj" fmla="val 10145"/>
+            </a:avLst>
+          </a:prstGeom>
+          <a:solidFill>
+            <a:schemeClr val="bg1"/>
+          </a:solidFill>
+          <a:ln w="12700">
+            <a:solidFill>
+              <a:schemeClr val="tx1"/>
+            </a:solidFill>
+          </a:ln>
+        </p:spPr>
+        <p:style>
+          <a:lnRef idx="2">
+            <a:schemeClr val="accent1">
+              <a:shade val="50000"/>
+            </a:schemeClr>
+          </a:lnRef>
+          <a:fillRef idx="1">
+            <a:schemeClr val="accent1"/>
+          </a:fillRef>
+          <a:effectRef idx="0">
+            <a:schemeClr val="accent1"/>
+          </a:effectRef>
+          <a:fontRef idx="minor">
+            <a:schemeClr val="lt1"/>
+          </a:fontRef>
+        </p:style>
+        <p:txBody>
+          <a:bodyPr rtlCol="0" anchor="ctr"/>
+          <a:lstStyle/>
+          <a:p>
+            <a:pPr algn="ctr"/>
+            <a:r>
+              <a:rPr lang="en-US" sz="1050" dirty="0">
+                <a:solidFill>
+                  <a:schemeClr val="tx1"/>
+                </a:solidFill>
+                <a:latin typeface="Futura"/>
+                <a:cs typeface="Times New Roman" panose="02020603050405020304" pitchFamily="18" charset="0"/>
+              </a:rPr>
+              <a:t>labeling</a:t>
+            </a:r>
+          </a:p>
+          <a:p>
+            <a:pPr algn="ctr"/>
+            <a:r>
+              <a:rPr lang="en-US" sz="1050" dirty="0">
+                <a:solidFill>
+                  <a:schemeClr val="tx1"/>
+                </a:solidFill>
+                <a:latin typeface="Futura"/>
+                <a:cs typeface="Times New Roman" panose="02020603050405020304" pitchFamily="18" charset="0"/>
+              </a:rPr>
+              <a:t>candidates</a:t>
+            </a:r>
+          </a:p>
+        </p:txBody>
+      </p:sp>
+      <p:sp>
+        <p:nvSpPr>
+          <p:cNvPr id="81" name="Rectangle: Rounded Corners 80">
+            <a:extLst>
+              <a:ext uri="{FF2B5EF4-FFF2-40B4-BE49-F238E27FC236}">
+                <a16:creationId xmlns:a16="http://schemas.microsoft.com/office/drawing/2014/main" id="{B517FE34-3B32-4303-B7D8-190BE8598D89}"/>
+              </a:ext>
+            </a:extLst>
+          </p:cNvPr>
+          <p:cNvSpPr/>
+          <p:nvPr/>
+        </p:nvSpPr>
+        <p:spPr>
+          <a:xfrm>
+            <a:off x="6685613" y="4275573"/>
+            <a:ext cx="918000" cy="648398"/>
+          </a:xfrm>
+          <a:prstGeom prst="roundRect">
+            <a:avLst>
+              <a:gd name="adj" fmla="val 10145"/>
+            </a:avLst>
+          </a:prstGeom>
+          <a:solidFill>
+            <a:schemeClr val="bg1"/>
+          </a:solidFill>
+          <a:ln w="12700">
+            <a:solidFill>
+              <a:schemeClr val="tx1"/>
+            </a:solidFill>
+          </a:ln>
+        </p:spPr>
+        <p:style>
+          <a:lnRef idx="2">
+            <a:schemeClr val="accent1">
+              <a:shade val="50000"/>
+            </a:schemeClr>
+          </a:lnRef>
+          <a:fillRef idx="1">
+            <a:schemeClr val="accent1"/>
+          </a:fillRef>
+          <a:effectRef idx="0">
+            <a:schemeClr val="accent1"/>
+          </a:effectRef>
+          <a:fontRef idx="minor">
+            <a:schemeClr val="lt1"/>
+          </a:fontRef>
+        </p:style>
+        <p:txBody>
+          <a:bodyPr rtlCol="0" anchor="ctr"/>
+          <a:lstStyle/>
+          <a:p>
+            <a:pPr algn="ctr"/>
+            <a:r>
+              <a:rPr lang="en-US" sz="1050" dirty="0">
+                <a:solidFill>
+                  <a:schemeClr val="tx1"/>
+                </a:solidFill>
+                <a:latin typeface="Futura"/>
+                <a:cs typeface="Times New Roman" panose="02020603050405020304" pitchFamily="18" charset="0"/>
+              </a:rPr>
+              <a:t>margin sampling constraint</a:t>
+            </a:r>
+          </a:p>
+        </p:txBody>
+      </p:sp>
+      <p:sp>
+        <p:nvSpPr>
+          <p:cNvPr id="82" name="Rectangle: Rounded Corners 81">
+            <a:extLst>
+              <a:ext uri="{FF2B5EF4-FFF2-40B4-BE49-F238E27FC236}">
+                <a16:creationId xmlns:a16="http://schemas.microsoft.com/office/drawing/2014/main" id="{BDC66D7A-4848-4F88-86AF-D3BB749F6643}"/>
+              </a:ext>
+            </a:extLst>
+          </p:cNvPr>
+          <p:cNvSpPr/>
+          <p:nvPr/>
+        </p:nvSpPr>
+        <p:spPr>
+          <a:xfrm>
+            <a:off x="5468689" y="4278375"/>
+            <a:ext cx="970134" cy="648398"/>
+          </a:xfrm>
+          <a:prstGeom prst="roundRect">
+            <a:avLst>
+              <a:gd name="adj" fmla="val 10145"/>
+            </a:avLst>
+          </a:prstGeom>
+          <a:solidFill>
+            <a:schemeClr val="bg1"/>
+          </a:solidFill>
+          <a:ln w="12700">
+            <a:solidFill>
+              <a:schemeClr val="tx1"/>
+            </a:solidFill>
+          </a:ln>
+        </p:spPr>
+        <p:style>
+          <a:lnRef idx="2">
+            <a:schemeClr val="accent1">
+              <a:shade val="50000"/>
+            </a:schemeClr>
+          </a:lnRef>
+          <a:fillRef idx="1">
+            <a:schemeClr val="accent1"/>
+          </a:fillRef>
+          <a:effectRef idx="0">
+            <a:schemeClr val="accent1"/>
+          </a:effectRef>
+          <a:fontRef idx="minor">
+            <a:schemeClr val="lt1"/>
+          </a:fontRef>
+        </p:style>
+        <p:txBody>
+          <a:bodyPr rtlCol="0" anchor="ctr"/>
+          <a:lstStyle/>
+          <a:p>
+            <a:pPr algn="ctr"/>
+            <a:r>
+              <a:rPr lang="en-US" sz="1050" dirty="0">
+                <a:solidFill>
+                  <a:schemeClr val="tx1"/>
+                </a:solidFill>
+                <a:latin typeface="Futura"/>
+                <a:cs typeface="Times New Roman" panose="02020603050405020304" pitchFamily="18" charset="0"/>
+              </a:rPr>
+              <a:t>similarity constraint</a:t>
+            </a:r>
+          </a:p>
+        </p:txBody>
+      </p:sp>
+      <p:sp>
+        <p:nvSpPr>
+          <p:cNvPr id="83" name="Rectangle: Rounded Corners 82">
+            <a:extLst>
+              <a:ext uri="{FF2B5EF4-FFF2-40B4-BE49-F238E27FC236}">
+                <a16:creationId xmlns:a16="http://schemas.microsoft.com/office/drawing/2014/main" id="{C9DE8912-A3A9-401B-BEF7-86203DBB672F}"/>
+              </a:ext>
+            </a:extLst>
+          </p:cNvPr>
+          <p:cNvSpPr/>
+          <p:nvPr/>
+        </p:nvSpPr>
+        <p:spPr>
+          <a:xfrm>
+            <a:off x="4029829" y="4280206"/>
+            <a:ext cx="918102" cy="648398"/>
+          </a:xfrm>
+          <a:prstGeom prst="roundRect">
+            <a:avLst>
+              <a:gd name="adj" fmla="val 10145"/>
+            </a:avLst>
+          </a:prstGeom>
+          <a:solidFill>
+            <a:schemeClr val="bg1"/>
+          </a:solidFill>
+          <a:ln w="12700">
+            <a:solidFill>
+              <a:schemeClr val="tx1"/>
+            </a:solidFill>
+          </a:ln>
+        </p:spPr>
+        <p:style>
+          <a:lnRef idx="2">
+            <a:schemeClr val="accent1">
+              <a:shade val="50000"/>
+            </a:schemeClr>
+          </a:lnRef>
+          <a:fillRef idx="1">
+            <a:schemeClr val="accent1"/>
+          </a:fillRef>
+          <a:effectRef idx="0">
+            <a:schemeClr val="accent1"/>
+          </a:effectRef>
+          <a:fontRef idx="minor">
+            <a:schemeClr val="lt1"/>
+          </a:fontRef>
+        </p:style>
+        <p:txBody>
+          <a:bodyPr rtlCol="0" anchor="ctr"/>
+          <a:lstStyle/>
+          <a:p>
+            <a:pPr algn="ctr"/>
+            <a:r>
+              <a:rPr lang="en-US" sz="1050" dirty="0">
+                <a:solidFill>
+                  <a:schemeClr val="tx1"/>
+                </a:solidFill>
+                <a:latin typeface="Futura"/>
+                <a:cs typeface="Times New Roman" panose="02020603050405020304" pitchFamily="18" charset="0"/>
+              </a:rPr>
+              <a:t>compute</a:t>
+            </a:r>
+          </a:p>
+          <a:p>
+            <a:pPr algn="ctr"/>
+            <a:r>
+              <a:rPr lang="en-US" sz="1050" dirty="0">
+                <a:solidFill>
+                  <a:schemeClr val="tx1"/>
+                </a:solidFill>
+                <a:latin typeface="Futura"/>
+                <a:cs typeface="Times New Roman" panose="02020603050405020304" pitchFamily="18" charset="0"/>
+              </a:rPr>
+              <a:t>object</a:t>
+            </a:r>
+          </a:p>
+          <a:p>
+            <a:pPr algn="ctr"/>
+            <a:r>
+              <a:rPr lang="en-US" sz="1050" dirty="0">
+                <a:solidFill>
+                  <a:schemeClr val="tx1"/>
+                </a:solidFill>
+                <a:latin typeface="Futura"/>
+                <a:cs typeface="Times New Roman" panose="02020603050405020304" pitchFamily="18" charset="0"/>
+              </a:rPr>
+              <a:t>features</a:t>
+            </a:r>
+            <a:endParaRPr lang="en-US" sz="1050" dirty="0">
+              <a:solidFill>
+                <a:prstClr val="black"/>
+              </a:solidFill>
+              <a:latin typeface="Futura"/>
+              <a:cs typeface="Times New Roman" panose="02020603050405020304" pitchFamily="18" charset="0"/>
+            </a:endParaRPr>
+          </a:p>
+        </p:txBody>
+      </p:sp>
+      <p:sp>
+        <p:nvSpPr>
+          <p:cNvPr id="84" name="Rectangle: Rounded Corners 83">
+            <a:extLst>
+              <a:ext uri="{FF2B5EF4-FFF2-40B4-BE49-F238E27FC236}">
+                <a16:creationId xmlns:a16="http://schemas.microsoft.com/office/drawing/2014/main" id="{CD4AFA70-7C34-466E-A6B6-FE37BD14106C}"/>
+              </a:ext>
+            </a:extLst>
+          </p:cNvPr>
+          <p:cNvSpPr/>
+          <p:nvPr/>
+        </p:nvSpPr>
+        <p:spPr>
+          <a:xfrm>
+            <a:off x="2897788" y="4279225"/>
+            <a:ext cx="918000" cy="648398"/>
+          </a:xfrm>
+          <a:prstGeom prst="roundRect">
+            <a:avLst>
+              <a:gd name="adj" fmla="val 10145"/>
+            </a:avLst>
+          </a:prstGeom>
+          <a:solidFill>
+            <a:schemeClr val="bg1"/>
+          </a:solidFill>
+          <a:ln w="12700">
+            <a:solidFill>
+              <a:schemeClr val="tx1"/>
+            </a:solidFill>
+          </a:ln>
+        </p:spPr>
+        <p:style>
+          <a:lnRef idx="2">
+            <a:schemeClr val="accent1">
+              <a:shade val="50000"/>
+            </a:schemeClr>
+          </a:lnRef>
+          <a:fillRef idx="1">
+            <a:schemeClr val="accent1"/>
+          </a:fillRef>
+          <a:effectRef idx="0">
+            <a:schemeClr val="accent1"/>
+          </a:effectRef>
+          <a:fontRef idx="minor">
+            <a:schemeClr val="lt1"/>
+          </a:fontRef>
+        </p:style>
+        <p:txBody>
+          <a:bodyPr rtlCol="0" anchor="ctr"/>
+          <a:lstStyle/>
+          <a:p>
+            <a:pPr algn="ctr"/>
+            <a:r>
+              <a:rPr lang="en-US" sz="1050" dirty="0">
+                <a:solidFill>
+                  <a:schemeClr val="tx1"/>
+                </a:solidFill>
+                <a:latin typeface="Futura"/>
+                <a:cs typeface="Times New Roman" panose="02020603050405020304" pitchFamily="18" charset="0"/>
+              </a:rPr>
+              <a:t>identify virtual samples</a:t>
+            </a:r>
+          </a:p>
+        </p:txBody>
+      </p:sp>
+      <p:sp>
+        <p:nvSpPr>
+          <p:cNvPr id="85" name="Rectangle: Rounded Corners 84">
+            <a:extLst>
+              <a:ext uri="{FF2B5EF4-FFF2-40B4-BE49-F238E27FC236}">
+                <a16:creationId xmlns:a16="http://schemas.microsoft.com/office/drawing/2014/main" id="{6BACD199-755C-4E22-BA48-BA95491363B8}"/>
+              </a:ext>
+            </a:extLst>
+          </p:cNvPr>
+          <p:cNvSpPr/>
+          <p:nvPr/>
+        </p:nvSpPr>
+        <p:spPr>
+          <a:xfrm>
+            <a:off x="8657517" y="4280261"/>
+            <a:ext cx="918000" cy="648398"/>
+          </a:xfrm>
+          <a:prstGeom prst="roundRect">
+            <a:avLst>
+              <a:gd name="adj" fmla="val 10145"/>
+            </a:avLst>
+          </a:prstGeom>
+          <a:solidFill>
+            <a:schemeClr val="bg1"/>
+          </a:solidFill>
+          <a:ln w="12700">
+            <a:solidFill>
+              <a:schemeClr val="tx1"/>
+            </a:solidFill>
+          </a:ln>
+        </p:spPr>
+        <p:style>
+          <a:lnRef idx="2">
+            <a:schemeClr val="accent1">
+              <a:shade val="50000"/>
+            </a:schemeClr>
+          </a:lnRef>
+          <a:fillRef idx="1">
+            <a:schemeClr val="accent1"/>
+          </a:fillRef>
+          <a:effectRef idx="0">
+            <a:schemeClr val="accent1"/>
+          </a:effectRef>
+          <a:fontRef idx="minor">
+            <a:schemeClr val="lt1"/>
+          </a:fontRef>
+        </p:style>
+        <p:txBody>
+          <a:bodyPr rtlCol="0" anchor="ctr"/>
+          <a:lstStyle/>
+          <a:p>
+            <a:pPr algn="ctr"/>
+            <a:r>
+              <a:rPr lang="en-US" sz="1050" dirty="0">
+                <a:solidFill>
+                  <a:schemeClr val="tx1"/>
+                </a:solidFill>
+                <a:latin typeface="Futura"/>
+                <a:cs typeface="Times New Roman" panose="02020603050405020304" pitchFamily="18" charset="0"/>
+              </a:rPr>
+              <a:t>relearn model</a:t>
+            </a:r>
+          </a:p>
+        </p:txBody>
+      </p:sp>
+      <p:sp>
+        <p:nvSpPr>
+          <p:cNvPr id="88" name="Rectangle: Rounded Corners 87">
+            <a:extLst>
+              <a:ext uri="{FF2B5EF4-FFF2-40B4-BE49-F238E27FC236}">
+                <a16:creationId xmlns:a16="http://schemas.microsoft.com/office/drawing/2014/main" id="{2A949BA5-6356-41F5-A5D3-54A1408034EF}"/>
+              </a:ext>
+            </a:extLst>
+          </p:cNvPr>
+          <p:cNvSpPr/>
+          <p:nvPr/>
+        </p:nvSpPr>
+        <p:spPr>
+          <a:xfrm>
+            <a:off x="266156" y="4275572"/>
+            <a:ext cx="1339200" cy="648398"/>
+          </a:xfrm>
+          <a:prstGeom prst="roundRect">
+            <a:avLst>
+              <a:gd name="adj" fmla="val 10145"/>
+            </a:avLst>
+          </a:prstGeom>
+          <a:solidFill>
+            <a:schemeClr val="bg1"/>
+          </a:solidFill>
+          <a:ln w="12700">
+            <a:solidFill>
+              <a:schemeClr val="tx1"/>
+            </a:solidFill>
+          </a:ln>
+        </p:spPr>
+        <p:style>
+          <a:lnRef idx="2">
+            <a:schemeClr val="accent1">
+              <a:shade val="50000"/>
+            </a:schemeClr>
+          </a:lnRef>
+          <a:fillRef idx="1">
+            <a:schemeClr val="accent1"/>
+          </a:fillRef>
+          <a:effectRef idx="0">
+            <a:schemeClr val="accent1"/>
+          </a:effectRef>
+          <a:fontRef idx="minor">
+            <a:schemeClr val="lt1"/>
+          </a:fontRef>
+        </p:style>
+        <p:txBody>
+          <a:bodyPr rtlCol="0" anchor="ctr"/>
+          <a:lstStyle/>
+          <a:p>
+            <a:pPr algn="ctr"/>
+            <a:r>
+              <a:rPr lang="en-US" sz="1050" dirty="0">
+                <a:solidFill>
+                  <a:schemeClr val="tx1"/>
+                </a:solidFill>
+                <a:latin typeface="Futura"/>
+                <a:cs typeface="Times New Roman" panose="02020603050405020304" pitchFamily="18" charset="0"/>
+              </a:rPr>
+              <a:t>segmentation with altered parameterization</a:t>
+            </a:r>
+          </a:p>
+        </p:txBody>
+      </p:sp>
+      <p:sp>
+        <p:nvSpPr>
+          <p:cNvPr id="90" name="Rectangle: Rounded Corners 89">
+            <a:extLst>
+              <a:ext uri="{FF2B5EF4-FFF2-40B4-BE49-F238E27FC236}">
+                <a16:creationId xmlns:a16="http://schemas.microsoft.com/office/drawing/2014/main" id="{697A23BB-C9E4-45D3-BE0B-36072BC33FE7}"/>
+              </a:ext>
+            </a:extLst>
+          </p:cNvPr>
+          <p:cNvSpPr/>
+          <p:nvPr/>
+        </p:nvSpPr>
+        <p:spPr>
+          <a:xfrm>
+            <a:off x="7730190" y="2207202"/>
+            <a:ext cx="1430208" cy="644397"/>
+          </a:xfrm>
+          <a:prstGeom prst="roundRect">
+            <a:avLst>
+              <a:gd name="adj" fmla="val 10145"/>
+            </a:avLst>
+          </a:prstGeom>
+          <a:solidFill>
+            <a:schemeClr val="bg1"/>
+          </a:solidFill>
+          <a:ln w="12700">
+            <a:solidFill>
+              <a:schemeClr val="tx1"/>
+            </a:solidFill>
+          </a:ln>
+        </p:spPr>
+        <p:style>
+          <a:lnRef idx="2">
+            <a:schemeClr val="accent1">
+              <a:shade val="50000"/>
+            </a:schemeClr>
+          </a:lnRef>
+          <a:fillRef idx="1">
+            <a:schemeClr val="accent1"/>
+          </a:fillRef>
+          <a:effectRef idx="0">
+            <a:schemeClr val="accent1"/>
+          </a:effectRef>
+          <a:fontRef idx="minor">
+            <a:schemeClr val="lt1"/>
+          </a:fontRef>
+        </p:style>
+        <p:txBody>
+          <a:bodyPr rtlCol="0" anchor="ctr"/>
+          <a:lstStyle/>
+          <a:p>
+            <a:pPr algn="ctr"/>
+            <a:r>
+              <a:rPr lang="en-US" sz="1050" dirty="0">
+                <a:solidFill>
+                  <a:schemeClr val="tx1"/>
+                </a:solidFill>
+                <a:latin typeface="Futura"/>
+                <a:cs typeface="Times New Roman" panose="02020603050405020304" pitchFamily="18" charset="0"/>
+              </a:rPr>
+              <a:t>margin sampling distance </a:t>
+            </a:r>
+          </a:p>
+          <a:p>
+            <a:pPr algn="ctr"/>
+            <a:r>
+              <a:rPr lang="en-US" sz="1050" dirty="0">
+                <a:solidFill>
+                  <a:schemeClr val="tx1"/>
+                </a:solidFill>
+                <a:latin typeface="Futura"/>
+                <a:cs typeface="Times New Roman" panose="02020603050405020304" pitchFamily="18" charset="0"/>
+              </a:rPr>
+              <a:t>with clustering </a:t>
+            </a:r>
+          </a:p>
+        </p:txBody>
+      </p:sp>
+      <p:cxnSp>
+        <p:nvCxnSpPr>
+          <p:cNvPr id="150" name="Gerade Verbindung mit Pfeil 52">
+            <a:extLst>
+              <a:ext uri="{FF2B5EF4-FFF2-40B4-BE49-F238E27FC236}">
+                <a16:creationId xmlns:a16="http://schemas.microsoft.com/office/drawing/2014/main" id="{478673B4-905E-4371-AF0F-5EAE1D7FFB44}"/>
+              </a:ext>
+            </a:extLst>
+          </p:cNvPr>
+          <p:cNvCxnSpPr>
+            <a:cxnSpLocks/>
+            <a:stCxn id="76" idx="0"/>
+            <a:endCxn id="2" idx="3"/>
+          </p:cNvCxnSpPr>
+          <p:nvPr/>
+        </p:nvCxnSpPr>
+        <p:spPr>
+          <a:xfrm flipH="1" flipV="1">
+            <a:off x="939329" y="1843044"/>
+            <a:ext cx="778" cy="360157"/>
+          </a:xfrm>
+          <a:prstGeom prst="straightConnector1">
+            <a:avLst/>
+          </a:prstGeom>
+          <a:ln w="12700">
+            <a:solidFill>
+              <a:schemeClr val="tx1"/>
+            </a:solidFill>
+            <a:headEnd type="triangle"/>
+            <a:tailEnd type="none"/>
+          </a:ln>
+        </p:spPr>
+        <p:style>
+          <a:lnRef idx="1">
+            <a:schemeClr val="accent1"/>
+          </a:lnRef>
+          <a:fillRef idx="0">
+            <a:schemeClr val="accent1"/>
+          </a:fillRef>
+          <a:effectRef idx="0">
+            <a:schemeClr val="accent1"/>
+          </a:effectRef>
+          <a:fontRef idx="minor">
+            <a:schemeClr val="tx1"/>
+          </a:fontRef>
+        </p:style>
+      </p:cxnSp>
+      <p:sp>
+        <p:nvSpPr>
+          <p:cNvPr id="217" name="Rectangle 216">
+            <a:extLst>
+              <a:ext uri="{FF2B5EF4-FFF2-40B4-BE49-F238E27FC236}">
+                <a16:creationId xmlns:a16="http://schemas.microsoft.com/office/drawing/2014/main" id="{CE280420-228F-4D4C-80F2-02B33F8F9893}"/>
+              </a:ext>
+            </a:extLst>
+          </p:cNvPr>
+          <p:cNvSpPr/>
+          <p:nvPr/>
+        </p:nvSpPr>
+        <p:spPr>
+          <a:xfrm>
+            <a:off x="-502397" y="2090702"/>
+            <a:ext cx="566181" cy="253916"/>
+          </a:xfrm>
+          <a:prstGeom prst="rect">
+            <a:avLst/>
+          </a:prstGeom>
+        </p:spPr>
+        <p:txBody>
+          <a:bodyPr wrap="none">
+            <a:spAutoFit/>
+          </a:bodyPr>
+          <a:lstStyle/>
+          <a:p>
+            <a:r>
+              <a:rPr lang="en-US" sz="1050" b="1" dirty="0">
+                <a:solidFill>
+                  <a:schemeClr val="tx1">
+                    <a:lumMod val="75000"/>
+                    <a:lumOff val="25000"/>
+                  </a:schemeClr>
+                </a:solidFill>
+                <a:latin typeface="Futura"/>
+                <a:cs typeface="Times New Roman" panose="02020603050405020304" pitchFamily="18" charset="0"/>
+              </a:rPr>
+              <a:t>VSVM</a:t>
+            </a:r>
+          </a:p>
+        </p:txBody>
+      </p:sp>
+      <p:sp>
+        <p:nvSpPr>
+          <p:cNvPr id="218" name="Rectangle 217">
+            <a:extLst>
+              <a:ext uri="{FF2B5EF4-FFF2-40B4-BE49-F238E27FC236}">
+                <a16:creationId xmlns:a16="http://schemas.microsoft.com/office/drawing/2014/main" id="{C8EE7157-E021-42D2-849E-F484F2B10A54}"/>
+              </a:ext>
+            </a:extLst>
+          </p:cNvPr>
+          <p:cNvSpPr/>
+          <p:nvPr/>
+        </p:nvSpPr>
+        <p:spPr>
+          <a:xfrm>
+            <a:off x="-510265" y="4939151"/>
+            <a:ext cx="1766830" cy="253916"/>
+          </a:xfrm>
+          <a:prstGeom prst="rect">
+            <a:avLst/>
+          </a:prstGeom>
+        </p:spPr>
+        <p:txBody>
+          <a:bodyPr wrap="none">
+            <a:spAutoFit/>
+          </a:bodyPr>
+          <a:lstStyle/>
+          <a:p>
+            <a:r>
+              <a:rPr lang="en-US" sz="1050" b="1" dirty="0">
+                <a:solidFill>
+                  <a:schemeClr val="tx1">
+                    <a:lumMod val="75000"/>
+                    <a:lumOff val="25000"/>
+                  </a:schemeClr>
+                </a:solidFill>
+                <a:latin typeface="Futura"/>
+                <a:cs typeface="Times New Roman" panose="02020603050405020304" pitchFamily="18" charset="0"/>
+              </a:rPr>
+              <a:t>encoding of invariances</a:t>
+            </a:r>
+          </a:p>
+        </p:txBody>
+      </p:sp>
+      <p:sp>
+        <p:nvSpPr>
+          <p:cNvPr id="219" name="Rectangle 218">
+            <a:extLst>
+              <a:ext uri="{FF2B5EF4-FFF2-40B4-BE49-F238E27FC236}">
+                <a16:creationId xmlns:a16="http://schemas.microsoft.com/office/drawing/2014/main" id="{FFFD716E-AF68-459F-A640-FB2282076777}"/>
+              </a:ext>
+            </a:extLst>
+          </p:cNvPr>
+          <p:cNvSpPr/>
+          <p:nvPr/>
+        </p:nvSpPr>
+        <p:spPr>
+          <a:xfrm>
+            <a:off x="5376021" y="4948398"/>
+            <a:ext cx="1550424" cy="253916"/>
+          </a:xfrm>
+          <a:prstGeom prst="rect">
+            <a:avLst/>
+          </a:prstGeom>
+        </p:spPr>
+        <p:txBody>
+          <a:bodyPr wrap="none">
+            <a:spAutoFit/>
+          </a:bodyPr>
+          <a:lstStyle/>
+          <a:p>
+            <a:r>
+              <a:rPr lang="en-US" sz="1050" b="1" dirty="0">
+                <a:solidFill>
+                  <a:schemeClr val="tx1">
+                    <a:lumMod val="75000"/>
+                    <a:lumOff val="25000"/>
+                  </a:schemeClr>
+                </a:solidFill>
+                <a:latin typeface="Futura"/>
+                <a:cs typeface="Times New Roman" panose="02020603050405020304" pitchFamily="18" charset="0"/>
+              </a:rPr>
+              <a:t>self-learning strategy</a:t>
+            </a:r>
+          </a:p>
+        </p:txBody>
+      </p:sp>
+      <p:cxnSp>
+        <p:nvCxnSpPr>
+          <p:cNvPr id="89" name="Gerade Verbindung mit Pfeil 69">
+            <a:extLst>
+              <a:ext uri="{FF2B5EF4-FFF2-40B4-BE49-F238E27FC236}">
+                <a16:creationId xmlns:a16="http://schemas.microsoft.com/office/drawing/2014/main" id="{40F74CC9-C294-43A4-A96D-F2F24646AF51}"/>
+              </a:ext>
+            </a:extLst>
+          </p:cNvPr>
+          <p:cNvCxnSpPr>
+            <a:cxnSpLocks/>
+            <a:stCxn id="90" idx="1"/>
+            <a:endCxn id="80" idx="3"/>
+          </p:cNvCxnSpPr>
+          <p:nvPr/>
+        </p:nvCxnSpPr>
+        <p:spPr>
+          <a:xfrm flipH="1">
+            <a:off x="6438823" y="2529401"/>
+            <a:ext cx="1291367" cy="3067"/>
+          </a:xfrm>
+          <a:prstGeom prst="straightConnector1">
+            <a:avLst/>
+          </a:prstGeom>
+          <a:ln w="12700">
+            <a:solidFill>
+              <a:schemeClr val="tx1"/>
+            </a:solidFill>
+            <a:tailEnd type="triangle"/>
+          </a:ln>
+        </p:spPr>
+        <p:style>
+          <a:lnRef idx="1">
+            <a:schemeClr val="accent1"/>
+          </a:lnRef>
+          <a:fillRef idx="0">
+            <a:schemeClr val="accent1"/>
+          </a:fillRef>
+          <a:effectRef idx="0">
+            <a:schemeClr val="accent1"/>
+          </a:effectRef>
+          <a:fontRef idx="minor">
+            <a:schemeClr val="tx1"/>
+          </a:fontRef>
+        </p:style>
+      </p:cxnSp>
+      <p:cxnSp>
+        <p:nvCxnSpPr>
+          <p:cNvPr id="91" name="Gewinkelte Verbindung 40">
+            <a:extLst>
+              <a:ext uri="{FF2B5EF4-FFF2-40B4-BE49-F238E27FC236}">
+                <a16:creationId xmlns:a16="http://schemas.microsoft.com/office/drawing/2014/main" id="{1166C831-0602-4CBD-978F-8EF001FD8682}"/>
+              </a:ext>
+            </a:extLst>
+          </p:cNvPr>
+          <p:cNvCxnSpPr>
+            <a:cxnSpLocks/>
+            <a:stCxn id="80" idx="0"/>
+            <a:endCxn id="101" idx="4"/>
+          </p:cNvCxnSpPr>
+          <p:nvPr/>
+        </p:nvCxnSpPr>
+        <p:spPr>
+          <a:xfrm rot="16200000" flipV="1">
+            <a:off x="4483300" y="752153"/>
+            <a:ext cx="869605" cy="2042628"/>
+          </a:xfrm>
+          <a:prstGeom prst="bentConnector2">
+            <a:avLst/>
+          </a:prstGeom>
+          <a:ln w="12700">
+            <a:solidFill>
+              <a:schemeClr val="tx1"/>
+            </a:solidFill>
+            <a:tailEnd type="triangle"/>
+          </a:ln>
+        </p:spPr>
+        <p:style>
+          <a:lnRef idx="1">
+            <a:schemeClr val="accent1"/>
+          </a:lnRef>
+          <a:fillRef idx="0">
+            <a:schemeClr val="accent1"/>
+          </a:fillRef>
+          <a:effectRef idx="0">
+            <a:schemeClr val="accent1"/>
+          </a:effectRef>
+          <a:fontRef idx="minor">
+            <a:schemeClr val="tx1"/>
+          </a:fontRef>
+        </p:style>
+      </p:cxnSp>
+      <mc:AlternateContent xmlns:mc="http://schemas.openxmlformats.org/markup-compatibility/2006">
+        <mc:Choice xmlns:a14="http://schemas.microsoft.com/office/drawing/2010/main" Requires="a14">
+          <p:sp>
+            <p:nvSpPr>
+              <p:cNvPr id="55" name="Textfeld 60">
+                <a:extLst>
+                  <a:ext uri="{FF2B5EF4-FFF2-40B4-BE49-F238E27FC236}">
+                    <a16:creationId xmlns:a16="http://schemas.microsoft.com/office/drawing/2014/main" id="{40AB6970-4CB9-4A30-BF8B-B8FD9C5D96AA}"/>
+                  </a:ext>
+                </a:extLst>
+              </p:cNvPr>
+              <p:cNvSpPr txBox="1"/>
+              <p:nvPr/>
+            </p:nvSpPr>
+            <p:spPr>
+              <a:xfrm>
+                <a:off x="7085512" y="3719752"/>
+                <a:ext cx="757259" cy="261610"/>
+              </a:xfrm>
+              <a:prstGeom prst="rect">
+                <a:avLst/>
+              </a:prstGeom>
+              <a:noFill/>
+            </p:spPr>
+            <p:txBody>
+              <a:bodyPr wrap="none" rtlCol="0">
+                <a:spAutoFit/>
+              </a:bodyPr>
+              <a:lstStyle/>
+              <a:p>
+                <a:pPr/>
+                <a14:m>
+                  <m:oMathPara xmlns:m="http://schemas.openxmlformats.org/officeDocument/2006/math">
+                    <m:oMathParaPr>
+                      <m:jc m:val="centerGroup"/>
+                    </m:oMathParaPr>
+                    <m:oMath xmlns:m="http://schemas.openxmlformats.org/officeDocument/2006/math">
+                      <m:sSub>
+                        <m:sSubPr>
+                          <m:ctrlPr>
+                            <a:rPr lang="de-DE" sz="1100" i="1" smtClean="0">
+                              <a:latin typeface="Cambria Math" panose="02040503050406030204" pitchFamily="18" charset="0"/>
+                            </a:rPr>
+                          </m:ctrlPr>
+                        </m:sSubPr>
+                        <m:e>
+                          <m:r>
+                            <a:rPr lang="en-US" sz="1100" i="1">
+                              <a:latin typeface="Cambria Math" panose="02040503050406030204" pitchFamily="18" charset="0"/>
+                            </a:rPr>
+                            <m:t>𝑈</m:t>
+                          </m:r>
+                        </m:e>
+                        <m:sub>
+                          <m:r>
+                            <a:rPr lang="it-IT" sz="1100" b="0" i="1" smtClean="0">
+                              <a:latin typeface="Cambria Math" panose="02040503050406030204" pitchFamily="18" charset="0"/>
+                            </a:rPr>
+                            <m:t>𝑠𝑒𝑚𝑖</m:t>
+                          </m:r>
+                          <m:r>
+                            <a:rPr lang="en-US" sz="1100" i="1">
+                              <a:latin typeface="Cambria Math" panose="02040503050406030204" pitchFamily="18" charset="0"/>
+                            </a:rPr>
+                            <m:t>−</m:t>
+                          </m:r>
+                          <m:r>
+                            <a:rPr lang="it-IT" sz="1100" b="0" i="1" smtClean="0">
+                              <a:latin typeface="Cambria Math" panose="02040503050406030204" pitchFamily="18" charset="0"/>
+                            </a:rPr>
+                            <m:t>𝐴𝐿</m:t>
+                          </m:r>
+                        </m:sub>
+                      </m:sSub>
+                    </m:oMath>
+                  </m:oMathPara>
+                </a14:m>
+                <a:endParaRPr lang="de-DE" dirty="0"/>
+              </a:p>
+            </p:txBody>
+          </p:sp>
+        </mc:Choice>
+        <mc:Fallback>
+          <p:sp>
+            <p:nvSpPr>
+              <p:cNvPr id="55" name="Textfeld 60">
+                <a:extLst>
+                  <a:ext uri="{FF2B5EF4-FFF2-40B4-BE49-F238E27FC236}">
+                    <a16:creationId xmlns:a16="http://schemas.microsoft.com/office/drawing/2014/main" id="{40AB6970-4CB9-4A30-BF8B-B8FD9C5D96AA}"/>
+                  </a:ext>
+                </a:extLst>
+              </p:cNvPr>
+              <p:cNvSpPr txBox="1">
+                <a:spLocks noRot="1" noChangeAspect="1" noMove="1" noResize="1" noEditPoints="1" noAdjustHandles="1" noChangeArrowheads="1" noChangeShapeType="1" noTextEdit="1"/>
+              </p:cNvSpPr>
+              <p:nvPr/>
+            </p:nvSpPr>
+            <p:spPr>
+              <a:xfrm>
+                <a:off x="7085512" y="3719752"/>
+                <a:ext cx="757259" cy="261610"/>
+              </a:xfrm>
+              <a:prstGeom prst="rect">
+                <a:avLst/>
+              </a:prstGeom>
+              <a:blipFill>
+                <a:blip r:embed="rId11"/>
+                <a:stretch>
+                  <a:fillRect/>
+                </a:stretch>
+              </a:blipFill>
+            </p:spPr>
+            <p:txBody>
+              <a:bodyPr/>
+              <a:lstStyle/>
+              <a:p>
+                <a:r>
+                  <a:rPr lang="en-GB">
+                    <a:noFill/>
+                  </a:rPr>
+                  <a:t> </a:t>
+                </a:r>
+              </a:p>
+            </p:txBody>
+          </p:sp>
+        </mc:Fallback>
+      </mc:AlternateContent>
+      <p:sp>
+        <p:nvSpPr>
+          <p:cNvPr id="59" name="Rectangle: Rounded Corners 58">
+            <a:extLst>
+              <a:ext uri="{FF2B5EF4-FFF2-40B4-BE49-F238E27FC236}">
+                <a16:creationId xmlns:a16="http://schemas.microsoft.com/office/drawing/2014/main" id="{45F68CCC-BDAB-4892-AC95-39837EBAC307}"/>
+              </a:ext>
+            </a:extLst>
+          </p:cNvPr>
+          <p:cNvSpPr/>
+          <p:nvPr/>
+        </p:nvSpPr>
+        <p:spPr>
+          <a:xfrm>
+            <a:off x="5463346" y="3337664"/>
+            <a:ext cx="972000" cy="648398"/>
+          </a:xfrm>
+          <a:prstGeom prst="roundRect">
+            <a:avLst>
+              <a:gd name="adj" fmla="val 10145"/>
+            </a:avLst>
+          </a:prstGeom>
+          <a:solidFill>
+            <a:schemeClr val="bg1"/>
+          </a:solidFill>
+          <a:ln w="12700">
+            <a:solidFill>
+              <a:schemeClr val="tx1"/>
+            </a:solidFill>
+          </a:ln>
+        </p:spPr>
+        <p:style>
+          <a:lnRef idx="2">
+            <a:schemeClr val="accent1">
+              <a:shade val="50000"/>
+            </a:schemeClr>
+          </a:lnRef>
+          <a:fillRef idx="1">
+            <a:schemeClr val="accent1"/>
+          </a:fillRef>
+          <a:effectRef idx="0">
+            <a:schemeClr val="accent1"/>
+          </a:effectRef>
+          <a:fontRef idx="minor">
+            <a:schemeClr val="lt1"/>
+          </a:fontRef>
+        </p:style>
+        <p:txBody>
+          <a:bodyPr rtlCol="0" anchor="ctr"/>
+          <a:lstStyle/>
+          <a:p>
+            <a:pPr algn="ctr"/>
+            <a:r>
+              <a:rPr lang="en-US" sz="1050" dirty="0">
+                <a:solidFill>
+                  <a:schemeClr val="tx1"/>
+                </a:solidFill>
+                <a:latin typeface="Futura"/>
+                <a:cs typeface="Times New Roman" panose="02020603050405020304" pitchFamily="18" charset="0"/>
+              </a:rPr>
+              <a:t>remaining</a:t>
+            </a:r>
+          </a:p>
+          <a:p>
+            <a:pPr algn="ctr"/>
+            <a:r>
+              <a:rPr lang="en-US" sz="1050" dirty="0">
+                <a:solidFill>
+                  <a:schemeClr val="tx1"/>
+                </a:solidFill>
+                <a:latin typeface="Futura"/>
+                <a:cs typeface="Times New Roman" panose="02020603050405020304" pitchFamily="18" charset="0"/>
+              </a:rPr>
+              <a:t>candidates</a:t>
+            </a:r>
+          </a:p>
+        </p:txBody>
+      </p:sp>
+      <p:cxnSp>
+        <p:nvCxnSpPr>
+          <p:cNvPr id="61" name="Gewinkelte Verbindung 40">
+            <a:extLst>
+              <a:ext uri="{FF2B5EF4-FFF2-40B4-BE49-F238E27FC236}">
+                <a16:creationId xmlns:a16="http://schemas.microsoft.com/office/drawing/2014/main" id="{6DFDF9F2-A28B-493C-A29E-223507BF1A70}"/>
+              </a:ext>
+            </a:extLst>
+          </p:cNvPr>
+          <p:cNvCxnSpPr>
+            <a:cxnSpLocks/>
+            <a:stCxn id="59" idx="3"/>
+            <a:endCxn id="81" idx="0"/>
+          </p:cNvCxnSpPr>
+          <p:nvPr/>
+        </p:nvCxnSpPr>
+        <p:spPr>
+          <a:xfrm>
+            <a:off x="6435346" y="3661863"/>
+            <a:ext cx="709267" cy="613710"/>
+          </a:xfrm>
+          <a:prstGeom prst="bentConnector2">
+            <a:avLst/>
+          </a:prstGeom>
+          <a:ln w="12700">
+            <a:solidFill>
+              <a:schemeClr val="tx1"/>
+            </a:solidFill>
+            <a:prstDash val="sysDash"/>
+            <a:tailEnd type="triangle"/>
+          </a:ln>
+        </p:spPr>
+        <p:style>
+          <a:lnRef idx="1">
+            <a:schemeClr val="accent1"/>
+          </a:lnRef>
+          <a:fillRef idx="0">
+            <a:schemeClr val="accent1"/>
+          </a:fillRef>
+          <a:effectRef idx="0">
+            <a:schemeClr val="accent1"/>
+          </a:effectRef>
+          <a:fontRef idx="minor">
+            <a:schemeClr val="tx1"/>
+          </a:fontRef>
+        </p:style>
+      </p:cxnSp>
+      <p:cxnSp>
+        <p:nvCxnSpPr>
+          <p:cNvPr id="62" name="Gerade Verbindung mit Pfeil 55">
+            <a:extLst>
+              <a:ext uri="{FF2B5EF4-FFF2-40B4-BE49-F238E27FC236}">
+                <a16:creationId xmlns:a16="http://schemas.microsoft.com/office/drawing/2014/main" id="{28D07CE3-C26F-4201-ADBD-084509795874}"/>
+              </a:ext>
+            </a:extLst>
+          </p:cNvPr>
+          <p:cNvCxnSpPr>
+            <a:cxnSpLocks/>
+            <a:endCxn id="59" idx="0"/>
+          </p:cNvCxnSpPr>
+          <p:nvPr/>
+        </p:nvCxnSpPr>
+        <p:spPr>
+          <a:xfrm>
+            <a:off x="5946565" y="2856521"/>
+            <a:ext cx="2781" cy="481143"/>
+          </a:xfrm>
+          <a:prstGeom prst="straightConnector1">
+            <a:avLst/>
+          </a:prstGeom>
+          <a:ln w="12700">
+            <a:solidFill>
+              <a:schemeClr val="tx1"/>
+            </a:solidFill>
+            <a:prstDash val="sysDash"/>
+            <a:tailEnd type="triangle"/>
+          </a:ln>
+        </p:spPr>
+        <p:style>
+          <a:lnRef idx="1">
+            <a:schemeClr val="accent1"/>
+          </a:lnRef>
+          <a:fillRef idx="0">
+            <a:schemeClr val="accent1"/>
+          </a:fillRef>
+          <a:effectRef idx="0">
+            <a:schemeClr val="accent1"/>
+          </a:effectRef>
+          <a:fontRef idx="minor">
+            <a:schemeClr val="tx1"/>
+          </a:fontRef>
+        </p:style>
+      </p:cxnSp>
+      <p:cxnSp>
+        <p:nvCxnSpPr>
+          <p:cNvPr id="64" name="Gewinkelte Verbindung 40">
+            <a:extLst>
+              <a:ext uri="{FF2B5EF4-FFF2-40B4-BE49-F238E27FC236}">
+                <a16:creationId xmlns:a16="http://schemas.microsoft.com/office/drawing/2014/main" id="{CECE32A4-6A8C-4CAE-9DA7-6CA9E23F74A5}"/>
+              </a:ext>
+            </a:extLst>
+          </p:cNvPr>
+          <p:cNvCxnSpPr>
+            <a:cxnSpLocks/>
+            <a:stCxn id="79" idx="3"/>
+            <a:endCxn id="59" idx="1"/>
+          </p:cNvCxnSpPr>
+          <p:nvPr/>
+        </p:nvCxnSpPr>
+        <p:spPr>
+          <a:xfrm>
+            <a:off x="3815788" y="2527400"/>
+            <a:ext cx="1647558" cy="1134463"/>
+          </a:xfrm>
+          <a:prstGeom prst="bentConnector3">
+            <a:avLst>
+              <a:gd name="adj1" fmla="val 29664"/>
+            </a:avLst>
+          </a:prstGeom>
+          <a:ln w="12700">
+            <a:solidFill>
+              <a:schemeClr val="tx1"/>
+            </a:solidFill>
+            <a:tailEnd type="triangle"/>
+          </a:ln>
+        </p:spPr>
+        <p:style>
+          <a:lnRef idx="1">
+            <a:schemeClr val="accent1"/>
+          </a:lnRef>
+          <a:fillRef idx="0">
+            <a:schemeClr val="accent1"/>
+          </a:fillRef>
+          <a:effectRef idx="0">
+            <a:schemeClr val="accent1"/>
+          </a:effectRef>
+          <a:fontRef idx="minor">
+            <a:schemeClr val="tx1"/>
+          </a:fontRef>
+        </p:style>
+      </p:cxnSp>
+      <p:sp>
+        <p:nvSpPr>
+          <p:cNvPr id="65" name="Textfeld 64">
+            <a:extLst>
+              <a:ext uri="{FF2B5EF4-FFF2-40B4-BE49-F238E27FC236}">
+                <a16:creationId xmlns:a16="http://schemas.microsoft.com/office/drawing/2014/main" id="{9FE499A4-AA4F-429D-8952-5FFA3D60BE92}"/>
+              </a:ext>
+            </a:extLst>
+          </p:cNvPr>
+          <p:cNvSpPr txBox="1"/>
+          <p:nvPr/>
+        </p:nvSpPr>
+        <p:spPr>
+          <a:xfrm>
+            <a:off x="6478570" y="3234783"/>
+            <a:ext cx="1616386" cy="253916"/>
+          </a:xfrm>
+          <a:prstGeom prst="rect">
+            <a:avLst/>
+          </a:prstGeom>
+          <a:noFill/>
+        </p:spPr>
+        <p:txBody>
+          <a:bodyPr wrap="square" rtlCol="0">
+            <a:spAutoFit/>
+          </a:bodyPr>
+          <a:lstStyle/>
+          <a:p>
+            <a:r>
+              <a:rPr lang="en-US" sz="1050" b="1" dirty="0">
+                <a:solidFill>
+                  <a:schemeClr val="tx1">
+                    <a:lumMod val="75000"/>
+                    <a:lumOff val="25000"/>
+                  </a:schemeClr>
+                </a:solidFill>
+                <a:latin typeface="Futura"/>
+                <a:cs typeface="Times New Roman" panose="02020603050405020304" pitchFamily="18" charset="0"/>
+              </a:rPr>
+              <a:t>semi labeled samples</a:t>
+            </a:r>
+          </a:p>
+        </p:txBody>
+      </p:sp>
+      <p:cxnSp>
+        <p:nvCxnSpPr>
+          <p:cNvPr id="67" name="Gewinkelte Verbindung 40">
+            <a:extLst>
+              <a:ext uri="{FF2B5EF4-FFF2-40B4-BE49-F238E27FC236}">
+                <a16:creationId xmlns:a16="http://schemas.microsoft.com/office/drawing/2014/main" id="{C76C2A79-1156-48B2-94C9-7C98E72C4017}"/>
+              </a:ext>
+            </a:extLst>
+          </p:cNvPr>
+          <p:cNvCxnSpPr>
+            <a:cxnSpLocks/>
+            <a:stCxn id="85" idx="3"/>
+            <a:endCxn id="90" idx="2"/>
+          </p:cNvCxnSpPr>
+          <p:nvPr/>
+        </p:nvCxnSpPr>
+        <p:spPr>
+          <a:xfrm flipH="1" flipV="1">
+            <a:off x="8445294" y="2851599"/>
+            <a:ext cx="1130223" cy="1752861"/>
+          </a:xfrm>
+          <a:prstGeom prst="bentConnector4">
+            <a:avLst>
+              <a:gd name="adj1" fmla="val -8427"/>
+              <a:gd name="adj2" fmla="val 67942"/>
+            </a:avLst>
+          </a:prstGeom>
+          <a:ln w="12700">
+            <a:solidFill>
+              <a:schemeClr val="tx1"/>
+            </a:solidFill>
+            <a:tailEnd type="triangle"/>
+          </a:ln>
+        </p:spPr>
+        <p:style>
+          <a:lnRef idx="1">
+            <a:schemeClr val="accent1"/>
+          </a:lnRef>
+          <a:fillRef idx="0">
+            <a:schemeClr val="accent1"/>
+          </a:fillRef>
+          <a:effectRef idx="0">
+            <a:schemeClr val="accent1"/>
+          </a:effectRef>
+          <a:fontRef idx="minor">
+            <a:schemeClr val="tx1"/>
+          </a:fontRef>
+        </p:style>
+      </p:cxnSp>
+      <p:cxnSp>
+        <p:nvCxnSpPr>
+          <p:cNvPr id="69" name="Gerade Verbindung mit Pfeil 55">
+            <a:extLst>
+              <a:ext uri="{FF2B5EF4-FFF2-40B4-BE49-F238E27FC236}">
+                <a16:creationId xmlns:a16="http://schemas.microsoft.com/office/drawing/2014/main" id="{FF0244F5-39AB-4753-A0C0-4C80F9AA3093}"/>
+              </a:ext>
+            </a:extLst>
+          </p:cNvPr>
+          <p:cNvCxnSpPr>
+            <a:cxnSpLocks/>
+          </p:cNvCxnSpPr>
+          <p:nvPr/>
+        </p:nvCxnSpPr>
+        <p:spPr>
+          <a:xfrm>
+            <a:off x="8409078" y="-247354"/>
+            <a:ext cx="2781" cy="481143"/>
+          </a:xfrm>
+          <a:prstGeom prst="straightConnector1">
+            <a:avLst/>
+          </a:prstGeom>
+          <a:ln w="12700">
+            <a:solidFill>
+              <a:schemeClr val="tx1"/>
+            </a:solidFill>
+            <a:prstDash val="sysDash"/>
+            <a:tailEnd type="triangle"/>
+          </a:ln>
+        </p:spPr>
+        <p:style>
+          <a:lnRef idx="1">
+            <a:schemeClr val="accent1"/>
+          </a:lnRef>
+          <a:fillRef idx="0">
+            <a:schemeClr val="accent1"/>
+          </a:fillRef>
+          <a:effectRef idx="0">
+            <a:schemeClr val="accent1"/>
+          </a:effectRef>
+          <a:fontRef idx="minor">
+            <a:schemeClr val="tx1"/>
+          </a:fontRef>
+        </p:style>
+      </p:cxnSp>
+      <p:cxnSp>
+        <p:nvCxnSpPr>
+          <p:cNvPr id="70" name="Gewinkelte Verbindung 40">
+            <a:extLst>
+              <a:ext uri="{FF2B5EF4-FFF2-40B4-BE49-F238E27FC236}">
+                <a16:creationId xmlns:a16="http://schemas.microsoft.com/office/drawing/2014/main" id="{93907F11-A816-4F24-89B6-42123CC50EE3}"/>
+              </a:ext>
+            </a:extLst>
+          </p:cNvPr>
+          <p:cNvCxnSpPr>
+            <a:cxnSpLocks/>
+            <a:stCxn id="80" idx="1"/>
+            <a:endCxn id="82" idx="0"/>
+          </p:cNvCxnSpPr>
+          <p:nvPr/>
+        </p:nvCxnSpPr>
+        <p:spPr>
+          <a:xfrm rot="10800000" flipH="1" flipV="1">
+            <a:off x="5440008" y="2532467"/>
+            <a:ext cx="513747" cy="1745907"/>
+          </a:xfrm>
+          <a:prstGeom prst="bentConnector4">
+            <a:avLst>
+              <a:gd name="adj1" fmla="val -44497"/>
+              <a:gd name="adj2" fmla="val 90382"/>
+            </a:avLst>
+          </a:prstGeom>
+          <a:ln w="12700">
+            <a:solidFill>
+              <a:schemeClr val="tx1"/>
+            </a:solidFill>
+            <a:prstDash val="sysDash"/>
+            <a:tailEnd type="triangle"/>
+          </a:ln>
+        </p:spPr>
+        <p:style>
+          <a:lnRef idx="1">
+            <a:schemeClr val="accent1"/>
+          </a:lnRef>
+          <a:fillRef idx="0">
+            <a:schemeClr val="accent1"/>
+          </a:fillRef>
+          <a:effectRef idx="0">
+            <a:schemeClr val="accent1"/>
+          </a:effectRef>
+          <a:fontRef idx="minor">
+            <a:schemeClr val="tx1"/>
+          </a:fontRef>
+        </p:style>
+      </p:cxnSp>
+      <mc:AlternateContent xmlns:mc="http://schemas.openxmlformats.org/markup-compatibility/2006">
+        <mc:Choice xmlns:a14="http://schemas.microsoft.com/office/drawing/2010/main" Requires="a14">
+          <p:sp>
+            <p:nvSpPr>
+              <p:cNvPr id="86" name="Textfeld 60">
+                <a:extLst>
+                  <a:ext uri="{FF2B5EF4-FFF2-40B4-BE49-F238E27FC236}">
+                    <a16:creationId xmlns:a16="http://schemas.microsoft.com/office/drawing/2014/main" id="{6D71B933-D79D-4F3B-97CB-F63BEDC6C5F8}"/>
+                  </a:ext>
+                </a:extLst>
+              </p:cNvPr>
+              <p:cNvSpPr txBox="1"/>
+              <p:nvPr/>
+            </p:nvSpPr>
+            <p:spPr>
+              <a:xfrm>
+                <a:off x="4882930" y="2512160"/>
+                <a:ext cx="412805" cy="261610"/>
+              </a:xfrm>
+              <a:prstGeom prst="rect">
+                <a:avLst/>
+              </a:prstGeom>
+              <a:noFill/>
+            </p:spPr>
+            <p:txBody>
+              <a:bodyPr wrap="none" rtlCol="0">
+                <a:spAutoFit/>
+              </a:bodyPr>
+              <a:lstStyle/>
+              <a:p>
+                <a:pPr/>
+                <a14:m>
+                  <m:oMathPara xmlns:m="http://schemas.openxmlformats.org/officeDocument/2006/math">
+                    <m:oMathParaPr>
+                      <m:jc m:val="centerGroup"/>
+                    </m:oMathParaPr>
+                    <m:oMath xmlns:m="http://schemas.openxmlformats.org/officeDocument/2006/math">
+                      <m:sSub>
+                        <m:sSubPr>
+                          <m:ctrlPr>
+                            <a:rPr lang="de-DE" sz="1100" i="1" smtClean="0">
+                              <a:latin typeface="Cambria Math" panose="02040503050406030204" pitchFamily="18" charset="0"/>
+                            </a:rPr>
+                          </m:ctrlPr>
+                        </m:sSubPr>
+                        <m:e>
+                          <m:r>
+                            <a:rPr lang="it-IT" sz="1100" b="0" i="1" smtClean="0">
+                              <a:latin typeface="Cambria Math" panose="02040503050406030204" pitchFamily="18" charset="0"/>
+                            </a:rPr>
+                            <m:t>𝑉</m:t>
+                          </m:r>
+                        </m:e>
+                        <m:sub>
+                          <m:r>
+                            <a:rPr lang="it-IT" sz="1100" b="0" i="1" smtClean="0">
+                              <a:latin typeface="Cambria Math" panose="02040503050406030204" pitchFamily="18" charset="0"/>
+                            </a:rPr>
+                            <m:t>𝐴𝐿</m:t>
+                          </m:r>
+                        </m:sub>
+                      </m:sSub>
+                    </m:oMath>
+                  </m:oMathPara>
+                </a14:m>
+                <a:endParaRPr lang="de-DE" dirty="0"/>
+              </a:p>
+            </p:txBody>
+          </p:sp>
+        </mc:Choice>
+        <mc:Fallback>
+          <p:sp>
+            <p:nvSpPr>
+              <p:cNvPr id="86" name="Textfeld 60">
+                <a:extLst>
+                  <a:ext uri="{FF2B5EF4-FFF2-40B4-BE49-F238E27FC236}">
+                    <a16:creationId xmlns:a16="http://schemas.microsoft.com/office/drawing/2014/main" id="{6D71B933-D79D-4F3B-97CB-F63BEDC6C5F8}"/>
+                  </a:ext>
+                </a:extLst>
+              </p:cNvPr>
+              <p:cNvSpPr txBox="1">
+                <a:spLocks noRot="1" noChangeAspect="1" noMove="1" noResize="1" noEditPoints="1" noAdjustHandles="1" noChangeArrowheads="1" noChangeShapeType="1" noTextEdit="1"/>
+              </p:cNvSpPr>
+              <p:nvPr/>
+            </p:nvSpPr>
+            <p:spPr>
+              <a:xfrm>
+                <a:off x="4882930" y="2512160"/>
+                <a:ext cx="412805" cy="261610"/>
+              </a:xfrm>
+              <a:prstGeom prst="rect">
+                <a:avLst/>
+              </a:prstGeom>
+              <a:blipFill>
+                <a:blip r:embed="rId12"/>
+                <a:stretch>
+                  <a:fillRect/>
+                </a:stretch>
+              </a:blipFill>
+            </p:spPr>
+            <p:txBody>
+              <a:bodyPr/>
+              <a:lstStyle/>
+              <a:p>
+                <a:r>
+                  <a:rPr lang="en-GB">
+                    <a:noFill/>
+                  </a:rPr>
+                  <a:t> </a:t>
+                </a:r>
+              </a:p>
+            </p:txBody>
+          </p:sp>
+        </mc:Fallback>
+      </mc:AlternateContent>
+    </p:spTree>
+    <p:extLst>
+      <p:ext uri="{BB962C8B-B14F-4D97-AF65-F5344CB8AC3E}">
+        <p14:creationId xmlns:p14="http://schemas.microsoft.com/office/powerpoint/2010/main" val="1000043126"/>
+      </p:ext>
+    </p:extLst>
+  </p:cSld>
+  <p:clrMapOvr>
+    <a:masterClrMapping/>
+  </p:clrMapOvr>
+</p:sld>
+</file>
+
+<file path=ppt/slides/slide13.xml><?xml version="1.0" encoding="utf-8"?>
+<p:sld xmlns:a="http://schemas.openxmlformats.org/drawingml/2006/main" xmlns:r="http://schemas.openxmlformats.org/officeDocument/2006/relationships" xmlns:p="http://schemas.openxmlformats.org/presentationml/2006/main">
+  <p:cSld>
+    <p:spTree>
+      <p:nvGrpSpPr>
+        <p:cNvPr id="1" name=""/>
+        <p:cNvGrpSpPr/>
+        <p:nvPr/>
+      </p:nvGrpSpPr>
+      <p:grpSpPr>
+        <a:xfrm>
+          <a:off x="0" y="0"/>
+          <a:ext cx="0" cy="0"/>
+          <a:chOff x="0" y="0"/>
+          <a:chExt cx="0" cy="0"/>
+        </a:xfrm>
+      </p:grpSpPr>
+      <p:sp>
+        <p:nvSpPr>
+          <p:cNvPr id="20" name="Flussdiagramm: Prozess 19"/>
+          <p:cNvSpPr/>
+          <p:nvPr/>
+        </p:nvSpPr>
+        <p:spPr>
+          <a:xfrm>
+            <a:off x="-504563" y="2092705"/>
+            <a:ext cx="9648564" cy="2877752"/>
+          </a:xfrm>
+          <a:prstGeom prst="flowChartProcess">
+            <a:avLst/>
+          </a:prstGeom>
+          <a:solidFill>
+            <a:srgbClr val="FFFF00">
+              <a:alpha val="40000"/>
+            </a:srgbClr>
+          </a:solidFill>
+          <a:ln>
+            <a:noFill/>
+          </a:ln>
+        </p:spPr>
+        <p:style>
+          <a:lnRef idx="2">
+            <a:schemeClr val="accent1">
+              <a:shade val="50000"/>
+            </a:schemeClr>
+          </a:lnRef>
+          <a:fillRef idx="1">
+            <a:schemeClr val="accent1"/>
+          </a:fillRef>
+          <a:effectRef idx="0">
+            <a:schemeClr val="accent1"/>
+          </a:effectRef>
+          <a:fontRef idx="minor">
+            <a:schemeClr val="lt1"/>
+          </a:fontRef>
+        </p:style>
+        <p:txBody>
+          <a:bodyPr rtlCol="0" anchor="ctr"/>
+          <a:lstStyle/>
+          <a:p>
+            <a:pPr algn="ctr"/>
+            <a:endParaRPr lang="de-DE" sz="1350" dirty="0"/>
+          </a:p>
+        </p:txBody>
+      </p:sp>
+      <p:sp>
+        <p:nvSpPr>
+          <p:cNvPr id="140" name="Flussdiagramm: Prozess 50">
+            <a:extLst>
+              <a:ext uri="{FF2B5EF4-FFF2-40B4-BE49-F238E27FC236}">
+                <a16:creationId xmlns:a16="http://schemas.microsoft.com/office/drawing/2014/main" id="{11E8D23C-BCD8-410A-8EBB-723FC60C2727}"/>
+              </a:ext>
+            </a:extLst>
+          </p:cNvPr>
+          <p:cNvSpPr/>
+          <p:nvPr/>
+        </p:nvSpPr>
+        <p:spPr>
+          <a:xfrm>
+            <a:off x="5336109" y="2083137"/>
+            <a:ext cx="4647653" cy="3118871"/>
+          </a:xfrm>
+          <a:prstGeom prst="flowChartProcess">
+            <a:avLst/>
+          </a:prstGeom>
+          <a:solidFill>
+            <a:schemeClr val="bg2">
+              <a:lumMod val="50000"/>
+              <a:alpha val="40000"/>
+            </a:schemeClr>
+          </a:solidFill>
+          <a:ln>
+            <a:noFill/>
+          </a:ln>
+        </p:spPr>
+        <p:style>
+          <a:lnRef idx="2">
+            <a:schemeClr val="accent1">
+              <a:shade val="50000"/>
+            </a:schemeClr>
+          </a:lnRef>
+          <a:fillRef idx="1">
+            <a:schemeClr val="accent1"/>
+          </a:fillRef>
+          <a:effectRef idx="0">
+            <a:schemeClr val="accent1"/>
+          </a:effectRef>
+          <a:fontRef idx="minor">
+            <a:schemeClr val="lt1"/>
+          </a:fontRef>
+        </p:style>
+        <p:txBody>
+          <a:bodyPr rtlCol="0" anchor="ctr"/>
+          <a:lstStyle/>
+          <a:p>
+            <a:pPr algn="ctr"/>
+            <a:endParaRPr lang="de-DE" sz="1350" dirty="0"/>
+          </a:p>
+        </p:txBody>
+      </p:sp>
+      <p:sp>
+        <p:nvSpPr>
+          <p:cNvPr id="87" name="Flussdiagramm: Prozess 21">
+            <a:extLst>
+              <a:ext uri="{FF2B5EF4-FFF2-40B4-BE49-F238E27FC236}">
+                <a16:creationId xmlns:a16="http://schemas.microsoft.com/office/drawing/2014/main" id="{1305CF49-02AC-4A78-A815-F332B000896D}"/>
+              </a:ext>
+            </a:extLst>
+          </p:cNvPr>
+          <p:cNvSpPr/>
+          <p:nvPr/>
+        </p:nvSpPr>
+        <p:spPr>
+          <a:xfrm>
+            <a:off x="7560791" y="2087137"/>
+            <a:ext cx="2411809" cy="1241155"/>
+          </a:xfrm>
+          <a:prstGeom prst="flowChartProcess">
+            <a:avLst/>
+          </a:prstGeom>
+          <a:solidFill>
+            <a:srgbClr val="0070C0">
+              <a:alpha val="40000"/>
+            </a:srgbClr>
+          </a:solidFill>
+          <a:ln>
+            <a:noFill/>
+          </a:ln>
+        </p:spPr>
+        <p:style>
+          <a:lnRef idx="2">
+            <a:schemeClr val="accent1">
+              <a:shade val="50000"/>
+            </a:schemeClr>
+          </a:lnRef>
+          <a:fillRef idx="1">
+            <a:schemeClr val="accent1"/>
+          </a:fillRef>
+          <a:effectRef idx="0">
+            <a:schemeClr val="accent1"/>
+          </a:effectRef>
+          <a:fontRef idx="minor">
+            <a:schemeClr val="lt1"/>
+          </a:fontRef>
+        </p:style>
+        <p:txBody>
+          <a:bodyPr rtlCol="0" anchor="ctr"/>
+          <a:lstStyle/>
+          <a:p>
+            <a:pPr algn="ctr"/>
+            <a:endParaRPr lang="de-DE" sz="1350"/>
+          </a:p>
+        </p:txBody>
+      </p:sp>
+      <p:sp>
+        <p:nvSpPr>
+          <p:cNvPr id="21" name="Flussdiagramm: Prozess 20"/>
+          <p:cNvSpPr/>
+          <p:nvPr/>
+        </p:nvSpPr>
+        <p:spPr>
+          <a:xfrm>
+            <a:off x="-504564" y="4166399"/>
+            <a:ext cx="5737694" cy="1035609"/>
+          </a:xfrm>
+          <a:prstGeom prst="flowChartProcess">
+            <a:avLst/>
+          </a:prstGeom>
+          <a:solidFill>
+            <a:schemeClr val="accent2">
+              <a:lumMod val="75000"/>
+              <a:alpha val="40000"/>
+            </a:schemeClr>
+          </a:solidFill>
+          <a:ln>
+            <a:noFill/>
+          </a:ln>
+        </p:spPr>
+        <p:style>
+          <a:lnRef idx="2">
+            <a:schemeClr val="accent1">
+              <a:shade val="50000"/>
+            </a:schemeClr>
+          </a:lnRef>
+          <a:fillRef idx="1">
+            <a:schemeClr val="accent1"/>
+          </a:fillRef>
+          <a:effectRef idx="0">
+            <a:schemeClr val="accent1"/>
+          </a:effectRef>
+          <a:fontRef idx="minor">
+            <a:schemeClr val="lt1"/>
+          </a:fontRef>
+        </p:style>
+        <p:txBody>
+          <a:bodyPr rtlCol="0" anchor="ctr"/>
+          <a:lstStyle/>
+          <a:p>
+            <a:pPr algn="ctr"/>
+            <a:endParaRPr lang="de-DE" sz="1350"/>
+          </a:p>
+        </p:txBody>
+      </p:sp>
+      <mc:AlternateContent xmlns:mc="http://schemas.openxmlformats.org/markup-compatibility/2006" xmlns:a14="http://schemas.microsoft.com/office/drawing/2010/main">
+        <mc:Choice Requires="a14">
+          <p:sp>
+            <p:nvSpPr>
+              <p:cNvPr id="4" name="Textfeld 3"/>
+              <p:cNvSpPr txBox="1"/>
+              <p:nvPr/>
+            </p:nvSpPr>
+            <p:spPr>
+              <a:xfrm>
+                <a:off x="3788304" y="3539862"/>
+                <a:ext cx="452303" cy="265457"/>
+              </a:xfrm>
+              <a:prstGeom prst="rect">
+                <a:avLst/>
+              </a:prstGeom>
+              <a:noFill/>
+            </p:spPr>
+            <p:txBody>
+              <a:bodyPr wrap="square" rtlCol="0">
+                <a:spAutoFit/>
+              </a:bodyPr>
+              <a:lstStyle/>
+              <a:p>
+                <a:pPr/>
+                <a14:m>
+                  <m:oMathPara xmlns:m="http://schemas.openxmlformats.org/officeDocument/2006/math">
+                    <m:oMathParaPr>
+                      <m:jc m:val="centerGroup"/>
+                    </m:oMathParaPr>
+                    <m:oMath xmlns:m="http://schemas.openxmlformats.org/officeDocument/2006/math">
+                      <m:sSup>
+                        <m:sSupPr>
+                          <m:ctrlPr>
+                            <a:rPr lang="de-DE" sz="1100" i="1">
+                              <a:latin typeface="Cambria Math" panose="02040503050406030204" pitchFamily="18" charset="0"/>
+                            </a:rPr>
+                          </m:ctrlPr>
+                        </m:sSupPr>
+                        <m:e>
+                          <m:r>
+                            <a:rPr lang="de-DE" sz="1100" i="1">
+                              <a:latin typeface="Cambria Math" panose="02040503050406030204" pitchFamily="18" charset="0"/>
+                            </a:rPr>
+                            <m:t>𝑋</m:t>
+                          </m:r>
+                        </m:e>
+                        <m:sup>
+                          <m:r>
+                            <a:rPr lang="de-DE" sz="1100" i="1">
+                              <a:latin typeface="Cambria Math" panose="02040503050406030204" pitchFamily="18" charset="0"/>
+                            </a:rPr>
+                            <m:t>𝑆𝑉</m:t>
+                          </m:r>
+                        </m:sup>
+                      </m:sSup>
+                    </m:oMath>
+                  </m:oMathPara>
+                </a14:m>
+                <a:endParaRPr lang="de-DE" sz="1350" dirty="0">
+                  <a:latin typeface="Futura"/>
+                </a:endParaRPr>
+              </a:p>
+            </p:txBody>
+          </p:sp>
+        </mc:Choice>
+        <mc:Fallback xmlns="">
+          <p:sp>
+            <p:nvSpPr>
+              <p:cNvPr id="4" name="Textfeld 3"/>
+              <p:cNvSpPr txBox="1">
+                <a:spLocks noRot="1" noChangeAspect="1" noMove="1" noResize="1" noEditPoints="1" noAdjustHandles="1" noChangeArrowheads="1" noChangeShapeType="1" noTextEdit="1"/>
+              </p:cNvSpPr>
+              <p:nvPr/>
+            </p:nvSpPr>
+            <p:spPr>
+              <a:xfrm>
+                <a:off x="3788304" y="3539862"/>
+                <a:ext cx="452303" cy="265457"/>
+              </a:xfrm>
+              <a:prstGeom prst="rect">
+                <a:avLst/>
+              </a:prstGeom>
+              <a:blipFill>
+                <a:blip r:embed="rId3"/>
+                <a:stretch>
+                  <a:fillRect/>
+                </a:stretch>
+              </a:blipFill>
+            </p:spPr>
+            <p:txBody>
+              <a:bodyPr/>
+              <a:lstStyle/>
+              <a:p>
+                <a:r>
+                  <a:rPr lang="en-GB">
+                    <a:noFill/>
+                  </a:rPr>
+                  <a:t> </a:t>
+                </a:r>
+              </a:p>
+            </p:txBody>
+          </p:sp>
+        </mc:Fallback>
+      </mc:AlternateContent>
+      <p:sp>
+        <p:nvSpPr>
+          <p:cNvPr id="8" name="Flussdiagramm: Karte 7"/>
+          <p:cNvSpPr/>
+          <p:nvPr/>
+        </p:nvSpPr>
+        <p:spPr>
+          <a:xfrm>
+            <a:off x="8603460" y="5447473"/>
+            <a:ext cx="1026114" cy="702078"/>
+          </a:xfrm>
+          <a:prstGeom prst="flowChartPunchedCard">
+            <a:avLst/>
+          </a:prstGeom>
+          <a:solidFill>
+            <a:schemeClr val="bg1"/>
+          </a:solidFill>
+          <a:ln w="12700">
+            <a:solidFill>
+              <a:schemeClr val="tx1"/>
+            </a:solidFill>
+          </a:ln>
+        </p:spPr>
+        <p:style>
+          <a:lnRef idx="2">
+            <a:schemeClr val="accent1">
+              <a:shade val="50000"/>
+            </a:schemeClr>
+          </a:lnRef>
+          <a:fillRef idx="1">
+            <a:schemeClr val="accent1"/>
+          </a:fillRef>
+          <a:effectRef idx="0">
+            <a:schemeClr val="accent1"/>
+          </a:effectRef>
+          <a:fontRef idx="minor">
+            <a:schemeClr val="lt1"/>
+          </a:fontRef>
+        </p:style>
+        <p:txBody>
+          <a:bodyPr rot="0" spcFirstLastPara="0" vertOverflow="overflow" horzOverflow="overflow" vert="horz" wrap="square" lIns="68580" tIns="34290" rIns="68580" bIns="34290" numCol="1" spcCol="0" rtlCol="0" fromWordArt="0" anchor="ctr" anchorCtr="0" forceAA="0" compatLnSpc="1">
+            <a:prstTxWarp prst="textNoShape">
+              <a:avLst/>
+            </a:prstTxWarp>
+            <a:noAutofit/>
+          </a:bodyPr>
+          <a:lstStyle/>
+          <a:p>
+            <a:pPr algn="ctr"/>
+            <a:r>
+              <a:rPr lang="en-US" sz="1100" dirty="0">
+                <a:solidFill>
+                  <a:schemeClr val="tx1"/>
+                </a:solidFill>
+                <a:latin typeface="Futura"/>
+                <a:cs typeface="Times New Roman" panose="02020603050405020304" pitchFamily="18" charset="0"/>
+              </a:rPr>
+              <a:t>thematic</a:t>
+            </a:r>
+            <a:r>
+              <a:rPr lang="de-DE" sz="1100" dirty="0">
+                <a:solidFill>
+                  <a:schemeClr val="tx1"/>
+                </a:solidFill>
+                <a:latin typeface="Futura"/>
+                <a:cs typeface="Times New Roman" panose="02020603050405020304" pitchFamily="18" charset="0"/>
+              </a:rPr>
+              <a:t> </a:t>
+            </a:r>
+            <a:r>
+              <a:rPr lang="en-US" sz="1100" dirty="0">
+                <a:solidFill>
+                  <a:schemeClr val="tx1"/>
+                </a:solidFill>
+                <a:latin typeface="Futura"/>
+                <a:cs typeface="Times New Roman" panose="02020603050405020304" pitchFamily="18" charset="0"/>
+              </a:rPr>
+              <a:t>map</a:t>
+            </a:r>
+          </a:p>
+        </p:txBody>
+      </p:sp>
+      <mc:AlternateContent xmlns:mc="http://schemas.openxmlformats.org/markup-compatibility/2006" xmlns:a14="http://schemas.microsoft.com/office/drawing/2010/main">
+        <mc:Choice Requires="a14">
+          <p:sp>
+            <p:nvSpPr>
+              <p:cNvPr id="18" name="Textfeld 17"/>
+              <p:cNvSpPr txBox="1"/>
+              <p:nvPr/>
+            </p:nvSpPr>
+            <p:spPr>
+              <a:xfrm>
+                <a:off x="4869590" y="4594389"/>
+                <a:ext cx="450123" cy="265457"/>
+              </a:xfrm>
+              <a:prstGeom prst="rect">
+                <a:avLst/>
+              </a:prstGeom>
+              <a:noFill/>
+            </p:spPr>
+            <p:txBody>
+              <a:bodyPr wrap="square" rtlCol="0">
+                <a:spAutoFit/>
+              </a:bodyPr>
+              <a:lstStyle/>
+              <a:p>
+                <a:pPr/>
+                <a14:m>
+                  <m:oMathPara xmlns:m="http://schemas.openxmlformats.org/officeDocument/2006/math">
+                    <m:oMathParaPr>
+                      <m:jc m:val="centerGroup"/>
+                    </m:oMathParaPr>
+                    <m:oMath xmlns:m="http://schemas.openxmlformats.org/officeDocument/2006/math">
+                      <m:sSup>
+                        <m:sSupPr>
+                          <m:ctrlPr>
+                            <a:rPr lang="de-DE" sz="1100" i="1" dirty="0">
+                              <a:latin typeface="Cambria Math" panose="02040503050406030204" pitchFamily="18" charset="0"/>
+                            </a:rPr>
+                          </m:ctrlPr>
+                        </m:sSupPr>
+                        <m:e>
+                          <m:r>
+                            <a:rPr lang="de-DE" sz="1100" i="1" dirty="0">
+                              <a:latin typeface="Cambria Math" panose="02040503050406030204" pitchFamily="18" charset="0"/>
+                            </a:rPr>
+                            <m:t>𝑉</m:t>
+                          </m:r>
+                        </m:e>
+                        <m:sup>
+                          <m:r>
+                            <a:rPr lang="de-DE" sz="1100" i="1" dirty="0">
+                              <a:latin typeface="Cambria Math" panose="02040503050406030204" pitchFamily="18" charset="0"/>
+                            </a:rPr>
+                            <m:t>𝑆𝑉</m:t>
+                          </m:r>
+                        </m:sup>
+                      </m:sSup>
+                    </m:oMath>
+                  </m:oMathPara>
+                </a14:m>
+                <a:endParaRPr lang="de-DE" sz="1350" dirty="0">
+                  <a:latin typeface="Futura"/>
+                </a:endParaRPr>
+              </a:p>
+            </p:txBody>
+          </p:sp>
+        </mc:Choice>
+        <mc:Fallback xmlns="">
+          <p:sp>
+            <p:nvSpPr>
+              <p:cNvPr id="18" name="Textfeld 17"/>
+              <p:cNvSpPr txBox="1">
+                <a:spLocks noRot="1" noChangeAspect="1" noMove="1" noResize="1" noEditPoints="1" noAdjustHandles="1" noChangeArrowheads="1" noChangeShapeType="1" noTextEdit="1"/>
+              </p:cNvSpPr>
+              <p:nvPr/>
+            </p:nvSpPr>
+            <p:spPr>
+              <a:xfrm>
+                <a:off x="4869590" y="4594389"/>
+                <a:ext cx="450123" cy="265457"/>
+              </a:xfrm>
+              <a:prstGeom prst="rect">
+                <a:avLst/>
+              </a:prstGeom>
+              <a:blipFill>
+                <a:blip r:embed="rId4"/>
+                <a:stretch>
+                  <a:fillRect/>
+                </a:stretch>
+              </a:blipFill>
+            </p:spPr>
+            <p:txBody>
+              <a:bodyPr/>
+              <a:lstStyle/>
+              <a:p>
+                <a:r>
+                  <a:rPr lang="en-GB">
+                    <a:noFill/>
+                  </a:rPr>
+                  <a:t> </a:t>
+                </a:r>
+              </a:p>
+            </p:txBody>
+          </p:sp>
+        </mc:Fallback>
+      </mc:AlternateContent>
+      <p:cxnSp>
+        <p:nvCxnSpPr>
+          <p:cNvPr id="31" name="Gerade Verbindung mit Pfeil 30"/>
+          <p:cNvCxnSpPr>
+            <a:cxnSpLocks/>
+            <a:stCxn id="76" idx="3"/>
+            <a:endCxn id="77" idx="1"/>
+          </p:cNvCxnSpPr>
+          <p:nvPr/>
+        </p:nvCxnSpPr>
+        <p:spPr>
+          <a:xfrm>
+            <a:off x="1609132" y="2527400"/>
+            <a:ext cx="188658" cy="0"/>
+          </a:xfrm>
+          <a:prstGeom prst="straightConnector1">
+            <a:avLst/>
+          </a:prstGeom>
+          <a:ln w="12700">
+            <a:solidFill>
+              <a:schemeClr val="tx1"/>
+            </a:solidFill>
+            <a:tailEnd type="triangle"/>
+          </a:ln>
+        </p:spPr>
+        <p:style>
+          <a:lnRef idx="1">
+            <a:schemeClr val="accent1"/>
+          </a:lnRef>
+          <a:fillRef idx="0">
+            <a:schemeClr val="accent1"/>
+          </a:fillRef>
+          <a:effectRef idx="0">
+            <a:schemeClr val="accent1"/>
+          </a:effectRef>
+          <a:fontRef idx="minor">
+            <a:schemeClr val="tx1"/>
+          </a:fontRef>
+        </p:style>
+      </p:cxnSp>
+      <p:cxnSp>
+        <p:nvCxnSpPr>
+          <p:cNvPr id="33" name="Gerade Verbindung mit Pfeil 32"/>
+          <p:cNvCxnSpPr>
+            <a:cxnSpLocks/>
+            <a:stCxn id="77" idx="3"/>
+            <a:endCxn id="79" idx="1"/>
+          </p:cNvCxnSpPr>
+          <p:nvPr/>
+        </p:nvCxnSpPr>
+        <p:spPr>
+          <a:xfrm>
+            <a:off x="2715892" y="2527400"/>
+            <a:ext cx="181896" cy="0"/>
+          </a:xfrm>
+          <a:prstGeom prst="straightConnector1">
+            <a:avLst/>
+          </a:prstGeom>
+          <a:ln w="12700">
+            <a:solidFill>
+              <a:schemeClr val="tx1"/>
+            </a:solidFill>
+            <a:tailEnd type="triangle"/>
+          </a:ln>
+        </p:spPr>
+        <p:style>
+          <a:lnRef idx="1">
+            <a:schemeClr val="accent1"/>
+          </a:lnRef>
+          <a:fillRef idx="0">
+            <a:schemeClr val="accent1"/>
+          </a:fillRef>
+          <a:effectRef idx="0">
+            <a:schemeClr val="accent1"/>
+          </a:effectRef>
+          <a:fontRef idx="minor">
+            <a:schemeClr val="tx1"/>
+          </a:fontRef>
+        </p:style>
+      </p:cxnSp>
+      <p:cxnSp>
+        <p:nvCxnSpPr>
+          <p:cNvPr id="53" name="Gerade Verbindung mit Pfeil 52"/>
+          <p:cNvCxnSpPr>
+            <a:cxnSpLocks/>
+            <a:stCxn id="79" idx="0"/>
+            <a:endCxn id="101" idx="3"/>
+          </p:cNvCxnSpPr>
+          <p:nvPr/>
+        </p:nvCxnSpPr>
+        <p:spPr>
+          <a:xfrm flipV="1">
+            <a:off x="3356788" y="1820614"/>
+            <a:ext cx="0" cy="382587"/>
+          </a:xfrm>
+          <a:prstGeom prst="straightConnector1">
+            <a:avLst/>
+          </a:prstGeom>
+          <a:ln w="12700">
+            <a:solidFill>
+              <a:schemeClr val="tx1"/>
+            </a:solidFill>
+            <a:headEnd type="triangle"/>
+            <a:tailEnd type="none"/>
+          </a:ln>
+        </p:spPr>
+        <p:style>
+          <a:lnRef idx="1">
+            <a:schemeClr val="accent1"/>
+          </a:lnRef>
+          <a:fillRef idx="0">
+            <a:schemeClr val="accent1"/>
+          </a:fillRef>
+          <a:effectRef idx="0">
+            <a:schemeClr val="accent1"/>
+          </a:effectRef>
+          <a:fontRef idx="minor">
+            <a:schemeClr val="tx1"/>
+          </a:fontRef>
+        </p:style>
+      </p:cxnSp>
+      <p:cxnSp>
+        <p:nvCxnSpPr>
+          <p:cNvPr id="56" name="Gerade Verbindung mit Pfeil 55"/>
+          <p:cNvCxnSpPr>
+            <a:cxnSpLocks/>
+            <a:stCxn id="79" idx="2"/>
+            <a:endCxn id="60" idx="0"/>
+          </p:cNvCxnSpPr>
+          <p:nvPr/>
+        </p:nvCxnSpPr>
+        <p:spPr>
+          <a:xfrm>
+            <a:off x="3356788" y="2851599"/>
+            <a:ext cx="0" cy="397960"/>
+          </a:xfrm>
+          <a:prstGeom prst="straightConnector1">
+            <a:avLst/>
+          </a:prstGeom>
+          <a:ln w="12700">
+            <a:solidFill>
+              <a:schemeClr val="tx1"/>
+            </a:solidFill>
+            <a:tailEnd type="triangle"/>
+          </a:ln>
+        </p:spPr>
+        <p:style>
+          <a:lnRef idx="1">
+            <a:schemeClr val="accent1"/>
+          </a:lnRef>
+          <a:fillRef idx="0">
+            <a:schemeClr val="accent1"/>
+          </a:fillRef>
+          <a:effectRef idx="0">
+            <a:schemeClr val="accent1"/>
+          </a:effectRef>
+          <a:fontRef idx="minor">
+            <a:schemeClr val="tx1"/>
+          </a:fontRef>
+        </p:style>
+      </p:cxnSp>
+      <p:cxnSp>
+        <p:nvCxnSpPr>
+          <p:cNvPr id="58" name="Gerade Verbindung mit Pfeil 57"/>
+          <p:cNvCxnSpPr>
+            <a:cxnSpLocks/>
+            <a:stCxn id="60" idx="2"/>
+            <a:endCxn id="84" idx="0"/>
+          </p:cNvCxnSpPr>
+          <p:nvPr/>
+        </p:nvCxnSpPr>
+        <p:spPr>
+          <a:xfrm>
+            <a:off x="3356788" y="3897957"/>
+            <a:ext cx="0" cy="381268"/>
+          </a:xfrm>
+          <a:prstGeom prst="straightConnector1">
+            <a:avLst/>
+          </a:prstGeom>
+          <a:ln w="12700">
+            <a:solidFill>
+              <a:schemeClr val="tx1"/>
+            </a:solidFill>
+            <a:tailEnd type="triangle"/>
+          </a:ln>
+        </p:spPr>
+        <p:style>
+          <a:lnRef idx="1">
+            <a:schemeClr val="accent1"/>
+          </a:lnRef>
+          <a:fillRef idx="0">
+            <a:schemeClr val="accent1"/>
+          </a:fillRef>
+          <a:effectRef idx="0">
+            <a:schemeClr val="accent1"/>
+          </a:effectRef>
+          <a:fontRef idx="minor">
+            <a:schemeClr val="tx1"/>
+          </a:fontRef>
+        </p:style>
+      </p:cxnSp>
+      <p:cxnSp>
+        <p:nvCxnSpPr>
+          <p:cNvPr id="63" name="Gerade Verbindung mit Pfeil 62"/>
+          <p:cNvCxnSpPr>
+            <a:cxnSpLocks/>
+            <a:stCxn id="88" idx="3"/>
+            <a:endCxn id="84" idx="1"/>
+          </p:cNvCxnSpPr>
+          <p:nvPr/>
+        </p:nvCxnSpPr>
+        <p:spPr>
+          <a:xfrm>
+            <a:off x="1605356" y="4599771"/>
+            <a:ext cx="1292432" cy="3653"/>
+          </a:xfrm>
+          <a:prstGeom prst="straightConnector1">
+            <a:avLst/>
+          </a:prstGeom>
+          <a:ln w="12700">
+            <a:solidFill>
+              <a:schemeClr val="tx1"/>
+            </a:solidFill>
+            <a:tailEnd type="triangle"/>
+          </a:ln>
+        </p:spPr>
+        <p:style>
+          <a:lnRef idx="1">
+            <a:schemeClr val="accent1"/>
+          </a:lnRef>
+          <a:fillRef idx="0">
+            <a:schemeClr val="accent1"/>
+          </a:fillRef>
+          <a:effectRef idx="0">
+            <a:schemeClr val="accent1"/>
+          </a:effectRef>
+          <a:fontRef idx="minor">
+            <a:schemeClr val="tx1"/>
+          </a:fontRef>
+        </p:style>
+      </p:cxnSp>
+      <p:cxnSp>
+        <p:nvCxnSpPr>
+          <p:cNvPr id="66" name="Gerade Verbindung mit Pfeil 65"/>
+          <p:cNvCxnSpPr>
+            <a:cxnSpLocks/>
+            <a:stCxn id="84" idx="3"/>
+            <a:endCxn id="83" idx="1"/>
+          </p:cNvCxnSpPr>
+          <p:nvPr/>
+        </p:nvCxnSpPr>
+        <p:spPr>
+          <a:xfrm>
+            <a:off x="3815788" y="4603424"/>
+            <a:ext cx="214041" cy="981"/>
+          </a:xfrm>
+          <a:prstGeom prst="straightConnector1">
+            <a:avLst/>
+          </a:prstGeom>
+          <a:ln w="12700">
+            <a:solidFill>
+              <a:schemeClr val="tx1"/>
+            </a:solidFill>
+            <a:tailEnd type="triangle"/>
+          </a:ln>
+        </p:spPr>
+        <p:style>
+          <a:lnRef idx="1">
+            <a:schemeClr val="accent1"/>
+          </a:lnRef>
+          <a:fillRef idx="0">
+            <a:schemeClr val="accent1"/>
+          </a:fillRef>
+          <a:effectRef idx="0">
+            <a:schemeClr val="accent1"/>
+          </a:effectRef>
+          <a:fontRef idx="minor">
+            <a:schemeClr val="tx1"/>
+          </a:fontRef>
+        </p:style>
+      </p:cxnSp>
+      <p:cxnSp>
+        <p:nvCxnSpPr>
+          <p:cNvPr id="68" name="Gerade Verbindung mit Pfeil 67"/>
+          <p:cNvCxnSpPr>
+            <a:cxnSpLocks/>
+            <a:stCxn id="83" idx="3"/>
+            <a:endCxn id="82" idx="1"/>
+          </p:cNvCxnSpPr>
+          <p:nvPr/>
+        </p:nvCxnSpPr>
+        <p:spPr>
+          <a:xfrm flipV="1">
+            <a:off x="4947931" y="4602574"/>
+            <a:ext cx="520758" cy="1831"/>
+          </a:xfrm>
+          <a:prstGeom prst="straightConnector1">
+            <a:avLst/>
+          </a:prstGeom>
+          <a:ln w="12700">
+            <a:solidFill>
+              <a:schemeClr val="tx1"/>
+            </a:solidFill>
+            <a:tailEnd type="triangle"/>
+          </a:ln>
+        </p:spPr>
+        <p:style>
+          <a:lnRef idx="1">
+            <a:schemeClr val="accent1"/>
+          </a:lnRef>
+          <a:fillRef idx="0">
+            <a:schemeClr val="accent1"/>
+          </a:fillRef>
+          <a:effectRef idx="0">
+            <a:schemeClr val="accent1"/>
+          </a:effectRef>
+          <a:fontRef idx="minor">
+            <a:schemeClr val="tx1"/>
+          </a:fontRef>
+        </p:style>
+      </p:cxnSp>
+      <p:sp>
+        <p:nvSpPr>
+          <p:cNvPr id="100" name="Textfeld 99">
+            <a:extLst>
+              <a:ext uri="{FF2B5EF4-FFF2-40B4-BE49-F238E27FC236}">
+                <a16:creationId xmlns:a16="http://schemas.microsoft.com/office/drawing/2014/main" id="{FEB7460F-EA71-4E85-80CF-6CE363E10C88}"/>
+              </a:ext>
+            </a:extLst>
+          </p:cNvPr>
+          <p:cNvSpPr txBox="1"/>
+          <p:nvPr/>
+        </p:nvSpPr>
+        <p:spPr>
+          <a:xfrm>
+            <a:off x="-504564" y="-463103"/>
+            <a:ext cx="11247783" cy="353943"/>
+          </a:xfrm>
+          <a:prstGeom prst="rect">
+            <a:avLst/>
+          </a:prstGeom>
+          <a:noFill/>
+        </p:spPr>
+        <p:txBody>
+          <a:bodyPr wrap="square" rtlCol="0">
+            <a:spAutoFit/>
+          </a:bodyPr>
+          <a:lstStyle/>
+          <a:p>
+            <a:r>
+              <a:rPr lang="en-US" sz="1700" b="1" dirty="0">
+                <a:latin typeface="Futura"/>
+                <a:cs typeface="Times New Roman" panose="02020603050405020304" pitchFamily="18" charset="0"/>
+              </a:rPr>
+              <a:t>SL AL </a:t>
+            </a:r>
+            <a:r>
+              <a:rPr lang="en-US" sz="1700" dirty="0">
+                <a:latin typeface="Futura"/>
+                <a:cs typeface="Times New Roman" panose="02020603050405020304" pitchFamily="18" charset="0"/>
+              </a:rPr>
+              <a:t>method</a:t>
+            </a:r>
+            <a:r>
+              <a:rPr lang="de-DE" sz="1700" dirty="0">
+                <a:latin typeface="Futura"/>
+                <a:cs typeface="Times New Roman" panose="02020603050405020304" pitchFamily="18" charset="0"/>
+              </a:rPr>
+              <a:t> </a:t>
+            </a:r>
+            <a:r>
+              <a:rPr lang="en-US" sz="1700" dirty="0">
+                <a:latin typeface="Futura"/>
+                <a:cs typeface="Times New Roman" panose="02020603050405020304" pitchFamily="18" charset="0"/>
+              </a:rPr>
+              <a:t>with</a:t>
+            </a:r>
+            <a:r>
+              <a:rPr lang="de-DE" sz="1700" dirty="0">
+                <a:latin typeface="Futura"/>
+                <a:cs typeface="Times New Roman" panose="02020603050405020304" pitchFamily="18" charset="0"/>
+              </a:rPr>
+              <a:t> </a:t>
+            </a:r>
+            <a:r>
+              <a:rPr lang="en-US" sz="1700" dirty="0">
+                <a:latin typeface="Futura"/>
+                <a:cs typeface="Times New Roman" panose="02020603050405020304" pitchFamily="18" charset="0"/>
+              </a:rPr>
+              <a:t>constrained</a:t>
+            </a:r>
+            <a:r>
+              <a:rPr lang="de-DE" sz="1700" dirty="0">
+                <a:latin typeface="Futura"/>
+                <a:cs typeface="Times New Roman" panose="02020603050405020304" pitchFamily="18" charset="0"/>
+              </a:rPr>
+              <a:t> </a:t>
+            </a:r>
+            <a:r>
+              <a:rPr lang="en-US" sz="1700" dirty="0">
+                <a:latin typeface="Futura"/>
+                <a:cs typeface="Times New Roman" panose="02020603050405020304" pitchFamily="18" charset="0"/>
+              </a:rPr>
+              <a:t>Virtual Support Vector Machine </a:t>
+            </a:r>
+            <a:endParaRPr lang="de-DE" sz="1700" dirty="0">
+              <a:latin typeface="Futura"/>
+              <a:cs typeface="Times New Roman" panose="02020603050405020304" pitchFamily="18" charset="0"/>
+            </a:endParaRPr>
+          </a:p>
+        </p:txBody>
+      </p:sp>
+      <p:sp>
+        <p:nvSpPr>
+          <p:cNvPr id="2" name="Zylinder 1">
+            <a:extLst>
+              <a:ext uri="{FF2B5EF4-FFF2-40B4-BE49-F238E27FC236}">
+                <a16:creationId xmlns:a16="http://schemas.microsoft.com/office/drawing/2014/main" id="{7FC7301F-2494-4D15-88B6-3B540EB335BB}"/>
+              </a:ext>
+            </a:extLst>
+          </p:cNvPr>
+          <p:cNvSpPr/>
+          <p:nvPr/>
+        </p:nvSpPr>
+        <p:spPr>
+          <a:xfrm>
+            <a:off x="399329" y="879144"/>
+            <a:ext cx="1080000" cy="963900"/>
+          </a:xfrm>
+          <a:prstGeom prst="can">
+            <a:avLst/>
+          </a:prstGeom>
+          <a:solidFill>
+            <a:schemeClr val="bg1">
+              <a:lumMod val="95000"/>
+            </a:schemeClr>
+          </a:solidFill>
+          <a:ln w="12700">
+            <a:solidFill>
+              <a:schemeClr val="tx1"/>
+            </a:solidFill>
+          </a:ln>
+        </p:spPr>
+        <p:style>
+          <a:lnRef idx="2">
+            <a:schemeClr val="accent1">
+              <a:shade val="50000"/>
+            </a:schemeClr>
+          </a:lnRef>
+          <a:fillRef idx="1">
+            <a:schemeClr val="accent1"/>
+          </a:fillRef>
+          <a:effectRef idx="0">
+            <a:schemeClr val="accent1"/>
+          </a:effectRef>
+          <a:fontRef idx="minor">
+            <a:schemeClr val="lt1"/>
+          </a:fontRef>
+        </p:style>
+        <p:txBody>
+          <a:bodyPr rtlCol="0" anchor="ctr"/>
+          <a:lstStyle/>
+          <a:p>
+            <a:pPr algn="ctr"/>
+            <a:r>
+              <a:rPr lang="en-US" sz="1050" dirty="0">
+                <a:solidFill>
+                  <a:schemeClr val="tx1"/>
+                </a:solidFill>
+                <a:latin typeface="Futura"/>
+                <a:cs typeface="Times New Roman" panose="02020603050405020304" pitchFamily="18" charset="0"/>
+              </a:rPr>
+              <a:t>image</a:t>
+            </a:r>
+          </a:p>
+        </p:txBody>
+      </p:sp>
+      <mc:AlternateContent xmlns:mc="http://schemas.openxmlformats.org/markup-compatibility/2006" xmlns:a14="http://schemas.microsoft.com/office/drawing/2010/main">
+        <mc:Choice Requires="a14">
+          <p:sp>
+            <p:nvSpPr>
+              <p:cNvPr id="101" name="Zylinder 100">
+                <a:extLst>
+                  <a:ext uri="{FF2B5EF4-FFF2-40B4-BE49-F238E27FC236}">
+                    <a16:creationId xmlns:a16="http://schemas.microsoft.com/office/drawing/2014/main" id="{745F9C84-726B-4DBD-8F2E-76240AC2FE56}"/>
+                  </a:ext>
+                </a:extLst>
+              </p:cNvPr>
+              <p:cNvSpPr/>
+              <p:nvPr/>
+            </p:nvSpPr>
+            <p:spPr>
+              <a:xfrm>
+                <a:off x="2816788" y="856714"/>
+                <a:ext cx="1080000" cy="963900"/>
+              </a:xfrm>
+              <a:prstGeom prst="can">
+                <a:avLst/>
+              </a:prstGeom>
+              <a:solidFill>
+                <a:schemeClr val="bg1">
+                  <a:lumMod val="95000"/>
+                </a:schemeClr>
+              </a:solidFill>
+              <a:ln w="12700">
+                <a:solidFill>
+                  <a:schemeClr val="tx1"/>
+                </a:solidFill>
+              </a:ln>
+            </p:spPr>
+            <p:style>
+              <a:lnRef idx="2">
+                <a:schemeClr val="accent1">
+                  <a:shade val="50000"/>
+                </a:schemeClr>
+              </a:lnRef>
+              <a:fillRef idx="1">
+                <a:schemeClr val="accent1"/>
+              </a:fillRef>
+              <a:effectRef idx="0">
+                <a:schemeClr val="accent1"/>
+              </a:effectRef>
+              <a:fontRef idx="minor">
+                <a:schemeClr val="lt1"/>
+              </a:fontRef>
+            </p:style>
+            <p:txBody>
+              <a:bodyPr rtlCol="0" anchor="ctr"/>
+              <a:lstStyle/>
+              <a:p>
+                <a:pPr algn="ctr"/>
+                <a:r>
+                  <a:rPr lang="en-US" sz="1050" dirty="0">
+                    <a:solidFill>
+                      <a:schemeClr val="tx1"/>
+                    </a:solidFill>
+                    <a:latin typeface="Futura"/>
+                    <a:cs typeface="Times New Roman" panose="02020603050405020304" pitchFamily="18" charset="0"/>
+                  </a:rPr>
+                  <a:t>labeled samples </a:t>
+                </a:r>
+                <a14:m>
+                  <m:oMath xmlns:m="http://schemas.openxmlformats.org/officeDocument/2006/math">
+                    <m:r>
+                      <a:rPr lang="en-US" sz="1050" i="1">
+                        <a:solidFill>
+                          <a:schemeClr val="tx1"/>
+                        </a:solidFill>
+                        <a:latin typeface="Cambria Math" panose="02040503050406030204" pitchFamily="18" charset="0"/>
+                        <a:cs typeface="Times New Roman" panose="02020603050405020304" pitchFamily="18" charset="0"/>
+                      </a:rPr>
+                      <m:t>𝑋</m:t>
+                    </m:r>
+                  </m:oMath>
+                </a14:m>
+                <a:endParaRPr lang="en-US" sz="1050" dirty="0">
+                  <a:solidFill>
+                    <a:schemeClr val="tx1"/>
+                  </a:solidFill>
+                  <a:latin typeface="Futura"/>
+                  <a:cs typeface="Times New Roman" panose="02020603050405020304" pitchFamily="18" charset="0"/>
+                </a:endParaRPr>
+              </a:p>
+            </p:txBody>
+          </p:sp>
+        </mc:Choice>
+        <mc:Fallback xmlns="">
+          <p:sp>
+            <p:nvSpPr>
+              <p:cNvPr id="101" name="Zylinder 100">
+                <a:extLst>
+                  <a:ext uri="{FF2B5EF4-FFF2-40B4-BE49-F238E27FC236}">
+                    <a16:creationId xmlns:a16="http://schemas.microsoft.com/office/drawing/2014/main" id="{745F9C84-726B-4DBD-8F2E-76240AC2FE56}"/>
+                  </a:ext>
+                </a:extLst>
+              </p:cNvPr>
+              <p:cNvSpPr>
+                <a:spLocks noRot="1" noChangeAspect="1" noMove="1" noResize="1" noEditPoints="1" noAdjustHandles="1" noChangeArrowheads="1" noChangeShapeType="1" noTextEdit="1"/>
+              </p:cNvSpPr>
+              <p:nvPr/>
+            </p:nvSpPr>
+            <p:spPr>
+              <a:xfrm>
+                <a:off x="2816788" y="856714"/>
+                <a:ext cx="1080000" cy="963900"/>
+              </a:xfrm>
+              <a:prstGeom prst="can">
+                <a:avLst/>
+              </a:prstGeom>
+              <a:blipFill>
+                <a:blip r:embed="rId5"/>
+                <a:stretch>
+                  <a:fillRect/>
+                </a:stretch>
+              </a:blipFill>
+              <a:ln w="12700">
+                <a:solidFill>
+                  <a:schemeClr val="tx1"/>
+                </a:solidFill>
+              </a:ln>
+            </p:spPr>
+            <p:txBody>
+              <a:bodyPr/>
+              <a:lstStyle/>
+              <a:p>
+                <a:r>
+                  <a:rPr lang="en-GB">
+                    <a:noFill/>
+                  </a:rPr>
+                  <a:t> </a:t>
+                </a:r>
+              </a:p>
+            </p:txBody>
+          </p:sp>
+        </mc:Fallback>
+      </mc:AlternateContent>
+      <mc:AlternateContent xmlns:mc="http://schemas.openxmlformats.org/markup-compatibility/2006" xmlns:a14="http://schemas.microsoft.com/office/drawing/2010/main">
+        <mc:Choice Requires="a14">
+          <p:sp>
+            <p:nvSpPr>
+              <p:cNvPr id="103" name="Zylinder 102">
+                <a:extLst>
+                  <a:ext uri="{FF2B5EF4-FFF2-40B4-BE49-F238E27FC236}">
+                    <a16:creationId xmlns:a16="http://schemas.microsoft.com/office/drawing/2014/main" id="{FB57FE56-DDB0-4D71-9998-2808DD09E0E0}"/>
+                  </a:ext>
+                </a:extLst>
+              </p:cNvPr>
+              <p:cNvSpPr/>
+              <p:nvPr/>
+            </p:nvSpPr>
+            <p:spPr>
+              <a:xfrm>
+                <a:off x="7678047" y="865098"/>
+                <a:ext cx="1080000" cy="963027"/>
+              </a:xfrm>
+              <a:prstGeom prst="can">
+                <a:avLst/>
+              </a:prstGeom>
+              <a:solidFill>
+                <a:schemeClr val="bg1">
+                  <a:lumMod val="95000"/>
+                </a:schemeClr>
+              </a:solidFill>
+              <a:ln w="12700">
+                <a:solidFill>
+                  <a:schemeClr val="tx1"/>
+                </a:solidFill>
+              </a:ln>
+            </p:spPr>
+            <p:style>
+              <a:lnRef idx="2">
+                <a:schemeClr val="accent1">
+                  <a:shade val="50000"/>
+                </a:schemeClr>
+              </a:lnRef>
+              <a:fillRef idx="1">
+                <a:schemeClr val="accent1"/>
+              </a:fillRef>
+              <a:effectRef idx="0">
+                <a:schemeClr val="accent1"/>
+              </a:effectRef>
+              <a:fontRef idx="minor">
+                <a:schemeClr val="lt1"/>
+              </a:fontRef>
+            </p:style>
+            <p:txBody>
+              <a:bodyPr rtlCol="0" anchor="ctr"/>
+              <a:lstStyle/>
+              <a:p>
+                <a:pPr algn="ctr"/>
+                <a:r>
+                  <a:rPr lang="en-US" sz="1050" dirty="0">
+                    <a:solidFill>
+                      <a:schemeClr val="tx1"/>
+                    </a:solidFill>
+                    <a:latin typeface="Futura"/>
+                    <a:cs typeface="Times New Roman" panose="02020603050405020304" pitchFamily="18" charset="0"/>
+                  </a:rPr>
+                  <a:t>pool of unlabeled samples </a:t>
+                </a:r>
+                <a14:m>
+                  <m:oMath xmlns:m="http://schemas.openxmlformats.org/officeDocument/2006/math">
+                    <m:acc>
+                      <m:accPr>
+                        <m:chr m:val="̃"/>
+                        <m:ctrlPr>
+                          <a:rPr lang="en-US" sz="1050" i="1">
+                            <a:solidFill>
+                              <a:schemeClr val="tx1"/>
+                            </a:solidFill>
+                            <a:latin typeface="Cambria Math" panose="02040503050406030204" pitchFamily="18" charset="0"/>
+                            <a:cs typeface="Times New Roman" panose="02020603050405020304" pitchFamily="18" charset="0"/>
+                          </a:rPr>
+                        </m:ctrlPr>
+                      </m:accPr>
+                      <m:e>
+                        <m:r>
+                          <a:rPr lang="en-US" sz="1050" i="1">
+                            <a:solidFill>
+                              <a:schemeClr val="tx1"/>
+                            </a:solidFill>
+                            <a:latin typeface="Cambria Math" panose="02040503050406030204" pitchFamily="18" charset="0"/>
+                            <a:cs typeface="Times New Roman" panose="02020603050405020304" pitchFamily="18" charset="0"/>
+                          </a:rPr>
+                          <m:t>𝑈</m:t>
+                        </m:r>
+                      </m:e>
+                    </m:acc>
+                  </m:oMath>
+                </a14:m>
+                <a:endParaRPr lang="en-US" sz="1050" dirty="0">
+                  <a:solidFill>
+                    <a:schemeClr val="tx1"/>
+                  </a:solidFill>
+                  <a:latin typeface="Futura"/>
+                  <a:cs typeface="Times New Roman" panose="02020603050405020304" pitchFamily="18" charset="0"/>
+                </a:endParaRPr>
+              </a:p>
+            </p:txBody>
+          </p:sp>
+        </mc:Choice>
+        <mc:Fallback xmlns="">
+          <p:sp>
+            <p:nvSpPr>
+              <p:cNvPr id="103" name="Zylinder 102">
+                <a:extLst>
+                  <a:ext uri="{FF2B5EF4-FFF2-40B4-BE49-F238E27FC236}">
+                    <a16:creationId xmlns:a16="http://schemas.microsoft.com/office/drawing/2014/main" id="{FB57FE56-DDB0-4D71-9998-2808DD09E0E0}"/>
+                  </a:ext>
+                </a:extLst>
+              </p:cNvPr>
+              <p:cNvSpPr>
+                <a:spLocks noRot="1" noChangeAspect="1" noMove="1" noResize="1" noEditPoints="1" noAdjustHandles="1" noChangeArrowheads="1" noChangeShapeType="1" noTextEdit="1"/>
+              </p:cNvSpPr>
+              <p:nvPr/>
+            </p:nvSpPr>
+            <p:spPr>
+              <a:xfrm>
+                <a:off x="7678047" y="865098"/>
+                <a:ext cx="1080000" cy="963027"/>
+              </a:xfrm>
+              <a:prstGeom prst="can">
+                <a:avLst/>
+              </a:prstGeom>
+              <a:blipFill>
+                <a:blip r:embed="rId6"/>
+                <a:stretch>
+                  <a:fillRect r="-5587"/>
+                </a:stretch>
+              </a:blipFill>
+              <a:ln w="12700">
+                <a:solidFill>
+                  <a:schemeClr val="tx1"/>
+                </a:solidFill>
+              </a:ln>
+            </p:spPr>
+            <p:txBody>
+              <a:bodyPr/>
+              <a:lstStyle/>
+              <a:p>
+                <a:r>
+                  <a:rPr lang="en-GB">
+                    <a:noFill/>
+                  </a:rPr>
+                  <a:t> </a:t>
+                </a:r>
+              </a:p>
+            </p:txBody>
+          </p:sp>
+        </mc:Fallback>
+      </mc:AlternateContent>
+      <p:cxnSp>
+        <p:nvCxnSpPr>
+          <p:cNvPr id="234" name="Gewinkelte Verbindung 27">
+            <a:extLst>
+              <a:ext uri="{FF2B5EF4-FFF2-40B4-BE49-F238E27FC236}">
+                <a16:creationId xmlns:a16="http://schemas.microsoft.com/office/drawing/2014/main" id="{65FF37ED-D4BD-441C-8BB5-6E2BDEE63AF7}"/>
+              </a:ext>
+            </a:extLst>
+          </p:cNvPr>
+          <p:cNvCxnSpPr>
+            <a:cxnSpLocks/>
+            <a:endCxn id="88" idx="1"/>
+          </p:cNvCxnSpPr>
+          <p:nvPr/>
+        </p:nvCxnSpPr>
+        <p:spPr>
+          <a:xfrm rot="5400000">
+            <a:off x="-912017" y="3004185"/>
+            <a:ext cx="2773759" cy="417412"/>
+          </a:xfrm>
+          <a:prstGeom prst="bentConnector4">
+            <a:avLst>
+              <a:gd name="adj1" fmla="val 5421"/>
+              <a:gd name="adj2" fmla="val 143812"/>
+            </a:avLst>
+          </a:prstGeom>
+          <a:ln w="12700">
+            <a:solidFill>
+              <a:schemeClr val="tx1"/>
+            </a:solidFill>
+            <a:tailEnd type="triangle"/>
+          </a:ln>
+        </p:spPr>
+        <p:style>
+          <a:lnRef idx="1">
+            <a:schemeClr val="accent1"/>
+          </a:lnRef>
+          <a:fillRef idx="0">
+            <a:schemeClr val="accent1"/>
+          </a:fillRef>
+          <a:effectRef idx="0">
+            <a:schemeClr val="accent1"/>
+          </a:effectRef>
+          <a:fontRef idx="minor">
+            <a:schemeClr val="tx1"/>
+          </a:fontRef>
+        </p:style>
+      </p:cxnSp>
+      <p:cxnSp>
+        <p:nvCxnSpPr>
+          <p:cNvPr id="364" name="Gerade Verbindung mit Pfeil 98">
+            <a:extLst>
+              <a:ext uri="{FF2B5EF4-FFF2-40B4-BE49-F238E27FC236}">
+                <a16:creationId xmlns:a16="http://schemas.microsoft.com/office/drawing/2014/main" id="{3EA6BF85-25D4-4C10-B8DB-668CEC8831A0}"/>
+              </a:ext>
+            </a:extLst>
+          </p:cNvPr>
+          <p:cNvCxnSpPr>
+            <a:cxnSpLocks/>
+            <a:stCxn id="85" idx="2"/>
+            <a:endCxn id="8" idx="0"/>
+          </p:cNvCxnSpPr>
+          <p:nvPr/>
+        </p:nvCxnSpPr>
+        <p:spPr>
+          <a:xfrm>
+            <a:off x="9116517" y="4928659"/>
+            <a:ext cx="0" cy="518814"/>
+          </a:xfrm>
+          <a:prstGeom prst="straightConnector1">
+            <a:avLst/>
+          </a:prstGeom>
+          <a:ln w="12700">
+            <a:solidFill>
+              <a:schemeClr val="tx1"/>
+            </a:solidFill>
+            <a:tailEnd type="triangle"/>
+          </a:ln>
+        </p:spPr>
+        <p:style>
+          <a:lnRef idx="1">
+            <a:schemeClr val="accent1"/>
+          </a:lnRef>
+          <a:fillRef idx="0">
+            <a:schemeClr val="accent1"/>
+          </a:fillRef>
+          <a:effectRef idx="0">
+            <a:schemeClr val="accent1"/>
+          </a:effectRef>
+          <a:fontRef idx="minor">
+            <a:schemeClr val="tx1"/>
+          </a:fontRef>
+        </p:style>
+      </p:cxnSp>
+      <p:cxnSp>
+        <p:nvCxnSpPr>
+          <p:cNvPr id="149" name="Gerade Verbindung mit Pfeil 42">
+            <a:extLst>
+              <a:ext uri="{FF2B5EF4-FFF2-40B4-BE49-F238E27FC236}">
+                <a16:creationId xmlns:a16="http://schemas.microsoft.com/office/drawing/2014/main" id="{7DAD0877-0710-4853-89F9-273CEE2FABE2}"/>
+              </a:ext>
+            </a:extLst>
+          </p:cNvPr>
+          <p:cNvCxnSpPr>
+            <a:cxnSpLocks/>
+            <a:stCxn id="90" idx="0"/>
+            <a:endCxn id="103" idx="3"/>
+          </p:cNvCxnSpPr>
+          <p:nvPr/>
+        </p:nvCxnSpPr>
+        <p:spPr>
+          <a:xfrm flipV="1">
+            <a:off x="8212531" y="1828125"/>
+            <a:ext cx="5516" cy="378319"/>
+          </a:xfrm>
+          <a:prstGeom prst="straightConnector1">
+            <a:avLst/>
+          </a:prstGeom>
+          <a:ln w="12700">
+            <a:solidFill>
+              <a:schemeClr val="tx1"/>
+            </a:solidFill>
+            <a:headEnd type="triangle"/>
+            <a:tailEnd type="none"/>
+          </a:ln>
+        </p:spPr>
+        <p:style>
+          <a:lnRef idx="1">
+            <a:schemeClr val="accent1"/>
+          </a:lnRef>
+          <a:fillRef idx="0">
+            <a:schemeClr val="accent1"/>
+          </a:fillRef>
+          <a:effectRef idx="0">
+            <a:schemeClr val="accent1"/>
+          </a:effectRef>
+          <a:fontRef idx="minor">
+            <a:schemeClr val="tx1"/>
+          </a:fontRef>
+        </p:style>
+      </p:cxnSp>
+      <mc:AlternateContent xmlns:mc="http://schemas.openxmlformats.org/markup-compatibility/2006" xmlns:a14="http://schemas.microsoft.com/office/drawing/2010/main">
+        <mc:Choice Requires="a14">
+          <p:sp>
+            <p:nvSpPr>
+              <p:cNvPr id="165" name="Textfeld 60">
+                <a:extLst>
+                  <a:ext uri="{FF2B5EF4-FFF2-40B4-BE49-F238E27FC236}">
+                    <a16:creationId xmlns:a16="http://schemas.microsoft.com/office/drawing/2014/main" id="{64CAEF2F-7591-49CE-8AD8-ABE8B25A1418}"/>
+                  </a:ext>
+                </a:extLst>
+              </p:cNvPr>
+              <p:cNvSpPr txBox="1"/>
+              <p:nvPr/>
+            </p:nvSpPr>
+            <p:spPr>
+              <a:xfrm>
+                <a:off x="6508195" y="2492143"/>
+                <a:ext cx="1085368" cy="261610"/>
+              </a:xfrm>
+              <a:prstGeom prst="rect">
+                <a:avLst/>
+              </a:prstGeom>
+              <a:noFill/>
+            </p:spPr>
+            <p:txBody>
+              <a:bodyPr wrap="square" rtlCol="0">
+                <a:spAutoFit/>
+              </a:bodyPr>
+              <a:lstStyle/>
+              <a:p>
+                <a:pPr/>
+                <a14:m>
+                  <m:oMathPara xmlns:m="http://schemas.openxmlformats.org/officeDocument/2006/math">
+                    <m:oMathParaPr>
+                      <m:jc m:val="centerGroup"/>
+                    </m:oMathParaPr>
+                    <m:oMath xmlns:m="http://schemas.openxmlformats.org/officeDocument/2006/math">
+                      <m:sSub>
+                        <m:sSubPr>
+                          <m:ctrlPr>
+                            <a:rPr lang="de-DE" sz="1100" i="1">
+                              <a:solidFill>
+                                <a:prstClr val="black"/>
+                              </a:solidFill>
+                              <a:latin typeface="Cambria Math" panose="02040503050406030204" pitchFamily="18" charset="0"/>
+                            </a:rPr>
+                          </m:ctrlPr>
+                        </m:sSubPr>
+                        <m:e>
+                          <m:r>
+                            <a:rPr lang="it-IT" sz="1100" b="0" i="1" smtClean="0">
+                              <a:solidFill>
+                                <a:prstClr val="black"/>
+                              </a:solidFill>
+                              <a:latin typeface="Cambria Math" panose="02040503050406030204" pitchFamily="18" charset="0"/>
+                            </a:rPr>
+                            <m:t>𝑈</m:t>
+                          </m:r>
+                        </m:e>
+                        <m:sub>
+                          <m:r>
+                            <a:rPr lang="it-IT" sz="1100" i="1">
+                              <a:solidFill>
+                                <a:prstClr val="black"/>
+                              </a:solidFill>
+                              <a:latin typeface="Cambria Math" panose="02040503050406030204" pitchFamily="18" charset="0"/>
+                            </a:rPr>
+                            <m:t>𝑚𝑜𝑠𝑡</m:t>
+                          </m:r>
+                          <m:r>
+                            <a:rPr lang="it-IT" sz="1100" i="1">
+                              <a:solidFill>
+                                <a:prstClr val="black"/>
+                              </a:solidFill>
+                              <a:latin typeface="Cambria Math" panose="02040503050406030204" pitchFamily="18" charset="0"/>
+                            </a:rPr>
+                            <m:t>−</m:t>
+                          </m:r>
+                          <m:r>
+                            <a:rPr lang="it-IT" sz="1100" i="1">
+                              <a:solidFill>
+                                <a:prstClr val="black"/>
+                              </a:solidFill>
+                              <a:latin typeface="Cambria Math" panose="02040503050406030204" pitchFamily="18" charset="0"/>
+                            </a:rPr>
+                            <m:t>𝑢𝑛𝑐𝑒𝑟𝑡𝑎𝑖𝑛</m:t>
+                          </m:r>
+                        </m:sub>
+                      </m:sSub>
+                    </m:oMath>
+                  </m:oMathPara>
+                </a14:m>
+                <a:endParaRPr lang="de-DE" sz="1350" dirty="0">
+                  <a:latin typeface="Futura"/>
+                </a:endParaRPr>
+              </a:p>
+            </p:txBody>
+          </p:sp>
+        </mc:Choice>
+        <mc:Fallback xmlns="">
+          <p:sp>
+            <p:nvSpPr>
+              <p:cNvPr id="165" name="Textfeld 60">
+                <a:extLst>
+                  <a:ext uri="{FF2B5EF4-FFF2-40B4-BE49-F238E27FC236}">
+                    <a16:creationId xmlns:a16="http://schemas.microsoft.com/office/drawing/2014/main" id="{64CAEF2F-7591-49CE-8AD8-ABE8B25A1418}"/>
+                  </a:ext>
+                </a:extLst>
+              </p:cNvPr>
+              <p:cNvSpPr txBox="1">
+                <a:spLocks noRot="1" noChangeAspect="1" noMove="1" noResize="1" noEditPoints="1" noAdjustHandles="1" noChangeArrowheads="1" noChangeShapeType="1" noTextEdit="1"/>
+              </p:cNvSpPr>
+              <p:nvPr/>
+            </p:nvSpPr>
+            <p:spPr>
+              <a:xfrm>
+                <a:off x="6508195" y="2492143"/>
+                <a:ext cx="1085368" cy="261610"/>
+              </a:xfrm>
+              <a:prstGeom prst="rect">
+                <a:avLst/>
+              </a:prstGeom>
+              <a:blipFill>
+                <a:blip r:embed="rId7"/>
+                <a:stretch>
+                  <a:fillRect/>
+                </a:stretch>
+              </a:blipFill>
+            </p:spPr>
+            <p:txBody>
+              <a:bodyPr/>
+              <a:lstStyle/>
+              <a:p>
+                <a:r>
+                  <a:rPr lang="en-GB">
+                    <a:noFill/>
+                  </a:rPr>
+                  <a:t> </a:t>
+                </a:r>
+              </a:p>
+            </p:txBody>
+          </p:sp>
+        </mc:Fallback>
+      </mc:AlternateContent>
+      <p:cxnSp>
+        <p:nvCxnSpPr>
+          <p:cNvPr id="109" name="Gerade Verbindung mit Pfeil 69">
+            <a:extLst>
+              <a:ext uri="{FF2B5EF4-FFF2-40B4-BE49-F238E27FC236}">
+                <a16:creationId xmlns:a16="http://schemas.microsoft.com/office/drawing/2014/main" id="{1699A4F2-6735-41BD-B99E-135F28B94023}"/>
+              </a:ext>
+            </a:extLst>
+          </p:cNvPr>
+          <p:cNvCxnSpPr>
+            <a:cxnSpLocks/>
+          </p:cNvCxnSpPr>
+          <p:nvPr/>
+        </p:nvCxnSpPr>
+        <p:spPr>
+          <a:xfrm flipV="1">
+            <a:off x="7599851" y="4727118"/>
+            <a:ext cx="1057666" cy="2608"/>
+          </a:xfrm>
+          <a:prstGeom prst="straightConnector1">
+            <a:avLst/>
+          </a:prstGeom>
+          <a:ln w="12700">
+            <a:solidFill>
+              <a:schemeClr val="tx1"/>
+            </a:solidFill>
+            <a:tailEnd type="triangle"/>
+          </a:ln>
+        </p:spPr>
+        <p:style>
+          <a:lnRef idx="1">
+            <a:schemeClr val="accent1"/>
+          </a:lnRef>
+          <a:fillRef idx="0">
+            <a:schemeClr val="accent1"/>
+          </a:fillRef>
+          <a:effectRef idx="0">
+            <a:schemeClr val="accent1"/>
+          </a:effectRef>
+          <a:fontRef idx="minor">
+            <a:schemeClr val="tx1"/>
+          </a:fontRef>
+        </p:style>
+      </p:cxnSp>
+      <p:cxnSp>
+        <p:nvCxnSpPr>
+          <p:cNvPr id="113" name="Gewinkelte Verbindung 40">
+            <a:extLst>
+              <a:ext uri="{FF2B5EF4-FFF2-40B4-BE49-F238E27FC236}">
+                <a16:creationId xmlns:a16="http://schemas.microsoft.com/office/drawing/2014/main" id="{F1A3E4B9-D271-4C99-95D5-7909449FDA90}"/>
+              </a:ext>
+            </a:extLst>
+          </p:cNvPr>
+          <p:cNvCxnSpPr>
+            <a:cxnSpLocks/>
+            <a:stCxn id="60" idx="3"/>
+            <a:endCxn id="85" idx="0"/>
+          </p:cNvCxnSpPr>
+          <p:nvPr/>
+        </p:nvCxnSpPr>
+        <p:spPr>
+          <a:xfrm>
+            <a:off x="3815788" y="3573758"/>
+            <a:ext cx="5300729" cy="706503"/>
+          </a:xfrm>
+          <a:prstGeom prst="bentConnector2">
+            <a:avLst/>
+          </a:prstGeom>
+          <a:ln w="12700">
+            <a:solidFill>
+              <a:schemeClr val="tx1"/>
+            </a:solidFill>
+            <a:tailEnd type="triangle"/>
+          </a:ln>
+        </p:spPr>
+        <p:style>
+          <a:lnRef idx="1">
+            <a:schemeClr val="accent1"/>
+          </a:lnRef>
+          <a:fillRef idx="0">
+            <a:schemeClr val="accent1"/>
+          </a:fillRef>
+          <a:effectRef idx="0">
+            <a:schemeClr val="accent1"/>
+          </a:effectRef>
+          <a:fontRef idx="minor">
+            <a:schemeClr val="tx1"/>
+          </a:fontRef>
+        </p:style>
+      </p:cxnSp>
+      <p:sp>
+        <p:nvSpPr>
+          <p:cNvPr id="123" name="Flussdiagramm: Prozess 21">
+            <a:extLst>
+              <a:ext uri="{FF2B5EF4-FFF2-40B4-BE49-F238E27FC236}">
+                <a16:creationId xmlns:a16="http://schemas.microsoft.com/office/drawing/2014/main" id="{2A706D72-0E57-490A-AF66-DB01038BAA16}"/>
+              </a:ext>
+            </a:extLst>
+          </p:cNvPr>
+          <p:cNvSpPr/>
+          <p:nvPr/>
+        </p:nvSpPr>
+        <p:spPr>
+          <a:xfrm>
+            <a:off x="5336110" y="4166400"/>
+            <a:ext cx="2819174" cy="1035609"/>
+          </a:xfrm>
+          <a:prstGeom prst="flowChartProcess">
+            <a:avLst/>
+          </a:prstGeom>
+          <a:solidFill>
+            <a:srgbClr val="0070C0">
+              <a:alpha val="40000"/>
+            </a:srgbClr>
+          </a:solidFill>
+          <a:ln>
+            <a:noFill/>
+          </a:ln>
+        </p:spPr>
+        <p:style>
+          <a:lnRef idx="2">
+            <a:schemeClr val="accent1">
+              <a:shade val="50000"/>
+            </a:schemeClr>
+          </a:lnRef>
+          <a:fillRef idx="1">
+            <a:schemeClr val="accent1"/>
+          </a:fillRef>
+          <a:effectRef idx="0">
+            <a:schemeClr val="accent1"/>
+          </a:effectRef>
+          <a:fontRef idx="minor">
+            <a:schemeClr val="lt1"/>
+          </a:fontRef>
+        </p:style>
+        <p:txBody>
+          <a:bodyPr rtlCol="0" anchor="ctr"/>
+          <a:lstStyle/>
+          <a:p>
+            <a:pPr algn="ctr"/>
+            <a:endParaRPr lang="de-DE" sz="1350"/>
+          </a:p>
+        </p:txBody>
+      </p:sp>
+      <p:cxnSp>
+        <p:nvCxnSpPr>
+          <p:cNvPr id="126" name="Gerade Verbindung mit Pfeil 69">
+            <a:extLst>
+              <a:ext uri="{FF2B5EF4-FFF2-40B4-BE49-F238E27FC236}">
+                <a16:creationId xmlns:a16="http://schemas.microsoft.com/office/drawing/2014/main" id="{DF0EDA5A-BD1A-4DFA-BC63-56A50EC0A540}"/>
+              </a:ext>
+            </a:extLst>
+          </p:cNvPr>
+          <p:cNvCxnSpPr>
+            <a:cxnSpLocks/>
+            <a:stCxn id="82" idx="3"/>
+            <a:endCxn id="81" idx="1"/>
+          </p:cNvCxnSpPr>
+          <p:nvPr/>
+        </p:nvCxnSpPr>
+        <p:spPr>
+          <a:xfrm flipV="1">
+            <a:off x="6438823" y="4599772"/>
+            <a:ext cx="246790" cy="2802"/>
+          </a:xfrm>
+          <a:prstGeom prst="straightConnector1">
+            <a:avLst/>
+          </a:prstGeom>
+          <a:ln w="12700">
+            <a:solidFill>
+              <a:schemeClr val="tx1"/>
+            </a:solidFill>
+            <a:tailEnd type="triangle"/>
+          </a:ln>
+        </p:spPr>
+        <p:style>
+          <a:lnRef idx="1">
+            <a:schemeClr val="accent1"/>
+          </a:lnRef>
+          <a:fillRef idx="0">
+            <a:schemeClr val="accent1"/>
+          </a:fillRef>
+          <a:effectRef idx="0">
+            <a:schemeClr val="accent1"/>
+          </a:effectRef>
+          <a:fontRef idx="minor">
+            <a:schemeClr val="tx1"/>
+          </a:fontRef>
+        </p:style>
+      </p:cxnSp>
+      <mc:AlternateContent xmlns:mc="http://schemas.openxmlformats.org/markup-compatibility/2006" xmlns:a14="http://schemas.microsoft.com/office/drawing/2010/main">
+        <mc:Choice Requires="a14">
+          <p:sp>
+            <p:nvSpPr>
+              <p:cNvPr id="128" name="Textfeld 18">
+                <a:extLst>
+                  <a:ext uri="{FF2B5EF4-FFF2-40B4-BE49-F238E27FC236}">
+                    <a16:creationId xmlns:a16="http://schemas.microsoft.com/office/drawing/2014/main" id="{0E369AFF-F5F6-4635-A774-A326CF31B49B}"/>
+                  </a:ext>
+                </a:extLst>
+              </p:cNvPr>
+              <p:cNvSpPr txBox="1"/>
+              <p:nvPr/>
+            </p:nvSpPr>
+            <p:spPr>
+              <a:xfrm>
+                <a:off x="7527540" y="4704295"/>
+                <a:ext cx="509050" cy="266163"/>
+              </a:xfrm>
+              <a:prstGeom prst="rect">
+                <a:avLst/>
+              </a:prstGeom>
+              <a:noFill/>
+            </p:spPr>
+            <p:txBody>
+              <a:bodyPr wrap="square" rtlCol="0">
+                <a:spAutoFit/>
+              </a:bodyPr>
+              <a:lstStyle/>
+              <a:p>
+                <a:pPr/>
+                <a14:m>
+                  <m:oMathPara xmlns:m="http://schemas.openxmlformats.org/officeDocument/2006/math">
+                    <m:oMathParaPr>
+                      <m:jc m:val="centerGroup"/>
+                    </m:oMathParaPr>
+                    <m:oMath xmlns:m="http://schemas.openxmlformats.org/officeDocument/2006/math">
+                      <m:sSup>
+                        <m:sSupPr>
+                          <m:ctrlPr>
+                            <a:rPr lang="de-DE" sz="1100" i="1">
+                              <a:latin typeface="Cambria Math" panose="02040503050406030204" pitchFamily="18" charset="0"/>
+                            </a:rPr>
+                          </m:ctrlPr>
+                        </m:sSupPr>
+                        <m:e>
+                          <m:acc>
+                            <m:accPr>
+                              <m:chr m:val="̂"/>
+                              <m:ctrlPr>
+                                <a:rPr lang="de-DE" sz="1100" i="1">
+                                  <a:latin typeface="Cambria Math" panose="02040503050406030204" pitchFamily="18" charset="0"/>
+                                </a:rPr>
+                              </m:ctrlPr>
+                            </m:accPr>
+                            <m:e>
+                              <m:r>
+                                <a:rPr lang="de-DE" sz="1100" i="1">
+                                  <a:latin typeface="Cambria Math" panose="02040503050406030204" pitchFamily="18" charset="0"/>
+                                </a:rPr>
+                                <m:t>𝑉</m:t>
+                              </m:r>
+                            </m:e>
+                          </m:acc>
+                        </m:e>
+                        <m:sup>
+                          <m:r>
+                            <a:rPr lang="de-DE" sz="1100" i="1">
+                              <a:latin typeface="Cambria Math" panose="02040503050406030204" pitchFamily="18" charset="0"/>
+                            </a:rPr>
+                            <m:t>𝑆𝑉</m:t>
+                          </m:r>
+                        </m:sup>
+                      </m:sSup>
+                    </m:oMath>
+                  </m:oMathPara>
+                </a14:m>
+                <a:endParaRPr lang="de-DE" sz="1350" dirty="0">
+                  <a:latin typeface="Futura"/>
+                </a:endParaRPr>
+              </a:p>
+            </p:txBody>
+          </p:sp>
+        </mc:Choice>
+        <mc:Fallback xmlns="">
+          <p:sp>
+            <p:nvSpPr>
+              <p:cNvPr id="128" name="Textfeld 18">
+                <a:extLst>
+                  <a:ext uri="{FF2B5EF4-FFF2-40B4-BE49-F238E27FC236}">
+                    <a16:creationId xmlns:a16="http://schemas.microsoft.com/office/drawing/2014/main" id="{0E369AFF-F5F6-4635-A774-A326CF31B49B}"/>
+                  </a:ext>
+                </a:extLst>
+              </p:cNvPr>
+              <p:cNvSpPr txBox="1">
+                <a:spLocks noRot="1" noChangeAspect="1" noMove="1" noResize="1" noEditPoints="1" noAdjustHandles="1" noChangeArrowheads="1" noChangeShapeType="1" noTextEdit="1"/>
+              </p:cNvSpPr>
+              <p:nvPr/>
+            </p:nvSpPr>
+            <p:spPr>
+              <a:xfrm>
+                <a:off x="7527540" y="4704295"/>
+                <a:ext cx="509050" cy="266163"/>
+              </a:xfrm>
+              <a:prstGeom prst="rect">
+                <a:avLst/>
+              </a:prstGeom>
+              <a:blipFill>
+                <a:blip r:embed="rId9"/>
+                <a:stretch>
+                  <a:fillRect/>
+                </a:stretch>
+              </a:blipFill>
+            </p:spPr>
+            <p:txBody>
+              <a:bodyPr/>
+              <a:lstStyle/>
+              <a:p>
+                <a:r>
+                  <a:rPr lang="en-GB">
+                    <a:noFill/>
+                  </a:rPr>
+                  <a:t> </a:t>
+                </a:r>
+              </a:p>
+            </p:txBody>
+          </p:sp>
+        </mc:Fallback>
+      </mc:AlternateContent>
+      <mc:AlternateContent xmlns:mc="http://schemas.openxmlformats.org/markup-compatibility/2006">
+        <mc:Choice xmlns:a14="http://schemas.microsoft.com/office/drawing/2010/main" Requires="a14">
+          <p:sp>
+            <p:nvSpPr>
+              <p:cNvPr id="163" name="Textfeld 61">
+                <a:extLst>
+                  <a:ext uri="{FF2B5EF4-FFF2-40B4-BE49-F238E27FC236}">
+                    <a16:creationId xmlns:a16="http://schemas.microsoft.com/office/drawing/2014/main" id="{A5A2CF92-B1E6-4500-B95C-130908AA7127}"/>
+                  </a:ext>
+                </a:extLst>
+              </p:cNvPr>
+              <p:cNvSpPr txBox="1"/>
+              <p:nvPr/>
+            </p:nvSpPr>
+            <p:spPr>
+              <a:xfrm>
+                <a:off x="7570288" y="4453112"/>
+                <a:ext cx="1081130" cy="266163"/>
+              </a:xfrm>
+              <a:prstGeom prst="rect">
+                <a:avLst/>
+              </a:prstGeom>
+              <a:noFill/>
+            </p:spPr>
+            <p:txBody>
+              <a:bodyPr wrap="none" rtlCol="0">
+                <a:spAutoFit/>
+              </a:bodyPr>
+              <a:lstStyle/>
+              <a:p>
+                <a:pPr/>
+                <a14:m>
+                  <m:oMathPara xmlns:m="http://schemas.openxmlformats.org/officeDocument/2006/math">
+                    <m:oMathParaPr>
+                      <m:jc m:val="centerGroup"/>
+                    </m:oMathParaPr>
+                    <m:oMath xmlns:m="http://schemas.openxmlformats.org/officeDocument/2006/math">
+                      <m:sSub>
+                        <m:sSubPr>
+                          <m:ctrlPr>
+                            <a:rPr lang="de-DE" sz="1100" i="1" smtClean="0">
+                              <a:latin typeface="Cambria Math" panose="02040503050406030204" pitchFamily="18" charset="0"/>
+                            </a:rPr>
+                          </m:ctrlPr>
+                        </m:sSubPr>
+                        <m:e>
+                          <m:acc>
+                            <m:accPr>
+                              <m:chr m:val="̂"/>
+                              <m:ctrlPr>
+                                <a:rPr lang="de-DE" sz="1100" i="1">
+                                  <a:latin typeface="Cambria Math" panose="02040503050406030204" pitchFamily="18" charset="0"/>
+                                </a:rPr>
+                              </m:ctrlPr>
+                            </m:accPr>
+                            <m:e>
+                              <m:r>
+                                <a:rPr lang="de-DE" sz="1100" i="1">
+                                  <a:latin typeface="Cambria Math" panose="02040503050406030204" pitchFamily="18" charset="0"/>
+                                </a:rPr>
+                                <m:t>𝑉</m:t>
+                              </m:r>
+                            </m:e>
+                          </m:acc>
+                        </m:e>
+                        <m:sub>
+                          <m:r>
+                            <a:rPr lang="it-IT" sz="1100" b="0" i="1" smtClean="0">
+                              <a:latin typeface="Cambria Math" panose="02040503050406030204" pitchFamily="18" charset="0"/>
+                            </a:rPr>
+                            <m:t>𝑎𝑐𝑡𝑖𝑣𝑒</m:t>
+                          </m:r>
+                          <m:r>
+                            <a:rPr lang="en-US" sz="1100" i="1">
+                              <a:latin typeface="Cambria Math" panose="02040503050406030204" pitchFamily="18" charset="0"/>
+                            </a:rPr>
+                            <m:t>−</m:t>
+                          </m:r>
+                          <m:r>
+                            <a:rPr lang="en-US" sz="1100" i="1">
+                              <a:latin typeface="Cambria Math" panose="02040503050406030204" pitchFamily="18" charset="0"/>
+                            </a:rPr>
+                            <m:t>𝑙𝑎𝑏𝑒𝑙𝑒𝑑</m:t>
+                          </m:r>
+                        </m:sub>
+                      </m:sSub>
+                    </m:oMath>
+                  </m:oMathPara>
+                </a14:m>
+                <a:endParaRPr lang="de-DE" dirty="0"/>
+              </a:p>
+            </p:txBody>
+          </p:sp>
+        </mc:Choice>
+        <mc:Fallback>
+          <p:sp>
+            <p:nvSpPr>
+              <p:cNvPr id="163" name="Textfeld 61">
+                <a:extLst>
+                  <a:ext uri="{FF2B5EF4-FFF2-40B4-BE49-F238E27FC236}">
+                    <a16:creationId xmlns:a16="http://schemas.microsoft.com/office/drawing/2014/main" id="{A5A2CF92-B1E6-4500-B95C-130908AA7127}"/>
+                  </a:ext>
+                </a:extLst>
+              </p:cNvPr>
+              <p:cNvSpPr txBox="1">
+                <a:spLocks noRot="1" noChangeAspect="1" noMove="1" noResize="1" noEditPoints="1" noAdjustHandles="1" noChangeArrowheads="1" noChangeShapeType="1" noTextEdit="1"/>
+              </p:cNvSpPr>
+              <p:nvPr/>
+            </p:nvSpPr>
+            <p:spPr>
+              <a:xfrm>
+                <a:off x="7570288" y="4453112"/>
+                <a:ext cx="1081130" cy="266163"/>
+              </a:xfrm>
+              <a:prstGeom prst="rect">
+                <a:avLst/>
+              </a:prstGeom>
+              <a:blipFill>
+                <a:blip r:embed="rId10"/>
+                <a:stretch>
+                  <a:fillRect/>
+                </a:stretch>
+              </a:blipFill>
+            </p:spPr>
+            <p:txBody>
+              <a:bodyPr/>
+              <a:lstStyle/>
+              <a:p>
+                <a:r>
+                  <a:rPr lang="en-GB">
+                    <a:noFill/>
+                  </a:rPr>
+                  <a:t> </a:t>
+                </a:r>
+              </a:p>
+            </p:txBody>
+          </p:sp>
+        </mc:Fallback>
+      </mc:AlternateContent>
+      <p:cxnSp>
+        <p:nvCxnSpPr>
+          <p:cNvPr id="164" name="Gerade Verbindung mit Pfeil 69">
+            <a:extLst>
+              <a:ext uri="{FF2B5EF4-FFF2-40B4-BE49-F238E27FC236}">
+                <a16:creationId xmlns:a16="http://schemas.microsoft.com/office/drawing/2014/main" id="{9325F958-8528-413A-839A-DEAB16A1AAB1}"/>
+              </a:ext>
+            </a:extLst>
+          </p:cNvPr>
+          <p:cNvCxnSpPr>
+            <a:cxnSpLocks/>
+          </p:cNvCxnSpPr>
+          <p:nvPr/>
+        </p:nvCxnSpPr>
+        <p:spPr>
+          <a:xfrm flipV="1">
+            <a:off x="7599851" y="4454634"/>
+            <a:ext cx="1057666" cy="11661"/>
+          </a:xfrm>
+          <a:prstGeom prst="straightConnector1">
+            <a:avLst/>
+          </a:prstGeom>
+          <a:ln w="12700">
+            <a:solidFill>
+              <a:schemeClr val="tx1"/>
+            </a:solidFill>
+            <a:tailEnd type="triangle"/>
+          </a:ln>
+        </p:spPr>
+        <p:style>
+          <a:lnRef idx="1">
+            <a:schemeClr val="accent1"/>
+          </a:lnRef>
+          <a:fillRef idx="0">
+            <a:schemeClr val="accent1"/>
+          </a:fillRef>
+          <a:effectRef idx="0">
+            <a:schemeClr val="accent1"/>
+          </a:effectRef>
+          <a:fontRef idx="minor">
+            <a:schemeClr val="tx1"/>
+          </a:fontRef>
+        </p:style>
+      </p:cxnSp>
+      <p:sp>
+        <p:nvSpPr>
+          <p:cNvPr id="60" name="Rectangle: Rounded Corners 59">
+            <a:extLst>
+              <a:ext uri="{FF2B5EF4-FFF2-40B4-BE49-F238E27FC236}">
+                <a16:creationId xmlns:a16="http://schemas.microsoft.com/office/drawing/2014/main" id="{B8E6F992-3A89-4772-B622-529C7EAC4F94}"/>
+              </a:ext>
+            </a:extLst>
+          </p:cNvPr>
+          <p:cNvSpPr/>
+          <p:nvPr/>
+        </p:nvSpPr>
+        <p:spPr>
+          <a:xfrm>
+            <a:off x="2897788" y="3249559"/>
+            <a:ext cx="918000" cy="648398"/>
+          </a:xfrm>
+          <a:prstGeom prst="roundRect">
+            <a:avLst>
+              <a:gd name="adj" fmla="val 10145"/>
+            </a:avLst>
+          </a:prstGeom>
+          <a:solidFill>
+            <a:schemeClr val="bg1"/>
+          </a:solidFill>
+          <a:ln w="12700">
+            <a:solidFill>
+              <a:schemeClr val="tx1"/>
+            </a:solidFill>
+          </a:ln>
+        </p:spPr>
+        <p:style>
+          <a:lnRef idx="2">
+            <a:schemeClr val="accent1">
+              <a:shade val="50000"/>
+            </a:schemeClr>
+          </a:lnRef>
+          <a:fillRef idx="1">
+            <a:schemeClr val="accent1"/>
+          </a:fillRef>
+          <a:effectRef idx="0">
+            <a:schemeClr val="accent1"/>
+          </a:effectRef>
+          <a:fontRef idx="minor">
+            <a:schemeClr val="lt1"/>
+          </a:fontRef>
+        </p:style>
+        <p:txBody>
+          <a:bodyPr rtlCol="0" anchor="ctr"/>
+          <a:lstStyle/>
+          <a:p>
+            <a:pPr algn="ctr"/>
+            <a:r>
+              <a:rPr lang="en-US" sz="1050" dirty="0">
+                <a:solidFill>
+                  <a:schemeClr val="tx1"/>
+                </a:solidFill>
+                <a:latin typeface="Futura"/>
+                <a:cs typeface="Times New Roman" panose="02020603050405020304" pitchFamily="18" charset="0"/>
+              </a:rPr>
+              <a:t>extract</a:t>
+            </a:r>
+          </a:p>
+          <a:p>
+            <a:pPr algn="ctr"/>
+            <a:r>
+              <a:rPr lang="en-US" sz="1050" dirty="0">
+                <a:solidFill>
+                  <a:schemeClr val="tx1"/>
+                </a:solidFill>
+                <a:latin typeface="Futura"/>
+                <a:cs typeface="Times New Roman" panose="02020603050405020304" pitchFamily="18" charset="0"/>
+              </a:rPr>
+              <a:t>SVs</a:t>
+            </a:r>
+          </a:p>
+        </p:txBody>
+      </p:sp>
+      <p:sp>
+        <p:nvSpPr>
+          <p:cNvPr id="76" name="Rectangle: Rounded Corners 75">
+            <a:extLst>
+              <a:ext uri="{FF2B5EF4-FFF2-40B4-BE49-F238E27FC236}">
+                <a16:creationId xmlns:a16="http://schemas.microsoft.com/office/drawing/2014/main" id="{0E31BFAC-1EB7-48BE-9FC9-BE5FABF90D86}"/>
+              </a:ext>
+            </a:extLst>
+          </p:cNvPr>
+          <p:cNvSpPr/>
+          <p:nvPr/>
+        </p:nvSpPr>
+        <p:spPr>
+          <a:xfrm>
+            <a:off x="271081" y="2203201"/>
+            <a:ext cx="1338051" cy="648398"/>
+          </a:xfrm>
+          <a:prstGeom prst="roundRect">
+            <a:avLst>
+              <a:gd name="adj" fmla="val 10145"/>
+            </a:avLst>
+          </a:prstGeom>
+          <a:solidFill>
+            <a:schemeClr val="bg1"/>
+          </a:solidFill>
+          <a:ln w="12700">
+            <a:solidFill>
+              <a:schemeClr val="tx1"/>
+            </a:solidFill>
+          </a:ln>
+        </p:spPr>
+        <p:style>
+          <a:lnRef idx="2">
+            <a:schemeClr val="accent1">
+              <a:shade val="50000"/>
+            </a:schemeClr>
+          </a:lnRef>
+          <a:fillRef idx="1">
+            <a:schemeClr val="accent1"/>
+          </a:fillRef>
+          <a:effectRef idx="0">
+            <a:schemeClr val="accent1"/>
+          </a:effectRef>
+          <a:fontRef idx="minor">
+            <a:schemeClr val="lt1"/>
+          </a:fontRef>
+        </p:style>
+        <p:txBody>
+          <a:bodyPr rtlCol="0" anchor="ctr"/>
+          <a:lstStyle/>
+          <a:p>
+            <a:pPr lvl="0" algn="ctr"/>
+            <a:r>
+              <a:rPr lang="en-US" sz="1050" dirty="0">
+                <a:solidFill>
+                  <a:prstClr val="black"/>
+                </a:solidFill>
+                <a:latin typeface="Futura"/>
+                <a:cs typeface="Times New Roman" panose="02020603050405020304" pitchFamily="18" charset="0"/>
+              </a:rPr>
+              <a:t>segmentation with initial parameterization</a:t>
+            </a:r>
+          </a:p>
+        </p:txBody>
+      </p:sp>
+      <p:sp>
+        <p:nvSpPr>
+          <p:cNvPr id="77" name="Rectangle: Rounded Corners 76">
+            <a:extLst>
+              <a:ext uri="{FF2B5EF4-FFF2-40B4-BE49-F238E27FC236}">
+                <a16:creationId xmlns:a16="http://schemas.microsoft.com/office/drawing/2014/main" id="{5B27D1EB-F03A-4359-A1A9-CCE5A0A5DF48}"/>
+              </a:ext>
+            </a:extLst>
+          </p:cNvPr>
+          <p:cNvSpPr/>
+          <p:nvPr/>
+        </p:nvSpPr>
+        <p:spPr>
+          <a:xfrm>
+            <a:off x="1797790" y="2203201"/>
+            <a:ext cx="918102" cy="648398"/>
+          </a:xfrm>
+          <a:prstGeom prst="roundRect">
+            <a:avLst>
+              <a:gd name="adj" fmla="val 10145"/>
+            </a:avLst>
+          </a:prstGeom>
+          <a:solidFill>
+            <a:schemeClr val="bg1"/>
+          </a:solidFill>
+          <a:ln w="12700">
+            <a:solidFill>
+              <a:schemeClr val="tx1"/>
+            </a:solidFill>
+          </a:ln>
+        </p:spPr>
+        <p:style>
+          <a:lnRef idx="2">
+            <a:schemeClr val="accent1">
+              <a:shade val="50000"/>
+            </a:schemeClr>
+          </a:lnRef>
+          <a:fillRef idx="1">
+            <a:schemeClr val="accent1"/>
+          </a:fillRef>
+          <a:effectRef idx="0">
+            <a:schemeClr val="accent1"/>
+          </a:effectRef>
+          <a:fontRef idx="minor">
+            <a:schemeClr val="lt1"/>
+          </a:fontRef>
+        </p:style>
+        <p:txBody>
+          <a:bodyPr rtlCol="0" anchor="ctr"/>
+          <a:lstStyle/>
+          <a:p>
+            <a:pPr algn="ctr"/>
+            <a:r>
+              <a:rPr lang="en-US" sz="1050" dirty="0">
+                <a:solidFill>
+                  <a:schemeClr val="tx1"/>
+                </a:solidFill>
+                <a:latin typeface="Futura"/>
+                <a:cs typeface="Times New Roman" panose="02020603050405020304" pitchFamily="18" charset="0"/>
+              </a:rPr>
+              <a:t>compute</a:t>
+            </a:r>
+          </a:p>
+          <a:p>
+            <a:pPr algn="ctr"/>
+            <a:r>
+              <a:rPr lang="en-US" sz="1050" dirty="0">
+                <a:solidFill>
+                  <a:schemeClr val="tx1"/>
+                </a:solidFill>
+                <a:latin typeface="Futura"/>
+                <a:cs typeface="Times New Roman" panose="02020603050405020304" pitchFamily="18" charset="0"/>
+              </a:rPr>
+              <a:t>object </a:t>
+            </a:r>
+          </a:p>
+          <a:p>
+            <a:pPr algn="ctr"/>
+            <a:r>
+              <a:rPr lang="en-US" sz="1050" dirty="0">
+                <a:solidFill>
+                  <a:schemeClr val="tx1"/>
+                </a:solidFill>
+                <a:latin typeface="Futura"/>
+                <a:cs typeface="Times New Roman" panose="02020603050405020304" pitchFamily="18" charset="0"/>
+              </a:rPr>
+              <a:t>features</a:t>
+            </a:r>
+          </a:p>
+        </p:txBody>
+      </p:sp>
+      <p:sp>
+        <p:nvSpPr>
+          <p:cNvPr id="79" name="Rectangle: Rounded Corners 78">
+            <a:extLst>
+              <a:ext uri="{FF2B5EF4-FFF2-40B4-BE49-F238E27FC236}">
+                <a16:creationId xmlns:a16="http://schemas.microsoft.com/office/drawing/2014/main" id="{4EC7B095-A5D7-4114-B67B-5CF8AA896EC9}"/>
+              </a:ext>
+            </a:extLst>
+          </p:cNvPr>
+          <p:cNvSpPr/>
+          <p:nvPr/>
+        </p:nvSpPr>
+        <p:spPr>
+          <a:xfrm>
+            <a:off x="2897788" y="2203201"/>
+            <a:ext cx="918000" cy="648398"/>
+          </a:xfrm>
+          <a:prstGeom prst="roundRect">
+            <a:avLst>
+              <a:gd name="adj" fmla="val 10145"/>
+            </a:avLst>
+          </a:prstGeom>
+          <a:solidFill>
+            <a:schemeClr val="bg1"/>
+          </a:solidFill>
+          <a:ln w="12700">
+            <a:solidFill>
+              <a:schemeClr val="tx1"/>
+            </a:solidFill>
+          </a:ln>
+        </p:spPr>
+        <p:style>
+          <a:lnRef idx="2">
+            <a:schemeClr val="accent1">
+              <a:shade val="50000"/>
+            </a:schemeClr>
+          </a:lnRef>
+          <a:fillRef idx="1">
+            <a:schemeClr val="accent1"/>
+          </a:fillRef>
+          <a:effectRef idx="0">
+            <a:schemeClr val="accent1"/>
+          </a:effectRef>
+          <a:fontRef idx="minor">
+            <a:schemeClr val="lt1"/>
+          </a:fontRef>
+        </p:style>
+        <p:txBody>
+          <a:bodyPr rtlCol="0" anchor="ctr"/>
+          <a:lstStyle/>
+          <a:p>
+            <a:pPr algn="ctr"/>
+            <a:r>
+              <a:rPr lang="en-US" sz="1050" dirty="0">
+                <a:solidFill>
+                  <a:schemeClr val="tx1"/>
+                </a:solidFill>
+                <a:latin typeface="Futura"/>
+                <a:cs typeface="Times New Roman" panose="02020603050405020304" pitchFamily="18" charset="0"/>
+              </a:rPr>
+              <a:t>learn SVM model</a:t>
+            </a:r>
+          </a:p>
+        </p:txBody>
+      </p:sp>
+      <p:sp>
+        <p:nvSpPr>
+          <p:cNvPr id="80" name="Rectangle: Rounded Corners 79">
+            <a:extLst>
+              <a:ext uri="{FF2B5EF4-FFF2-40B4-BE49-F238E27FC236}">
+                <a16:creationId xmlns:a16="http://schemas.microsoft.com/office/drawing/2014/main" id="{9CAC7904-D838-4A96-AA28-10F624B9D83D}"/>
+              </a:ext>
+            </a:extLst>
+          </p:cNvPr>
+          <p:cNvSpPr/>
+          <p:nvPr/>
+        </p:nvSpPr>
+        <p:spPr>
+          <a:xfrm>
+            <a:off x="5449638" y="2208269"/>
+            <a:ext cx="998814" cy="648398"/>
+          </a:xfrm>
+          <a:prstGeom prst="roundRect">
+            <a:avLst>
+              <a:gd name="adj" fmla="val 10145"/>
+            </a:avLst>
+          </a:prstGeom>
+          <a:solidFill>
+            <a:schemeClr val="bg1"/>
+          </a:solidFill>
+          <a:ln w="12700">
+            <a:solidFill>
+              <a:schemeClr val="tx1"/>
+            </a:solidFill>
+          </a:ln>
+        </p:spPr>
+        <p:style>
+          <a:lnRef idx="2">
+            <a:schemeClr val="accent1">
+              <a:shade val="50000"/>
+            </a:schemeClr>
+          </a:lnRef>
+          <a:fillRef idx="1">
+            <a:schemeClr val="accent1"/>
+          </a:fillRef>
+          <a:effectRef idx="0">
+            <a:schemeClr val="accent1"/>
+          </a:effectRef>
+          <a:fontRef idx="minor">
+            <a:schemeClr val="lt1"/>
+          </a:fontRef>
+        </p:style>
+        <p:txBody>
+          <a:bodyPr rtlCol="0" anchor="ctr"/>
+          <a:lstStyle/>
+          <a:p>
+            <a:pPr algn="ctr"/>
+            <a:r>
+              <a:rPr lang="en-US" sz="1050" dirty="0">
+                <a:solidFill>
+                  <a:schemeClr val="tx1"/>
+                </a:solidFill>
+                <a:latin typeface="Futura"/>
+                <a:cs typeface="Times New Roman" panose="02020603050405020304" pitchFamily="18" charset="0"/>
+              </a:rPr>
+              <a:t>labeling</a:t>
+            </a:r>
+          </a:p>
+          <a:p>
+            <a:pPr algn="ctr"/>
+            <a:r>
+              <a:rPr lang="en-US" sz="1050" dirty="0">
+                <a:solidFill>
+                  <a:schemeClr val="tx1"/>
+                </a:solidFill>
+                <a:latin typeface="Futura"/>
+                <a:cs typeface="Times New Roman" panose="02020603050405020304" pitchFamily="18" charset="0"/>
+              </a:rPr>
+              <a:t>candidates</a:t>
+            </a:r>
+          </a:p>
+        </p:txBody>
+      </p:sp>
+      <p:sp>
+        <p:nvSpPr>
+          <p:cNvPr id="81" name="Rectangle: Rounded Corners 80">
+            <a:extLst>
+              <a:ext uri="{FF2B5EF4-FFF2-40B4-BE49-F238E27FC236}">
+                <a16:creationId xmlns:a16="http://schemas.microsoft.com/office/drawing/2014/main" id="{B517FE34-3B32-4303-B7D8-190BE8598D89}"/>
+              </a:ext>
+            </a:extLst>
+          </p:cNvPr>
+          <p:cNvSpPr/>
+          <p:nvPr/>
+        </p:nvSpPr>
+        <p:spPr>
+          <a:xfrm>
+            <a:off x="6685613" y="4275573"/>
+            <a:ext cx="918000" cy="648398"/>
+          </a:xfrm>
+          <a:prstGeom prst="roundRect">
+            <a:avLst>
+              <a:gd name="adj" fmla="val 10145"/>
+            </a:avLst>
+          </a:prstGeom>
+          <a:solidFill>
+            <a:schemeClr val="bg1"/>
+          </a:solidFill>
+          <a:ln w="12700">
+            <a:solidFill>
+              <a:schemeClr val="tx1"/>
+            </a:solidFill>
+          </a:ln>
+        </p:spPr>
+        <p:style>
+          <a:lnRef idx="2">
+            <a:schemeClr val="accent1">
+              <a:shade val="50000"/>
+            </a:schemeClr>
+          </a:lnRef>
+          <a:fillRef idx="1">
+            <a:schemeClr val="accent1"/>
+          </a:fillRef>
+          <a:effectRef idx="0">
+            <a:schemeClr val="accent1"/>
+          </a:effectRef>
+          <a:fontRef idx="minor">
+            <a:schemeClr val="lt1"/>
+          </a:fontRef>
+        </p:style>
+        <p:txBody>
+          <a:bodyPr rtlCol="0" anchor="ctr"/>
+          <a:lstStyle/>
+          <a:p>
+            <a:pPr algn="ctr"/>
+            <a:r>
+              <a:rPr lang="en-US" sz="1050" dirty="0">
+                <a:solidFill>
+                  <a:schemeClr val="tx1"/>
+                </a:solidFill>
+                <a:latin typeface="Futura"/>
+                <a:cs typeface="Times New Roman" panose="02020603050405020304" pitchFamily="18" charset="0"/>
+              </a:rPr>
+              <a:t>margin sampling constraint</a:t>
+            </a:r>
+          </a:p>
+        </p:txBody>
+      </p:sp>
+      <p:sp>
+        <p:nvSpPr>
+          <p:cNvPr id="82" name="Rectangle: Rounded Corners 81">
+            <a:extLst>
+              <a:ext uri="{FF2B5EF4-FFF2-40B4-BE49-F238E27FC236}">
+                <a16:creationId xmlns:a16="http://schemas.microsoft.com/office/drawing/2014/main" id="{BDC66D7A-4848-4F88-86AF-D3BB749F6643}"/>
+              </a:ext>
+            </a:extLst>
+          </p:cNvPr>
+          <p:cNvSpPr/>
+          <p:nvPr/>
+        </p:nvSpPr>
+        <p:spPr>
+          <a:xfrm>
+            <a:off x="5468689" y="4278375"/>
+            <a:ext cx="970134" cy="648398"/>
+          </a:xfrm>
+          <a:prstGeom prst="roundRect">
+            <a:avLst>
+              <a:gd name="adj" fmla="val 10145"/>
+            </a:avLst>
+          </a:prstGeom>
+          <a:solidFill>
+            <a:schemeClr val="bg1"/>
+          </a:solidFill>
+          <a:ln w="12700">
+            <a:solidFill>
+              <a:schemeClr val="tx1"/>
+            </a:solidFill>
+          </a:ln>
+        </p:spPr>
+        <p:style>
+          <a:lnRef idx="2">
+            <a:schemeClr val="accent1">
+              <a:shade val="50000"/>
+            </a:schemeClr>
+          </a:lnRef>
+          <a:fillRef idx="1">
+            <a:schemeClr val="accent1"/>
+          </a:fillRef>
+          <a:effectRef idx="0">
+            <a:schemeClr val="accent1"/>
+          </a:effectRef>
+          <a:fontRef idx="minor">
+            <a:schemeClr val="lt1"/>
+          </a:fontRef>
+        </p:style>
+        <p:txBody>
+          <a:bodyPr rtlCol="0" anchor="ctr"/>
+          <a:lstStyle/>
+          <a:p>
+            <a:pPr algn="ctr"/>
+            <a:r>
+              <a:rPr lang="en-US" sz="1050" dirty="0">
+                <a:solidFill>
+                  <a:schemeClr val="tx1"/>
+                </a:solidFill>
+                <a:latin typeface="Futura"/>
+                <a:cs typeface="Times New Roman" panose="02020603050405020304" pitchFamily="18" charset="0"/>
+              </a:rPr>
+              <a:t>similarity constraint</a:t>
+            </a:r>
+          </a:p>
+        </p:txBody>
+      </p:sp>
+      <p:sp>
+        <p:nvSpPr>
+          <p:cNvPr id="83" name="Rectangle: Rounded Corners 82">
+            <a:extLst>
+              <a:ext uri="{FF2B5EF4-FFF2-40B4-BE49-F238E27FC236}">
+                <a16:creationId xmlns:a16="http://schemas.microsoft.com/office/drawing/2014/main" id="{C9DE8912-A3A9-401B-BEF7-86203DBB672F}"/>
+              </a:ext>
+            </a:extLst>
+          </p:cNvPr>
+          <p:cNvSpPr/>
+          <p:nvPr/>
+        </p:nvSpPr>
+        <p:spPr>
+          <a:xfrm>
+            <a:off x="4029829" y="4280206"/>
+            <a:ext cx="918102" cy="648398"/>
+          </a:xfrm>
+          <a:prstGeom prst="roundRect">
+            <a:avLst>
+              <a:gd name="adj" fmla="val 10145"/>
+            </a:avLst>
+          </a:prstGeom>
+          <a:solidFill>
+            <a:schemeClr val="bg1"/>
+          </a:solidFill>
+          <a:ln w="12700">
+            <a:solidFill>
+              <a:schemeClr val="tx1"/>
+            </a:solidFill>
+          </a:ln>
+        </p:spPr>
+        <p:style>
+          <a:lnRef idx="2">
+            <a:schemeClr val="accent1">
+              <a:shade val="50000"/>
+            </a:schemeClr>
+          </a:lnRef>
+          <a:fillRef idx="1">
+            <a:schemeClr val="accent1"/>
+          </a:fillRef>
+          <a:effectRef idx="0">
+            <a:schemeClr val="accent1"/>
+          </a:effectRef>
+          <a:fontRef idx="minor">
+            <a:schemeClr val="lt1"/>
+          </a:fontRef>
+        </p:style>
+        <p:txBody>
+          <a:bodyPr rtlCol="0" anchor="ctr"/>
+          <a:lstStyle/>
+          <a:p>
+            <a:pPr algn="ctr"/>
+            <a:r>
+              <a:rPr lang="en-US" sz="1050" dirty="0">
+                <a:solidFill>
+                  <a:schemeClr val="tx1"/>
+                </a:solidFill>
+                <a:latin typeface="Futura"/>
+                <a:cs typeface="Times New Roman" panose="02020603050405020304" pitchFamily="18" charset="0"/>
+              </a:rPr>
+              <a:t>compute</a:t>
+            </a:r>
+          </a:p>
+          <a:p>
+            <a:pPr algn="ctr"/>
+            <a:r>
+              <a:rPr lang="en-US" sz="1050" dirty="0">
+                <a:solidFill>
+                  <a:schemeClr val="tx1"/>
+                </a:solidFill>
+                <a:latin typeface="Futura"/>
+                <a:cs typeface="Times New Roman" panose="02020603050405020304" pitchFamily="18" charset="0"/>
+              </a:rPr>
+              <a:t>object</a:t>
+            </a:r>
+          </a:p>
+          <a:p>
+            <a:pPr algn="ctr"/>
+            <a:r>
+              <a:rPr lang="en-US" sz="1050" dirty="0">
+                <a:solidFill>
+                  <a:schemeClr val="tx1"/>
+                </a:solidFill>
+                <a:latin typeface="Futura"/>
+                <a:cs typeface="Times New Roman" panose="02020603050405020304" pitchFamily="18" charset="0"/>
+              </a:rPr>
+              <a:t>features</a:t>
+            </a:r>
+            <a:endParaRPr lang="en-US" sz="1050" dirty="0">
+              <a:solidFill>
+                <a:prstClr val="black"/>
+              </a:solidFill>
+              <a:latin typeface="Futura"/>
+              <a:cs typeface="Times New Roman" panose="02020603050405020304" pitchFamily="18" charset="0"/>
+            </a:endParaRPr>
+          </a:p>
+        </p:txBody>
+      </p:sp>
+      <p:sp>
+        <p:nvSpPr>
+          <p:cNvPr id="84" name="Rectangle: Rounded Corners 83">
+            <a:extLst>
+              <a:ext uri="{FF2B5EF4-FFF2-40B4-BE49-F238E27FC236}">
+                <a16:creationId xmlns:a16="http://schemas.microsoft.com/office/drawing/2014/main" id="{CD4AFA70-7C34-466E-A6B6-FE37BD14106C}"/>
+              </a:ext>
+            </a:extLst>
+          </p:cNvPr>
+          <p:cNvSpPr/>
+          <p:nvPr/>
+        </p:nvSpPr>
+        <p:spPr>
+          <a:xfrm>
+            <a:off x="2897788" y="4279225"/>
+            <a:ext cx="918000" cy="648398"/>
+          </a:xfrm>
+          <a:prstGeom prst="roundRect">
+            <a:avLst>
+              <a:gd name="adj" fmla="val 10145"/>
+            </a:avLst>
+          </a:prstGeom>
+          <a:solidFill>
+            <a:schemeClr val="bg1"/>
+          </a:solidFill>
+          <a:ln w="12700">
+            <a:solidFill>
+              <a:schemeClr val="tx1"/>
+            </a:solidFill>
+          </a:ln>
+        </p:spPr>
+        <p:style>
+          <a:lnRef idx="2">
+            <a:schemeClr val="accent1">
+              <a:shade val="50000"/>
+            </a:schemeClr>
+          </a:lnRef>
+          <a:fillRef idx="1">
+            <a:schemeClr val="accent1"/>
+          </a:fillRef>
+          <a:effectRef idx="0">
+            <a:schemeClr val="accent1"/>
+          </a:effectRef>
+          <a:fontRef idx="minor">
+            <a:schemeClr val="lt1"/>
+          </a:fontRef>
+        </p:style>
+        <p:txBody>
+          <a:bodyPr rtlCol="0" anchor="ctr"/>
+          <a:lstStyle/>
+          <a:p>
+            <a:pPr algn="ctr"/>
+            <a:r>
+              <a:rPr lang="en-US" sz="1050" dirty="0">
+                <a:solidFill>
+                  <a:schemeClr val="tx1"/>
+                </a:solidFill>
+                <a:latin typeface="Futura"/>
+                <a:cs typeface="Times New Roman" panose="02020603050405020304" pitchFamily="18" charset="0"/>
+              </a:rPr>
+              <a:t>identify virtual samples</a:t>
+            </a:r>
+          </a:p>
+        </p:txBody>
+      </p:sp>
+      <p:sp>
+        <p:nvSpPr>
+          <p:cNvPr id="85" name="Rectangle: Rounded Corners 84">
+            <a:extLst>
+              <a:ext uri="{FF2B5EF4-FFF2-40B4-BE49-F238E27FC236}">
+                <a16:creationId xmlns:a16="http://schemas.microsoft.com/office/drawing/2014/main" id="{6BACD199-755C-4E22-BA48-BA95491363B8}"/>
+              </a:ext>
+            </a:extLst>
+          </p:cNvPr>
+          <p:cNvSpPr/>
+          <p:nvPr/>
+        </p:nvSpPr>
+        <p:spPr>
+          <a:xfrm>
+            <a:off x="8657517" y="4280261"/>
+            <a:ext cx="918000" cy="648398"/>
+          </a:xfrm>
+          <a:prstGeom prst="roundRect">
+            <a:avLst>
+              <a:gd name="adj" fmla="val 10145"/>
+            </a:avLst>
+          </a:prstGeom>
+          <a:solidFill>
+            <a:schemeClr val="bg1"/>
+          </a:solidFill>
+          <a:ln w="12700">
+            <a:solidFill>
+              <a:schemeClr val="tx1"/>
+            </a:solidFill>
+          </a:ln>
+        </p:spPr>
+        <p:style>
+          <a:lnRef idx="2">
+            <a:schemeClr val="accent1">
+              <a:shade val="50000"/>
+            </a:schemeClr>
+          </a:lnRef>
+          <a:fillRef idx="1">
+            <a:schemeClr val="accent1"/>
+          </a:fillRef>
+          <a:effectRef idx="0">
+            <a:schemeClr val="accent1"/>
+          </a:effectRef>
+          <a:fontRef idx="minor">
+            <a:schemeClr val="lt1"/>
+          </a:fontRef>
+        </p:style>
+        <p:txBody>
+          <a:bodyPr rtlCol="0" anchor="ctr"/>
+          <a:lstStyle/>
+          <a:p>
+            <a:pPr algn="ctr"/>
+            <a:r>
+              <a:rPr lang="en-US" sz="1050" dirty="0">
+                <a:solidFill>
+                  <a:schemeClr val="tx1"/>
+                </a:solidFill>
+                <a:latin typeface="Futura"/>
+                <a:cs typeface="Times New Roman" panose="02020603050405020304" pitchFamily="18" charset="0"/>
+              </a:rPr>
+              <a:t>relearn model</a:t>
+            </a:r>
+          </a:p>
+        </p:txBody>
+      </p:sp>
+      <p:sp>
+        <p:nvSpPr>
+          <p:cNvPr id="88" name="Rectangle: Rounded Corners 87">
+            <a:extLst>
+              <a:ext uri="{FF2B5EF4-FFF2-40B4-BE49-F238E27FC236}">
+                <a16:creationId xmlns:a16="http://schemas.microsoft.com/office/drawing/2014/main" id="{2A949BA5-6356-41F5-A5D3-54A1408034EF}"/>
+              </a:ext>
+            </a:extLst>
+          </p:cNvPr>
+          <p:cNvSpPr/>
+          <p:nvPr/>
+        </p:nvSpPr>
+        <p:spPr>
+          <a:xfrm>
+            <a:off x="266156" y="4275572"/>
+            <a:ext cx="1339200" cy="648398"/>
+          </a:xfrm>
+          <a:prstGeom prst="roundRect">
+            <a:avLst>
+              <a:gd name="adj" fmla="val 10145"/>
+            </a:avLst>
+          </a:prstGeom>
+          <a:solidFill>
+            <a:schemeClr val="bg1"/>
+          </a:solidFill>
+          <a:ln w="12700">
+            <a:solidFill>
+              <a:schemeClr val="tx1"/>
+            </a:solidFill>
+          </a:ln>
+        </p:spPr>
+        <p:style>
+          <a:lnRef idx="2">
+            <a:schemeClr val="accent1">
+              <a:shade val="50000"/>
+            </a:schemeClr>
+          </a:lnRef>
+          <a:fillRef idx="1">
+            <a:schemeClr val="accent1"/>
+          </a:fillRef>
+          <a:effectRef idx="0">
+            <a:schemeClr val="accent1"/>
+          </a:effectRef>
+          <a:fontRef idx="minor">
+            <a:schemeClr val="lt1"/>
+          </a:fontRef>
+        </p:style>
+        <p:txBody>
+          <a:bodyPr rtlCol="0" anchor="ctr"/>
+          <a:lstStyle/>
+          <a:p>
+            <a:pPr algn="ctr"/>
+            <a:r>
+              <a:rPr lang="en-US" sz="1050" dirty="0">
+                <a:solidFill>
+                  <a:schemeClr val="tx1"/>
+                </a:solidFill>
+                <a:latin typeface="Futura"/>
+                <a:cs typeface="Times New Roman" panose="02020603050405020304" pitchFamily="18" charset="0"/>
+              </a:rPr>
+              <a:t>segmentation with altered parameterization</a:t>
+            </a:r>
+          </a:p>
+        </p:txBody>
+      </p:sp>
+      <p:sp>
+        <p:nvSpPr>
+          <p:cNvPr id="90" name="Rectangle: Rounded Corners 89">
+            <a:extLst>
+              <a:ext uri="{FF2B5EF4-FFF2-40B4-BE49-F238E27FC236}">
+                <a16:creationId xmlns:a16="http://schemas.microsoft.com/office/drawing/2014/main" id="{697A23BB-C9E4-45D3-BE0B-36072BC33FE7}"/>
+              </a:ext>
+            </a:extLst>
+          </p:cNvPr>
+          <p:cNvSpPr/>
+          <p:nvPr/>
+        </p:nvSpPr>
+        <p:spPr>
+          <a:xfrm>
+            <a:off x="7751927" y="2206444"/>
+            <a:ext cx="921207" cy="648398"/>
+          </a:xfrm>
+          <a:prstGeom prst="roundRect">
+            <a:avLst>
+              <a:gd name="adj" fmla="val 10145"/>
+            </a:avLst>
+          </a:prstGeom>
+          <a:solidFill>
+            <a:schemeClr val="bg1"/>
+          </a:solidFill>
+          <a:ln w="12700">
+            <a:solidFill>
+              <a:schemeClr val="tx1"/>
+            </a:solidFill>
+          </a:ln>
+        </p:spPr>
+        <p:style>
+          <a:lnRef idx="2">
+            <a:schemeClr val="accent1">
+              <a:shade val="50000"/>
+            </a:schemeClr>
+          </a:lnRef>
+          <a:fillRef idx="1">
+            <a:schemeClr val="accent1"/>
+          </a:fillRef>
+          <a:effectRef idx="0">
+            <a:schemeClr val="accent1"/>
+          </a:effectRef>
+          <a:fontRef idx="minor">
+            <a:schemeClr val="lt1"/>
+          </a:fontRef>
+        </p:style>
+        <p:txBody>
+          <a:bodyPr rtlCol="0" anchor="ctr"/>
+          <a:lstStyle/>
+          <a:p>
+            <a:pPr algn="ctr"/>
+            <a:r>
+              <a:rPr lang="en-US" sz="1050" dirty="0">
+                <a:solidFill>
+                  <a:schemeClr val="tx1"/>
+                </a:solidFill>
+                <a:latin typeface="Futura"/>
+                <a:cs typeface="Times New Roman" panose="02020603050405020304" pitchFamily="18" charset="0"/>
+              </a:rPr>
+              <a:t>margin sampling distance</a:t>
+            </a:r>
+          </a:p>
+        </p:txBody>
+      </p:sp>
+      <p:cxnSp>
+        <p:nvCxnSpPr>
+          <p:cNvPr id="150" name="Gerade Verbindung mit Pfeil 52">
+            <a:extLst>
+              <a:ext uri="{FF2B5EF4-FFF2-40B4-BE49-F238E27FC236}">
+                <a16:creationId xmlns:a16="http://schemas.microsoft.com/office/drawing/2014/main" id="{478673B4-905E-4371-AF0F-5EAE1D7FFB44}"/>
+              </a:ext>
+            </a:extLst>
+          </p:cNvPr>
+          <p:cNvCxnSpPr>
+            <a:cxnSpLocks/>
+            <a:stCxn id="76" idx="0"/>
+            <a:endCxn id="2" idx="3"/>
+          </p:cNvCxnSpPr>
+          <p:nvPr/>
+        </p:nvCxnSpPr>
+        <p:spPr>
+          <a:xfrm flipH="1" flipV="1">
+            <a:off x="939329" y="1843044"/>
+            <a:ext cx="778" cy="360157"/>
+          </a:xfrm>
+          <a:prstGeom prst="straightConnector1">
+            <a:avLst/>
+          </a:prstGeom>
+          <a:ln w="12700">
+            <a:solidFill>
+              <a:schemeClr val="tx1"/>
+            </a:solidFill>
+            <a:headEnd type="triangle"/>
+            <a:tailEnd type="none"/>
+          </a:ln>
+        </p:spPr>
+        <p:style>
+          <a:lnRef idx="1">
+            <a:schemeClr val="accent1"/>
+          </a:lnRef>
+          <a:fillRef idx="0">
+            <a:schemeClr val="accent1"/>
+          </a:fillRef>
+          <a:effectRef idx="0">
+            <a:schemeClr val="accent1"/>
+          </a:effectRef>
+          <a:fontRef idx="minor">
+            <a:schemeClr val="tx1"/>
+          </a:fontRef>
+        </p:style>
+      </p:cxnSp>
+      <p:sp>
+        <p:nvSpPr>
+          <p:cNvPr id="217" name="Rectangle 216">
+            <a:extLst>
+              <a:ext uri="{FF2B5EF4-FFF2-40B4-BE49-F238E27FC236}">
+                <a16:creationId xmlns:a16="http://schemas.microsoft.com/office/drawing/2014/main" id="{CE280420-228F-4D4C-80F2-02B33F8F9893}"/>
+              </a:ext>
+            </a:extLst>
+          </p:cNvPr>
+          <p:cNvSpPr/>
+          <p:nvPr/>
+        </p:nvSpPr>
+        <p:spPr>
+          <a:xfrm>
+            <a:off x="-502397" y="2090702"/>
+            <a:ext cx="566181" cy="253916"/>
+          </a:xfrm>
+          <a:prstGeom prst="rect">
+            <a:avLst/>
+          </a:prstGeom>
+        </p:spPr>
+        <p:txBody>
+          <a:bodyPr wrap="none">
+            <a:spAutoFit/>
+          </a:bodyPr>
+          <a:lstStyle/>
+          <a:p>
+            <a:r>
+              <a:rPr lang="en-US" sz="1050" b="1" dirty="0">
+                <a:solidFill>
+                  <a:schemeClr val="tx1">
+                    <a:lumMod val="75000"/>
+                    <a:lumOff val="25000"/>
+                  </a:schemeClr>
+                </a:solidFill>
+                <a:latin typeface="Futura"/>
+                <a:cs typeface="Times New Roman" panose="02020603050405020304" pitchFamily="18" charset="0"/>
+              </a:rPr>
+              <a:t>VSVM</a:t>
+            </a:r>
+          </a:p>
+        </p:txBody>
+      </p:sp>
+      <p:sp>
+        <p:nvSpPr>
+          <p:cNvPr id="218" name="Rectangle 217">
+            <a:extLst>
+              <a:ext uri="{FF2B5EF4-FFF2-40B4-BE49-F238E27FC236}">
+                <a16:creationId xmlns:a16="http://schemas.microsoft.com/office/drawing/2014/main" id="{C8EE7157-E021-42D2-849E-F484F2B10A54}"/>
+              </a:ext>
+            </a:extLst>
+          </p:cNvPr>
+          <p:cNvSpPr/>
+          <p:nvPr/>
+        </p:nvSpPr>
+        <p:spPr>
+          <a:xfrm>
+            <a:off x="-510265" y="4939151"/>
+            <a:ext cx="1766830" cy="253916"/>
+          </a:xfrm>
+          <a:prstGeom prst="rect">
+            <a:avLst/>
+          </a:prstGeom>
+        </p:spPr>
+        <p:txBody>
+          <a:bodyPr wrap="none">
+            <a:spAutoFit/>
+          </a:bodyPr>
+          <a:lstStyle/>
+          <a:p>
+            <a:r>
+              <a:rPr lang="en-US" sz="1050" b="1" dirty="0">
+                <a:solidFill>
+                  <a:schemeClr val="tx1">
+                    <a:lumMod val="75000"/>
+                    <a:lumOff val="25000"/>
+                  </a:schemeClr>
+                </a:solidFill>
+                <a:latin typeface="Futura"/>
+                <a:cs typeface="Times New Roman" panose="02020603050405020304" pitchFamily="18" charset="0"/>
+              </a:rPr>
+              <a:t>encoding of invariances</a:t>
+            </a:r>
+          </a:p>
+        </p:txBody>
+      </p:sp>
+      <p:sp>
+        <p:nvSpPr>
+          <p:cNvPr id="219" name="Rectangle 218">
+            <a:extLst>
+              <a:ext uri="{FF2B5EF4-FFF2-40B4-BE49-F238E27FC236}">
+                <a16:creationId xmlns:a16="http://schemas.microsoft.com/office/drawing/2014/main" id="{FFFD716E-AF68-459F-A640-FB2282076777}"/>
+              </a:ext>
+            </a:extLst>
+          </p:cNvPr>
+          <p:cNvSpPr/>
+          <p:nvPr/>
+        </p:nvSpPr>
+        <p:spPr>
+          <a:xfrm>
+            <a:off x="5376021" y="4948398"/>
+            <a:ext cx="1550424" cy="253916"/>
+          </a:xfrm>
+          <a:prstGeom prst="rect">
+            <a:avLst/>
+          </a:prstGeom>
+        </p:spPr>
+        <p:txBody>
+          <a:bodyPr wrap="none">
+            <a:spAutoFit/>
+          </a:bodyPr>
+          <a:lstStyle/>
+          <a:p>
+            <a:r>
+              <a:rPr lang="en-US" sz="1050" b="1" dirty="0">
+                <a:solidFill>
+                  <a:schemeClr val="tx1">
+                    <a:lumMod val="75000"/>
+                    <a:lumOff val="25000"/>
+                  </a:schemeClr>
+                </a:solidFill>
+                <a:latin typeface="Futura"/>
+                <a:cs typeface="Times New Roman" panose="02020603050405020304" pitchFamily="18" charset="0"/>
+              </a:rPr>
+              <a:t>self-learning strategy</a:t>
+            </a:r>
+          </a:p>
+        </p:txBody>
+      </p:sp>
+      <p:cxnSp>
+        <p:nvCxnSpPr>
+          <p:cNvPr id="89" name="Gerade Verbindung mit Pfeil 69">
+            <a:extLst>
+              <a:ext uri="{FF2B5EF4-FFF2-40B4-BE49-F238E27FC236}">
+                <a16:creationId xmlns:a16="http://schemas.microsoft.com/office/drawing/2014/main" id="{40F74CC9-C294-43A4-A96D-F2F24646AF51}"/>
+              </a:ext>
+            </a:extLst>
+          </p:cNvPr>
+          <p:cNvCxnSpPr>
+            <a:cxnSpLocks/>
+            <a:stCxn id="90" idx="1"/>
+            <a:endCxn id="80" idx="3"/>
+          </p:cNvCxnSpPr>
+          <p:nvPr/>
+        </p:nvCxnSpPr>
+        <p:spPr>
+          <a:xfrm flipH="1">
+            <a:off x="6448452" y="2530643"/>
+            <a:ext cx="1303475" cy="1825"/>
+          </a:xfrm>
+          <a:prstGeom prst="straightConnector1">
+            <a:avLst/>
+          </a:prstGeom>
+          <a:ln w="12700">
+            <a:solidFill>
+              <a:schemeClr val="tx1"/>
+            </a:solidFill>
+            <a:tailEnd type="triangle"/>
+          </a:ln>
+        </p:spPr>
+        <p:style>
+          <a:lnRef idx="1">
+            <a:schemeClr val="accent1"/>
+          </a:lnRef>
+          <a:fillRef idx="0">
+            <a:schemeClr val="accent1"/>
+          </a:fillRef>
+          <a:effectRef idx="0">
+            <a:schemeClr val="accent1"/>
+          </a:effectRef>
+          <a:fontRef idx="minor">
+            <a:schemeClr val="tx1"/>
+          </a:fontRef>
+        </p:style>
+      </p:cxnSp>
+      <p:cxnSp>
+        <p:nvCxnSpPr>
+          <p:cNvPr id="54" name="Gewinkelte Verbindung 40">
+            <a:extLst>
+              <a:ext uri="{FF2B5EF4-FFF2-40B4-BE49-F238E27FC236}">
+                <a16:creationId xmlns:a16="http://schemas.microsoft.com/office/drawing/2014/main" id="{886C5F82-1201-4F21-BF78-A51B3EFDA2F8}"/>
+              </a:ext>
+            </a:extLst>
+          </p:cNvPr>
+          <p:cNvCxnSpPr>
+            <a:cxnSpLocks/>
+            <a:stCxn id="85" idx="3"/>
+            <a:endCxn id="90" idx="2"/>
+          </p:cNvCxnSpPr>
+          <p:nvPr/>
+        </p:nvCxnSpPr>
+        <p:spPr>
+          <a:xfrm flipH="1" flipV="1">
+            <a:off x="8212531" y="2854842"/>
+            <a:ext cx="1362986" cy="1749618"/>
+          </a:xfrm>
+          <a:prstGeom prst="bentConnector4">
+            <a:avLst>
+              <a:gd name="adj1" fmla="val -13977"/>
+              <a:gd name="adj2" fmla="val 71167"/>
+            </a:avLst>
+          </a:prstGeom>
+          <a:ln w="12700">
+            <a:solidFill>
+              <a:schemeClr val="tx1"/>
+            </a:solidFill>
+            <a:tailEnd type="triangle"/>
+          </a:ln>
+        </p:spPr>
+        <p:style>
+          <a:lnRef idx="1">
+            <a:schemeClr val="accent1"/>
+          </a:lnRef>
+          <a:fillRef idx="0">
+            <a:schemeClr val="accent1"/>
+          </a:fillRef>
+          <a:effectRef idx="0">
+            <a:schemeClr val="accent1"/>
+          </a:effectRef>
+          <a:fontRef idx="minor">
+            <a:schemeClr val="tx1"/>
+          </a:fontRef>
+        </p:style>
+      </p:cxnSp>
+      <p:sp>
+        <p:nvSpPr>
+          <p:cNvPr id="59" name="Arc 58">
+            <a:extLst>
+              <a:ext uri="{FF2B5EF4-FFF2-40B4-BE49-F238E27FC236}">
+                <a16:creationId xmlns:a16="http://schemas.microsoft.com/office/drawing/2014/main" id="{4555F664-E937-47E7-8C6D-8B37538043B8}"/>
+              </a:ext>
+            </a:extLst>
+          </p:cNvPr>
+          <p:cNvSpPr/>
+          <p:nvPr/>
+        </p:nvSpPr>
+        <p:spPr>
+          <a:xfrm rot="5923218">
+            <a:off x="6738626" y="2928407"/>
+            <a:ext cx="451253" cy="434736"/>
+          </a:xfrm>
+          <a:prstGeom prst="arc">
+            <a:avLst>
+              <a:gd name="adj1" fmla="val 17479207"/>
+              <a:gd name="adj2" fmla="val 14120949"/>
+            </a:avLst>
+          </a:prstGeom>
+          <a:ln>
+            <a:solidFill>
+              <a:schemeClr val="tx1"/>
+            </a:solidFill>
+            <a:headEnd type="triangle"/>
+            <a:tailEnd type="none"/>
+          </a:ln>
+        </p:spPr>
+        <p:style>
+          <a:lnRef idx="1">
+            <a:schemeClr val="accent1"/>
+          </a:lnRef>
+          <a:fillRef idx="0">
+            <a:schemeClr val="accent1"/>
+          </a:fillRef>
+          <a:effectRef idx="0">
+            <a:schemeClr val="accent1"/>
+          </a:effectRef>
+          <a:fontRef idx="minor">
+            <a:schemeClr val="tx1"/>
+          </a:fontRef>
+        </p:style>
+        <p:txBody>
+          <a:bodyPr rtlCol="0" anchor="ctr"/>
+          <a:lstStyle/>
+          <a:p>
+            <a:pPr algn="ctr"/>
+            <a:endParaRPr lang="en-GB" dirty="0"/>
+          </a:p>
+        </p:txBody>
+      </p:sp>
+      <p:sp>
+        <p:nvSpPr>
+          <p:cNvPr id="61" name="Textfeld 64">
+            <a:extLst>
+              <a:ext uri="{FF2B5EF4-FFF2-40B4-BE49-F238E27FC236}">
+                <a16:creationId xmlns:a16="http://schemas.microsoft.com/office/drawing/2014/main" id="{2944DB27-9125-4728-879C-62D67EA51621}"/>
+              </a:ext>
+            </a:extLst>
+          </p:cNvPr>
+          <p:cNvSpPr txBox="1"/>
+          <p:nvPr/>
+        </p:nvSpPr>
+        <p:spPr>
+          <a:xfrm>
+            <a:off x="6829465" y="3013870"/>
+            <a:ext cx="702572" cy="261610"/>
+          </a:xfrm>
+          <a:prstGeom prst="rect">
+            <a:avLst/>
+          </a:prstGeom>
+          <a:noFill/>
+        </p:spPr>
+        <p:txBody>
+          <a:bodyPr wrap="square" rtlCol="0">
+            <a:spAutoFit/>
+          </a:bodyPr>
+          <a:lstStyle/>
+          <a:p>
+            <a:r>
+              <a:rPr lang="en-US" sz="1100" dirty="0">
+                <a:solidFill>
+                  <a:schemeClr val="tx1">
+                    <a:lumMod val="75000"/>
+                    <a:lumOff val="25000"/>
+                  </a:schemeClr>
+                </a:solidFill>
+                <a:latin typeface="Futura"/>
+                <a:cs typeface="Times New Roman" panose="02020603050405020304" pitchFamily="18" charset="0"/>
+              </a:rPr>
+              <a:t>iterate</a:t>
+            </a:r>
+          </a:p>
+        </p:txBody>
+      </p:sp>
+      <p:sp>
+        <p:nvSpPr>
+          <p:cNvPr id="62" name="Textfeld 64">
+            <a:extLst>
+              <a:ext uri="{FF2B5EF4-FFF2-40B4-BE49-F238E27FC236}">
+                <a16:creationId xmlns:a16="http://schemas.microsoft.com/office/drawing/2014/main" id="{33B02905-0A7F-47DE-BD7F-BFBD5A9ED46C}"/>
+              </a:ext>
+            </a:extLst>
+          </p:cNvPr>
+          <p:cNvSpPr txBox="1"/>
+          <p:nvPr/>
+        </p:nvSpPr>
+        <p:spPr>
+          <a:xfrm>
+            <a:off x="6566691" y="3699514"/>
+            <a:ext cx="1230742" cy="253916"/>
+          </a:xfrm>
+          <a:prstGeom prst="rect">
+            <a:avLst/>
+          </a:prstGeom>
+          <a:noFill/>
+        </p:spPr>
+        <p:txBody>
+          <a:bodyPr wrap="square" rtlCol="0">
+            <a:spAutoFit/>
+          </a:bodyPr>
+          <a:lstStyle/>
+          <a:p>
+            <a:r>
+              <a:rPr lang="en-US" sz="1050" b="1" dirty="0">
+                <a:solidFill>
+                  <a:schemeClr val="tx1">
+                    <a:lumMod val="75000"/>
+                    <a:lumOff val="25000"/>
+                  </a:schemeClr>
+                </a:solidFill>
+                <a:latin typeface="Futura"/>
+                <a:cs typeface="Times New Roman" panose="02020603050405020304" pitchFamily="18" charset="0"/>
+              </a:rPr>
+              <a:t>active learning</a:t>
+            </a:r>
+          </a:p>
+        </p:txBody>
+      </p:sp>
+      <p:sp>
+        <p:nvSpPr>
+          <p:cNvPr id="78" name="Rectangle: Rounded Corners 77">
+            <a:extLst>
+              <a:ext uri="{FF2B5EF4-FFF2-40B4-BE49-F238E27FC236}">
+                <a16:creationId xmlns:a16="http://schemas.microsoft.com/office/drawing/2014/main" id="{6FEC4CEE-7151-4CAA-9BC3-C2B4CF1ADF16}"/>
+              </a:ext>
+            </a:extLst>
+          </p:cNvPr>
+          <p:cNvSpPr/>
+          <p:nvPr/>
+        </p:nvSpPr>
+        <p:spPr>
+          <a:xfrm>
+            <a:off x="8816438" y="2207202"/>
+            <a:ext cx="968459" cy="644397"/>
+          </a:xfrm>
+          <a:prstGeom prst="roundRect">
+            <a:avLst>
+              <a:gd name="adj" fmla="val 10145"/>
+            </a:avLst>
+          </a:prstGeom>
+          <a:solidFill>
+            <a:schemeClr val="bg1"/>
+          </a:solidFill>
+          <a:ln w="12700">
+            <a:solidFill>
+              <a:schemeClr val="tx1"/>
+            </a:solidFill>
+            <a:prstDash val="lgDashDotDot"/>
+          </a:ln>
+        </p:spPr>
+        <p:style>
+          <a:lnRef idx="2">
+            <a:schemeClr val="accent1">
+              <a:shade val="50000"/>
+            </a:schemeClr>
+          </a:lnRef>
+          <a:fillRef idx="1">
+            <a:schemeClr val="accent1"/>
+          </a:fillRef>
+          <a:effectRef idx="0">
+            <a:schemeClr val="accent1"/>
+          </a:effectRef>
+          <a:fontRef idx="minor">
+            <a:schemeClr val="lt1"/>
+          </a:fontRef>
+        </p:style>
+        <p:txBody>
+          <a:bodyPr rtlCol="0" anchor="ctr"/>
+          <a:lstStyle/>
+          <a:p>
+            <a:pPr algn="ctr"/>
+            <a:r>
+              <a:rPr lang="en-US" sz="1050" dirty="0">
+                <a:solidFill>
+                  <a:schemeClr val="tx1"/>
+                </a:solidFill>
+                <a:latin typeface="Futura"/>
+                <a:cs typeface="Times New Roman" panose="02020603050405020304" pitchFamily="18" charset="0"/>
+              </a:rPr>
+              <a:t>multiclass level uncertainty</a:t>
+            </a:r>
+          </a:p>
+        </p:txBody>
+      </p:sp>
+      <p:cxnSp>
+        <p:nvCxnSpPr>
+          <p:cNvPr id="92" name="Gewinkelte Verbindung 40">
+            <a:extLst>
+              <a:ext uri="{FF2B5EF4-FFF2-40B4-BE49-F238E27FC236}">
+                <a16:creationId xmlns:a16="http://schemas.microsoft.com/office/drawing/2014/main" id="{612A29B6-BDEE-4503-B2B4-F5922CDAF31B}"/>
+              </a:ext>
+            </a:extLst>
+          </p:cNvPr>
+          <p:cNvCxnSpPr>
+            <a:cxnSpLocks/>
+            <a:stCxn id="103" idx="3"/>
+            <a:endCxn id="78" idx="0"/>
+          </p:cNvCxnSpPr>
+          <p:nvPr/>
+        </p:nvCxnSpPr>
+        <p:spPr>
+          <a:xfrm rot="16200000" flipH="1">
+            <a:off x="8569819" y="1476352"/>
+            <a:ext cx="379077" cy="1082621"/>
+          </a:xfrm>
+          <a:prstGeom prst="bentConnector3">
+            <a:avLst>
+              <a:gd name="adj1" fmla="val 33919"/>
+            </a:avLst>
+          </a:prstGeom>
+          <a:ln w="12700">
+            <a:solidFill>
+              <a:schemeClr val="tx1"/>
+            </a:solidFill>
+            <a:prstDash val="lgDashDotDot"/>
+            <a:tailEnd type="triangle"/>
+          </a:ln>
+        </p:spPr>
+        <p:style>
+          <a:lnRef idx="1">
+            <a:schemeClr val="accent1"/>
+          </a:lnRef>
+          <a:fillRef idx="0">
+            <a:schemeClr val="accent1"/>
+          </a:fillRef>
+          <a:effectRef idx="0">
+            <a:schemeClr val="accent1"/>
+          </a:effectRef>
+          <a:fontRef idx="minor">
+            <a:schemeClr val="tx1"/>
+          </a:fontRef>
+        </p:style>
+      </p:cxnSp>
+      <p:sp>
+        <p:nvSpPr>
+          <p:cNvPr id="93" name="Rectangle: Rounded Corners 92">
+            <a:extLst>
+              <a:ext uri="{FF2B5EF4-FFF2-40B4-BE49-F238E27FC236}">
+                <a16:creationId xmlns:a16="http://schemas.microsoft.com/office/drawing/2014/main" id="{44A052BE-3336-49FC-AD68-5EDC731747B6}"/>
+              </a:ext>
+            </a:extLst>
+          </p:cNvPr>
+          <p:cNvSpPr/>
+          <p:nvPr/>
+        </p:nvSpPr>
+        <p:spPr>
+          <a:xfrm>
+            <a:off x="7746785" y="2970441"/>
+            <a:ext cx="2038112" cy="274076"/>
+          </a:xfrm>
+          <a:prstGeom prst="roundRect">
+            <a:avLst>
+              <a:gd name="adj" fmla="val 10145"/>
+            </a:avLst>
+          </a:prstGeom>
+          <a:solidFill>
+            <a:schemeClr val="bg1"/>
+          </a:solidFill>
+          <a:ln w="12700">
+            <a:solidFill>
+              <a:schemeClr val="tx1"/>
+            </a:solidFill>
+          </a:ln>
+        </p:spPr>
+        <p:style>
+          <a:lnRef idx="2">
+            <a:schemeClr val="accent1">
+              <a:shade val="50000"/>
+            </a:schemeClr>
+          </a:lnRef>
+          <a:fillRef idx="1">
+            <a:schemeClr val="accent1"/>
+          </a:fillRef>
+          <a:effectRef idx="0">
+            <a:schemeClr val="accent1"/>
+          </a:effectRef>
+          <a:fontRef idx="minor">
+            <a:schemeClr val="lt1"/>
+          </a:fontRef>
+        </p:style>
+        <p:txBody>
+          <a:bodyPr rtlCol="0" anchor="ctr"/>
+          <a:lstStyle/>
+          <a:p>
+            <a:pPr algn="ctr"/>
+            <a:r>
+              <a:rPr lang="en-US" sz="1050" dirty="0">
+                <a:solidFill>
+                  <a:schemeClr val="tx1"/>
+                </a:solidFill>
+                <a:latin typeface="Futura"/>
+                <a:cs typeface="Times New Roman" panose="02020603050405020304" pitchFamily="18" charset="0"/>
+              </a:rPr>
+              <a:t>with PCA / t-SNE + k-means </a:t>
+            </a:r>
+          </a:p>
+        </p:txBody>
+      </p:sp>
+      <p:cxnSp>
+        <p:nvCxnSpPr>
+          <p:cNvPr id="120" name="Gerade Verbindung mit Pfeil 42">
+            <a:extLst>
+              <a:ext uri="{FF2B5EF4-FFF2-40B4-BE49-F238E27FC236}">
+                <a16:creationId xmlns:a16="http://schemas.microsoft.com/office/drawing/2014/main" id="{37FA7EBC-C531-4433-9948-E3419A6B75D5}"/>
+              </a:ext>
+            </a:extLst>
+          </p:cNvPr>
+          <p:cNvCxnSpPr>
+            <a:cxnSpLocks/>
+          </p:cNvCxnSpPr>
+          <p:nvPr/>
+        </p:nvCxnSpPr>
+        <p:spPr>
+          <a:xfrm flipV="1">
+            <a:off x="9300667" y="2862926"/>
+            <a:ext cx="0" cy="107515"/>
+          </a:xfrm>
+          <a:prstGeom prst="straightConnector1">
+            <a:avLst/>
+          </a:prstGeom>
+          <a:ln w="12700">
+            <a:solidFill>
+              <a:schemeClr val="tx1"/>
+            </a:solidFill>
+            <a:prstDash val="lgDashDotDot"/>
+            <a:headEnd type="none"/>
+            <a:tailEnd type="none"/>
+          </a:ln>
+        </p:spPr>
+        <p:style>
+          <a:lnRef idx="1">
+            <a:schemeClr val="accent1"/>
+          </a:lnRef>
+          <a:fillRef idx="0">
+            <a:schemeClr val="accent1"/>
+          </a:fillRef>
+          <a:effectRef idx="0">
+            <a:schemeClr val="accent1"/>
+          </a:effectRef>
+          <a:fontRef idx="minor">
+            <a:schemeClr val="tx1"/>
+          </a:fontRef>
+        </p:style>
+      </p:cxnSp>
+      <p:cxnSp>
+        <p:nvCxnSpPr>
+          <p:cNvPr id="124" name="Gerade Verbindung mit Pfeil 42">
+            <a:extLst>
+              <a:ext uri="{FF2B5EF4-FFF2-40B4-BE49-F238E27FC236}">
+                <a16:creationId xmlns:a16="http://schemas.microsoft.com/office/drawing/2014/main" id="{9DF4B7FB-FC42-4E4D-8D09-69A115170359}"/>
+              </a:ext>
+            </a:extLst>
+          </p:cNvPr>
+          <p:cNvCxnSpPr>
+            <a:cxnSpLocks/>
+          </p:cNvCxnSpPr>
+          <p:nvPr/>
+        </p:nvCxnSpPr>
+        <p:spPr>
+          <a:xfrm flipV="1">
+            <a:off x="8460432" y="2862926"/>
+            <a:ext cx="0" cy="104272"/>
+          </a:xfrm>
+          <a:prstGeom prst="straightConnector1">
+            <a:avLst/>
+          </a:prstGeom>
+          <a:ln w="12700">
+            <a:solidFill>
+              <a:schemeClr val="tx1"/>
+            </a:solidFill>
+            <a:prstDash val="lgDashDotDot"/>
+            <a:headEnd type="none"/>
+            <a:tailEnd type="none"/>
+          </a:ln>
+        </p:spPr>
+        <p:style>
+          <a:lnRef idx="1">
+            <a:schemeClr val="accent1"/>
+          </a:lnRef>
+          <a:fillRef idx="0">
+            <a:schemeClr val="accent1"/>
+          </a:fillRef>
+          <a:effectRef idx="0">
+            <a:schemeClr val="accent1"/>
+          </a:effectRef>
+          <a:fontRef idx="minor">
+            <a:schemeClr val="tx1"/>
+          </a:fontRef>
+        </p:style>
+      </p:cxnSp>
+      <p:cxnSp>
+        <p:nvCxnSpPr>
+          <p:cNvPr id="129" name="Gerade Verbindung mit Pfeil 42">
+            <a:extLst>
+              <a:ext uri="{FF2B5EF4-FFF2-40B4-BE49-F238E27FC236}">
+                <a16:creationId xmlns:a16="http://schemas.microsoft.com/office/drawing/2014/main" id="{F9836B99-40DE-48F0-A994-CB091ADCCC2D}"/>
+              </a:ext>
+            </a:extLst>
+          </p:cNvPr>
+          <p:cNvCxnSpPr>
+            <a:cxnSpLocks/>
+          </p:cNvCxnSpPr>
+          <p:nvPr/>
+        </p:nvCxnSpPr>
+        <p:spPr>
+          <a:xfrm flipV="1">
+            <a:off x="8200307" y="-312585"/>
+            <a:ext cx="6112" cy="386505"/>
+          </a:xfrm>
+          <a:prstGeom prst="straightConnector1">
+            <a:avLst/>
+          </a:prstGeom>
+          <a:ln w="12700">
+            <a:solidFill>
+              <a:schemeClr val="tx1"/>
+            </a:solidFill>
+            <a:prstDash val="lgDashDotDot"/>
+            <a:headEnd type="triangle"/>
+            <a:tailEnd type="none"/>
+          </a:ln>
+        </p:spPr>
+        <p:style>
+          <a:lnRef idx="1">
+            <a:schemeClr val="accent1"/>
+          </a:lnRef>
+          <a:fillRef idx="0">
+            <a:schemeClr val="accent1"/>
+          </a:fillRef>
+          <a:effectRef idx="0">
+            <a:schemeClr val="accent1"/>
+          </a:effectRef>
+          <a:fontRef idx="minor">
+            <a:schemeClr val="tx1"/>
+          </a:fontRef>
+        </p:style>
+      </p:cxnSp>
+      <p:cxnSp>
+        <p:nvCxnSpPr>
+          <p:cNvPr id="130" name="Gerade Verbindung mit Pfeil 42">
+            <a:extLst>
+              <a:ext uri="{FF2B5EF4-FFF2-40B4-BE49-F238E27FC236}">
+                <a16:creationId xmlns:a16="http://schemas.microsoft.com/office/drawing/2014/main" id="{FCF60B42-4151-491F-9800-AA7062CB0521}"/>
+              </a:ext>
+            </a:extLst>
+          </p:cNvPr>
+          <p:cNvCxnSpPr>
+            <a:cxnSpLocks/>
+          </p:cNvCxnSpPr>
+          <p:nvPr/>
+        </p:nvCxnSpPr>
+        <p:spPr>
+          <a:xfrm flipV="1">
+            <a:off x="8200306" y="189284"/>
+            <a:ext cx="1" cy="387479"/>
+          </a:xfrm>
+          <a:prstGeom prst="straightConnector1">
+            <a:avLst/>
+          </a:prstGeom>
+          <a:ln w="12700">
+            <a:solidFill>
+              <a:schemeClr val="tx1"/>
+            </a:solidFill>
+            <a:prstDash val="dash"/>
+            <a:headEnd type="triangle"/>
+            <a:tailEnd type="none"/>
+          </a:ln>
+        </p:spPr>
+        <p:style>
+          <a:lnRef idx="1">
+            <a:schemeClr val="accent1"/>
+          </a:lnRef>
+          <a:fillRef idx="0">
+            <a:schemeClr val="accent1"/>
+          </a:fillRef>
+          <a:effectRef idx="0">
+            <a:schemeClr val="accent1"/>
+          </a:effectRef>
+          <a:fontRef idx="minor">
+            <a:schemeClr val="tx1"/>
+          </a:fontRef>
+        </p:style>
+      </p:cxnSp>
+      <p:cxnSp>
+        <p:nvCxnSpPr>
+          <p:cNvPr id="65" name="Gewinkelte Verbindung 40">
+            <a:extLst>
+              <a:ext uri="{FF2B5EF4-FFF2-40B4-BE49-F238E27FC236}">
+                <a16:creationId xmlns:a16="http://schemas.microsoft.com/office/drawing/2014/main" id="{740DE305-B385-4966-8CB0-B7CBF54EEBCB}"/>
+              </a:ext>
+            </a:extLst>
+          </p:cNvPr>
+          <p:cNvCxnSpPr>
+            <a:cxnSpLocks/>
+            <a:stCxn id="80" idx="2"/>
+            <a:endCxn id="85" idx="0"/>
+          </p:cNvCxnSpPr>
+          <p:nvPr/>
+        </p:nvCxnSpPr>
+        <p:spPr>
+          <a:xfrm rot="16200000" flipH="1">
+            <a:off x="6820984" y="1984728"/>
+            <a:ext cx="1423594" cy="3167472"/>
+          </a:xfrm>
+          <a:prstGeom prst="bentConnector3">
+            <a:avLst>
+              <a:gd name="adj1" fmla="val 43044"/>
+            </a:avLst>
+          </a:prstGeom>
+          <a:ln w="12700">
+            <a:solidFill>
+              <a:schemeClr val="tx1"/>
+            </a:solidFill>
+            <a:tailEnd type="triangle"/>
+          </a:ln>
+        </p:spPr>
+        <p:style>
+          <a:lnRef idx="1">
+            <a:schemeClr val="accent1"/>
+          </a:lnRef>
+          <a:fillRef idx="0">
+            <a:schemeClr val="accent1"/>
+          </a:fillRef>
+          <a:effectRef idx="0">
+            <a:schemeClr val="accent1"/>
+          </a:effectRef>
+          <a:fontRef idx="minor">
+            <a:schemeClr val="tx1"/>
+          </a:fontRef>
+        </p:style>
+      </p:cxnSp>
+      <mc:AlternateContent xmlns:mc="http://schemas.openxmlformats.org/markup-compatibility/2006">
+        <mc:Choice xmlns:a14="http://schemas.microsoft.com/office/drawing/2010/main" Requires="a14">
+          <p:sp>
+            <p:nvSpPr>
+              <p:cNvPr id="69" name="Textfeld 60">
+                <a:extLst>
+                  <a:ext uri="{FF2B5EF4-FFF2-40B4-BE49-F238E27FC236}">
+                    <a16:creationId xmlns:a16="http://schemas.microsoft.com/office/drawing/2014/main" id="{161E8B89-1208-4C23-BC45-199409AFA1A0}"/>
+                  </a:ext>
+                </a:extLst>
+              </p:cNvPr>
+              <p:cNvSpPr txBox="1"/>
+              <p:nvPr/>
+            </p:nvSpPr>
+            <p:spPr>
+              <a:xfrm>
+                <a:off x="5923670" y="3011893"/>
+                <a:ext cx="432554" cy="261610"/>
+              </a:xfrm>
+              <a:prstGeom prst="rect">
+                <a:avLst/>
+              </a:prstGeom>
+              <a:noFill/>
+            </p:spPr>
+            <p:txBody>
+              <a:bodyPr wrap="none" rtlCol="0">
+                <a:spAutoFit/>
+              </a:bodyPr>
+              <a:lstStyle/>
+              <a:p>
+                <a:pPr/>
+                <a14:m>
+                  <m:oMathPara xmlns:m="http://schemas.openxmlformats.org/officeDocument/2006/math">
+                    <m:oMathParaPr>
+                      <m:jc m:val="centerGroup"/>
+                    </m:oMathParaPr>
+                    <m:oMath xmlns:m="http://schemas.openxmlformats.org/officeDocument/2006/math">
+                      <m:sSub>
+                        <m:sSubPr>
+                          <m:ctrlPr>
+                            <a:rPr lang="de-DE" sz="1100" i="1" smtClean="0">
+                              <a:latin typeface="Cambria Math" panose="02040503050406030204" pitchFamily="18" charset="0"/>
+                            </a:rPr>
+                          </m:ctrlPr>
+                        </m:sSubPr>
+                        <m:e>
+                          <m:r>
+                            <a:rPr lang="en-US" sz="1100" i="1">
+                              <a:latin typeface="Cambria Math" panose="02040503050406030204" pitchFamily="18" charset="0"/>
+                            </a:rPr>
+                            <m:t>𝑈</m:t>
+                          </m:r>
+                        </m:e>
+                        <m:sub>
+                          <m:r>
+                            <a:rPr lang="it-IT" sz="1100" b="0" i="1" smtClean="0">
+                              <a:latin typeface="Cambria Math" panose="02040503050406030204" pitchFamily="18" charset="0"/>
+                            </a:rPr>
+                            <m:t>𝐴𝐿</m:t>
+                          </m:r>
+                        </m:sub>
+                      </m:sSub>
+                    </m:oMath>
+                  </m:oMathPara>
+                </a14:m>
+                <a:endParaRPr lang="de-DE" dirty="0"/>
+              </a:p>
+            </p:txBody>
+          </p:sp>
+        </mc:Choice>
+        <mc:Fallback>
+          <p:sp>
+            <p:nvSpPr>
+              <p:cNvPr id="69" name="Textfeld 60">
+                <a:extLst>
+                  <a:ext uri="{FF2B5EF4-FFF2-40B4-BE49-F238E27FC236}">
+                    <a16:creationId xmlns:a16="http://schemas.microsoft.com/office/drawing/2014/main" id="{161E8B89-1208-4C23-BC45-199409AFA1A0}"/>
+                  </a:ext>
+                </a:extLst>
+              </p:cNvPr>
+              <p:cNvSpPr txBox="1">
+                <a:spLocks noRot="1" noChangeAspect="1" noMove="1" noResize="1" noEditPoints="1" noAdjustHandles="1" noChangeArrowheads="1" noChangeShapeType="1" noTextEdit="1"/>
+              </p:cNvSpPr>
+              <p:nvPr/>
+            </p:nvSpPr>
+            <p:spPr>
+              <a:xfrm>
+                <a:off x="5923670" y="3011893"/>
+                <a:ext cx="432554" cy="261610"/>
+              </a:xfrm>
+              <a:prstGeom prst="rect">
+                <a:avLst/>
+              </a:prstGeom>
+              <a:blipFill>
+                <a:blip r:embed="rId11"/>
+                <a:stretch>
+                  <a:fillRect/>
+                </a:stretch>
+              </a:blipFill>
+            </p:spPr>
+            <p:txBody>
+              <a:bodyPr/>
+              <a:lstStyle/>
+              <a:p>
+                <a:r>
+                  <a:rPr lang="en-GB">
+                    <a:noFill/>
+                  </a:rPr>
+                  <a:t> </a:t>
+                </a:r>
+              </a:p>
+            </p:txBody>
+          </p:sp>
+        </mc:Fallback>
+      </mc:AlternateContent>
+      <mc:AlternateContent xmlns:mc="http://schemas.openxmlformats.org/markup-compatibility/2006">
+        <mc:Choice xmlns:a14="http://schemas.microsoft.com/office/drawing/2010/main" Requires="a14">
+          <p:sp>
+            <p:nvSpPr>
+              <p:cNvPr id="70" name="Textfeld 60">
+                <a:extLst>
+                  <a:ext uri="{FF2B5EF4-FFF2-40B4-BE49-F238E27FC236}">
+                    <a16:creationId xmlns:a16="http://schemas.microsoft.com/office/drawing/2014/main" id="{25C394CF-F1B6-4F75-910D-E0776DB63A0C}"/>
+                  </a:ext>
+                </a:extLst>
+              </p:cNvPr>
+              <p:cNvSpPr txBox="1"/>
+              <p:nvPr/>
+            </p:nvSpPr>
+            <p:spPr>
+              <a:xfrm>
+                <a:off x="5361926" y="3008431"/>
+                <a:ext cx="412805" cy="261610"/>
+              </a:xfrm>
+              <a:prstGeom prst="rect">
+                <a:avLst/>
+              </a:prstGeom>
+              <a:noFill/>
+            </p:spPr>
+            <p:txBody>
+              <a:bodyPr wrap="none" rtlCol="0">
+                <a:spAutoFit/>
+              </a:bodyPr>
+              <a:lstStyle/>
+              <a:p>
+                <a:pPr/>
+                <a14:m>
+                  <m:oMathPara xmlns:m="http://schemas.openxmlformats.org/officeDocument/2006/math">
+                    <m:oMathParaPr>
+                      <m:jc m:val="centerGroup"/>
+                    </m:oMathParaPr>
+                    <m:oMath xmlns:m="http://schemas.openxmlformats.org/officeDocument/2006/math">
+                      <m:sSub>
+                        <m:sSubPr>
+                          <m:ctrlPr>
+                            <a:rPr lang="de-DE" sz="1100" i="1" smtClean="0">
+                              <a:latin typeface="Cambria Math" panose="02040503050406030204" pitchFamily="18" charset="0"/>
+                            </a:rPr>
+                          </m:ctrlPr>
+                        </m:sSubPr>
+                        <m:e>
+                          <m:r>
+                            <a:rPr lang="it-IT" sz="1100" b="0" i="1" smtClean="0">
+                              <a:latin typeface="Cambria Math" panose="02040503050406030204" pitchFamily="18" charset="0"/>
+                            </a:rPr>
+                            <m:t>𝑉</m:t>
+                          </m:r>
+                        </m:e>
+                        <m:sub>
+                          <m:r>
+                            <a:rPr lang="it-IT" sz="1100" b="0" i="1" smtClean="0">
+                              <a:latin typeface="Cambria Math" panose="02040503050406030204" pitchFamily="18" charset="0"/>
+                            </a:rPr>
+                            <m:t>𝐴𝐿</m:t>
+                          </m:r>
+                        </m:sub>
+                      </m:sSub>
+                    </m:oMath>
+                  </m:oMathPara>
+                </a14:m>
+                <a:endParaRPr lang="de-DE" dirty="0"/>
+              </a:p>
+            </p:txBody>
+          </p:sp>
+        </mc:Choice>
+        <mc:Fallback>
+          <p:sp>
+            <p:nvSpPr>
+              <p:cNvPr id="70" name="Textfeld 60">
+                <a:extLst>
+                  <a:ext uri="{FF2B5EF4-FFF2-40B4-BE49-F238E27FC236}">
+                    <a16:creationId xmlns:a16="http://schemas.microsoft.com/office/drawing/2014/main" id="{25C394CF-F1B6-4F75-910D-E0776DB63A0C}"/>
+                  </a:ext>
+                </a:extLst>
+              </p:cNvPr>
+              <p:cNvSpPr txBox="1">
+                <a:spLocks noRot="1" noChangeAspect="1" noMove="1" noResize="1" noEditPoints="1" noAdjustHandles="1" noChangeArrowheads="1" noChangeShapeType="1" noTextEdit="1"/>
+              </p:cNvSpPr>
+              <p:nvPr/>
+            </p:nvSpPr>
+            <p:spPr>
+              <a:xfrm>
+                <a:off x="5361926" y="3008431"/>
+                <a:ext cx="412805" cy="261610"/>
+              </a:xfrm>
+              <a:prstGeom prst="rect">
+                <a:avLst/>
+              </a:prstGeom>
+              <a:blipFill>
+                <a:blip r:embed="rId12"/>
+                <a:stretch>
+                  <a:fillRect/>
+                </a:stretch>
+              </a:blipFill>
+            </p:spPr>
+            <p:txBody>
+              <a:bodyPr/>
+              <a:lstStyle/>
+              <a:p>
+                <a:r>
+                  <a:rPr lang="en-GB">
+                    <a:noFill/>
+                  </a:rPr>
+                  <a:t> </a:t>
+                </a:r>
+              </a:p>
+            </p:txBody>
+          </p:sp>
+        </mc:Fallback>
+      </mc:AlternateContent>
+      <p:cxnSp>
+        <p:nvCxnSpPr>
+          <p:cNvPr id="71" name="Gewinkelte Verbindung 40">
+            <a:extLst>
+              <a:ext uri="{FF2B5EF4-FFF2-40B4-BE49-F238E27FC236}">
+                <a16:creationId xmlns:a16="http://schemas.microsoft.com/office/drawing/2014/main" id="{4BE4F93D-4D26-4E68-AFE2-92C6A7668E35}"/>
+              </a:ext>
+            </a:extLst>
+          </p:cNvPr>
+          <p:cNvCxnSpPr>
+            <a:cxnSpLocks/>
+            <a:stCxn id="80" idx="1"/>
+            <a:endCxn id="82" idx="0"/>
+          </p:cNvCxnSpPr>
+          <p:nvPr/>
+        </p:nvCxnSpPr>
+        <p:spPr>
+          <a:xfrm rot="10800000" flipH="1" flipV="1">
+            <a:off x="5449638" y="2532467"/>
+            <a:ext cx="504118" cy="1745907"/>
+          </a:xfrm>
+          <a:prstGeom prst="bentConnector4">
+            <a:avLst>
+              <a:gd name="adj1" fmla="val -13500"/>
+              <a:gd name="adj2" fmla="val 75677"/>
+            </a:avLst>
+          </a:prstGeom>
+          <a:ln w="12700">
+            <a:solidFill>
+              <a:schemeClr val="tx1"/>
+            </a:solidFill>
+            <a:prstDash val="dash"/>
+            <a:tailEnd type="triangle"/>
+          </a:ln>
+        </p:spPr>
+        <p:style>
+          <a:lnRef idx="1">
+            <a:schemeClr val="accent1"/>
+          </a:lnRef>
+          <a:fillRef idx="0">
+            <a:schemeClr val="accent1"/>
+          </a:fillRef>
+          <a:effectRef idx="0">
+            <a:schemeClr val="accent1"/>
+          </a:effectRef>
+          <a:fontRef idx="minor">
+            <a:schemeClr val="tx1"/>
+          </a:fontRef>
+        </p:style>
+      </p:cxnSp>
+    </p:spTree>
+    <p:extLst>
+      <p:ext uri="{BB962C8B-B14F-4D97-AF65-F5344CB8AC3E}">
+        <p14:creationId xmlns:p14="http://schemas.microsoft.com/office/powerpoint/2010/main" val="164477045"/>
       </p:ext>
     </p:extLst>
   </p:cSld>
